--- a/FILE/금융실명제.pptx
+++ b/FILE/금융실명제.pptx
@@ -5,7 +5,7 @@
     <p:sldMasterId id="2147483648" r:id="rId1"/>
   </p:sldMasterIdLst>
   <p:notesMasterIdLst>
-    <p:notesMasterId r:id="rId9"/>
+    <p:notesMasterId r:id="rId8"/>
   </p:notesMasterIdLst>
   <p:sldIdLst>
     <p:sldId id="257" r:id="rId2"/>
@@ -13,8 +13,7 @@
     <p:sldId id="259" r:id="rId4"/>
     <p:sldId id="260" r:id="rId5"/>
     <p:sldId id="261" r:id="rId6"/>
-    <p:sldId id="262" r:id="rId7"/>
-    <p:sldId id="263" r:id="rId8"/>
+    <p:sldId id="263" r:id="rId7"/>
   </p:sldIdLst>
   <p:sldSz cx="12192000" cy="6858000"/>
   <p:notesSz cx="6858000" cy="9144000"/>
@@ -113,7 +112,3060 @@
       </a:defRPr>
     </a:lvl9pPr>
   </p:defaultTextStyle>
+  <p:extLst>
+    <p:ext uri="{EFAFB233-063F-42B5-8137-9DF3F51BA10A}">
+      <p15:sldGuideLst xmlns:p15="http://schemas.microsoft.com/office/powerpoint/2012/main"/>
+    </p:ext>
+  </p:extLst>
 </p:presentation>
+</file>
+
+<file path=ppt/diagrams/colors1.xml><?xml version="1.0" encoding="utf-8"?>
+<dgm:colorsDef xmlns:dgm="http://schemas.openxmlformats.org/drawingml/2006/diagram" xmlns:a="http://schemas.openxmlformats.org/drawingml/2006/main" uniqueId="urn:microsoft.com/office/officeart/2005/8/colors/accent0_3">
+  <dgm:title val=""/>
+  <dgm:desc val=""/>
+  <dgm:catLst>
+    <dgm:cat type="mainScheme" pri="10300"/>
+  </dgm:catLst>
+  <dgm:styleLbl name="node0">
+    <dgm:fillClrLst meth="repeat">
+      <a:schemeClr val="dk2"/>
+    </dgm:fillClrLst>
+    <dgm:linClrLst meth="repeat">
+      <a:schemeClr val="lt2"/>
+    </dgm:linClrLst>
+    <dgm:effectClrLst/>
+    <dgm:txLinClrLst/>
+    <dgm:txFillClrLst/>
+    <dgm:txEffectClrLst/>
+  </dgm:styleLbl>
+  <dgm:styleLbl name="alignNode1">
+    <dgm:fillClrLst meth="repeat">
+      <a:schemeClr val="dk2"/>
+    </dgm:fillClrLst>
+    <dgm:linClrLst meth="repeat">
+      <a:schemeClr val="dk2"/>
+    </dgm:linClrLst>
+    <dgm:effectClrLst/>
+    <dgm:txLinClrLst/>
+    <dgm:txFillClrLst/>
+    <dgm:txEffectClrLst/>
+  </dgm:styleLbl>
+  <dgm:styleLbl name="node1">
+    <dgm:fillClrLst meth="repeat">
+      <a:schemeClr val="dk2"/>
+    </dgm:fillClrLst>
+    <dgm:linClrLst meth="repeat">
+      <a:schemeClr val="lt2"/>
+    </dgm:linClrLst>
+    <dgm:effectClrLst/>
+    <dgm:txLinClrLst/>
+    <dgm:txFillClrLst/>
+    <dgm:txEffectClrLst/>
+  </dgm:styleLbl>
+  <dgm:styleLbl name="lnNode1">
+    <dgm:fillClrLst meth="repeat">
+      <a:schemeClr val="dk2"/>
+    </dgm:fillClrLst>
+    <dgm:linClrLst meth="repeat">
+      <a:schemeClr val="lt2"/>
+    </dgm:linClrLst>
+    <dgm:effectClrLst/>
+    <dgm:txLinClrLst/>
+    <dgm:txFillClrLst/>
+    <dgm:txEffectClrLst/>
+  </dgm:styleLbl>
+  <dgm:styleLbl name="vennNode1">
+    <dgm:fillClrLst meth="repeat">
+      <a:schemeClr val="dk2">
+        <a:alpha val="50000"/>
+      </a:schemeClr>
+    </dgm:fillClrLst>
+    <dgm:linClrLst meth="repeat">
+      <a:schemeClr val="lt2"/>
+    </dgm:linClrLst>
+    <dgm:effectClrLst/>
+    <dgm:txLinClrLst/>
+    <dgm:txFillClrLst/>
+    <dgm:txEffectClrLst/>
+  </dgm:styleLbl>
+  <dgm:styleLbl name="node2">
+    <dgm:fillClrLst meth="repeat">
+      <a:schemeClr val="dk2"/>
+    </dgm:fillClrLst>
+    <dgm:linClrLst meth="repeat">
+      <a:schemeClr val="lt2"/>
+    </dgm:linClrLst>
+    <dgm:effectClrLst/>
+    <dgm:txLinClrLst/>
+    <dgm:txFillClrLst/>
+    <dgm:txEffectClrLst/>
+  </dgm:styleLbl>
+  <dgm:styleLbl name="node3">
+    <dgm:fillClrLst meth="repeat">
+      <a:schemeClr val="dk2"/>
+    </dgm:fillClrLst>
+    <dgm:linClrLst meth="repeat">
+      <a:schemeClr val="lt2"/>
+    </dgm:linClrLst>
+    <dgm:effectClrLst/>
+    <dgm:txLinClrLst/>
+    <dgm:txFillClrLst/>
+    <dgm:txEffectClrLst/>
+  </dgm:styleLbl>
+  <dgm:styleLbl name="node4">
+    <dgm:fillClrLst meth="repeat">
+      <a:schemeClr val="dk2"/>
+    </dgm:fillClrLst>
+    <dgm:linClrLst meth="repeat">
+      <a:schemeClr val="lt2"/>
+    </dgm:linClrLst>
+    <dgm:effectClrLst/>
+    <dgm:txLinClrLst/>
+    <dgm:txFillClrLst/>
+    <dgm:txEffectClrLst/>
+  </dgm:styleLbl>
+  <dgm:styleLbl name="fgImgPlace1">
+    <dgm:fillClrLst meth="repeat">
+      <a:schemeClr val="dk2">
+        <a:tint val="50000"/>
+      </a:schemeClr>
+    </dgm:fillClrLst>
+    <dgm:linClrLst meth="repeat">
+      <a:schemeClr val="lt2"/>
+    </dgm:linClrLst>
+    <dgm:effectClrLst/>
+    <dgm:txLinClrLst/>
+    <dgm:txFillClrLst meth="repeat">
+      <a:schemeClr val="lt2"/>
+    </dgm:txFillClrLst>
+    <dgm:txEffectClrLst/>
+  </dgm:styleLbl>
+  <dgm:styleLbl name="alignImgPlace1">
+    <dgm:fillClrLst meth="repeat">
+      <a:schemeClr val="dk2">
+        <a:tint val="50000"/>
+      </a:schemeClr>
+    </dgm:fillClrLst>
+    <dgm:linClrLst meth="repeat">
+      <a:schemeClr val="dk2">
+        <a:shade val="80000"/>
+      </a:schemeClr>
+    </dgm:linClrLst>
+    <dgm:effectClrLst/>
+    <dgm:txLinClrLst/>
+    <dgm:txFillClrLst meth="repeat">
+      <a:schemeClr val="lt2"/>
+    </dgm:txFillClrLst>
+    <dgm:txEffectClrLst/>
+  </dgm:styleLbl>
+  <dgm:styleLbl name="bgImgPlace1">
+    <dgm:fillClrLst meth="repeat">
+      <a:schemeClr val="dk2">
+        <a:tint val="50000"/>
+      </a:schemeClr>
+    </dgm:fillClrLst>
+    <dgm:linClrLst meth="repeat">
+      <a:schemeClr val="dk2">
+        <a:shade val="80000"/>
+      </a:schemeClr>
+    </dgm:linClrLst>
+    <dgm:effectClrLst/>
+    <dgm:txLinClrLst/>
+    <dgm:txFillClrLst meth="repeat">
+      <a:schemeClr val="lt2"/>
+    </dgm:txFillClrLst>
+    <dgm:txEffectClrLst/>
+  </dgm:styleLbl>
+  <dgm:styleLbl name="sibTrans2D1">
+    <dgm:fillClrLst meth="repeat">
+      <a:schemeClr val="dk2">
+        <a:tint val="60000"/>
+      </a:schemeClr>
+    </dgm:fillClrLst>
+    <dgm:linClrLst meth="repeat">
+      <a:schemeClr val="dk2">
+        <a:tint val="60000"/>
+      </a:schemeClr>
+    </dgm:linClrLst>
+    <dgm:effectClrLst/>
+    <dgm:txLinClrLst/>
+    <dgm:txFillClrLst/>
+    <dgm:txEffectClrLst/>
+  </dgm:styleLbl>
+  <dgm:styleLbl name="fgSibTrans2D1">
+    <dgm:fillClrLst meth="repeat">
+      <a:schemeClr val="dk2">
+        <a:tint val="60000"/>
+      </a:schemeClr>
+    </dgm:fillClrLst>
+    <dgm:linClrLst meth="repeat">
+      <a:schemeClr val="dk2">
+        <a:tint val="60000"/>
+      </a:schemeClr>
+    </dgm:linClrLst>
+    <dgm:effectClrLst/>
+    <dgm:txLinClrLst/>
+    <dgm:txFillClrLst/>
+    <dgm:txEffectClrLst/>
+  </dgm:styleLbl>
+  <dgm:styleLbl name="bgSibTrans2D1">
+    <dgm:fillClrLst meth="repeat">
+      <a:schemeClr val="dk2">
+        <a:tint val="60000"/>
+      </a:schemeClr>
+    </dgm:fillClrLst>
+    <dgm:linClrLst meth="repeat">
+      <a:schemeClr val="dk2">
+        <a:tint val="60000"/>
+      </a:schemeClr>
+    </dgm:linClrLst>
+    <dgm:effectClrLst/>
+    <dgm:txLinClrLst/>
+    <dgm:txFillClrLst/>
+    <dgm:txEffectClrLst/>
+  </dgm:styleLbl>
+  <dgm:styleLbl name="sibTrans1D1">
+    <dgm:fillClrLst meth="repeat">
+      <a:schemeClr val="dk2"/>
+    </dgm:fillClrLst>
+    <dgm:linClrLst meth="repeat">
+      <a:schemeClr val="dk2"/>
+    </dgm:linClrLst>
+    <dgm:effectClrLst/>
+    <dgm:txLinClrLst/>
+    <dgm:txFillClrLst meth="repeat">
+      <a:schemeClr val="lt2"/>
+    </dgm:txFillClrLst>
+    <dgm:txEffectClrLst/>
+  </dgm:styleLbl>
+  <dgm:styleLbl name="callout">
+    <dgm:fillClrLst meth="repeat">
+      <a:schemeClr val="dk2"/>
+    </dgm:fillClrLst>
+    <dgm:linClrLst meth="repeat">
+      <a:schemeClr val="dk2">
+        <a:tint val="50000"/>
+      </a:schemeClr>
+    </dgm:linClrLst>
+    <dgm:effectClrLst/>
+    <dgm:txLinClrLst/>
+    <dgm:txFillClrLst meth="repeat">
+      <a:schemeClr val="lt2"/>
+    </dgm:txFillClrLst>
+    <dgm:txEffectClrLst/>
+  </dgm:styleLbl>
+  <dgm:styleLbl name="asst0">
+    <dgm:fillClrLst meth="repeat">
+      <a:schemeClr val="dk2"/>
+    </dgm:fillClrLst>
+    <dgm:linClrLst meth="repeat">
+      <a:schemeClr val="lt2"/>
+    </dgm:linClrLst>
+    <dgm:effectClrLst/>
+    <dgm:txLinClrLst/>
+    <dgm:txFillClrLst/>
+    <dgm:txEffectClrLst/>
+  </dgm:styleLbl>
+  <dgm:styleLbl name="asst1">
+    <dgm:fillClrLst meth="repeat">
+      <a:schemeClr val="dk2"/>
+    </dgm:fillClrLst>
+    <dgm:linClrLst meth="repeat">
+      <a:schemeClr val="lt2"/>
+    </dgm:linClrLst>
+    <dgm:effectClrLst/>
+    <dgm:txLinClrLst/>
+    <dgm:txFillClrLst/>
+    <dgm:txEffectClrLst/>
+  </dgm:styleLbl>
+  <dgm:styleLbl name="asst2">
+    <dgm:fillClrLst meth="repeat">
+      <a:schemeClr val="dk2"/>
+    </dgm:fillClrLst>
+    <dgm:linClrLst meth="repeat">
+      <a:schemeClr val="lt2"/>
+    </dgm:linClrLst>
+    <dgm:effectClrLst/>
+    <dgm:txLinClrLst/>
+    <dgm:txFillClrLst/>
+    <dgm:txEffectClrLst/>
+  </dgm:styleLbl>
+  <dgm:styleLbl name="asst3">
+    <dgm:fillClrLst meth="repeat">
+      <a:schemeClr val="dk2"/>
+    </dgm:fillClrLst>
+    <dgm:linClrLst meth="repeat">
+      <a:schemeClr val="lt2"/>
+    </dgm:linClrLst>
+    <dgm:effectClrLst/>
+    <dgm:txLinClrLst/>
+    <dgm:txFillClrLst/>
+    <dgm:txEffectClrLst/>
+  </dgm:styleLbl>
+  <dgm:styleLbl name="asst4">
+    <dgm:fillClrLst meth="repeat">
+      <a:schemeClr val="dk2"/>
+    </dgm:fillClrLst>
+    <dgm:linClrLst meth="repeat">
+      <a:schemeClr val="lt2"/>
+    </dgm:linClrLst>
+    <dgm:effectClrLst/>
+    <dgm:txLinClrLst/>
+    <dgm:txFillClrLst/>
+    <dgm:txEffectClrLst/>
+  </dgm:styleLbl>
+  <dgm:styleLbl name="parChTrans2D1">
+    <dgm:fillClrLst meth="repeat">
+      <a:schemeClr val="dk2">
+        <a:tint val="60000"/>
+      </a:schemeClr>
+    </dgm:fillClrLst>
+    <dgm:linClrLst meth="repeat">
+      <a:schemeClr val="dk2">
+        <a:tint val="60000"/>
+      </a:schemeClr>
+    </dgm:linClrLst>
+    <dgm:effectClrLst/>
+    <dgm:txLinClrLst/>
+    <dgm:txFillClrLst meth="repeat">
+      <a:schemeClr val="lt2"/>
+    </dgm:txFillClrLst>
+    <dgm:txEffectClrLst/>
+  </dgm:styleLbl>
+  <dgm:styleLbl name="parChTrans2D2">
+    <dgm:fillClrLst meth="repeat">
+      <a:schemeClr val="dk2"/>
+    </dgm:fillClrLst>
+    <dgm:linClrLst meth="repeat">
+      <a:schemeClr val="dk2"/>
+    </dgm:linClrLst>
+    <dgm:effectClrLst/>
+    <dgm:txLinClrLst/>
+    <dgm:txFillClrLst meth="repeat">
+      <a:schemeClr val="lt2"/>
+    </dgm:txFillClrLst>
+    <dgm:txEffectClrLst/>
+  </dgm:styleLbl>
+  <dgm:styleLbl name="parChTrans2D3">
+    <dgm:fillClrLst meth="repeat">
+      <a:schemeClr val="dk2"/>
+    </dgm:fillClrLst>
+    <dgm:linClrLst meth="repeat">
+      <a:schemeClr val="dk2"/>
+    </dgm:linClrLst>
+    <dgm:effectClrLst/>
+    <dgm:txLinClrLst/>
+    <dgm:txFillClrLst meth="repeat">
+      <a:schemeClr val="lt2"/>
+    </dgm:txFillClrLst>
+    <dgm:txEffectClrLst/>
+  </dgm:styleLbl>
+  <dgm:styleLbl name="parChTrans2D4">
+    <dgm:fillClrLst meth="repeat">
+      <a:schemeClr val="dk2"/>
+    </dgm:fillClrLst>
+    <dgm:linClrLst meth="repeat">
+      <a:schemeClr val="dk2"/>
+    </dgm:linClrLst>
+    <dgm:effectClrLst/>
+    <dgm:txLinClrLst/>
+    <dgm:txFillClrLst meth="repeat">
+      <a:schemeClr val="lt2"/>
+    </dgm:txFillClrLst>
+    <dgm:txEffectClrLst/>
+  </dgm:styleLbl>
+  <dgm:styleLbl name="parChTrans1D1">
+    <dgm:fillClrLst meth="repeat">
+      <a:schemeClr val="dk2"/>
+    </dgm:fillClrLst>
+    <dgm:linClrLst meth="repeat">
+      <a:schemeClr val="dk2">
+        <a:shade val="60000"/>
+      </a:schemeClr>
+    </dgm:linClrLst>
+    <dgm:effectClrLst/>
+    <dgm:txLinClrLst/>
+    <dgm:txFillClrLst meth="repeat">
+      <a:schemeClr val="tx1"/>
+    </dgm:txFillClrLst>
+    <dgm:txEffectClrLst/>
+  </dgm:styleLbl>
+  <dgm:styleLbl name="parChTrans1D2">
+    <dgm:fillClrLst meth="repeat">
+      <a:schemeClr val="dk2"/>
+    </dgm:fillClrLst>
+    <dgm:linClrLst meth="repeat">
+      <a:schemeClr val="dk2">
+        <a:shade val="60000"/>
+      </a:schemeClr>
+    </dgm:linClrLst>
+    <dgm:effectClrLst/>
+    <dgm:txLinClrLst/>
+    <dgm:txFillClrLst meth="repeat">
+      <a:schemeClr val="tx1"/>
+    </dgm:txFillClrLst>
+    <dgm:txEffectClrLst/>
+  </dgm:styleLbl>
+  <dgm:styleLbl name="parChTrans1D3">
+    <dgm:fillClrLst meth="repeat">
+      <a:schemeClr val="dk2"/>
+    </dgm:fillClrLst>
+    <dgm:linClrLst meth="repeat">
+      <a:schemeClr val="dk2">
+        <a:shade val="80000"/>
+      </a:schemeClr>
+    </dgm:linClrLst>
+    <dgm:effectClrLst/>
+    <dgm:txLinClrLst/>
+    <dgm:txFillClrLst meth="repeat">
+      <a:schemeClr val="tx1"/>
+    </dgm:txFillClrLst>
+    <dgm:txEffectClrLst/>
+  </dgm:styleLbl>
+  <dgm:styleLbl name="parChTrans1D4">
+    <dgm:fillClrLst meth="repeat">
+      <a:schemeClr val="dk2"/>
+    </dgm:fillClrLst>
+    <dgm:linClrLst meth="repeat">
+      <a:schemeClr val="dk2">
+        <a:shade val="80000"/>
+      </a:schemeClr>
+    </dgm:linClrLst>
+    <dgm:effectClrLst/>
+    <dgm:txLinClrLst/>
+    <dgm:txFillClrLst meth="repeat">
+      <a:schemeClr val="tx1"/>
+    </dgm:txFillClrLst>
+    <dgm:txEffectClrLst/>
+  </dgm:styleLbl>
+  <dgm:styleLbl name="fgAcc1">
+    <dgm:fillClrLst meth="repeat">
+      <a:schemeClr val="lt2">
+        <a:alpha val="90000"/>
+      </a:schemeClr>
+    </dgm:fillClrLst>
+    <dgm:linClrLst meth="repeat">
+      <a:schemeClr val="dk2"/>
+    </dgm:linClrLst>
+    <dgm:effectClrLst/>
+    <dgm:txLinClrLst/>
+    <dgm:txFillClrLst meth="repeat">
+      <a:schemeClr val="dk1"/>
+    </dgm:txFillClrLst>
+    <dgm:txEffectClrLst/>
+  </dgm:styleLbl>
+  <dgm:styleLbl name="conFgAcc1">
+    <dgm:fillClrLst meth="repeat">
+      <a:schemeClr val="lt2">
+        <a:alpha val="90000"/>
+      </a:schemeClr>
+    </dgm:fillClrLst>
+    <dgm:linClrLst meth="repeat">
+      <a:schemeClr val="dk2"/>
+    </dgm:linClrLst>
+    <dgm:effectClrLst/>
+    <dgm:txLinClrLst/>
+    <dgm:txFillClrLst meth="repeat">
+      <a:schemeClr val="dk1"/>
+    </dgm:txFillClrLst>
+    <dgm:txEffectClrLst/>
+  </dgm:styleLbl>
+  <dgm:styleLbl name="alignAcc1">
+    <dgm:fillClrLst meth="repeat">
+      <a:schemeClr val="lt2">
+        <a:alpha val="90000"/>
+      </a:schemeClr>
+    </dgm:fillClrLst>
+    <dgm:linClrLst meth="repeat">
+      <a:schemeClr val="dk2"/>
+    </dgm:linClrLst>
+    <dgm:effectClrLst/>
+    <dgm:txLinClrLst/>
+    <dgm:txFillClrLst meth="repeat">
+      <a:schemeClr val="dk1"/>
+    </dgm:txFillClrLst>
+    <dgm:txEffectClrLst/>
+  </dgm:styleLbl>
+  <dgm:styleLbl name="trAlignAcc1">
+    <dgm:fillClrLst meth="repeat">
+      <a:schemeClr val="lt2">
+        <a:alpha val="40000"/>
+      </a:schemeClr>
+    </dgm:fillClrLst>
+    <dgm:linClrLst meth="repeat">
+      <a:schemeClr val="dk2"/>
+    </dgm:linClrLst>
+    <dgm:effectClrLst/>
+    <dgm:txLinClrLst/>
+    <dgm:txFillClrLst meth="repeat">
+      <a:schemeClr val="dk1"/>
+    </dgm:txFillClrLst>
+    <dgm:txEffectClrLst/>
+  </dgm:styleLbl>
+  <dgm:styleLbl name="bgAcc1">
+    <dgm:fillClrLst meth="repeat">
+      <a:schemeClr val="lt2">
+        <a:alpha val="90000"/>
+      </a:schemeClr>
+    </dgm:fillClrLst>
+    <dgm:linClrLst meth="repeat">
+      <a:schemeClr val="dk2"/>
+    </dgm:linClrLst>
+    <dgm:effectClrLst/>
+    <dgm:txLinClrLst/>
+    <dgm:txFillClrLst meth="repeat">
+      <a:schemeClr val="dk1"/>
+    </dgm:txFillClrLst>
+    <dgm:txEffectClrLst/>
+  </dgm:styleLbl>
+  <dgm:styleLbl name="solidFgAcc1">
+    <dgm:fillClrLst meth="repeat">
+      <a:schemeClr val="lt2"/>
+    </dgm:fillClrLst>
+    <dgm:linClrLst meth="repeat">
+      <a:schemeClr val="dk2"/>
+    </dgm:linClrLst>
+    <dgm:effectClrLst/>
+    <dgm:txLinClrLst/>
+    <dgm:txFillClrLst meth="repeat">
+      <a:schemeClr val="dk1"/>
+    </dgm:txFillClrLst>
+    <dgm:txEffectClrLst/>
+  </dgm:styleLbl>
+  <dgm:styleLbl name="solidAlignAcc1">
+    <dgm:fillClrLst meth="repeat">
+      <a:schemeClr val="lt2"/>
+    </dgm:fillClrLst>
+    <dgm:linClrLst meth="repeat">
+      <a:schemeClr val="dk2"/>
+    </dgm:linClrLst>
+    <dgm:effectClrLst/>
+    <dgm:txLinClrLst/>
+    <dgm:txFillClrLst meth="repeat">
+      <a:schemeClr val="dk1"/>
+    </dgm:txFillClrLst>
+    <dgm:txEffectClrLst/>
+  </dgm:styleLbl>
+  <dgm:styleLbl name="solidBgAcc1">
+    <dgm:fillClrLst meth="repeat">
+      <a:schemeClr val="lt2"/>
+    </dgm:fillClrLst>
+    <dgm:linClrLst meth="repeat">
+      <a:schemeClr val="dk2"/>
+    </dgm:linClrLst>
+    <dgm:effectClrLst/>
+    <dgm:txLinClrLst/>
+    <dgm:txFillClrLst meth="repeat">
+      <a:schemeClr val="dk1"/>
+    </dgm:txFillClrLst>
+    <dgm:txEffectClrLst/>
+  </dgm:styleLbl>
+  <dgm:styleLbl name="fgAccFollowNode1">
+    <dgm:fillClrLst meth="repeat">
+      <a:schemeClr val="dk2">
+        <a:alpha val="90000"/>
+        <a:tint val="40000"/>
+      </a:schemeClr>
+    </dgm:fillClrLst>
+    <dgm:linClrLst meth="repeat">
+      <a:schemeClr val="dk2">
+        <a:alpha val="90000"/>
+        <a:tint val="40000"/>
+      </a:schemeClr>
+    </dgm:linClrLst>
+    <dgm:effectClrLst/>
+    <dgm:txLinClrLst/>
+    <dgm:txFillClrLst meth="repeat">
+      <a:schemeClr val="dk1"/>
+    </dgm:txFillClrLst>
+    <dgm:txEffectClrLst/>
+  </dgm:styleLbl>
+  <dgm:styleLbl name="alignAccFollowNode1">
+    <dgm:fillClrLst meth="repeat">
+      <a:schemeClr val="dk2">
+        <a:alpha val="90000"/>
+        <a:tint val="40000"/>
+      </a:schemeClr>
+    </dgm:fillClrLst>
+    <dgm:linClrLst meth="repeat">
+      <a:schemeClr val="dk2">
+        <a:alpha val="90000"/>
+        <a:tint val="40000"/>
+      </a:schemeClr>
+    </dgm:linClrLst>
+    <dgm:effectClrLst/>
+    <dgm:txLinClrLst/>
+    <dgm:txFillClrLst meth="repeat">
+      <a:schemeClr val="dk1"/>
+    </dgm:txFillClrLst>
+    <dgm:txEffectClrLst/>
+  </dgm:styleLbl>
+  <dgm:styleLbl name="bgAccFollowNode1">
+    <dgm:fillClrLst meth="repeat">
+      <a:schemeClr val="dk2">
+        <a:alpha val="90000"/>
+        <a:tint val="40000"/>
+      </a:schemeClr>
+    </dgm:fillClrLst>
+    <dgm:linClrLst meth="repeat">
+      <a:schemeClr val="dk2">
+        <a:alpha val="90000"/>
+        <a:tint val="40000"/>
+      </a:schemeClr>
+    </dgm:linClrLst>
+    <dgm:effectClrLst/>
+    <dgm:txLinClrLst/>
+    <dgm:txFillClrLst meth="repeat">
+      <a:schemeClr val="dk1"/>
+    </dgm:txFillClrLst>
+    <dgm:txEffectClrLst/>
+  </dgm:styleLbl>
+  <dgm:styleLbl name="fgAcc0">
+    <dgm:fillClrLst meth="repeat">
+      <a:schemeClr val="lt2">
+        <a:alpha val="90000"/>
+      </a:schemeClr>
+    </dgm:fillClrLst>
+    <dgm:linClrLst meth="repeat">
+      <a:schemeClr val="dk2"/>
+    </dgm:linClrLst>
+    <dgm:effectClrLst/>
+    <dgm:txLinClrLst/>
+    <dgm:txFillClrLst meth="repeat">
+      <a:schemeClr val="dk1"/>
+    </dgm:txFillClrLst>
+    <dgm:txEffectClrLst/>
+  </dgm:styleLbl>
+  <dgm:styleLbl name="fgAcc2">
+    <dgm:fillClrLst meth="repeat">
+      <a:schemeClr val="lt2">
+        <a:alpha val="90000"/>
+      </a:schemeClr>
+    </dgm:fillClrLst>
+    <dgm:linClrLst meth="repeat">
+      <a:schemeClr val="dk2"/>
+    </dgm:linClrLst>
+    <dgm:effectClrLst/>
+    <dgm:txLinClrLst/>
+    <dgm:txFillClrLst meth="repeat">
+      <a:schemeClr val="dk1"/>
+    </dgm:txFillClrLst>
+    <dgm:txEffectClrLst/>
+  </dgm:styleLbl>
+  <dgm:styleLbl name="fgAcc3">
+    <dgm:fillClrLst meth="repeat">
+      <a:schemeClr val="lt2">
+        <a:alpha val="90000"/>
+      </a:schemeClr>
+    </dgm:fillClrLst>
+    <dgm:linClrLst meth="repeat">
+      <a:schemeClr val="dk2"/>
+    </dgm:linClrLst>
+    <dgm:effectClrLst/>
+    <dgm:txLinClrLst/>
+    <dgm:txFillClrLst meth="repeat">
+      <a:schemeClr val="dk1"/>
+    </dgm:txFillClrLst>
+    <dgm:txEffectClrLst/>
+  </dgm:styleLbl>
+  <dgm:styleLbl name="fgAcc4">
+    <dgm:fillClrLst meth="repeat">
+      <a:schemeClr val="lt2">
+        <a:alpha val="90000"/>
+      </a:schemeClr>
+    </dgm:fillClrLst>
+    <dgm:linClrLst meth="repeat">
+      <a:schemeClr val="dk2"/>
+    </dgm:linClrLst>
+    <dgm:effectClrLst/>
+    <dgm:txLinClrLst/>
+    <dgm:txFillClrLst meth="repeat">
+      <a:schemeClr val="dk1"/>
+    </dgm:txFillClrLst>
+    <dgm:txEffectClrLst/>
+  </dgm:styleLbl>
+  <dgm:styleLbl name="bgShp">
+    <dgm:fillClrLst meth="repeat">
+      <a:schemeClr val="dk2">
+        <a:tint val="40000"/>
+      </a:schemeClr>
+    </dgm:fillClrLst>
+    <dgm:linClrLst meth="repeat">
+      <a:schemeClr val="dk2"/>
+    </dgm:linClrLst>
+    <dgm:effectClrLst/>
+    <dgm:txLinClrLst/>
+    <dgm:txFillClrLst meth="repeat">
+      <a:schemeClr val="dk1"/>
+    </dgm:txFillClrLst>
+    <dgm:txEffectClrLst/>
+  </dgm:styleLbl>
+  <dgm:styleLbl name="dkBgShp">
+    <dgm:fillClrLst meth="repeat">
+      <a:schemeClr val="dk2">
+        <a:shade val="80000"/>
+      </a:schemeClr>
+    </dgm:fillClrLst>
+    <dgm:linClrLst meth="repeat">
+      <a:schemeClr val="dk2"/>
+    </dgm:linClrLst>
+    <dgm:effectClrLst/>
+    <dgm:txLinClrLst/>
+    <dgm:txFillClrLst meth="repeat">
+      <a:schemeClr val="lt1"/>
+    </dgm:txFillClrLst>
+    <dgm:txEffectClrLst/>
+  </dgm:styleLbl>
+  <dgm:styleLbl name="trBgShp">
+    <dgm:fillClrLst meth="repeat">
+      <a:schemeClr val="dk2">
+        <a:tint val="50000"/>
+        <a:alpha val="40000"/>
+      </a:schemeClr>
+    </dgm:fillClrLst>
+    <dgm:linClrLst meth="repeat">
+      <a:schemeClr val="dk2"/>
+    </dgm:linClrLst>
+    <dgm:effectClrLst/>
+    <dgm:txLinClrLst/>
+    <dgm:txFillClrLst meth="repeat">
+      <a:schemeClr val="lt1"/>
+    </dgm:txFillClrLst>
+    <dgm:txEffectClrLst/>
+  </dgm:styleLbl>
+  <dgm:styleLbl name="fgShp">
+    <dgm:fillClrLst meth="repeat">
+      <a:schemeClr val="dk2">
+        <a:tint val="60000"/>
+      </a:schemeClr>
+    </dgm:fillClrLst>
+    <dgm:linClrLst meth="repeat">
+      <a:schemeClr val="lt2"/>
+    </dgm:linClrLst>
+    <dgm:effectClrLst/>
+    <dgm:txLinClrLst/>
+    <dgm:txFillClrLst meth="repeat">
+      <a:schemeClr val="dk1"/>
+    </dgm:txFillClrLst>
+    <dgm:txEffectClrLst/>
+  </dgm:styleLbl>
+  <dgm:styleLbl name="revTx">
+    <dgm:fillClrLst meth="repeat">
+      <a:schemeClr val="lt2">
+        <a:alpha val="0"/>
+      </a:schemeClr>
+    </dgm:fillClrLst>
+    <dgm:linClrLst meth="repeat">
+      <a:schemeClr val="dk1">
+        <a:alpha val="0"/>
+      </a:schemeClr>
+    </dgm:linClrLst>
+    <dgm:effectClrLst/>
+    <dgm:txLinClrLst/>
+    <dgm:txFillClrLst meth="repeat">
+      <a:schemeClr val="tx1"/>
+    </dgm:txFillClrLst>
+    <dgm:txEffectClrLst/>
+  </dgm:styleLbl>
+</dgm:colorsDef>
+</file>
+
+<file path=ppt/diagrams/data1.xml><?xml version="1.0" encoding="utf-8"?>
+<dgm:dataModel xmlns:dgm="http://schemas.openxmlformats.org/drawingml/2006/diagram" xmlns:a="http://schemas.openxmlformats.org/drawingml/2006/main">
+  <dgm:ptLst>
+    <dgm:pt modelId="{D45E4C6D-C1E5-432A-B653-8A72619768CC}" type="doc">
+      <dgm:prSet loTypeId="urn:microsoft.com/office/officeart/2005/8/layout/hierarchy1" loCatId="hierarchy" qsTypeId="urn:microsoft.com/office/officeart/2005/8/quickstyle/simple1" qsCatId="simple" csTypeId="urn:microsoft.com/office/officeart/2005/8/colors/accent0_3" csCatId="mainScheme"/>
+      <dgm:spPr/>
+      <dgm:t>
+        <a:bodyPr/>
+        <a:lstStyle/>
+        <a:p>
+          <a:endParaRPr lang="en-US"/>
+        </a:p>
+      </dgm:t>
+    </dgm:pt>
+    <dgm:pt modelId="{BB25D3CC-8C74-40BA-9FB2-FD8BC9214B21}">
+      <dgm:prSet/>
+      <dgm:spPr/>
+      <dgm:t>
+        <a:bodyPr/>
+        <a:lstStyle/>
+        <a:p>
+          <a:r>
+            <a:rPr lang="ko-KR"/>
+            <a:t>부패 해결</a:t>
+          </a:r>
+          <a:r>
+            <a:rPr lang="en-US"/>
+            <a:t>: </a:t>
+          </a:r>
+          <a:r>
+            <a:rPr lang="ko-KR"/>
+            <a:t>한국 사회의 부패와 비자금 문제 해결 </a:t>
+          </a:r>
+          <a:endParaRPr lang="en-US"/>
+        </a:p>
+      </dgm:t>
+    </dgm:pt>
+    <dgm:pt modelId="{7CAA186C-AE5D-4055-9A33-3AEB6A04EF68}" type="parTrans" cxnId="{9A2E7E9E-D3D8-4092-B7FB-8090CCA26FB2}">
+      <dgm:prSet/>
+      <dgm:spPr/>
+      <dgm:t>
+        <a:bodyPr/>
+        <a:lstStyle/>
+        <a:p>
+          <a:endParaRPr lang="en-US"/>
+        </a:p>
+      </dgm:t>
+    </dgm:pt>
+    <dgm:pt modelId="{374F9F64-EB7A-4C40-B0C0-28892979E90F}" type="sibTrans" cxnId="{9A2E7E9E-D3D8-4092-B7FB-8090CCA26FB2}">
+      <dgm:prSet/>
+      <dgm:spPr/>
+      <dgm:t>
+        <a:bodyPr/>
+        <a:lstStyle/>
+        <a:p>
+          <a:endParaRPr lang="en-US"/>
+        </a:p>
+      </dgm:t>
+    </dgm:pt>
+    <dgm:pt modelId="{E7D20760-D828-4A43-8927-717DEFF966FD}">
+      <dgm:prSet/>
+      <dgm:spPr/>
+      <dgm:t>
+        <a:bodyPr/>
+        <a:lstStyle/>
+        <a:p>
+          <a:r>
+            <a:rPr lang="ko-KR"/>
+            <a:t>경제 질서 투명화</a:t>
+          </a:r>
+          <a:r>
+            <a:rPr lang="en-US"/>
+            <a:t>: </a:t>
+          </a:r>
+          <a:r>
+            <a:rPr lang="ko-KR"/>
+            <a:t>금융 시스템의 신뢰성 증대 </a:t>
+          </a:r>
+          <a:endParaRPr lang="en-US"/>
+        </a:p>
+      </dgm:t>
+    </dgm:pt>
+    <dgm:pt modelId="{8C45A980-08A6-4958-8557-9D73CEF486CA}" type="parTrans" cxnId="{B70EB498-047F-4B53-9543-8123522902ED}">
+      <dgm:prSet/>
+      <dgm:spPr/>
+      <dgm:t>
+        <a:bodyPr/>
+        <a:lstStyle/>
+        <a:p>
+          <a:endParaRPr lang="en-US"/>
+        </a:p>
+      </dgm:t>
+    </dgm:pt>
+    <dgm:pt modelId="{2107CC8C-7FF0-4277-AB2E-1445DEA22608}" type="sibTrans" cxnId="{B70EB498-047F-4B53-9543-8123522902ED}">
+      <dgm:prSet/>
+      <dgm:spPr/>
+      <dgm:t>
+        <a:bodyPr/>
+        <a:lstStyle/>
+        <a:p>
+          <a:endParaRPr lang="en-US"/>
+        </a:p>
+      </dgm:t>
+    </dgm:pt>
+    <dgm:pt modelId="{0F5AB0CB-9F93-4127-9BAA-8AFD8F783E7D}">
+      <dgm:prSet/>
+      <dgm:spPr/>
+      <dgm:t>
+        <a:bodyPr/>
+        <a:lstStyle/>
+        <a:p>
+          <a:r>
+            <a:rPr lang="ko-KR"/>
+            <a:t>국제적 신뢰 구축</a:t>
+          </a:r>
+          <a:r>
+            <a:rPr lang="en-US"/>
+            <a:t>: </a:t>
+          </a:r>
+          <a:r>
+            <a:rPr lang="ko-KR"/>
+            <a:t>한국 경제의 글로벌 신뢰 확보 </a:t>
+          </a:r>
+          <a:endParaRPr lang="en-US"/>
+        </a:p>
+      </dgm:t>
+    </dgm:pt>
+    <dgm:pt modelId="{80FF2BE8-29EA-4013-886E-D5186473D9C4}" type="parTrans" cxnId="{B5E8FEC0-3EBE-406B-AE75-3939C79C85E5}">
+      <dgm:prSet/>
+      <dgm:spPr/>
+      <dgm:t>
+        <a:bodyPr/>
+        <a:lstStyle/>
+        <a:p>
+          <a:endParaRPr lang="en-US"/>
+        </a:p>
+      </dgm:t>
+    </dgm:pt>
+    <dgm:pt modelId="{6F96C9CA-0A81-4344-97F8-5CAF1F8307A4}" type="sibTrans" cxnId="{B5E8FEC0-3EBE-406B-AE75-3939C79C85E5}">
+      <dgm:prSet/>
+      <dgm:spPr/>
+      <dgm:t>
+        <a:bodyPr/>
+        <a:lstStyle/>
+        <a:p>
+          <a:endParaRPr lang="en-US"/>
+        </a:p>
+      </dgm:t>
+    </dgm:pt>
+    <dgm:pt modelId="{F9CD9379-6182-1D45-8118-3BA6512E7A28}" type="pres">
+      <dgm:prSet presAssocID="{D45E4C6D-C1E5-432A-B653-8A72619768CC}" presName="hierChild1" presStyleCnt="0">
+        <dgm:presLayoutVars>
+          <dgm:chPref val="1"/>
+          <dgm:dir/>
+          <dgm:animOne val="branch"/>
+          <dgm:animLvl val="lvl"/>
+          <dgm:resizeHandles/>
+        </dgm:presLayoutVars>
+      </dgm:prSet>
+      <dgm:spPr/>
+    </dgm:pt>
+    <dgm:pt modelId="{B590E8A3-78A3-A54D-AEE4-2AE2ACAF5D02}" type="pres">
+      <dgm:prSet presAssocID="{BB25D3CC-8C74-40BA-9FB2-FD8BC9214B21}" presName="hierRoot1" presStyleCnt="0"/>
+      <dgm:spPr/>
+    </dgm:pt>
+    <dgm:pt modelId="{BB18B3A1-428A-5043-A603-C5C580FAE161}" type="pres">
+      <dgm:prSet presAssocID="{BB25D3CC-8C74-40BA-9FB2-FD8BC9214B21}" presName="composite" presStyleCnt="0"/>
+      <dgm:spPr/>
+    </dgm:pt>
+    <dgm:pt modelId="{460B960F-CE6A-5A47-83BA-13A6D73DCE57}" type="pres">
+      <dgm:prSet presAssocID="{BB25D3CC-8C74-40BA-9FB2-FD8BC9214B21}" presName="background" presStyleLbl="node0" presStyleIdx="0" presStyleCnt="3"/>
+      <dgm:spPr/>
+    </dgm:pt>
+    <dgm:pt modelId="{C619257A-8021-3846-A3E6-521EBCE17957}" type="pres">
+      <dgm:prSet presAssocID="{BB25D3CC-8C74-40BA-9FB2-FD8BC9214B21}" presName="text" presStyleLbl="fgAcc0" presStyleIdx="0" presStyleCnt="3">
+        <dgm:presLayoutVars>
+          <dgm:chPref val="3"/>
+        </dgm:presLayoutVars>
+      </dgm:prSet>
+      <dgm:spPr/>
+    </dgm:pt>
+    <dgm:pt modelId="{82F9EB73-6692-CA4B-9D71-94169530EB01}" type="pres">
+      <dgm:prSet presAssocID="{BB25D3CC-8C74-40BA-9FB2-FD8BC9214B21}" presName="hierChild2" presStyleCnt="0"/>
+      <dgm:spPr/>
+    </dgm:pt>
+    <dgm:pt modelId="{31F7D63A-FC6E-D74C-BDAD-300074DEAFE7}" type="pres">
+      <dgm:prSet presAssocID="{E7D20760-D828-4A43-8927-717DEFF966FD}" presName="hierRoot1" presStyleCnt="0"/>
+      <dgm:spPr/>
+    </dgm:pt>
+    <dgm:pt modelId="{05499641-37C5-FF48-9D8A-651F8B772B3D}" type="pres">
+      <dgm:prSet presAssocID="{E7D20760-D828-4A43-8927-717DEFF966FD}" presName="composite" presStyleCnt="0"/>
+      <dgm:spPr/>
+    </dgm:pt>
+    <dgm:pt modelId="{8141E2CA-89C2-6A43-836E-E64A6D5DA8DA}" type="pres">
+      <dgm:prSet presAssocID="{E7D20760-D828-4A43-8927-717DEFF966FD}" presName="background" presStyleLbl="node0" presStyleIdx="1" presStyleCnt="3"/>
+      <dgm:spPr/>
+    </dgm:pt>
+    <dgm:pt modelId="{B6625CAF-077C-3947-A19D-85D358CCD810}" type="pres">
+      <dgm:prSet presAssocID="{E7D20760-D828-4A43-8927-717DEFF966FD}" presName="text" presStyleLbl="fgAcc0" presStyleIdx="1" presStyleCnt="3">
+        <dgm:presLayoutVars>
+          <dgm:chPref val="3"/>
+        </dgm:presLayoutVars>
+      </dgm:prSet>
+      <dgm:spPr/>
+    </dgm:pt>
+    <dgm:pt modelId="{FC77CA22-7929-0D43-8B20-3284CC7BF678}" type="pres">
+      <dgm:prSet presAssocID="{E7D20760-D828-4A43-8927-717DEFF966FD}" presName="hierChild2" presStyleCnt="0"/>
+      <dgm:spPr/>
+    </dgm:pt>
+    <dgm:pt modelId="{46E10EEA-3DEB-5849-8115-0E6851158090}" type="pres">
+      <dgm:prSet presAssocID="{0F5AB0CB-9F93-4127-9BAA-8AFD8F783E7D}" presName="hierRoot1" presStyleCnt="0"/>
+      <dgm:spPr/>
+    </dgm:pt>
+    <dgm:pt modelId="{8484A826-481A-074B-BD39-6650F490F1E9}" type="pres">
+      <dgm:prSet presAssocID="{0F5AB0CB-9F93-4127-9BAA-8AFD8F783E7D}" presName="composite" presStyleCnt="0"/>
+      <dgm:spPr/>
+    </dgm:pt>
+    <dgm:pt modelId="{9529A46F-F077-3048-BB6D-A6C6B70E1C4C}" type="pres">
+      <dgm:prSet presAssocID="{0F5AB0CB-9F93-4127-9BAA-8AFD8F783E7D}" presName="background" presStyleLbl="node0" presStyleIdx="2" presStyleCnt="3"/>
+      <dgm:spPr/>
+    </dgm:pt>
+    <dgm:pt modelId="{50C6170F-30C8-364B-811F-58278F9AAE85}" type="pres">
+      <dgm:prSet presAssocID="{0F5AB0CB-9F93-4127-9BAA-8AFD8F783E7D}" presName="text" presStyleLbl="fgAcc0" presStyleIdx="2" presStyleCnt="3">
+        <dgm:presLayoutVars>
+          <dgm:chPref val="3"/>
+        </dgm:presLayoutVars>
+      </dgm:prSet>
+      <dgm:spPr/>
+    </dgm:pt>
+    <dgm:pt modelId="{D830653C-2D17-7E4A-BFEE-4C3902C0408D}" type="pres">
+      <dgm:prSet presAssocID="{0F5AB0CB-9F93-4127-9BAA-8AFD8F783E7D}" presName="hierChild2" presStyleCnt="0"/>
+      <dgm:spPr/>
+    </dgm:pt>
+  </dgm:ptLst>
+  <dgm:cxnLst>
+    <dgm:cxn modelId="{33B22914-16D6-894D-B233-07D7D5B8ED89}" type="presOf" srcId="{D45E4C6D-C1E5-432A-B653-8A72619768CC}" destId="{F9CD9379-6182-1D45-8118-3BA6512E7A28}" srcOrd="0" destOrd="0" presId="urn:microsoft.com/office/officeart/2005/8/layout/hierarchy1"/>
+    <dgm:cxn modelId="{1064FD4B-D752-B347-8B26-F62A0208BC73}" type="presOf" srcId="{0F5AB0CB-9F93-4127-9BAA-8AFD8F783E7D}" destId="{50C6170F-30C8-364B-811F-58278F9AAE85}" srcOrd="0" destOrd="0" presId="urn:microsoft.com/office/officeart/2005/8/layout/hierarchy1"/>
+    <dgm:cxn modelId="{DAFBA254-D565-F04E-9586-0D991DC3788E}" type="presOf" srcId="{E7D20760-D828-4A43-8927-717DEFF966FD}" destId="{B6625CAF-077C-3947-A19D-85D358CCD810}" srcOrd="0" destOrd="0" presId="urn:microsoft.com/office/officeart/2005/8/layout/hierarchy1"/>
+    <dgm:cxn modelId="{00A01A72-44F5-2E45-AFBC-A2596E81F299}" type="presOf" srcId="{BB25D3CC-8C74-40BA-9FB2-FD8BC9214B21}" destId="{C619257A-8021-3846-A3E6-521EBCE17957}" srcOrd="0" destOrd="0" presId="urn:microsoft.com/office/officeart/2005/8/layout/hierarchy1"/>
+    <dgm:cxn modelId="{B70EB498-047F-4B53-9543-8123522902ED}" srcId="{D45E4C6D-C1E5-432A-B653-8A72619768CC}" destId="{E7D20760-D828-4A43-8927-717DEFF966FD}" srcOrd="1" destOrd="0" parTransId="{8C45A980-08A6-4958-8557-9D73CEF486CA}" sibTransId="{2107CC8C-7FF0-4277-AB2E-1445DEA22608}"/>
+    <dgm:cxn modelId="{9A2E7E9E-D3D8-4092-B7FB-8090CCA26FB2}" srcId="{D45E4C6D-C1E5-432A-B653-8A72619768CC}" destId="{BB25D3CC-8C74-40BA-9FB2-FD8BC9214B21}" srcOrd="0" destOrd="0" parTransId="{7CAA186C-AE5D-4055-9A33-3AEB6A04EF68}" sibTransId="{374F9F64-EB7A-4C40-B0C0-28892979E90F}"/>
+    <dgm:cxn modelId="{B5E8FEC0-3EBE-406B-AE75-3939C79C85E5}" srcId="{D45E4C6D-C1E5-432A-B653-8A72619768CC}" destId="{0F5AB0CB-9F93-4127-9BAA-8AFD8F783E7D}" srcOrd="2" destOrd="0" parTransId="{80FF2BE8-29EA-4013-886E-D5186473D9C4}" sibTransId="{6F96C9CA-0A81-4344-97F8-5CAF1F8307A4}"/>
+    <dgm:cxn modelId="{5CC0C2C7-F530-894B-B378-4A6BA2896F22}" type="presParOf" srcId="{F9CD9379-6182-1D45-8118-3BA6512E7A28}" destId="{B590E8A3-78A3-A54D-AEE4-2AE2ACAF5D02}" srcOrd="0" destOrd="0" presId="urn:microsoft.com/office/officeart/2005/8/layout/hierarchy1"/>
+    <dgm:cxn modelId="{8AF57E7A-1E86-604A-AFB3-B9171B7031E1}" type="presParOf" srcId="{B590E8A3-78A3-A54D-AEE4-2AE2ACAF5D02}" destId="{BB18B3A1-428A-5043-A603-C5C580FAE161}" srcOrd="0" destOrd="0" presId="urn:microsoft.com/office/officeart/2005/8/layout/hierarchy1"/>
+    <dgm:cxn modelId="{FEA34830-6911-3C41-9823-FC2D642F1D50}" type="presParOf" srcId="{BB18B3A1-428A-5043-A603-C5C580FAE161}" destId="{460B960F-CE6A-5A47-83BA-13A6D73DCE57}" srcOrd="0" destOrd="0" presId="urn:microsoft.com/office/officeart/2005/8/layout/hierarchy1"/>
+    <dgm:cxn modelId="{C29CA3EE-C5F6-E540-8ABD-F89E98C4095C}" type="presParOf" srcId="{BB18B3A1-428A-5043-A603-C5C580FAE161}" destId="{C619257A-8021-3846-A3E6-521EBCE17957}" srcOrd="1" destOrd="0" presId="urn:microsoft.com/office/officeart/2005/8/layout/hierarchy1"/>
+    <dgm:cxn modelId="{E1BE909B-AA59-C248-AE54-0D7EDE2D3329}" type="presParOf" srcId="{B590E8A3-78A3-A54D-AEE4-2AE2ACAF5D02}" destId="{82F9EB73-6692-CA4B-9D71-94169530EB01}" srcOrd="1" destOrd="0" presId="urn:microsoft.com/office/officeart/2005/8/layout/hierarchy1"/>
+    <dgm:cxn modelId="{9DBD7E82-0A98-D747-8E0D-5788BF4AC887}" type="presParOf" srcId="{F9CD9379-6182-1D45-8118-3BA6512E7A28}" destId="{31F7D63A-FC6E-D74C-BDAD-300074DEAFE7}" srcOrd="1" destOrd="0" presId="urn:microsoft.com/office/officeart/2005/8/layout/hierarchy1"/>
+    <dgm:cxn modelId="{CE45779D-D9EC-2E4F-A298-0AF90C6B8D1B}" type="presParOf" srcId="{31F7D63A-FC6E-D74C-BDAD-300074DEAFE7}" destId="{05499641-37C5-FF48-9D8A-651F8B772B3D}" srcOrd="0" destOrd="0" presId="urn:microsoft.com/office/officeart/2005/8/layout/hierarchy1"/>
+    <dgm:cxn modelId="{F791DD27-78DB-9649-B908-0026C9AEBE09}" type="presParOf" srcId="{05499641-37C5-FF48-9D8A-651F8B772B3D}" destId="{8141E2CA-89C2-6A43-836E-E64A6D5DA8DA}" srcOrd="0" destOrd="0" presId="urn:microsoft.com/office/officeart/2005/8/layout/hierarchy1"/>
+    <dgm:cxn modelId="{234DC1F7-9906-8B40-8810-E7DF81B0CE34}" type="presParOf" srcId="{05499641-37C5-FF48-9D8A-651F8B772B3D}" destId="{B6625CAF-077C-3947-A19D-85D358CCD810}" srcOrd="1" destOrd="0" presId="urn:microsoft.com/office/officeart/2005/8/layout/hierarchy1"/>
+    <dgm:cxn modelId="{EB0E51DA-07B4-9647-8EFF-FA5907CFB9E0}" type="presParOf" srcId="{31F7D63A-FC6E-D74C-BDAD-300074DEAFE7}" destId="{FC77CA22-7929-0D43-8B20-3284CC7BF678}" srcOrd="1" destOrd="0" presId="urn:microsoft.com/office/officeart/2005/8/layout/hierarchy1"/>
+    <dgm:cxn modelId="{561DF403-3D61-4A40-A877-419E8A679069}" type="presParOf" srcId="{F9CD9379-6182-1D45-8118-3BA6512E7A28}" destId="{46E10EEA-3DEB-5849-8115-0E6851158090}" srcOrd="2" destOrd="0" presId="urn:microsoft.com/office/officeart/2005/8/layout/hierarchy1"/>
+    <dgm:cxn modelId="{9D431D8A-B9EA-FF47-BEB9-820A04A15D26}" type="presParOf" srcId="{46E10EEA-3DEB-5849-8115-0E6851158090}" destId="{8484A826-481A-074B-BD39-6650F490F1E9}" srcOrd="0" destOrd="0" presId="urn:microsoft.com/office/officeart/2005/8/layout/hierarchy1"/>
+    <dgm:cxn modelId="{05EBB78F-E3C1-F549-A65E-18C5DDE90B4A}" type="presParOf" srcId="{8484A826-481A-074B-BD39-6650F490F1E9}" destId="{9529A46F-F077-3048-BB6D-A6C6B70E1C4C}" srcOrd="0" destOrd="0" presId="urn:microsoft.com/office/officeart/2005/8/layout/hierarchy1"/>
+    <dgm:cxn modelId="{8F22B149-79F0-B342-A475-6B1409339C0E}" type="presParOf" srcId="{8484A826-481A-074B-BD39-6650F490F1E9}" destId="{50C6170F-30C8-364B-811F-58278F9AAE85}" srcOrd="1" destOrd="0" presId="urn:microsoft.com/office/officeart/2005/8/layout/hierarchy1"/>
+    <dgm:cxn modelId="{E4F040A2-BC31-774F-8145-62B0C0AD8AC3}" type="presParOf" srcId="{46E10EEA-3DEB-5849-8115-0E6851158090}" destId="{D830653C-2D17-7E4A-BFEE-4C3902C0408D}" srcOrd="1" destOrd="0" presId="urn:microsoft.com/office/officeart/2005/8/layout/hierarchy1"/>
+  </dgm:cxnLst>
+  <dgm:bg/>
+  <dgm:whole/>
+  <dgm:extLst>
+    <a:ext uri="http://schemas.microsoft.com/office/drawing/2008/diagram">
+      <dsp:dataModelExt xmlns:dsp="http://schemas.microsoft.com/office/drawing/2008/diagram" relId="rId6" minVer="http://schemas.openxmlformats.org/drawingml/2006/diagram"/>
+    </a:ext>
+  </dgm:extLst>
+</dgm:dataModel>
+</file>
+
+<file path=ppt/diagrams/drawing1.xml><?xml version="1.0" encoding="utf-8"?>
+<dsp:drawing xmlns:dgm="http://schemas.openxmlformats.org/drawingml/2006/diagram" xmlns:dsp="http://schemas.microsoft.com/office/drawing/2008/diagram" xmlns:a="http://schemas.openxmlformats.org/drawingml/2006/main">
+  <dsp:spTree>
+    <dsp:nvGrpSpPr>
+      <dsp:cNvPr id="0" name=""/>
+      <dsp:cNvGrpSpPr/>
+    </dsp:nvGrpSpPr>
+    <dsp:grpSpPr/>
+    <dsp:sp modelId="{460B960F-CE6A-5A47-83BA-13A6D73DCE57}">
+      <dsp:nvSpPr>
+        <dsp:cNvPr id="0" name=""/>
+        <dsp:cNvSpPr/>
+      </dsp:nvSpPr>
+      <dsp:spPr>
+        <a:xfrm>
+          <a:off x="0" y="524133"/>
+          <a:ext cx="2918936" cy="1853524"/>
+        </a:xfrm>
+        <a:prstGeom prst="roundRect">
+          <a:avLst>
+            <a:gd name="adj" fmla="val 10000"/>
+          </a:avLst>
+        </a:prstGeom>
+        <a:solidFill>
+          <a:schemeClr val="dk2">
+            <a:hueOff val="0"/>
+            <a:satOff val="0"/>
+            <a:lumOff val="0"/>
+            <a:alphaOff val="0"/>
+          </a:schemeClr>
+        </a:solidFill>
+        <a:ln w="12700" cap="flat" cmpd="sng" algn="ctr">
+          <a:solidFill>
+            <a:schemeClr val="lt2">
+              <a:hueOff val="0"/>
+              <a:satOff val="0"/>
+              <a:lumOff val="0"/>
+              <a:alphaOff val="0"/>
+            </a:schemeClr>
+          </a:solidFill>
+          <a:prstDash val="solid"/>
+          <a:miter lim="800000"/>
+        </a:ln>
+        <a:effectLst/>
+      </dsp:spPr>
+      <dsp:style>
+        <a:lnRef idx="2">
+          <a:scrgbClr r="0" g="0" b="0"/>
+        </a:lnRef>
+        <a:fillRef idx="1">
+          <a:scrgbClr r="0" g="0" b="0"/>
+        </a:fillRef>
+        <a:effectRef idx="0">
+          <a:scrgbClr r="0" g="0" b="0"/>
+        </a:effectRef>
+        <a:fontRef idx="minor">
+          <a:schemeClr val="lt1"/>
+        </a:fontRef>
+      </dsp:style>
+    </dsp:sp>
+    <dsp:sp modelId="{C619257A-8021-3846-A3E6-521EBCE17957}">
+      <dsp:nvSpPr>
+        <dsp:cNvPr id="0" name=""/>
+        <dsp:cNvSpPr/>
+      </dsp:nvSpPr>
+      <dsp:spPr>
+        <a:xfrm>
+          <a:off x="324326" y="832243"/>
+          <a:ext cx="2918936" cy="1853524"/>
+        </a:xfrm>
+        <a:prstGeom prst="roundRect">
+          <a:avLst>
+            <a:gd name="adj" fmla="val 10000"/>
+          </a:avLst>
+        </a:prstGeom>
+        <a:solidFill>
+          <a:schemeClr val="lt2">
+            <a:alpha val="90000"/>
+            <a:hueOff val="0"/>
+            <a:satOff val="0"/>
+            <a:lumOff val="0"/>
+            <a:alphaOff val="0"/>
+          </a:schemeClr>
+        </a:solidFill>
+        <a:ln w="12700" cap="flat" cmpd="sng" algn="ctr">
+          <a:solidFill>
+            <a:schemeClr val="dk2">
+              <a:hueOff val="0"/>
+              <a:satOff val="0"/>
+              <a:lumOff val="0"/>
+              <a:alphaOff val="0"/>
+            </a:schemeClr>
+          </a:solidFill>
+          <a:prstDash val="solid"/>
+          <a:miter lim="800000"/>
+        </a:ln>
+        <a:effectLst/>
+      </dsp:spPr>
+      <dsp:style>
+        <a:lnRef idx="2">
+          <a:scrgbClr r="0" g="0" b="0"/>
+        </a:lnRef>
+        <a:fillRef idx="1">
+          <a:scrgbClr r="0" g="0" b="0"/>
+        </a:fillRef>
+        <a:effectRef idx="0">
+          <a:scrgbClr r="0" g="0" b="0"/>
+        </a:effectRef>
+        <a:fontRef idx="minor"/>
+      </dsp:style>
+      <dsp:txBody>
+        <a:bodyPr spcFirstLastPara="0" vert="horz" wrap="square" lIns="95250" tIns="95250" rIns="95250" bIns="95250" numCol="1" spcCol="1270" anchor="ctr" anchorCtr="0">
+          <a:noAutofit/>
+        </a:bodyPr>
+        <a:lstStyle/>
+        <a:p>
+          <a:pPr marL="0" lvl="0" indent="0" algn="ctr" defTabSz="1111250">
+            <a:lnSpc>
+              <a:spcPct val="90000"/>
+            </a:lnSpc>
+            <a:spcBef>
+              <a:spcPct val="0"/>
+            </a:spcBef>
+            <a:spcAft>
+              <a:spcPct val="35000"/>
+            </a:spcAft>
+            <a:buNone/>
+          </a:pPr>
+          <a:r>
+            <a:rPr lang="ko-KR" sz="2500" kern="1200"/>
+            <a:t>부패 해결</a:t>
+          </a:r>
+          <a:r>
+            <a:rPr lang="en-US" sz="2500" kern="1200"/>
+            <a:t>: </a:t>
+          </a:r>
+          <a:r>
+            <a:rPr lang="ko-KR" sz="2500" kern="1200"/>
+            <a:t>한국 사회의 부패와 비자금 문제 해결 </a:t>
+          </a:r>
+          <a:endParaRPr lang="en-US" sz="2500" kern="1200"/>
+        </a:p>
+      </dsp:txBody>
+      <dsp:txXfrm>
+        <a:off x="378614" y="886531"/>
+        <a:ext cx="2810360" cy="1744948"/>
+      </dsp:txXfrm>
+    </dsp:sp>
+    <dsp:sp modelId="{8141E2CA-89C2-6A43-836E-E64A6D5DA8DA}">
+      <dsp:nvSpPr>
+        <dsp:cNvPr id="0" name=""/>
+        <dsp:cNvSpPr/>
+      </dsp:nvSpPr>
+      <dsp:spPr>
+        <a:xfrm>
+          <a:off x="3567588" y="524133"/>
+          <a:ext cx="2918936" cy="1853524"/>
+        </a:xfrm>
+        <a:prstGeom prst="roundRect">
+          <a:avLst>
+            <a:gd name="adj" fmla="val 10000"/>
+          </a:avLst>
+        </a:prstGeom>
+        <a:solidFill>
+          <a:schemeClr val="dk2">
+            <a:hueOff val="0"/>
+            <a:satOff val="0"/>
+            <a:lumOff val="0"/>
+            <a:alphaOff val="0"/>
+          </a:schemeClr>
+        </a:solidFill>
+        <a:ln w="12700" cap="flat" cmpd="sng" algn="ctr">
+          <a:solidFill>
+            <a:schemeClr val="lt2">
+              <a:hueOff val="0"/>
+              <a:satOff val="0"/>
+              <a:lumOff val="0"/>
+              <a:alphaOff val="0"/>
+            </a:schemeClr>
+          </a:solidFill>
+          <a:prstDash val="solid"/>
+          <a:miter lim="800000"/>
+        </a:ln>
+        <a:effectLst/>
+      </dsp:spPr>
+      <dsp:style>
+        <a:lnRef idx="2">
+          <a:scrgbClr r="0" g="0" b="0"/>
+        </a:lnRef>
+        <a:fillRef idx="1">
+          <a:scrgbClr r="0" g="0" b="0"/>
+        </a:fillRef>
+        <a:effectRef idx="0">
+          <a:scrgbClr r="0" g="0" b="0"/>
+        </a:effectRef>
+        <a:fontRef idx="minor">
+          <a:schemeClr val="lt1"/>
+        </a:fontRef>
+      </dsp:style>
+    </dsp:sp>
+    <dsp:sp modelId="{B6625CAF-077C-3947-A19D-85D358CCD810}">
+      <dsp:nvSpPr>
+        <dsp:cNvPr id="0" name=""/>
+        <dsp:cNvSpPr/>
+      </dsp:nvSpPr>
+      <dsp:spPr>
+        <a:xfrm>
+          <a:off x="3891915" y="832243"/>
+          <a:ext cx="2918936" cy="1853524"/>
+        </a:xfrm>
+        <a:prstGeom prst="roundRect">
+          <a:avLst>
+            <a:gd name="adj" fmla="val 10000"/>
+          </a:avLst>
+        </a:prstGeom>
+        <a:solidFill>
+          <a:schemeClr val="lt2">
+            <a:alpha val="90000"/>
+            <a:hueOff val="0"/>
+            <a:satOff val="0"/>
+            <a:lumOff val="0"/>
+            <a:alphaOff val="0"/>
+          </a:schemeClr>
+        </a:solidFill>
+        <a:ln w="12700" cap="flat" cmpd="sng" algn="ctr">
+          <a:solidFill>
+            <a:schemeClr val="dk2">
+              <a:hueOff val="0"/>
+              <a:satOff val="0"/>
+              <a:lumOff val="0"/>
+              <a:alphaOff val="0"/>
+            </a:schemeClr>
+          </a:solidFill>
+          <a:prstDash val="solid"/>
+          <a:miter lim="800000"/>
+        </a:ln>
+        <a:effectLst/>
+      </dsp:spPr>
+      <dsp:style>
+        <a:lnRef idx="2">
+          <a:scrgbClr r="0" g="0" b="0"/>
+        </a:lnRef>
+        <a:fillRef idx="1">
+          <a:scrgbClr r="0" g="0" b="0"/>
+        </a:fillRef>
+        <a:effectRef idx="0">
+          <a:scrgbClr r="0" g="0" b="0"/>
+        </a:effectRef>
+        <a:fontRef idx="minor"/>
+      </dsp:style>
+      <dsp:txBody>
+        <a:bodyPr spcFirstLastPara="0" vert="horz" wrap="square" lIns="95250" tIns="95250" rIns="95250" bIns="95250" numCol="1" spcCol="1270" anchor="ctr" anchorCtr="0">
+          <a:noAutofit/>
+        </a:bodyPr>
+        <a:lstStyle/>
+        <a:p>
+          <a:pPr marL="0" lvl="0" indent="0" algn="ctr" defTabSz="1111250">
+            <a:lnSpc>
+              <a:spcPct val="90000"/>
+            </a:lnSpc>
+            <a:spcBef>
+              <a:spcPct val="0"/>
+            </a:spcBef>
+            <a:spcAft>
+              <a:spcPct val="35000"/>
+            </a:spcAft>
+            <a:buNone/>
+          </a:pPr>
+          <a:r>
+            <a:rPr lang="ko-KR" sz="2500" kern="1200"/>
+            <a:t>경제 질서 투명화</a:t>
+          </a:r>
+          <a:r>
+            <a:rPr lang="en-US" sz="2500" kern="1200"/>
+            <a:t>: </a:t>
+          </a:r>
+          <a:r>
+            <a:rPr lang="ko-KR" sz="2500" kern="1200"/>
+            <a:t>금융 시스템의 신뢰성 증대 </a:t>
+          </a:r>
+          <a:endParaRPr lang="en-US" sz="2500" kern="1200"/>
+        </a:p>
+      </dsp:txBody>
+      <dsp:txXfrm>
+        <a:off x="3946203" y="886531"/>
+        <a:ext cx="2810360" cy="1744948"/>
+      </dsp:txXfrm>
+    </dsp:sp>
+    <dsp:sp modelId="{9529A46F-F077-3048-BB6D-A6C6B70E1C4C}">
+      <dsp:nvSpPr>
+        <dsp:cNvPr id="0" name=""/>
+        <dsp:cNvSpPr/>
+      </dsp:nvSpPr>
+      <dsp:spPr>
+        <a:xfrm>
+          <a:off x="7135177" y="524133"/>
+          <a:ext cx="2918936" cy="1853524"/>
+        </a:xfrm>
+        <a:prstGeom prst="roundRect">
+          <a:avLst>
+            <a:gd name="adj" fmla="val 10000"/>
+          </a:avLst>
+        </a:prstGeom>
+        <a:solidFill>
+          <a:schemeClr val="dk2">
+            <a:hueOff val="0"/>
+            <a:satOff val="0"/>
+            <a:lumOff val="0"/>
+            <a:alphaOff val="0"/>
+          </a:schemeClr>
+        </a:solidFill>
+        <a:ln w="12700" cap="flat" cmpd="sng" algn="ctr">
+          <a:solidFill>
+            <a:schemeClr val="lt2">
+              <a:hueOff val="0"/>
+              <a:satOff val="0"/>
+              <a:lumOff val="0"/>
+              <a:alphaOff val="0"/>
+            </a:schemeClr>
+          </a:solidFill>
+          <a:prstDash val="solid"/>
+          <a:miter lim="800000"/>
+        </a:ln>
+        <a:effectLst/>
+      </dsp:spPr>
+      <dsp:style>
+        <a:lnRef idx="2">
+          <a:scrgbClr r="0" g="0" b="0"/>
+        </a:lnRef>
+        <a:fillRef idx="1">
+          <a:scrgbClr r="0" g="0" b="0"/>
+        </a:fillRef>
+        <a:effectRef idx="0">
+          <a:scrgbClr r="0" g="0" b="0"/>
+        </a:effectRef>
+        <a:fontRef idx="minor">
+          <a:schemeClr val="lt1"/>
+        </a:fontRef>
+      </dsp:style>
+    </dsp:sp>
+    <dsp:sp modelId="{50C6170F-30C8-364B-811F-58278F9AAE85}">
+      <dsp:nvSpPr>
+        <dsp:cNvPr id="0" name=""/>
+        <dsp:cNvSpPr/>
+      </dsp:nvSpPr>
+      <dsp:spPr>
+        <a:xfrm>
+          <a:off x="7459503" y="832243"/>
+          <a:ext cx="2918936" cy="1853524"/>
+        </a:xfrm>
+        <a:prstGeom prst="roundRect">
+          <a:avLst>
+            <a:gd name="adj" fmla="val 10000"/>
+          </a:avLst>
+        </a:prstGeom>
+        <a:solidFill>
+          <a:schemeClr val="lt2">
+            <a:alpha val="90000"/>
+            <a:hueOff val="0"/>
+            <a:satOff val="0"/>
+            <a:lumOff val="0"/>
+            <a:alphaOff val="0"/>
+          </a:schemeClr>
+        </a:solidFill>
+        <a:ln w="12700" cap="flat" cmpd="sng" algn="ctr">
+          <a:solidFill>
+            <a:schemeClr val="dk2">
+              <a:hueOff val="0"/>
+              <a:satOff val="0"/>
+              <a:lumOff val="0"/>
+              <a:alphaOff val="0"/>
+            </a:schemeClr>
+          </a:solidFill>
+          <a:prstDash val="solid"/>
+          <a:miter lim="800000"/>
+        </a:ln>
+        <a:effectLst/>
+      </dsp:spPr>
+      <dsp:style>
+        <a:lnRef idx="2">
+          <a:scrgbClr r="0" g="0" b="0"/>
+        </a:lnRef>
+        <a:fillRef idx="1">
+          <a:scrgbClr r="0" g="0" b="0"/>
+        </a:fillRef>
+        <a:effectRef idx="0">
+          <a:scrgbClr r="0" g="0" b="0"/>
+        </a:effectRef>
+        <a:fontRef idx="minor"/>
+      </dsp:style>
+      <dsp:txBody>
+        <a:bodyPr spcFirstLastPara="0" vert="horz" wrap="square" lIns="95250" tIns="95250" rIns="95250" bIns="95250" numCol="1" spcCol="1270" anchor="ctr" anchorCtr="0">
+          <a:noAutofit/>
+        </a:bodyPr>
+        <a:lstStyle/>
+        <a:p>
+          <a:pPr marL="0" lvl="0" indent="0" algn="ctr" defTabSz="1111250">
+            <a:lnSpc>
+              <a:spcPct val="90000"/>
+            </a:lnSpc>
+            <a:spcBef>
+              <a:spcPct val="0"/>
+            </a:spcBef>
+            <a:spcAft>
+              <a:spcPct val="35000"/>
+            </a:spcAft>
+            <a:buNone/>
+          </a:pPr>
+          <a:r>
+            <a:rPr lang="ko-KR" sz="2500" kern="1200"/>
+            <a:t>국제적 신뢰 구축</a:t>
+          </a:r>
+          <a:r>
+            <a:rPr lang="en-US" sz="2500" kern="1200"/>
+            <a:t>: </a:t>
+          </a:r>
+          <a:r>
+            <a:rPr lang="ko-KR" sz="2500" kern="1200"/>
+            <a:t>한국 경제의 글로벌 신뢰 확보 </a:t>
+          </a:r>
+          <a:endParaRPr lang="en-US" sz="2500" kern="1200"/>
+        </a:p>
+      </dsp:txBody>
+      <dsp:txXfrm>
+        <a:off x="7513791" y="886531"/>
+        <a:ext cx="2810360" cy="1744948"/>
+      </dsp:txXfrm>
+    </dsp:sp>
+  </dsp:spTree>
+</dsp:drawing>
+</file>
+
+<file path=ppt/diagrams/layout1.xml><?xml version="1.0" encoding="utf-8"?>
+<dgm:layoutDef xmlns:dgm="http://schemas.openxmlformats.org/drawingml/2006/diagram" xmlns:a="http://schemas.openxmlformats.org/drawingml/2006/main" uniqueId="urn:microsoft.com/office/officeart/2005/8/layout/hierarchy1">
+  <dgm:title val=""/>
+  <dgm:desc val=""/>
+  <dgm:catLst>
+    <dgm:cat type="hierarchy" pri="2000"/>
+  </dgm:catLst>
+  <dgm:sampData>
+    <dgm:dataModel>
+      <dgm:ptLst>
+        <dgm:pt modelId="0" type="doc"/>
+        <dgm:pt modelId="1">
+          <dgm:prSet phldr="1"/>
+        </dgm:pt>
+        <dgm:pt modelId="2">
+          <dgm:prSet phldr="1"/>
+        </dgm:pt>
+        <dgm:pt modelId="21">
+          <dgm:prSet phldr="1"/>
+        </dgm:pt>
+        <dgm:pt modelId="22">
+          <dgm:prSet phldr="1"/>
+        </dgm:pt>
+        <dgm:pt modelId="3">
+          <dgm:prSet phldr="1"/>
+        </dgm:pt>
+        <dgm:pt modelId="31">
+          <dgm:prSet phldr="1"/>
+        </dgm:pt>
+      </dgm:ptLst>
+      <dgm:cxnLst>
+        <dgm:cxn modelId="4" srcId="0" destId="1" srcOrd="0" destOrd="0"/>
+        <dgm:cxn modelId="5" srcId="1" destId="2" srcOrd="0" destOrd="0"/>
+        <dgm:cxn modelId="6" srcId="1" destId="3" srcOrd="1" destOrd="0"/>
+        <dgm:cxn modelId="23" srcId="2" destId="21" srcOrd="0" destOrd="0"/>
+        <dgm:cxn modelId="24" srcId="2" destId="22" srcOrd="1" destOrd="0"/>
+        <dgm:cxn modelId="33" srcId="3" destId="31" srcOrd="0" destOrd="0"/>
+      </dgm:cxnLst>
+      <dgm:bg/>
+      <dgm:whole/>
+    </dgm:dataModel>
+  </dgm:sampData>
+  <dgm:styleData>
+    <dgm:dataModel>
+      <dgm:ptLst>
+        <dgm:pt modelId="0" type="doc"/>
+        <dgm:pt modelId="1"/>
+        <dgm:pt modelId="11"/>
+        <dgm:pt modelId="12"/>
+      </dgm:ptLst>
+      <dgm:cxnLst>
+        <dgm:cxn modelId="2" srcId="0" destId="1" srcOrd="0" destOrd="0"/>
+        <dgm:cxn modelId="13" srcId="1" destId="11" srcOrd="0" destOrd="0"/>
+        <dgm:cxn modelId="14" srcId="1" destId="12" srcOrd="1" destOrd="0"/>
+      </dgm:cxnLst>
+      <dgm:bg/>
+      <dgm:whole/>
+    </dgm:dataModel>
+  </dgm:styleData>
+  <dgm:clrData>
+    <dgm:dataModel>
+      <dgm:ptLst>
+        <dgm:pt modelId="0" type="doc"/>
+        <dgm:pt modelId="1"/>
+        <dgm:pt modelId="2"/>
+        <dgm:pt modelId="21"/>
+        <dgm:pt modelId="211"/>
+        <dgm:pt modelId="3"/>
+        <dgm:pt modelId="31"/>
+        <dgm:pt modelId="311"/>
+      </dgm:ptLst>
+      <dgm:cxnLst>
+        <dgm:cxn modelId="4" srcId="0" destId="1" srcOrd="0" destOrd="0"/>
+        <dgm:cxn modelId="5" srcId="1" destId="2" srcOrd="0" destOrd="0"/>
+        <dgm:cxn modelId="6" srcId="1" destId="3" srcOrd="1" destOrd="0"/>
+        <dgm:cxn modelId="23" srcId="2" destId="21" srcOrd="0" destOrd="0"/>
+        <dgm:cxn modelId="24" srcId="21" destId="211" srcOrd="0" destOrd="0"/>
+        <dgm:cxn modelId="33" srcId="3" destId="31" srcOrd="0" destOrd="0"/>
+        <dgm:cxn modelId="34" srcId="31" destId="311" srcOrd="0" destOrd="0"/>
+      </dgm:cxnLst>
+      <dgm:bg/>
+      <dgm:whole/>
+    </dgm:dataModel>
+  </dgm:clrData>
+  <dgm:layoutNode name="hierChild1">
+    <dgm:varLst>
+      <dgm:chPref val="1"/>
+      <dgm:dir/>
+      <dgm:animOne val="branch"/>
+      <dgm:animLvl val="lvl"/>
+      <dgm:resizeHandles/>
+    </dgm:varLst>
+    <dgm:choose name="Name0">
+      <dgm:if name="Name1" func="var" arg="dir" op="equ" val="norm">
+        <dgm:alg type="hierChild">
+          <dgm:param type="linDir" val="fromL"/>
+        </dgm:alg>
+      </dgm:if>
+      <dgm:else name="Name2">
+        <dgm:alg type="hierChild">
+          <dgm:param type="linDir" val="fromR"/>
+        </dgm:alg>
+      </dgm:else>
+    </dgm:choose>
+    <dgm:shape xmlns:r="http://schemas.openxmlformats.org/officeDocument/2006/relationships" r:blip="">
+      <dgm:adjLst/>
+    </dgm:shape>
+    <dgm:presOf/>
+    <dgm:constrLst>
+      <dgm:constr type="primFontSz" for="des" ptType="node" op="equ" val="65"/>
+      <dgm:constr type="w" for="des" forName="composite" refType="w"/>
+      <dgm:constr type="h" for="des" forName="composite" refType="w" refFor="des" refForName="composite" fact="0.667"/>
+      <dgm:constr type="w" for="des" forName="composite2" refType="w" refFor="des" refForName="composite"/>
+      <dgm:constr type="h" for="des" forName="composite2" refType="h" refFor="des" refForName="composite"/>
+      <dgm:constr type="w" for="des" forName="composite3" refType="w" refFor="des" refForName="composite"/>
+      <dgm:constr type="h" for="des" forName="composite3" refType="h" refFor="des" refForName="composite"/>
+      <dgm:constr type="w" for="des" forName="composite4" refType="w" refFor="des" refForName="composite"/>
+      <dgm:constr type="h" for="des" forName="composite4" refType="h" refFor="des" refForName="composite"/>
+      <dgm:constr type="w" for="des" forName="composite5" refType="w" refFor="des" refForName="composite"/>
+      <dgm:constr type="h" for="des" forName="composite5" refType="h" refFor="des" refForName="composite"/>
+      <dgm:constr type="sibSp" refType="w" refFor="des" refForName="composite" fact="0.1"/>
+      <dgm:constr type="sibSp" for="des" forName="hierChild2" refType="sibSp"/>
+      <dgm:constr type="sibSp" for="des" forName="hierChild3" refType="sibSp"/>
+      <dgm:constr type="sibSp" for="des" forName="hierChild4" refType="sibSp"/>
+      <dgm:constr type="sibSp" for="des" forName="hierChild5" refType="sibSp"/>
+      <dgm:constr type="sibSp" for="des" forName="hierChild6" refType="sibSp"/>
+      <dgm:constr type="sp" for="des" forName="hierRoot1" refType="h" refFor="des" refForName="composite" fact="0.25"/>
+      <dgm:constr type="sp" for="des" forName="hierRoot2" refType="sp" refFor="des" refForName="hierRoot1"/>
+      <dgm:constr type="sp" for="des" forName="hierRoot3" refType="sp" refFor="des" refForName="hierRoot1"/>
+      <dgm:constr type="sp" for="des" forName="hierRoot4" refType="sp" refFor="des" refForName="hierRoot1"/>
+      <dgm:constr type="sp" for="des" forName="hierRoot5" refType="sp" refFor="des" refForName="hierRoot1"/>
+    </dgm:constrLst>
+    <dgm:ruleLst/>
+    <dgm:forEach name="Name3" axis="ch">
+      <dgm:forEach name="Name4" axis="self" ptType="node">
+        <dgm:layoutNode name="hierRoot1">
+          <dgm:alg type="hierRoot"/>
+          <dgm:shape xmlns:r="http://schemas.openxmlformats.org/officeDocument/2006/relationships" r:blip="">
+            <dgm:adjLst/>
+          </dgm:shape>
+          <dgm:presOf/>
+          <dgm:constrLst>
+            <dgm:constr type="bendDist" for="des" ptType="parTrans" refType="sp" fact="0.5"/>
+          </dgm:constrLst>
+          <dgm:ruleLst/>
+          <dgm:layoutNode name="composite">
+            <dgm:alg type="composite"/>
+            <dgm:shape xmlns:r="http://schemas.openxmlformats.org/officeDocument/2006/relationships" r:blip="">
+              <dgm:adjLst/>
+            </dgm:shape>
+            <dgm:presOf/>
+            <dgm:constrLst>
+              <dgm:constr type="w" for="ch" forName="background" refType="w" fact="0.9"/>
+              <dgm:constr type="h" for="ch" forName="background" refType="w" refFor="ch" refForName="background" fact="0.635"/>
+              <dgm:constr type="t" for="ch" forName="background"/>
+              <dgm:constr type="l" for="ch" forName="background"/>
+              <dgm:constr type="w" for="ch" forName="text" refType="w" fact="0.9"/>
+              <dgm:constr type="h" for="ch" forName="text" refType="w" refFor="ch" refForName="text" fact="0.635"/>
+              <dgm:constr type="t" for="ch" forName="text" refType="w" fact="0.095"/>
+              <dgm:constr type="l" for="ch" forName="text" refType="w" fact="0.1"/>
+            </dgm:constrLst>
+            <dgm:ruleLst/>
+            <dgm:layoutNode name="background" styleLbl="node0" moveWith="text">
+              <dgm:alg type="sp"/>
+              <dgm:shape xmlns:r="http://schemas.openxmlformats.org/officeDocument/2006/relationships" type="roundRect" r:blip="">
+                <dgm:adjLst>
+                  <dgm:adj idx="1" val="0.1"/>
+                </dgm:adjLst>
+              </dgm:shape>
+              <dgm:presOf/>
+              <dgm:constrLst/>
+              <dgm:ruleLst/>
+            </dgm:layoutNode>
+            <dgm:layoutNode name="text" styleLbl="fgAcc0">
+              <dgm:varLst>
+                <dgm:chPref val="3"/>
+              </dgm:varLst>
+              <dgm:alg type="tx"/>
+              <dgm:shape xmlns:r="http://schemas.openxmlformats.org/officeDocument/2006/relationships" type="roundRect" r:blip="">
+                <dgm:adjLst>
+                  <dgm:adj idx="1" val="0.1"/>
+                </dgm:adjLst>
+              </dgm:shape>
+              <dgm:presOf axis="self"/>
+              <dgm:constrLst>
+                <dgm:constr type="tMarg" refType="primFontSz" fact="0.3"/>
+                <dgm:constr type="bMarg" refType="primFontSz" fact="0.3"/>
+                <dgm:constr type="lMarg" refType="primFontSz" fact="0.3"/>
+                <dgm:constr type="rMarg" refType="primFontSz" fact="0.3"/>
+              </dgm:constrLst>
+              <dgm:ruleLst>
+                <dgm:rule type="primFontSz" val="5" fact="NaN" max="NaN"/>
+              </dgm:ruleLst>
+            </dgm:layoutNode>
+          </dgm:layoutNode>
+          <dgm:layoutNode name="hierChild2">
+            <dgm:choose name="Name5">
+              <dgm:if name="Name6" func="var" arg="dir" op="equ" val="norm">
+                <dgm:alg type="hierChild">
+                  <dgm:param type="linDir" val="fromL"/>
+                </dgm:alg>
+              </dgm:if>
+              <dgm:else name="Name7">
+                <dgm:alg type="hierChild">
+                  <dgm:param type="linDir" val="fromR"/>
+                </dgm:alg>
+              </dgm:else>
+            </dgm:choose>
+            <dgm:shape xmlns:r="http://schemas.openxmlformats.org/officeDocument/2006/relationships" r:blip="">
+              <dgm:adjLst/>
+            </dgm:shape>
+            <dgm:presOf/>
+            <dgm:constrLst/>
+            <dgm:ruleLst/>
+            <dgm:forEach name="Name8" axis="ch">
+              <dgm:forEach name="Name9" axis="self" ptType="parTrans" cnt="1">
+                <dgm:layoutNode name="Name10">
+                  <dgm:alg type="conn">
+                    <dgm:param type="dim" val="1D"/>
+                    <dgm:param type="endSty" val="noArr"/>
+                    <dgm:param type="connRout" val="bend"/>
+                    <dgm:param type="bendPt" val="end"/>
+                    <dgm:param type="begPts" val="bCtr"/>
+                    <dgm:param type="endPts" val="tCtr"/>
+                    <dgm:param type="srcNode" val="background"/>
+                    <dgm:param type="dstNode" val="background2"/>
+                  </dgm:alg>
+                  <dgm:shape xmlns:r="http://schemas.openxmlformats.org/officeDocument/2006/relationships" type="conn" r:blip="" zOrderOff="-999">
+                    <dgm:adjLst/>
+                  </dgm:shape>
+                  <dgm:presOf axis="self"/>
+                  <dgm:constrLst>
+                    <dgm:constr type="begPad"/>
+                    <dgm:constr type="endPad"/>
+                  </dgm:constrLst>
+                  <dgm:ruleLst/>
+                </dgm:layoutNode>
+              </dgm:forEach>
+              <dgm:forEach name="Name11" axis="self" ptType="node">
+                <dgm:layoutNode name="hierRoot2">
+                  <dgm:alg type="hierRoot"/>
+                  <dgm:shape xmlns:r="http://schemas.openxmlformats.org/officeDocument/2006/relationships" r:blip="">
+                    <dgm:adjLst/>
+                  </dgm:shape>
+                  <dgm:presOf/>
+                  <dgm:constrLst>
+                    <dgm:constr type="bendDist" for="des" ptType="parTrans" refType="sp" fact="0.5"/>
+                  </dgm:constrLst>
+                  <dgm:ruleLst/>
+                  <dgm:layoutNode name="composite2">
+                    <dgm:alg type="composite"/>
+                    <dgm:shape xmlns:r="http://schemas.openxmlformats.org/officeDocument/2006/relationships" r:blip="">
+                      <dgm:adjLst/>
+                    </dgm:shape>
+                    <dgm:presOf/>
+                    <dgm:constrLst>
+                      <dgm:constr type="w" for="ch" forName="background2" refType="w" fact="0.9"/>
+                      <dgm:constr type="h" for="ch" forName="background2" refType="w" refFor="ch" refForName="background2" fact="0.635"/>
+                      <dgm:constr type="t" for="ch" forName="background2"/>
+                      <dgm:constr type="l" for="ch" forName="background2"/>
+                      <dgm:constr type="w" for="ch" forName="text2" refType="w" fact="0.9"/>
+                      <dgm:constr type="h" for="ch" forName="text2" refType="w" refFor="ch" refForName="text2" fact="0.635"/>
+                      <dgm:constr type="t" for="ch" forName="text2" refType="w" fact="0.095"/>
+                      <dgm:constr type="l" for="ch" forName="text2" refType="w" fact="0.1"/>
+                    </dgm:constrLst>
+                    <dgm:ruleLst/>
+                    <dgm:layoutNode name="background2" moveWith="text2">
+                      <dgm:alg type="sp"/>
+                      <dgm:shape xmlns:r="http://schemas.openxmlformats.org/officeDocument/2006/relationships" type="roundRect" r:blip="">
+                        <dgm:adjLst>
+                          <dgm:adj idx="1" val="0.1"/>
+                        </dgm:adjLst>
+                      </dgm:shape>
+                      <dgm:presOf/>
+                      <dgm:constrLst/>
+                      <dgm:ruleLst/>
+                    </dgm:layoutNode>
+                    <dgm:layoutNode name="text2" styleLbl="fgAcc2">
+                      <dgm:varLst>
+                        <dgm:chPref val="3"/>
+                      </dgm:varLst>
+                      <dgm:alg type="tx"/>
+                      <dgm:shape xmlns:r="http://schemas.openxmlformats.org/officeDocument/2006/relationships" type="roundRect" r:blip="">
+                        <dgm:adjLst>
+                          <dgm:adj idx="1" val="0.1"/>
+                        </dgm:adjLst>
+                      </dgm:shape>
+                      <dgm:presOf axis="self"/>
+                      <dgm:constrLst>
+                        <dgm:constr type="tMarg" refType="primFontSz" fact="0.3"/>
+                        <dgm:constr type="bMarg" refType="primFontSz" fact="0.3"/>
+                        <dgm:constr type="lMarg" refType="primFontSz" fact="0.3"/>
+                        <dgm:constr type="rMarg" refType="primFontSz" fact="0.3"/>
+                      </dgm:constrLst>
+                      <dgm:ruleLst>
+                        <dgm:rule type="primFontSz" val="5" fact="NaN" max="NaN"/>
+                      </dgm:ruleLst>
+                    </dgm:layoutNode>
+                  </dgm:layoutNode>
+                  <dgm:layoutNode name="hierChild3">
+                    <dgm:choose name="Name12">
+                      <dgm:if name="Name13" func="var" arg="dir" op="equ" val="norm">
+                        <dgm:alg type="hierChild">
+                          <dgm:param type="linDir" val="fromL"/>
+                        </dgm:alg>
+                      </dgm:if>
+                      <dgm:else name="Name14">
+                        <dgm:alg type="hierChild">
+                          <dgm:param type="linDir" val="fromR"/>
+                        </dgm:alg>
+                      </dgm:else>
+                    </dgm:choose>
+                    <dgm:shape xmlns:r="http://schemas.openxmlformats.org/officeDocument/2006/relationships" r:blip="">
+                      <dgm:adjLst/>
+                    </dgm:shape>
+                    <dgm:presOf/>
+                    <dgm:constrLst/>
+                    <dgm:ruleLst/>
+                    <dgm:forEach name="Name15" axis="ch">
+                      <dgm:forEach name="Name16" axis="self" ptType="parTrans" cnt="1">
+                        <dgm:layoutNode name="Name17">
+                          <dgm:alg type="conn">
+                            <dgm:param type="dim" val="1D"/>
+                            <dgm:param type="endSty" val="noArr"/>
+                            <dgm:param type="connRout" val="bend"/>
+                            <dgm:param type="bendPt" val="end"/>
+                            <dgm:param type="begPts" val="bCtr"/>
+                            <dgm:param type="endPts" val="tCtr"/>
+                            <dgm:param type="srcNode" val="background2"/>
+                            <dgm:param type="dstNode" val="background3"/>
+                          </dgm:alg>
+                          <dgm:shape xmlns:r="http://schemas.openxmlformats.org/officeDocument/2006/relationships" type="conn" r:blip="" zOrderOff="-999">
+                            <dgm:adjLst/>
+                          </dgm:shape>
+                          <dgm:presOf axis="self"/>
+                          <dgm:constrLst>
+                            <dgm:constr type="begPad"/>
+                            <dgm:constr type="endPad"/>
+                          </dgm:constrLst>
+                          <dgm:ruleLst/>
+                        </dgm:layoutNode>
+                      </dgm:forEach>
+                      <dgm:forEach name="Name18" axis="self" ptType="node">
+                        <dgm:layoutNode name="hierRoot3">
+                          <dgm:alg type="hierRoot"/>
+                          <dgm:shape xmlns:r="http://schemas.openxmlformats.org/officeDocument/2006/relationships" r:blip="">
+                            <dgm:adjLst/>
+                          </dgm:shape>
+                          <dgm:presOf/>
+                          <dgm:constrLst>
+                            <dgm:constr type="bendDist" for="des" ptType="parTrans" refType="sp" fact="0.5"/>
+                          </dgm:constrLst>
+                          <dgm:ruleLst/>
+                          <dgm:layoutNode name="composite3">
+                            <dgm:alg type="composite"/>
+                            <dgm:shape xmlns:r="http://schemas.openxmlformats.org/officeDocument/2006/relationships" r:blip="">
+                              <dgm:adjLst/>
+                            </dgm:shape>
+                            <dgm:presOf/>
+                            <dgm:constrLst>
+                              <dgm:constr type="w" for="ch" forName="background3" refType="w" fact="0.9"/>
+                              <dgm:constr type="h" for="ch" forName="background3" refType="w" refFor="ch" refForName="background3" fact="0.635"/>
+                              <dgm:constr type="t" for="ch" forName="background3"/>
+                              <dgm:constr type="l" for="ch" forName="background3"/>
+                              <dgm:constr type="w" for="ch" forName="text3" refType="w" fact="0.9"/>
+                              <dgm:constr type="h" for="ch" forName="text3" refType="w" refFor="ch" refForName="text3" fact="0.635"/>
+                              <dgm:constr type="t" for="ch" forName="text3" refType="w" fact="0.095"/>
+                              <dgm:constr type="l" for="ch" forName="text3" refType="w" fact="0.1"/>
+                            </dgm:constrLst>
+                            <dgm:ruleLst/>
+                            <dgm:layoutNode name="background3" moveWith="text3">
+                              <dgm:alg type="sp"/>
+                              <dgm:shape xmlns:r="http://schemas.openxmlformats.org/officeDocument/2006/relationships" type="roundRect" r:blip="">
+                                <dgm:adjLst>
+                                  <dgm:adj idx="1" val="0.1"/>
+                                </dgm:adjLst>
+                              </dgm:shape>
+                              <dgm:presOf/>
+                              <dgm:constrLst/>
+                              <dgm:ruleLst/>
+                            </dgm:layoutNode>
+                            <dgm:layoutNode name="text3" styleLbl="fgAcc3">
+                              <dgm:varLst>
+                                <dgm:chPref val="3"/>
+                              </dgm:varLst>
+                              <dgm:alg type="tx"/>
+                              <dgm:shape xmlns:r="http://schemas.openxmlformats.org/officeDocument/2006/relationships" type="roundRect" r:blip="">
+                                <dgm:adjLst>
+                                  <dgm:adj idx="1" val="0.1"/>
+                                </dgm:adjLst>
+                              </dgm:shape>
+                              <dgm:presOf axis="self"/>
+                              <dgm:constrLst>
+                                <dgm:constr type="tMarg" refType="primFontSz" fact="0.3"/>
+                                <dgm:constr type="bMarg" refType="primFontSz" fact="0.3"/>
+                                <dgm:constr type="lMarg" refType="primFontSz" fact="0.3"/>
+                                <dgm:constr type="rMarg" refType="primFontSz" fact="0.3"/>
+                              </dgm:constrLst>
+                              <dgm:ruleLst>
+                                <dgm:rule type="primFontSz" val="5" fact="NaN" max="NaN"/>
+                              </dgm:ruleLst>
+                            </dgm:layoutNode>
+                          </dgm:layoutNode>
+                          <dgm:layoutNode name="hierChild4">
+                            <dgm:choose name="Name19">
+                              <dgm:if name="Name20" func="var" arg="dir" op="equ" val="norm">
+                                <dgm:alg type="hierChild">
+                                  <dgm:param type="linDir" val="fromL"/>
+                                </dgm:alg>
+                              </dgm:if>
+                              <dgm:else name="Name21">
+                                <dgm:alg type="hierChild">
+                                  <dgm:param type="linDir" val="fromR"/>
+                                </dgm:alg>
+                              </dgm:else>
+                            </dgm:choose>
+                            <dgm:shape xmlns:r="http://schemas.openxmlformats.org/officeDocument/2006/relationships" r:blip="">
+                              <dgm:adjLst/>
+                            </dgm:shape>
+                            <dgm:presOf/>
+                            <dgm:constrLst/>
+                            <dgm:ruleLst/>
+                            <dgm:forEach name="repeat" axis="ch">
+                              <dgm:forEach name="Name22" axis="self" ptType="parTrans" cnt="1">
+                                <dgm:layoutNode name="Name23">
+                                  <dgm:choose name="Name24">
+                                    <dgm:if name="Name25" axis="self" func="depth" op="lte" val="4">
+                                      <dgm:alg type="conn">
+                                        <dgm:param type="dim" val="1D"/>
+                                        <dgm:param type="endSty" val="noArr"/>
+                                        <dgm:param type="connRout" val="bend"/>
+                                        <dgm:param type="bendPt" val="end"/>
+                                        <dgm:param type="begPts" val="bCtr"/>
+                                        <dgm:param type="endPts" val="tCtr"/>
+                                        <dgm:param type="srcNode" val="background3"/>
+                                        <dgm:param type="dstNode" val="background4"/>
+                                      </dgm:alg>
+                                    </dgm:if>
+                                    <dgm:else name="Name26">
+                                      <dgm:alg type="conn">
+                                        <dgm:param type="dim" val="1D"/>
+                                        <dgm:param type="endSty" val="noArr"/>
+                                        <dgm:param type="connRout" val="bend"/>
+                                        <dgm:param type="bendPt" val="end"/>
+                                        <dgm:param type="begPts" val="bCtr"/>
+                                        <dgm:param type="endPts" val="tCtr"/>
+                                        <dgm:param type="srcNode" val="background4"/>
+                                        <dgm:param type="dstNode" val="background4"/>
+                                      </dgm:alg>
+                                    </dgm:else>
+                                  </dgm:choose>
+                                  <dgm:shape xmlns:r="http://schemas.openxmlformats.org/officeDocument/2006/relationships" type="conn" r:blip="" zOrderOff="-999">
+                                    <dgm:adjLst/>
+                                  </dgm:shape>
+                                  <dgm:presOf axis="self"/>
+                                  <dgm:constrLst>
+                                    <dgm:constr type="begPad"/>
+                                    <dgm:constr type="endPad"/>
+                                  </dgm:constrLst>
+                                  <dgm:ruleLst/>
+                                </dgm:layoutNode>
+                              </dgm:forEach>
+                              <dgm:forEach name="Name27" axis="self" ptType="node">
+                                <dgm:layoutNode name="hierRoot4">
+                                  <dgm:alg type="hierRoot"/>
+                                  <dgm:shape xmlns:r="http://schemas.openxmlformats.org/officeDocument/2006/relationships" r:blip="">
+                                    <dgm:adjLst/>
+                                  </dgm:shape>
+                                  <dgm:presOf/>
+                                  <dgm:constrLst>
+                                    <dgm:constr type="bendDist" for="des" ptType="parTrans" refType="sp" fact="0.5"/>
+                                  </dgm:constrLst>
+                                  <dgm:ruleLst/>
+                                  <dgm:layoutNode name="composite4">
+                                    <dgm:alg type="composite"/>
+                                    <dgm:shape xmlns:r="http://schemas.openxmlformats.org/officeDocument/2006/relationships" r:blip="">
+                                      <dgm:adjLst/>
+                                    </dgm:shape>
+                                    <dgm:presOf/>
+                                    <dgm:constrLst>
+                                      <dgm:constr type="w" for="ch" forName="background4" refType="w" fact="0.9"/>
+                                      <dgm:constr type="h" for="ch" forName="background4" refType="w" refFor="ch" refForName="background4" fact="0.635"/>
+                                      <dgm:constr type="t" for="ch" forName="background4"/>
+                                      <dgm:constr type="l" for="ch" forName="background4"/>
+                                      <dgm:constr type="w" for="ch" forName="text4" refType="w" fact="0.9"/>
+                                      <dgm:constr type="h" for="ch" forName="text4" refType="w" refFor="ch" refForName="text4" fact="0.635"/>
+                                      <dgm:constr type="t" for="ch" forName="text4" refType="w" fact="0.095"/>
+                                      <dgm:constr type="l" for="ch" forName="text4" refType="w" fact="0.1"/>
+                                    </dgm:constrLst>
+                                    <dgm:ruleLst/>
+                                    <dgm:layoutNode name="background4" moveWith="text4">
+                                      <dgm:alg type="sp"/>
+                                      <dgm:shape xmlns:r="http://schemas.openxmlformats.org/officeDocument/2006/relationships" type="roundRect" r:blip="">
+                                        <dgm:adjLst>
+                                          <dgm:adj idx="1" val="0.1"/>
+                                        </dgm:adjLst>
+                                      </dgm:shape>
+                                      <dgm:presOf/>
+                                      <dgm:constrLst/>
+                                      <dgm:ruleLst/>
+                                    </dgm:layoutNode>
+                                    <dgm:layoutNode name="text4" styleLbl="fgAcc4">
+                                      <dgm:varLst>
+                                        <dgm:chPref val="3"/>
+                                      </dgm:varLst>
+                                      <dgm:alg type="tx"/>
+                                      <dgm:shape xmlns:r="http://schemas.openxmlformats.org/officeDocument/2006/relationships" type="roundRect" r:blip="">
+                                        <dgm:adjLst>
+                                          <dgm:adj idx="1" val="0.1"/>
+                                        </dgm:adjLst>
+                                      </dgm:shape>
+                                      <dgm:presOf axis="self"/>
+                                      <dgm:constrLst>
+                                        <dgm:constr type="tMarg" refType="primFontSz" fact="0.3"/>
+                                        <dgm:constr type="bMarg" refType="primFontSz" fact="0.3"/>
+                                        <dgm:constr type="lMarg" refType="primFontSz" fact="0.3"/>
+                                        <dgm:constr type="rMarg" refType="primFontSz" fact="0.3"/>
+                                      </dgm:constrLst>
+                                      <dgm:ruleLst>
+                                        <dgm:rule type="primFontSz" val="5" fact="NaN" max="NaN"/>
+                                      </dgm:ruleLst>
+                                    </dgm:layoutNode>
+                                  </dgm:layoutNode>
+                                  <dgm:layoutNode name="hierChild5">
+                                    <dgm:choose name="Name28">
+                                      <dgm:if name="Name29" func="var" arg="dir" op="equ" val="norm">
+                                        <dgm:alg type="hierChild">
+                                          <dgm:param type="linDir" val="fromL"/>
+                                        </dgm:alg>
+                                      </dgm:if>
+                                      <dgm:else name="Name30">
+                                        <dgm:alg type="hierChild">
+                                          <dgm:param type="linDir" val="fromR"/>
+                                        </dgm:alg>
+                                      </dgm:else>
+                                    </dgm:choose>
+                                    <dgm:shape xmlns:r="http://schemas.openxmlformats.org/officeDocument/2006/relationships" r:blip="">
+                                      <dgm:adjLst/>
+                                    </dgm:shape>
+                                    <dgm:presOf/>
+                                    <dgm:constrLst/>
+                                    <dgm:ruleLst/>
+                                    <dgm:forEach name="Name31" ref="repeat"/>
+                                  </dgm:layoutNode>
+                                </dgm:layoutNode>
+                              </dgm:forEach>
+                            </dgm:forEach>
+                          </dgm:layoutNode>
+                        </dgm:layoutNode>
+                      </dgm:forEach>
+                    </dgm:forEach>
+                  </dgm:layoutNode>
+                </dgm:layoutNode>
+              </dgm:forEach>
+            </dgm:forEach>
+          </dgm:layoutNode>
+        </dgm:layoutNode>
+      </dgm:forEach>
+    </dgm:forEach>
+  </dgm:layoutNode>
+</dgm:layoutDef>
+</file>
+
+<file path=ppt/diagrams/quickStyle1.xml><?xml version="1.0" encoding="utf-8"?>
+<dgm:styleDef xmlns:dgm="http://schemas.openxmlformats.org/drawingml/2006/diagram" xmlns:a="http://schemas.openxmlformats.org/drawingml/2006/main" uniqueId="urn:microsoft.com/office/officeart/2005/8/quickstyle/simple1">
+  <dgm:title val=""/>
+  <dgm:desc val=""/>
+  <dgm:catLst>
+    <dgm:cat type="simple" pri="10100"/>
+  </dgm:catLst>
+  <dgm:scene3d>
+    <a:camera prst="orthographicFront"/>
+    <a:lightRig rig="threePt" dir="t"/>
+  </dgm:scene3d>
+  <dgm:styleLbl name="node0">
+    <dgm:scene3d>
+      <a:camera prst="orthographicFront"/>
+      <a:lightRig rig="threePt" dir="t"/>
+    </dgm:scene3d>
+    <dgm:sp3d/>
+    <dgm:txPr/>
+    <dgm:style>
+      <a:lnRef idx="2">
+        <a:scrgbClr r="0" g="0" b="0"/>
+      </a:lnRef>
+      <a:fillRef idx="1">
+        <a:scrgbClr r="0" g="0" b="0"/>
+      </a:fillRef>
+      <a:effectRef idx="0">
+        <a:scrgbClr r="0" g="0" b="0"/>
+      </a:effectRef>
+      <a:fontRef idx="minor">
+        <a:schemeClr val="lt1"/>
+      </a:fontRef>
+    </dgm:style>
+  </dgm:styleLbl>
+  <dgm:styleLbl name="lnNode1">
+    <dgm:scene3d>
+      <a:camera prst="orthographicFront"/>
+      <a:lightRig rig="threePt" dir="t"/>
+    </dgm:scene3d>
+    <dgm:sp3d/>
+    <dgm:txPr/>
+    <dgm:style>
+      <a:lnRef idx="2">
+        <a:scrgbClr r="0" g="0" b="0"/>
+      </a:lnRef>
+      <a:fillRef idx="1">
+        <a:scrgbClr r="0" g="0" b="0"/>
+      </a:fillRef>
+      <a:effectRef idx="0">
+        <a:scrgbClr r="0" g="0" b="0"/>
+      </a:effectRef>
+      <a:fontRef idx="minor">
+        <a:schemeClr val="lt1"/>
+      </a:fontRef>
+    </dgm:style>
+  </dgm:styleLbl>
+  <dgm:styleLbl name="vennNode1">
+    <dgm:scene3d>
+      <a:camera prst="orthographicFront"/>
+      <a:lightRig rig="threePt" dir="t"/>
+    </dgm:scene3d>
+    <dgm:sp3d/>
+    <dgm:txPr/>
+    <dgm:style>
+      <a:lnRef idx="2">
+        <a:scrgbClr r="0" g="0" b="0"/>
+      </a:lnRef>
+      <a:fillRef idx="1">
+        <a:scrgbClr r="0" g="0" b="0"/>
+      </a:fillRef>
+      <a:effectRef idx="0">
+        <a:scrgbClr r="0" g="0" b="0"/>
+      </a:effectRef>
+      <a:fontRef idx="minor">
+        <a:schemeClr val="tx1"/>
+      </a:fontRef>
+    </dgm:style>
+  </dgm:styleLbl>
+  <dgm:styleLbl name="alignNode1">
+    <dgm:scene3d>
+      <a:camera prst="orthographicFront"/>
+      <a:lightRig rig="threePt" dir="t"/>
+    </dgm:scene3d>
+    <dgm:sp3d/>
+    <dgm:txPr/>
+    <dgm:style>
+      <a:lnRef idx="2">
+        <a:scrgbClr r="0" g="0" b="0"/>
+      </a:lnRef>
+      <a:fillRef idx="1">
+        <a:scrgbClr r="0" g="0" b="0"/>
+      </a:fillRef>
+      <a:effectRef idx="0">
+        <a:scrgbClr r="0" g="0" b="0"/>
+      </a:effectRef>
+      <a:fontRef idx="minor">
+        <a:schemeClr val="lt1"/>
+      </a:fontRef>
+    </dgm:style>
+  </dgm:styleLbl>
+  <dgm:styleLbl name="node1">
+    <dgm:scene3d>
+      <a:camera prst="orthographicFront"/>
+      <a:lightRig rig="threePt" dir="t"/>
+    </dgm:scene3d>
+    <dgm:sp3d/>
+    <dgm:txPr/>
+    <dgm:style>
+      <a:lnRef idx="2">
+        <a:scrgbClr r="0" g="0" b="0"/>
+      </a:lnRef>
+      <a:fillRef idx="1">
+        <a:scrgbClr r="0" g="0" b="0"/>
+      </a:fillRef>
+      <a:effectRef idx="0">
+        <a:scrgbClr r="0" g="0" b="0"/>
+      </a:effectRef>
+      <a:fontRef idx="minor">
+        <a:schemeClr val="lt1"/>
+      </a:fontRef>
+    </dgm:style>
+  </dgm:styleLbl>
+  <dgm:styleLbl name="node2">
+    <dgm:scene3d>
+      <a:camera prst="orthographicFront"/>
+      <a:lightRig rig="threePt" dir="t"/>
+    </dgm:scene3d>
+    <dgm:sp3d/>
+    <dgm:txPr/>
+    <dgm:style>
+      <a:lnRef idx="2">
+        <a:scrgbClr r="0" g="0" b="0"/>
+      </a:lnRef>
+      <a:fillRef idx="1">
+        <a:scrgbClr r="0" g="0" b="0"/>
+      </a:fillRef>
+      <a:effectRef idx="0">
+        <a:scrgbClr r="0" g="0" b="0"/>
+      </a:effectRef>
+      <a:fontRef idx="minor">
+        <a:schemeClr val="lt1"/>
+      </a:fontRef>
+    </dgm:style>
+  </dgm:styleLbl>
+  <dgm:styleLbl name="node3">
+    <dgm:scene3d>
+      <a:camera prst="orthographicFront"/>
+      <a:lightRig rig="threePt" dir="t"/>
+    </dgm:scene3d>
+    <dgm:sp3d/>
+    <dgm:txPr/>
+    <dgm:style>
+      <a:lnRef idx="2">
+        <a:scrgbClr r="0" g="0" b="0"/>
+      </a:lnRef>
+      <a:fillRef idx="1">
+        <a:scrgbClr r="0" g="0" b="0"/>
+      </a:fillRef>
+      <a:effectRef idx="0">
+        <a:scrgbClr r="0" g="0" b="0"/>
+      </a:effectRef>
+      <a:fontRef idx="minor">
+        <a:schemeClr val="lt1"/>
+      </a:fontRef>
+    </dgm:style>
+  </dgm:styleLbl>
+  <dgm:styleLbl name="node4">
+    <dgm:scene3d>
+      <a:camera prst="orthographicFront"/>
+      <a:lightRig rig="threePt" dir="t"/>
+    </dgm:scene3d>
+    <dgm:sp3d/>
+    <dgm:txPr/>
+    <dgm:style>
+      <a:lnRef idx="2">
+        <a:scrgbClr r="0" g="0" b="0"/>
+      </a:lnRef>
+      <a:fillRef idx="1">
+        <a:scrgbClr r="0" g="0" b="0"/>
+      </a:fillRef>
+      <a:effectRef idx="0">
+        <a:scrgbClr r="0" g="0" b="0"/>
+      </a:effectRef>
+      <a:fontRef idx="minor">
+        <a:schemeClr val="lt1"/>
+      </a:fontRef>
+    </dgm:style>
+  </dgm:styleLbl>
+  <dgm:styleLbl name="fgImgPlace1">
+    <dgm:scene3d>
+      <a:camera prst="orthographicFront"/>
+      <a:lightRig rig="threePt" dir="t"/>
+    </dgm:scene3d>
+    <dgm:sp3d/>
+    <dgm:txPr/>
+    <dgm:style>
+      <a:lnRef idx="2">
+        <a:scrgbClr r="0" g="0" b="0"/>
+      </a:lnRef>
+      <a:fillRef idx="1">
+        <a:scrgbClr r="0" g="0" b="0"/>
+      </a:fillRef>
+      <a:effectRef idx="0">
+        <a:scrgbClr r="0" g="0" b="0"/>
+      </a:effectRef>
+      <a:fontRef idx="minor"/>
+    </dgm:style>
+  </dgm:styleLbl>
+  <dgm:styleLbl name="alignImgPlace1">
+    <dgm:scene3d>
+      <a:camera prst="orthographicFront"/>
+      <a:lightRig rig="threePt" dir="t"/>
+    </dgm:scene3d>
+    <dgm:sp3d/>
+    <dgm:txPr/>
+    <dgm:style>
+      <a:lnRef idx="2">
+        <a:scrgbClr r="0" g="0" b="0"/>
+      </a:lnRef>
+      <a:fillRef idx="1">
+        <a:scrgbClr r="0" g="0" b="0"/>
+      </a:fillRef>
+      <a:effectRef idx="0">
+        <a:scrgbClr r="0" g="0" b="0"/>
+      </a:effectRef>
+      <a:fontRef idx="minor"/>
+    </dgm:style>
+  </dgm:styleLbl>
+  <dgm:styleLbl name="bgImgPlace1">
+    <dgm:scene3d>
+      <a:camera prst="orthographicFront"/>
+      <a:lightRig rig="threePt" dir="t"/>
+    </dgm:scene3d>
+    <dgm:sp3d/>
+    <dgm:txPr/>
+    <dgm:style>
+      <a:lnRef idx="2">
+        <a:scrgbClr r="0" g="0" b="0"/>
+      </a:lnRef>
+      <a:fillRef idx="1">
+        <a:scrgbClr r="0" g="0" b="0"/>
+      </a:fillRef>
+      <a:effectRef idx="0">
+        <a:scrgbClr r="0" g="0" b="0"/>
+      </a:effectRef>
+      <a:fontRef idx="minor"/>
+    </dgm:style>
+  </dgm:styleLbl>
+  <dgm:styleLbl name="sibTrans2D1">
+    <dgm:scene3d>
+      <a:camera prst="orthographicFront"/>
+      <a:lightRig rig="threePt" dir="t"/>
+    </dgm:scene3d>
+    <dgm:sp3d/>
+    <dgm:txPr/>
+    <dgm:style>
+      <a:lnRef idx="0">
+        <a:scrgbClr r="0" g="0" b="0"/>
+      </a:lnRef>
+      <a:fillRef idx="1">
+        <a:scrgbClr r="0" g="0" b="0"/>
+      </a:fillRef>
+      <a:effectRef idx="0">
+        <a:scrgbClr r="0" g="0" b="0"/>
+      </a:effectRef>
+      <a:fontRef idx="minor">
+        <a:schemeClr val="lt1"/>
+      </a:fontRef>
+    </dgm:style>
+  </dgm:styleLbl>
+  <dgm:styleLbl name="fgSibTrans2D1">
+    <dgm:scene3d>
+      <a:camera prst="orthographicFront"/>
+      <a:lightRig rig="threePt" dir="t"/>
+    </dgm:scene3d>
+    <dgm:sp3d/>
+    <dgm:txPr/>
+    <dgm:style>
+      <a:lnRef idx="0">
+        <a:scrgbClr r="0" g="0" b="0"/>
+      </a:lnRef>
+      <a:fillRef idx="1">
+        <a:scrgbClr r="0" g="0" b="0"/>
+      </a:fillRef>
+      <a:effectRef idx="0">
+        <a:scrgbClr r="0" g="0" b="0"/>
+      </a:effectRef>
+      <a:fontRef idx="minor">
+        <a:schemeClr val="lt1"/>
+      </a:fontRef>
+    </dgm:style>
+  </dgm:styleLbl>
+  <dgm:styleLbl name="bgSibTrans2D1">
+    <dgm:scene3d>
+      <a:camera prst="orthographicFront"/>
+      <a:lightRig rig="threePt" dir="t"/>
+    </dgm:scene3d>
+    <dgm:sp3d/>
+    <dgm:txPr/>
+    <dgm:style>
+      <a:lnRef idx="0">
+        <a:scrgbClr r="0" g="0" b="0"/>
+      </a:lnRef>
+      <a:fillRef idx="1">
+        <a:scrgbClr r="0" g="0" b="0"/>
+      </a:fillRef>
+      <a:effectRef idx="0">
+        <a:scrgbClr r="0" g="0" b="0"/>
+      </a:effectRef>
+      <a:fontRef idx="minor">
+        <a:schemeClr val="lt1"/>
+      </a:fontRef>
+    </dgm:style>
+  </dgm:styleLbl>
+  <dgm:styleLbl name="sibTrans1D1">
+    <dgm:scene3d>
+      <a:camera prst="orthographicFront"/>
+      <a:lightRig rig="threePt" dir="t"/>
+    </dgm:scene3d>
+    <dgm:sp3d/>
+    <dgm:txPr/>
+    <dgm:style>
+      <a:lnRef idx="1">
+        <a:scrgbClr r="0" g="0" b="0"/>
+      </a:lnRef>
+      <a:fillRef idx="0">
+        <a:scrgbClr r="0" g="0" b="0"/>
+      </a:fillRef>
+      <a:effectRef idx="0">
+        <a:scrgbClr r="0" g="0" b="0"/>
+      </a:effectRef>
+      <a:fontRef idx="minor"/>
+    </dgm:style>
+  </dgm:styleLbl>
+  <dgm:styleLbl name="callout">
+    <dgm:scene3d>
+      <a:camera prst="orthographicFront"/>
+      <a:lightRig rig="threePt" dir="t"/>
+    </dgm:scene3d>
+    <dgm:sp3d/>
+    <dgm:txPr/>
+    <dgm:style>
+      <a:lnRef idx="2">
+        <a:scrgbClr r="0" g="0" b="0"/>
+      </a:lnRef>
+      <a:fillRef idx="1">
+        <a:scrgbClr r="0" g="0" b="0"/>
+      </a:fillRef>
+      <a:effectRef idx="0">
+        <a:scrgbClr r="0" g="0" b="0"/>
+      </a:effectRef>
+      <a:fontRef idx="minor"/>
+    </dgm:style>
+  </dgm:styleLbl>
+  <dgm:styleLbl name="asst0">
+    <dgm:scene3d>
+      <a:camera prst="orthographicFront"/>
+      <a:lightRig rig="threePt" dir="t"/>
+    </dgm:scene3d>
+    <dgm:sp3d/>
+    <dgm:txPr/>
+    <dgm:style>
+      <a:lnRef idx="2">
+        <a:scrgbClr r="0" g="0" b="0"/>
+      </a:lnRef>
+      <a:fillRef idx="1">
+        <a:scrgbClr r="0" g="0" b="0"/>
+      </a:fillRef>
+      <a:effectRef idx="0">
+        <a:scrgbClr r="0" g="0" b="0"/>
+      </a:effectRef>
+      <a:fontRef idx="minor">
+        <a:schemeClr val="lt1"/>
+      </a:fontRef>
+    </dgm:style>
+  </dgm:styleLbl>
+  <dgm:styleLbl name="asst1">
+    <dgm:scene3d>
+      <a:camera prst="orthographicFront"/>
+      <a:lightRig rig="threePt" dir="t"/>
+    </dgm:scene3d>
+    <dgm:sp3d/>
+    <dgm:txPr/>
+    <dgm:style>
+      <a:lnRef idx="2">
+        <a:scrgbClr r="0" g="0" b="0"/>
+      </a:lnRef>
+      <a:fillRef idx="1">
+        <a:scrgbClr r="0" g="0" b="0"/>
+      </a:fillRef>
+      <a:effectRef idx="0">
+        <a:scrgbClr r="0" g="0" b="0"/>
+      </a:effectRef>
+      <a:fontRef idx="minor">
+        <a:schemeClr val="lt1"/>
+      </a:fontRef>
+    </dgm:style>
+  </dgm:styleLbl>
+  <dgm:styleLbl name="asst2">
+    <dgm:scene3d>
+      <a:camera prst="orthographicFront"/>
+      <a:lightRig rig="threePt" dir="t"/>
+    </dgm:scene3d>
+    <dgm:sp3d/>
+    <dgm:txPr/>
+    <dgm:style>
+      <a:lnRef idx="2">
+        <a:scrgbClr r="0" g="0" b="0"/>
+      </a:lnRef>
+      <a:fillRef idx="1">
+        <a:scrgbClr r="0" g="0" b="0"/>
+      </a:fillRef>
+      <a:effectRef idx="0">
+        <a:scrgbClr r="0" g="0" b="0"/>
+      </a:effectRef>
+      <a:fontRef idx="minor">
+        <a:schemeClr val="lt1"/>
+      </a:fontRef>
+    </dgm:style>
+  </dgm:styleLbl>
+  <dgm:styleLbl name="asst3">
+    <dgm:scene3d>
+      <a:camera prst="orthographicFront"/>
+      <a:lightRig rig="threePt" dir="t"/>
+    </dgm:scene3d>
+    <dgm:sp3d/>
+    <dgm:txPr/>
+    <dgm:style>
+      <a:lnRef idx="2">
+        <a:scrgbClr r="0" g="0" b="0"/>
+      </a:lnRef>
+      <a:fillRef idx="1">
+        <a:scrgbClr r="0" g="0" b="0"/>
+      </a:fillRef>
+      <a:effectRef idx="0">
+        <a:scrgbClr r="0" g="0" b="0"/>
+      </a:effectRef>
+      <a:fontRef idx="minor">
+        <a:schemeClr val="lt1"/>
+      </a:fontRef>
+    </dgm:style>
+  </dgm:styleLbl>
+  <dgm:styleLbl name="asst4">
+    <dgm:scene3d>
+      <a:camera prst="orthographicFront"/>
+      <a:lightRig rig="threePt" dir="t"/>
+    </dgm:scene3d>
+    <dgm:sp3d/>
+    <dgm:txPr/>
+    <dgm:style>
+      <a:lnRef idx="2">
+        <a:scrgbClr r="0" g="0" b="0"/>
+      </a:lnRef>
+      <a:fillRef idx="1">
+        <a:scrgbClr r="0" g="0" b="0"/>
+      </a:fillRef>
+      <a:effectRef idx="0">
+        <a:scrgbClr r="0" g="0" b="0"/>
+      </a:effectRef>
+      <a:fontRef idx="minor">
+        <a:schemeClr val="lt1"/>
+      </a:fontRef>
+    </dgm:style>
+  </dgm:styleLbl>
+  <dgm:styleLbl name="parChTrans2D1">
+    <dgm:scene3d>
+      <a:camera prst="orthographicFront"/>
+      <a:lightRig rig="threePt" dir="t"/>
+    </dgm:scene3d>
+    <dgm:sp3d/>
+    <dgm:txPr/>
+    <dgm:style>
+      <a:lnRef idx="2">
+        <a:scrgbClr r="0" g="0" b="0"/>
+      </a:lnRef>
+      <a:fillRef idx="1">
+        <a:scrgbClr r="0" g="0" b="0"/>
+      </a:fillRef>
+      <a:effectRef idx="0">
+        <a:scrgbClr r="0" g="0" b="0"/>
+      </a:effectRef>
+      <a:fontRef idx="minor">
+        <a:schemeClr val="lt1"/>
+      </a:fontRef>
+    </dgm:style>
+  </dgm:styleLbl>
+  <dgm:styleLbl name="parChTrans2D2">
+    <dgm:scene3d>
+      <a:camera prst="orthographicFront"/>
+      <a:lightRig rig="threePt" dir="t"/>
+    </dgm:scene3d>
+    <dgm:sp3d/>
+    <dgm:txPr/>
+    <dgm:style>
+      <a:lnRef idx="2">
+        <a:scrgbClr r="0" g="0" b="0"/>
+      </a:lnRef>
+      <a:fillRef idx="1">
+        <a:scrgbClr r="0" g="0" b="0"/>
+      </a:fillRef>
+      <a:effectRef idx="0">
+        <a:scrgbClr r="0" g="0" b="0"/>
+      </a:effectRef>
+      <a:fontRef idx="minor">
+        <a:schemeClr val="lt1"/>
+      </a:fontRef>
+    </dgm:style>
+  </dgm:styleLbl>
+  <dgm:styleLbl name="parChTrans2D3">
+    <dgm:scene3d>
+      <a:camera prst="orthographicFront"/>
+      <a:lightRig rig="threePt" dir="t"/>
+    </dgm:scene3d>
+    <dgm:sp3d/>
+    <dgm:txPr/>
+    <dgm:style>
+      <a:lnRef idx="2">
+        <a:scrgbClr r="0" g="0" b="0"/>
+      </a:lnRef>
+      <a:fillRef idx="1">
+        <a:scrgbClr r="0" g="0" b="0"/>
+      </a:fillRef>
+      <a:effectRef idx="0">
+        <a:scrgbClr r="0" g="0" b="0"/>
+      </a:effectRef>
+      <a:fontRef idx="minor">
+        <a:schemeClr val="lt1"/>
+      </a:fontRef>
+    </dgm:style>
+  </dgm:styleLbl>
+  <dgm:styleLbl name="parChTrans2D4">
+    <dgm:scene3d>
+      <a:camera prst="orthographicFront"/>
+      <a:lightRig rig="threePt" dir="t"/>
+    </dgm:scene3d>
+    <dgm:sp3d/>
+    <dgm:txPr/>
+    <dgm:style>
+      <a:lnRef idx="2">
+        <a:scrgbClr r="0" g="0" b="0"/>
+      </a:lnRef>
+      <a:fillRef idx="1">
+        <a:scrgbClr r="0" g="0" b="0"/>
+      </a:fillRef>
+      <a:effectRef idx="0">
+        <a:scrgbClr r="0" g="0" b="0"/>
+      </a:effectRef>
+      <a:fontRef idx="minor">
+        <a:schemeClr val="lt1"/>
+      </a:fontRef>
+    </dgm:style>
+  </dgm:styleLbl>
+  <dgm:styleLbl name="parChTrans1D1">
+    <dgm:scene3d>
+      <a:camera prst="orthographicFront"/>
+      <a:lightRig rig="threePt" dir="t"/>
+    </dgm:scene3d>
+    <dgm:sp3d/>
+    <dgm:txPr/>
+    <dgm:style>
+      <a:lnRef idx="2">
+        <a:scrgbClr r="0" g="0" b="0"/>
+      </a:lnRef>
+      <a:fillRef idx="0">
+        <a:scrgbClr r="0" g="0" b="0"/>
+      </a:fillRef>
+      <a:effectRef idx="0">
+        <a:scrgbClr r="0" g="0" b="0"/>
+      </a:effectRef>
+      <a:fontRef idx="minor"/>
+    </dgm:style>
+  </dgm:styleLbl>
+  <dgm:styleLbl name="parChTrans1D2">
+    <dgm:scene3d>
+      <a:camera prst="orthographicFront"/>
+      <a:lightRig rig="threePt" dir="t"/>
+    </dgm:scene3d>
+    <dgm:sp3d/>
+    <dgm:txPr/>
+    <dgm:style>
+      <a:lnRef idx="2">
+        <a:scrgbClr r="0" g="0" b="0"/>
+      </a:lnRef>
+      <a:fillRef idx="0">
+        <a:scrgbClr r="0" g="0" b="0"/>
+      </a:fillRef>
+      <a:effectRef idx="0">
+        <a:scrgbClr r="0" g="0" b="0"/>
+      </a:effectRef>
+      <a:fontRef idx="minor"/>
+    </dgm:style>
+  </dgm:styleLbl>
+  <dgm:styleLbl name="parChTrans1D3">
+    <dgm:scene3d>
+      <a:camera prst="orthographicFront"/>
+      <a:lightRig rig="threePt" dir="t"/>
+    </dgm:scene3d>
+    <dgm:sp3d/>
+    <dgm:txPr/>
+    <dgm:style>
+      <a:lnRef idx="2">
+        <a:scrgbClr r="0" g="0" b="0"/>
+      </a:lnRef>
+      <a:fillRef idx="0">
+        <a:scrgbClr r="0" g="0" b="0"/>
+      </a:fillRef>
+      <a:effectRef idx="0">
+        <a:scrgbClr r="0" g="0" b="0"/>
+      </a:effectRef>
+      <a:fontRef idx="minor"/>
+    </dgm:style>
+  </dgm:styleLbl>
+  <dgm:styleLbl name="parChTrans1D4">
+    <dgm:scene3d>
+      <a:camera prst="orthographicFront"/>
+      <a:lightRig rig="threePt" dir="t"/>
+    </dgm:scene3d>
+    <dgm:sp3d/>
+    <dgm:txPr/>
+    <dgm:style>
+      <a:lnRef idx="2">
+        <a:scrgbClr r="0" g="0" b="0"/>
+      </a:lnRef>
+      <a:fillRef idx="0">
+        <a:scrgbClr r="0" g="0" b="0"/>
+      </a:fillRef>
+      <a:effectRef idx="0">
+        <a:scrgbClr r="0" g="0" b="0"/>
+      </a:effectRef>
+      <a:fontRef idx="minor"/>
+    </dgm:style>
+  </dgm:styleLbl>
+  <dgm:styleLbl name="fgAcc1">
+    <dgm:scene3d>
+      <a:camera prst="orthographicFront"/>
+      <a:lightRig rig="threePt" dir="t"/>
+    </dgm:scene3d>
+    <dgm:sp3d/>
+    <dgm:txPr/>
+    <dgm:style>
+      <a:lnRef idx="2">
+        <a:scrgbClr r="0" g="0" b="0"/>
+      </a:lnRef>
+      <a:fillRef idx="1">
+        <a:scrgbClr r="0" g="0" b="0"/>
+      </a:fillRef>
+      <a:effectRef idx="0">
+        <a:scrgbClr r="0" g="0" b="0"/>
+      </a:effectRef>
+      <a:fontRef idx="minor"/>
+    </dgm:style>
+  </dgm:styleLbl>
+  <dgm:styleLbl name="conFgAcc1">
+    <dgm:scene3d>
+      <a:camera prst="orthographicFront"/>
+      <a:lightRig rig="threePt" dir="t"/>
+    </dgm:scene3d>
+    <dgm:sp3d/>
+    <dgm:txPr/>
+    <dgm:style>
+      <a:lnRef idx="2">
+        <a:scrgbClr r="0" g="0" b="0"/>
+      </a:lnRef>
+      <a:fillRef idx="1">
+        <a:scrgbClr r="0" g="0" b="0"/>
+      </a:fillRef>
+      <a:effectRef idx="0">
+        <a:scrgbClr r="0" g="0" b="0"/>
+      </a:effectRef>
+      <a:fontRef idx="minor"/>
+    </dgm:style>
+  </dgm:styleLbl>
+  <dgm:styleLbl name="alignAcc1">
+    <dgm:scene3d>
+      <a:camera prst="orthographicFront"/>
+      <a:lightRig rig="threePt" dir="t"/>
+    </dgm:scene3d>
+    <dgm:sp3d/>
+    <dgm:txPr/>
+    <dgm:style>
+      <a:lnRef idx="2">
+        <a:scrgbClr r="0" g="0" b="0"/>
+      </a:lnRef>
+      <a:fillRef idx="1">
+        <a:scrgbClr r="0" g="0" b="0"/>
+      </a:fillRef>
+      <a:effectRef idx="0">
+        <a:scrgbClr r="0" g="0" b="0"/>
+      </a:effectRef>
+      <a:fontRef idx="minor"/>
+    </dgm:style>
+  </dgm:styleLbl>
+  <dgm:styleLbl name="trAlignAcc1">
+    <dgm:scene3d>
+      <a:camera prst="orthographicFront"/>
+      <a:lightRig rig="threePt" dir="t"/>
+    </dgm:scene3d>
+    <dgm:sp3d/>
+    <dgm:txPr/>
+    <dgm:style>
+      <a:lnRef idx="1">
+        <a:scrgbClr r="0" g="0" b="0"/>
+      </a:lnRef>
+      <a:fillRef idx="1">
+        <a:scrgbClr r="0" g="0" b="0"/>
+      </a:fillRef>
+      <a:effectRef idx="0">
+        <a:scrgbClr r="0" g="0" b="0"/>
+      </a:effectRef>
+      <a:fontRef idx="minor"/>
+    </dgm:style>
+  </dgm:styleLbl>
+  <dgm:styleLbl name="bgAcc1">
+    <dgm:scene3d>
+      <a:camera prst="orthographicFront"/>
+      <a:lightRig rig="threePt" dir="t"/>
+    </dgm:scene3d>
+    <dgm:sp3d/>
+    <dgm:txPr/>
+    <dgm:style>
+      <a:lnRef idx="2">
+        <a:scrgbClr r="0" g="0" b="0"/>
+      </a:lnRef>
+      <a:fillRef idx="1">
+        <a:scrgbClr r="0" g="0" b="0"/>
+      </a:fillRef>
+      <a:effectRef idx="0">
+        <a:scrgbClr r="0" g="0" b="0"/>
+      </a:effectRef>
+      <a:fontRef idx="minor"/>
+    </dgm:style>
+  </dgm:styleLbl>
+  <dgm:styleLbl name="solidFgAcc1">
+    <dgm:scene3d>
+      <a:camera prst="orthographicFront"/>
+      <a:lightRig rig="threePt" dir="t"/>
+    </dgm:scene3d>
+    <dgm:sp3d/>
+    <dgm:txPr/>
+    <dgm:style>
+      <a:lnRef idx="2">
+        <a:scrgbClr r="0" g="0" b="0"/>
+      </a:lnRef>
+      <a:fillRef idx="1">
+        <a:scrgbClr r="0" g="0" b="0"/>
+      </a:fillRef>
+      <a:effectRef idx="0">
+        <a:scrgbClr r="0" g="0" b="0"/>
+      </a:effectRef>
+      <a:fontRef idx="minor"/>
+    </dgm:style>
+  </dgm:styleLbl>
+  <dgm:styleLbl name="solidAlignAcc1">
+    <dgm:scene3d>
+      <a:camera prst="orthographicFront"/>
+      <a:lightRig rig="threePt" dir="t"/>
+    </dgm:scene3d>
+    <dgm:sp3d/>
+    <dgm:txPr/>
+    <dgm:style>
+      <a:lnRef idx="2">
+        <a:scrgbClr r="0" g="0" b="0"/>
+      </a:lnRef>
+      <a:fillRef idx="1">
+        <a:scrgbClr r="0" g="0" b="0"/>
+      </a:fillRef>
+      <a:effectRef idx="0">
+        <a:scrgbClr r="0" g="0" b="0"/>
+      </a:effectRef>
+      <a:fontRef idx="minor"/>
+    </dgm:style>
+  </dgm:styleLbl>
+  <dgm:styleLbl name="solidBgAcc1">
+    <dgm:scene3d>
+      <a:camera prst="orthographicFront"/>
+      <a:lightRig rig="threePt" dir="t"/>
+    </dgm:scene3d>
+    <dgm:sp3d/>
+    <dgm:txPr/>
+    <dgm:style>
+      <a:lnRef idx="2">
+        <a:scrgbClr r="0" g="0" b="0"/>
+      </a:lnRef>
+      <a:fillRef idx="1">
+        <a:scrgbClr r="0" g="0" b="0"/>
+      </a:fillRef>
+      <a:effectRef idx="0">
+        <a:scrgbClr r="0" g="0" b="0"/>
+      </a:effectRef>
+      <a:fontRef idx="minor"/>
+    </dgm:style>
+  </dgm:styleLbl>
+  <dgm:styleLbl name="fgAccFollowNode1">
+    <dgm:scene3d>
+      <a:camera prst="orthographicFront"/>
+      <a:lightRig rig="threePt" dir="t"/>
+    </dgm:scene3d>
+    <dgm:sp3d/>
+    <dgm:txPr/>
+    <dgm:style>
+      <a:lnRef idx="2">
+        <a:scrgbClr r="0" g="0" b="0"/>
+      </a:lnRef>
+      <a:fillRef idx="1">
+        <a:scrgbClr r="0" g="0" b="0"/>
+      </a:fillRef>
+      <a:effectRef idx="0">
+        <a:scrgbClr r="0" g="0" b="0"/>
+      </a:effectRef>
+      <a:fontRef idx="minor"/>
+    </dgm:style>
+  </dgm:styleLbl>
+  <dgm:styleLbl name="alignAccFollowNode1">
+    <dgm:scene3d>
+      <a:camera prst="orthographicFront"/>
+      <a:lightRig rig="threePt" dir="t"/>
+    </dgm:scene3d>
+    <dgm:sp3d/>
+    <dgm:txPr/>
+    <dgm:style>
+      <a:lnRef idx="2">
+        <a:scrgbClr r="0" g="0" b="0"/>
+      </a:lnRef>
+      <a:fillRef idx="1">
+        <a:scrgbClr r="0" g="0" b="0"/>
+      </a:fillRef>
+      <a:effectRef idx="0">
+        <a:scrgbClr r="0" g="0" b="0"/>
+      </a:effectRef>
+      <a:fontRef idx="minor"/>
+    </dgm:style>
+  </dgm:styleLbl>
+  <dgm:styleLbl name="bgAccFollowNode1">
+    <dgm:scene3d>
+      <a:camera prst="orthographicFront"/>
+      <a:lightRig rig="threePt" dir="t"/>
+    </dgm:scene3d>
+    <dgm:sp3d/>
+    <dgm:txPr/>
+    <dgm:style>
+      <a:lnRef idx="2">
+        <a:scrgbClr r="0" g="0" b="0"/>
+      </a:lnRef>
+      <a:fillRef idx="1">
+        <a:scrgbClr r="0" g="0" b="0"/>
+      </a:fillRef>
+      <a:effectRef idx="0">
+        <a:scrgbClr r="0" g="0" b="0"/>
+      </a:effectRef>
+      <a:fontRef idx="minor"/>
+    </dgm:style>
+  </dgm:styleLbl>
+  <dgm:styleLbl name="fgAcc0">
+    <dgm:scene3d>
+      <a:camera prst="orthographicFront"/>
+      <a:lightRig rig="threePt" dir="t"/>
+    </dgm:scene3d>
+    <dgm:sp3d/>
+    <dgm:txPr/>
+    <dgm:style>
+      <a:lnRef idx="2">
+        <a:scrgbClr r="0" g="0" b="0"/>
+      </a:lnRef>
+      <a:fillRef idx="1">
+        <a:scrgbClr r="0" g="0" b="0"/>
+      </a:fillRef>
+      <a:effectRef idx="0">
+        <a:scrgbClr r="0" g="0" b="0"/>
+      </a:effectRef>
+      <a:fontRef idx="minor"/>
+    </dgm:style>
+  </dgm:styleLbl>
+  <dgm:styleLbl name="fgAcc2">
+    <dgm:scene3d>
+      <a:camera prst="orthographicFront"/>
+      <a:lightRig rig="threePt" dir="t"/>
+    </dgm:scene3d>
+    <dgm:sp3d/>
+    <dgm:txPr/>
+    <dgm:style>
+      <a:lnRef idx="2">
+        <a:scrgbClr r="0" g="0" b="0"/>
+      </a:lnRef>
+      <a:fillRef idx="1">
+        <a:scrgbClr r="0" g="0" b="0"/>
+      </a:fillRef>
+      <a:effectRef idx="0">
+        <a:scrgbClr r="0" g="0" b="0"/>
+      </a:effectRef>
+      <a:fontRef idx="minor"/>
+    </dgm:style>
+  </dgm:styleLbl>
+  <dgm:styleLbl name="fgAcc3">
+    <dgm:scene3d>
+      <a:camera prst="orthographicFront"/>
+      <a:lightRig rig="threePt" dir="t"/>
+    </dgm:scene3d>
+    <dgm:sp3d/>
+    <dgm:txPr/>
+    <dgm:style>
+      <a:lnRef idx="2">
+        <a:scrgbClr r="0" g="0" b="0"/>
+      </a:lnRef>
+      <a:fillRef idx="1">
+        <a:scrgbClr r="0" g="0" b="0"/>
+      </a:fillRef>
+      <a:effectRef idx="0">
+        <a:scrgbClr r="0" g="0" b="0"/>
+      </a:effectRef>
+      <a:fontRef idx="minor"/>
+    </dgm:style>
+  </dgm:styleLbl>
+  <dgm:styleLbl name="fgAcc4">
+    <dgm:scene3d>
+      <a:camera prst="orthographicFront"/>
+      <a:lightRig rig="threePt" dir="t"/>
+    </dgm:scene3d>
+    <dgm:sp3d/>
+    <dgm:txPr/>
+    <dgm:style>
+      <a:lnRef idx="2">
+        <a:scrgbClr r="0" g="0" b="0"/>
+      </a:lnRef>
+      <a:fillRef idx="1">
+        <a:scrgbClr r="0" g="0" b="0"/>
+      </a:fillRef>
+      <a:effectRef idx="0">
+        <a:scrgbClr r="0" g="0" b="0"/>
+      </a:effectRef>
+      <a:fontRef idx="minor"/>
+    </dgm:style>
+  </dgm:styleLbl>
+  <dgm:styleLbl name="bgShp">
+    <dgm:scene3d>
+      <a:camera prst="orthographicFront"/>
+      <a:lightRig rig="threePt" dir="t"/>
+    </dgm:scene3d>
+    <dgm:sp3d/>
+    <dgm:txPr/>
+    <dgm:style>
+      <a:lnRef idx="0">
+        <a:scrgbClr r="0" g="0" b="0"/>
+      </a:lnRef>
+      <a:fillRef idx="1">
+        <a:scrgbClr r="0" g="0" b="0"/>
+      </a:fillRef>
+      <a:effectRef idx="0">
+        <a:scrgbClr r="0" g="0" b="0"/>
+      </a:effectRef>
+      <a:fontRef idx="minor"/>
+    </dgm:style>
+  </dgm:styleLbl>
+  <dgm:styleLbl name="dkBgShp">
+    <dgm:scene3d>
+      <a:camera prst="orthographicFront"/>
+      <a:lightRig rig="threePt" dir="t"/>
+    </dgm:scene3d>
+    <dgm:sp3d/>
+    <dgm:txPr/>
+    <dgm:style>
+      <a:lnRef idx="0">
+        <a:scrgbClr r="0" g="0" b="0"/>
+      </a:lnRef>
+      <a:fillRef idx="1">
+        <a:scrgbClr r="0" g="0" b="0"/>
+      </a:fillRef>
+      <a:effectRef idx="0">
+        <a:scrgbClr r="0" g="0" b="0"/>
+      </a:effectRef>
+      <a:fontRef idx="minor"/>
+    </dgm:style>
+  </dgm:styleLbl>
+  <dgm:styleLbl name="trBgShp">
+    <dgm:scene3d>
+      <a:camera prst="orthographicFront"/>
+      <a:lightRig rig="threePt" dir="t"/>
+    </dgm:scene3d>
+    <dgm:sp3d/>
+    <dgm:txPr/>
+    <dgm:style>
+      <a:lnRef idx="0">
+        <a:scrgbClr r="0" g="0" b="0"/>
+      </a:lnRef>
+      <a:fillRef idx="1">
+        <a:scrgbClr r="0" g="0" b="0"/>
+      </a:fillRef>
+      <a:effectRef idx="0">
+        <a:scrgbClr r="0" g="0" b="0"/>
+      </a:effectRef>
+      <a:fontRef idx="minor"/>
+    </dgm:style>
+  </dgm:styleLbl>
+  <dgm:styleLbl name="fgShp">
+    <dgm:scene3d>
+      <a:camera prst="orthographicFront"/>
+      <a:lightRig rig="threePt" dir="t"/>
+    </dgm:scene3d>
+    <dgm:sp3d/>
+    <dgm:txPr/>
+    <dgm:style>
+      <a:lnRef idx="2">
+        <a:scrgbClr r="0" g="0" b="0"/>
+      </a:lnRef>
+      <a:fillRef idx="1">
+        <a:scrgbClr r="0" g="0" b="0"/>
+      </a:fillRef>
+      <a:effectRef idx="0">
+        <a:scrgbClr r="0" g="0" b="0"/>
+      </a:effectRef>
+      <a:fontRef idx="minor"/>
+    </dgm:style>
+  </dgm:styleLbl>
+  <dgm:styleLbl name="revTx">
+    <dgm:scene3d>
+      <a:camera prst="orthographicFront"/>
+      <a:lightRig rig="threePt" dir="t"/>
+    </dgm:scene3d>
+    <dgm:sp3d/>
+    <dgm:txPr/>
+    <dgm:style>
+      <a:lnRef idx="0">
+        <a:scrgbClr r="0" g="0" b="0"/>
+      </a:lnRef>
+      <a:fillRef idx="0">
+        <a:scrgbClr r="0" g="0" b="0"/>
+      </a:fillRef>
+      <a:effectRef idx="0">
+        <a:scrgbClr r="0" g="0" b="0"/>
+      </a:effectRef>
+      <a:fontRef idx="minor"/>
+    </dgm:style>
+  </dgm:styleLbl>
+</dgm:styleDef>
 </file>
 
 <file path=ppt/notesMasters/notesMaster1.xml><?xml version="1.0" encoding="utf-8"?>
@@ -198,7 +3250,7 @@
           <a:p>
             <a:fld id="{B0232A77-F399-487E-A8A5-21D6E0A8DEC4}" type="datetimeFigureOut">
               <a:rPr lang="en-US" smtClean="0"/>
-              <a:t>11/8/2024</a:t>
+              <a:t>11/22/24</a:t>
             </a:fld>
             <a:endParaRPr lang="en-US"/>
           </a:p>
@@ -696,7 +3748,7 @@
           <a:p>
             <a:fld id="{05283B28-8724-4614-955F-8AF8200930AF}" type="datetimeFigureOut">
               <a:rPr lang="en-US" smtClean="0"/>
-              <a:t>11/8/2024</a:t>
+              <a:t>11/22/24</a:t>
             </a:fld>
             <a:endParaRPr lang="en-US"/>
           </a:p>
@@ -894,7 +3946,7 @@
           <a:p>
             <a:fld id="{05283B28-8724-4614-955F-8AF8200930AF}" type="datetimeFigureOut">
               <a:rPr lang="en-US" smtClean="0"/>
-              <a:t>11/8/2024</a:t>
+              <a:t>11/22/24</a:t>
             </a:fld>
             <a:endParaRPr lang="en-US"/>
           </a:p>
@@ -1102,7 +4154,7 @@
           <a:p>
             <a:fld id="{05283B28-8724-4614-955F-8AF8200930AF}" type="datetimeFigureOut">
               <a:rPr lang="en-US" smtClean="0"/>
-              <a:t>11/8/2024</a:t>
+              <a:t>11/22/24</a:t>
             </a:fld>
             <a:endParaRPr lang="en-US"/>
           </a:p>
@@ -1300,7 +4352,7 @@
           <a:p>
             <a:fld id="{05283B28-8724-4614-955F-8AF8200930AF}" type="datetimeFigureOut">
               <a:rPr lang="en-US" smtClean="0"/>
-              <a:t>11/8/2024</a:t>
+              <a:t>11/22/24</a:t>
             </a:fld>
             <a:endParaRPr lang="en-US"/>
           </a:p>
@@ -1575,7 +4627,7 @@
           <a:p>
             <a:fld id="{05283B28-8724-4614-955F-8AF8200930AF}" type="datetimeFigureOut">
               <a:rPr lang="en-US" smtClean="0"/>
-              <a:t>11/8/2024</a:t>
+              <a:t>11/22/24</a:t>
             </a:fld>
             <a:endParaRPr lang="en-US"/>
           </a:p>
@@ -1840,7 +4892,7 @@
           <a:p>
             <a:fld id="{05283B28-8724-4614-955F-8AF8200930AF}" type="datetimeFigureOut">
               <a:rPr lang="en-US" smtClean="0"/>
-              <a:t>11/8/2024</a:t>
+              <a:t>11/22/24</a:t>
             </a:fld>
             <a:endParaRPr lang="en-US"/>
           </a:p>
@@ -2252,7 +5304,7 @@
           <a:p>
             <a:fld id="{05283B28-8724-4614-955F-8AF8200930AF}" type="datetimeFigureOut">
               <a:rPr lang="en-US" smtClean="0"/>
-              <a:t>11/8/2024</a:t>
+              <a:t>11/22/24</a:t>
             </a:fld>
             <a:endParaRPr lang="en-US"/>
           </a:p>
@@ -2393,7 +5445,7 @@
           <a:p>
             <a:fld id="{05283B28-8724-4614-955F-8AF8200930AF}" type="datetimeFigureOut">
               <a:rPr lang="en-US" smtClean="0"/>
-              <a:t>11/8/2024</a:t>
+              <a:t>11/22/24</a:t>
             </a:fld>
             <a:endParaRPr lang="en-US"/>
           </a:p>
@@ -2506,7 +5558,7 @@
           <a:p>
             <a:fld id="{05283B28-8724-4614-955F-8AF8200930AF}" type="datetimeFigureOut">
               <a:rPr lang="en-US" smtClean="0"/>
-              <a:t>11/8/2024</a:t>
+              <a:t>11/22/24</a:t>
             </a:fld>
             <a:endParaRPr lang="en-US"/>
           </a:p>
@@ -2817,7 +5869,7 @@
           <a:p>
             <a:fld id="{05283B28-8724-4614-955F-8AF8200930AF}" type="datetimeFigureOut">
               <a:rPr lang="en-US" smtClean="0"/>
-              <a:t>11/8/2024</a:t>
+              <a:t>11/22/24</a:t>
             </a:fld>
             <a:endParaRPr lang="en-US"/>
           </a:p>
@@ -3105,7 +6157,7 @@
           <a:p>
             <a:fld id="{05283B28-8724-4614-955F-8AF8200930AF}" type="datetimeFigureOut">
               <a:rPr lang="en-US" smtClean="0"/>
-              <a:t>11/8/2024</a:t>
+              <a:t>11/22/24</a:t>
             </a:fld>
             <a:endParaRPr lang="en-US"/>
           </a:p>
@@ -3346,7 +6398,7 @@
           <a:p>
             <a:fld id="{05283B28-8724-4614-955F-8AF8200930AF}" type="datetimeFigureOut">
               <a:rPr lang="en-US" smtClean="0"/>
-              <a:t>11/8/2024</a:t>
+              <a:t>11/22/24</a:t>
             </a:fld>
             <a:endParaRPr lang="en-US"/>
           </a:p>
@@ -3749,6 +6801,14 @@
 <file path=ppt/slides/slide1.xml><?xml version="1.0" encoding="utf-8"?>
 <p:sld xmlns:a="http://schemas.openxmlformats.org/drawingml/2006/main" xmlns:r="http://schemas.openxmlformats.org/officeDocument/2006/relationships" xmlns:p="http://schemas.openxmlformats.org/presentationml/2006/main">
   <p:cSld>
+    <p:bg>
+      <p:bgPr>
+        <a:solidFill>
+          <a:schemeClr val="bg1"/>
+        </a:solidFill>
+        <a:effectLst/>
+      </p:bgPr>
+    </p:bg>
     <p:spTree>
       <p:nvGrpSpPr>
         <p:cNvPr id="1" name=""/>
@@ -3779,24 +6839,31 @@
             <p:ph type="title"/>
           </p:nvPr>
         </p:nvSpPr>
-        <p:spPr/>
+        <p:spPr>
+          <a:xfrm>
+            <a:off x="876694" y="741391"/>
+            <a:ext cx="3549649" cy="1616203"/>
+          </a:xfrm>
+        </p:spPr>
         <p:txBody>
-          <a:bodyPr/>
+          <a:bodyPr anchor="b">
+            <a:normAutofit/>
+          </a:bodyPr>
           <a:lstStyle/>
           <a:p>
             <a:r>
-              <a:rPr lang="en-US" altLang="ko-KR" dirty="0">
+              <a:rPr lang="en-US" altLang="ko-KR" sz="3200">
                 <a:effectLst/>
               </a:rPr>
               <a:t>1. </a:t>
             </a:r>
             <a:r>
-              <a:rPr lang="ko-KR" altLang="en-US" dirty="0">
+              <a:rPr lang="ko-KR" altLang="en-US" sz="3200">
                 <a:effectLst/>
               </a:rPr>
               <a:t>금융실명제 개요 </a:t>
             </a:r>
-            <a:endParaRPr lang="en-US" dirty="0"/>
+            <a:endParaRPr lang="en-US" sz="3200"/>
           </a:p>
         </p:txBody>
       </p:sp>
@@ -3818,106 +6885,108 @@
         </p:nvSpPr>
         <p:spPr>
           <a:xfrm>
-            <a:off x="2490731" y="1253331"/>
-            <a:ext cx="6421915" cy="4351338"/>
+            <a:off x="876693" y="2533476"/>
+            <a:ext cx="3346964" cy="3447832"/>
           </a:xfrm>
         </p:spPr>
         <p:txBody>
-          <a:bodyPr/>
+          <a:bodyPr anchor="t">
+            <a:normAutofit/>
+          </a:bodyPr>
           <a:lstStyle/>
           <a:p>
             <a:pPr marL="0" indent="0">
               <a:buNone/>
             </a:pPr>
-            <a:endParaRPr lang="vi-VN" altLang="ko-KR" dirty="0">
+            <a:endParaRPr lang="vi-VN" altLang="ko-KR" sz="2000">
               <a:effectLst/>
             </a:endParaRPr>
           </a:p>
           <a:p>
             <a:r>
-              <a:rPr lang="ko-KR" altLang="en-US" dirty="0">
+              <a:rPr lang="ko-KR" altLang="en-US" sz="2000">
                 <a:effectLst/>
               </a:rPr>
               <a:t>시행일</a:t>
             </a:r>
             <a:r>
-              <a:rPr lang="en-US" altLang="ko-KR" dirty="0">
+              <a:rPr lang="en-US" altLang="ko-KR" sz="2000">
                 <a:effectLst/>
               </a:rPr>
               <a:t>: 1993</a:t>
             </a:r>
             <a:r>
-              <a:rPr lang="ko-KR" altLang="en-US" dirty="0">
+              <a:rPr lang="ko-KR" altLang="en-US" sz="2000">
                 <a:effectLst/>
               </a:rPr>
               <a:t>년 </a:t>
             </a:r>
             <a:r>
-              <a:rPr lang="en-US" altLang="ko-KR" dirty="0">
+              <a:rPr lang="en-US" altLang="ko-KR" sz="2000">
                 <a:effectLst/>
               </a:rPr>
               <a:t>8</a:t>
             </a:r>
             <a:r>
-              <a:rPr lang="ko-KR" altLang="en-US" dirty="0">
+              <a:rPr lang="ko-KR" altLang="en-US" sz="2000">
                 <a:effectLst/>
               </a:rPr>
               <a:t>월 </a:t>
             </a:r>
             <a:r>
-              <a:rPr lang="en-US" altLang="ko-KR" dirty="0">
+              <a:rPr lang="en-US" altLang="ko-KR" sz="2000">
                 <a:effectLst/>
               </a:rPr>
               <a:t>12</a:t>
             </a:r>
             <a:r>
-              <a:rPr lang="ko-KR" altLang="en-US" dirty="0">
+              <a:rPr lang="ko-KR" altLang="en-US" sz="2000">
                 <a:effectLst/>
               </a:rPr>
               <a:t>일 </a:t>
             </a:r>
-            <a:endParaRPr lang="vi-VN" altLang="ko-KR" dirty="0">
+            <a:endParaRPr lang="vi-VN" altLang="ko-KR" sz="2000">
               <a:effectLst/>
             </a:endParaRPr>
           </a:p>
           <a:p>
             <a:r>
-              <a:rPr lang="ko-KR" altLang="en-US" dirty="0">
+              <a:rPr lang="ko-KR" altLang="en-US" sz="2000">
                 <a:effectLst/>
               </a:rPr>
               <a:t>목표</a:t>
             </a:r>
             <a:r>
-              <a:rPr lang="en-US" altLang="ko-KR" dirty="0">
+              <a:rPr lang="en-US" altLang="ko-KR" sz="2000">
                 <a:effectLst/>
               </a:rPr>
               <a:t>: </a:t>
             </a:r>
             <a:r>
-              <a:rPr lang="ko-KR" altLang="en-US" dirty="0">
+              <a:rPr lang="ko-KR" altLang="en-US" sz="2000">
                 <a:effectLst/>
               </a:rPr>
               <a:t>금융 거래의 투명성 제고</a:t>
             </a:r>
             <a:r>
-              <a:rPr lang="en-US" altLang="ko-KR" dirty="0">
+              <a:rPr lang="en-US" altLang="ko-KR" sz="2000">
                 <a:effectLst/>
               </a:rPr>
               <a:t>, </a:t>
             </a:r>
             <a:r>
-              <a:rPr lang="ko-KR" altLang="en-US" dirty="0">
+              <a:rPr lang="ko-KR" altLang="en-US" sz="2000">
                 <a:effectLst/>
               </a:rPr>
               <a:t>부정 자금 차단</a:t>
             </a:r>
-            <a:endParaRPr lang="en-US" dirty="0"/>
+            <a:endParaRPr lang="en-US" sz="2000"/>
           </a:p>
         </p:txBody>
       </p:sp>
       <p:pic>
         <p:nvPicPr>
-          <p:cNvPr id="5" name="Picture 4">
+          <p:cNvPr id="5" name="Picture 4" descr="A person in a suit and tie&#10;&#10;Description automatically generated">
             <a:extLst>
               <a:ext uri="{FF2B5EF4-FFF2-40B4-BE49-F238E27FC236}">
                 <a16:creationId xmlns:a16="http://schemas.microsoft.com/office/drawing/2014/main" id="{E50C9F07-DC31-F686-7E86-FA441A2F99D0}"/>
@@ -3937,20 +7006,194 @@
               </a:ext>
             </a:extLst>
           </a:blip>
-          <a:stretch>
-            <a:fillRect/>
-          </a:stretch>
+          <a:srcRect r="18565" b="2"/>
+          <a:stretch/>
         </p:blipFill>
         <p:spPr>
           <a:xfrm>
-            <a:off x="748769" y="3429000"/>
-            <a:ext cx="5002036" cy="2897436"/>
+            <a:off x="5089243" y="877413"/>
+            <a:ext cx="6222628" cy="5043096"/>
           </a:xfrm>
           <a:prstGeom prst="rect">
             <a:avLst/>
           </a:prstGeom>
         </p:spPr>
       </p:pic>
+      <p:grpSp>
+        <p:nvGrpSpPr>
+          <p:cNvPr id="10" name="Group 9">
+            <a:extLst>
+              <a:ext uri="{FF2B5EF4-FFF2-40B4-BE49-F238E27FC236}">
+                <a16:creationId xmlns:a16="http://schemas.microsoft.com/office/drawing/2014/main" id="{3AFCAD34-1AFC-BC1A-F6B2-C34C63912EAB}"/>
+              </a:ext>
+              <a:ext uri="{C183D7F6-B498-43B3-948B-1728B52AA6E4}">
+                <adec:decorative xmlns:adec="http://schemas.microsoft.com/office/drawing/2017/decorative" val="1"/>
+              </a:ext>
+            </a:extLst>
+          </p:cNvPr>
+          <p:cNvGrpSpPr>
+            <a:grpSpLocks noGrp="1" noUngrp="1" noRot="1" noChangeAspect="1" noMove="1" noResize="1"/>
+          </p:cNvGrpSpPr>
+          <p:nvPr>
+            <p:extLst>
+              <p:ext uri="{386F3935-93C4-4BCD-93E2-E3B085C9AB24}">
+                <p16:designElem xmlns:p16="http://schemas.microsoft.com/office/powerpoint/2015/main" val="1"/>
+              </p:ext>
+            </p:extLst>
+          </p:nvPr>
+        </p:nvGrpSpPr>
+        <p:grpSpPr>
+          <a:xfrm>
+            <a:off x="5089243" y="5858828"/>
+            <a:ext cx="6226463" cy="123363"/>
+            <a:chOff x="7015162" y="5858828"/>
+            <a:chExt cx="4300544" cy="123363"/>
+          </a:xfrm>
+        </p:grpSpPr>
+        <p:sp>
+          <p:nvSpPr>
+            <p:cNvPr id="11" name="Rectangle 10">
+              <a:extLst>
+                <a:ext uri="{FF2B5EF4-FFF2-40B4-BE49-F238E27FC236}">
+                  <a16:creationId xmlns:a16="http://schemas.microsoft.com/office/drawing/2014/main" id="{1129F4A2-3705-CF87-3DDA-AF9CE9389B97}"/>
+                </a:ext>
+                <a:ext uri="{C183D7F6-B498-43B3-948B-1728B52AA6E4}">
+                  <adec:decorative xmlns:adec="http://schemas.microsoft.com/office/drawing/2017/decorative" val="1"/>
+                </a:ext>
+              </a:extLst>
+            </p:cNvPr>
+            <p:cNvSpPr/>
+            <p:nvPr>
+              <p:extLst>
+                <p:ext uri="{386F3935-93C4-4BCD-93E2-E3B085C9AB24}">
+                  <p16:designElem xmlns:p16="http://schemas.microsoft.com/office/powerpoint/2015/main" val="1"/>
+                </p:ext>
+              </p:extLst>
+            </p:nvPr>
+          </p:nvSpPr>
+          <p:spPr>
+            <a:xfrm rot="16200000">
+              <a:off x="9103753" y="3770237"/>
+              <a:ext cx="123362" cy="4300544"/>
+            </a:xfrm>
+            <a:prstGeom prst="rect">
+              <a:avLst/>
+            </a:prstGeom>
+            <a:gradFill>
+              <a:gsLst>
+                <a:gs pos="0">
+                  <a:schemeClr val="accent2"/>
+                </a:gs>
+                <a:gs pos="100000">
+                  <a:schemeClr val="accent5"/>
+                </a:gs>
+              </a:gsLst>
+              <a:lin ang="1800000" scaled="0"/>
+            </a:gradFill>
+            <a:ln>
+              <a:noFill/>
+            </a:ln>
+          </p:spPr>
+          <p:style>
+            <a:lnRef idx="2">
+              <a:schemeClr val="accent1">
+                <a:shade val="50000"/>
+              </a:schemeClr>
+            </a:lnRef>
+            <a:fillRef idx="1">
+              <a:schemeClr val="accent1"/>
+            </a:fillRef>
+            <a:effectRef idx="0">
+              <a:schemeClr val="accent1"/>
+            </a:effectRef>
+            <a:fontRef idx="minor">
+              <a:schemeClr val="lt1"/>
+            </a:fontRef>
+          </p:style>
+          <p:txBody>
+            <a:bodyPr rtlCol="0" anchor="ctr"/>
+            <a:lstStyle/>
+            <a:p>
+              <a:pPr algn="ctr"/>
+              <a:endParaRPr lang="en-US"/>
+            </a:p>
+          </p:txBody>
+        </p:sp>
+        <p:sp>
+          <p:nvSpPr>
+            <p:cNvPr id="12" name="Rectangle 11">
+              <a:extLst>
+                <a:ext uri="{FF2B5EF4-FFF2-40B4-BE49-F238E27FC236}">
+                  <a16:creationId xmlns:a16="http://schemas.microsoft.com/office/drawing/2014/main" id="{891B1028-FC76-5583-3A1F-5815A7DCF9DB}"/>
+                </a:ext>
+                <a:ext uri="{C183D7F6-B498-43B3-948B-1728B52AA6E4}">
+                  <adec:decorative xmlns:adec="http://schemas.microsoft.com/office/drawing/2017/decorative" val="1"/>
+                </a:ext>
+              </a:extLst>
+            </p:cNvPr>
+            <p:cNvSpPr/>
+            <p:nvPr>
+              <p:extLst>
+                <p:ext uri="{386F3935-93C4-4BCD-93E2-E3B085C9AB24}">
+                  <p16:designElem xmlns:p16="http://schemas.microsoft.com/office/powerpoint/2015/main" val="1"/>
+                </p:ext>
+              </p:extLst>
+            </p:nvPr>
+          </p:nvSpPr>
+          <p:spPr>
+            <a:xfrm rot="16200000">
+              <a:off x="10209789" y="4876274"/>
+              <a:ext cx="123362" cy="2088471"/>
+            </a:xfrm>
+            <a:prstGeom prst="rect">
+              <a:avLst/>
+            </a:prstGeom>
+            <a:gradFill>
+              <a:gsLst>
+                <a:gs pos="19000">
+                  <a:schemeClr val="accent5">
+                    <a:alpha val="0"/>
+                  </a:schemeClr>
+                </a:gs>
+                <a:gs pos="100000">
+                  <a:schemeClr val="accent5">
+                    <a:lumMod val="60000"/>
+                    <a:lumOff val="40000"/>
+                  </a:schemeClr>
+                </a:gs>
+              </a:gsLst>
+              <a:lin ang="600000" scaled="0"/>
+            </a:gradFill>
+            <a:ln>
+              <a:noFill/>
+            </a:ln>
+          </p:spPr>
+          <p:style>
+            <a:lnRef idx="2">
+              <a:schemeClr val="accent1">
+                <a:shade val="50000"/>
+              </a:schemeClr>
+            </a:lnRef>
+            <a:fillRef idx="1">
+              <a:schemeClr val="accent1"/>
+            </a:fillRef>
+            <a:effectRef idx="0">
+              <a:schemeClr val="accent1"/>
+            </a:effectRef>
+            <a:fontRef idx="minor">
+              <a:schemeClr val="lt1"/>
+            </a:fontRef>
+          </p:style>
+          <p:txBody>
+            <a:bodyPr rtlCol="0" anchor="ctr"/>
+            <a:lstStyle/>
+            <a:p>
+              <a:pPr algn="ctr"/>
+              <a:endParaRPr lang="en-US"/>
+            </a:p>
+          </p:txBody>
+        </p:sp>
+      </p:grpSp>
     </p:spTree>
     <p:extLst>
       <p:ext uri="{BB962C8B-B14F-4D97-AF65-F5344CB8AC3E}">
@@ -3967,6 +7210,14 @@
 <file path=ppt/slides/slide2.xml><?xml version="1.0" encoding="utf-8"?>
 <p:sld xmlns:a="http://schemas.openxmlformats.org/drawingml/2006/main" xmlns:r="http://schemas.openxmlformats.org/officeDocument/2006/relationships" xmlns:p="http://schemas.openxmlformats.org/presentationml/2006/main">
   <p:cSld>
+    <p:bg>
+      <p:bgPr>
+        <a:solidFill>
+          <a:schemeClr val="bg1"/>
+        </a:solidFill>
+        <a:effectLst/>
+      </p:bgPr>
+    </p:bg>
     <p:spTree>
       <p:nvGrpSpPr>
         <p:cNvPr id="1" name=""/>
@@ -3981,6 +7232,66 @@
           <a:chExt cx="0" cy="0"/>
         </a:xfrm>
       </p:grpSpPr>
+      <p:sp useBgFill="1">
+        <p:nvSpPr>
+          <p:cNvPr id="1039" name="Rectangle 1038">
+            <a:extLst>
+              <a:ext uri="{FF2B5EF4-FFF2-40B4-BE49-F238E27FC236}">
+                <a16:creationId xmlns:a16="http://schemas.microsoft.com/office/drawing/2014/main" id="{F13C74B1-5B17-4795-BED0-7140497B445A}"/>
+              </a:ext>
+              <a:ext uri="{C183D7F6-B498-43B3-948B-1728B52AA6E4}">
+                <adec:decorative xmlns:adec="http://schemas.microsoft.com/office/drawing/2017/decorative" val="1"/>
+              </a:ext>
+            </a:extLst>
+          </p:cNvPr>
+          <p:cNvSpPr>
+            <a:spLocks noGrp="1" noRot="1" noChangeAspect="1" noMove="1" noResize="1" noEditPoints="1" noAdjustHandles="1" noChangeArrowheads="1" noChangeShapeType="1" noTextEdit="1"/>
+          </p:cNvSpPr>
+          <p:nvPr>
+            <p:extLst>
+              <p:ext uri="{386F3935-93C4-4BCD-93E2-E3B085C9AB24}">
+                <p16:designElem xmlns:p16="http://schemas.microsoft.com/office/powerpoint/2015/main" val="1"/>
+              </p:ext>
+            </p:extLst>
+          </p:nvPr>
+        </p:nvSpPr>
+        <p:spPr>
+          <a:xfrm>
+            <a:off x="0" y="0"/>
+            <a:ext cx="12188952" cy="6858000"/>
+          </a:xfrm>
+          <a:prstGeom prst="rect">
+            <a:avLst/>
+          </a:prstGeom>
+          <a:ln>
+            <a:noFill/>
+          </a:ln>
+        </p:spPr>
+        <p:style>
+          <a:lnRef idx="2">
+            <a:schemeClr val="accent1">
+              <a:shade val="50000"/>
+            </a:schemeClr>
+          </a:lnRef>
+          <a:fillRef idx="1">
+            <a:schemeClr val="accent1"/>
+          </a:fillRef>
+          <a:effectRef idx="0">
+            <a:schemeClr val="accent1"/>
+          </a:effectRef>
+          <a:fontRef idx="minor">
+            <a:schemeClr val="lt1"/>
+          </a:fontRef>
+        </p:style>
+        <p:txBody>
+          <a:bodyPr rtlCol="0" anchor="ctr"/>
+          <a:lstStyle/>
+          <a:p>
+            <a:pPr algn="ctr"/>
+            <a:endParaRPr lang="en-US"/>
+          </a:p>
+        </p:txBody>
+      </p:sp>
       <p:sp>
         <p:nvSpPr>
           <p:cNvPr id="2" name="Title 1">
@@ -3997,24 +7308,314 @@
             <p:ph type="title"/>
           </p:nvPr>
         </p:nvSpPr>
-        <p:spPr/>
+        <p:spPr>
+          <a:xfrm>
+            <a:off x="640080" y="325369"/>
+            <a:ext cx="4368602" cy="1956841"/>
+          </a:xfrm>
+        </p:spPr>
         <p:txBody>
-          <a:bodyPr/>
+          <a:bodyPr anchor="b">
+            <a:normAutofit/>
+          </a:bodyPr>
           <a:lstStyle/>
           <a:p>
             <a:r>
-              <a:rPr lang="en-US" altLang="ko-KR" dirty="0">
+              <a:rPr lang="en-US" altLang="ko-KR" sz="5400">
                 <a:effectLst/>
               </a:rPr>
               <a:t>2. </a:t>
             </a:r>
             <a:r>
-              <a:rPr lang="ko-KR" altLang="en-US" dirty="0">
+              <a:rPr lang="ko-KR" altLang="en-US" sz="5400">
                 <a:effectLst/>
               </a:rPr>
               <a:t>금융실명제 주요 내용 </a:t>
             </a:r>
-            <a:endParaRPr lang="en-US" dirty="0"/>
+            <a:endParaRPr lang="en-US" sz="5400"/>
+          </a:p>
+        </p:txBody>
+      </p:sp>
+      <p:sp>
+        <p:nvSpPr>
+          <p:cNvPr id="1040" name="sketchy line">
+            <a:extLst>
+              <a:ext uri="{FF2B5EF4-FFF2-40B4-BE49-F238E27FC236}">
+                <a16:creationId xmlns:a16="http://schemas.microsoft.com/office/drawing/2014/main" id="{D4974D33-8DC5-464E-8C6D-BE58F0669C17}"/>
+              </a:ext>
+              <a:ext uri="{C183D7F6-B498-43B3-948B-1728B52AA6E4}">
+                <adec:decorative xmlns:adec="http://schemas.microsoft.com/office/drawing/2017/decorative" val="1"/>
+              </a:ext>
+            </a:extLst>
+          </p:cNvPr>
+          <p:cNvSpPr>
+            <a:spLocks noGrp="1" noRot="1" noChangeAspect="1" noMove="1" noResize="1" noEditPoints="1" noAdjustHandles="1" noChangeArrowheads="1" noChangeShapeType="1" noTextEdit="1"/>
+          </p:cNvSpPr>
+          <p:nvPr>
+            <p:extLst>
+              <p:ext uri="{386F3935-93C4-4BCD-93E2-E3B085C9AB24}">
+                <p16:designElem xmlns:p16="http://schemas.microsoft.com/office/powerpoint/2015/main" val="1"/>
+              </p:ext>
+            </p:extLst>
+          </p:nvPr>
+        </p:nvSpPr>
+        <p:spPr>
+          <a:xfrm>
+            <a:off x="640080" y="2586994"/>
+            <a:ext cx="3474720" cy="18288"/>
+          </a:xfrm>
+          <a:custGeom>
+            <a:avLst/>
+            <a:gdLst>
+              <a:gd name="connsiteX0" fmla="*/ 0 w 3474720"/>
+              <a:gd name="connsiteY0" fmla="*/ 0 h 18288"/>
+              <a:gd name="connsiteX1" fmla="*/ 694944 w 3474720"/>
+              <a:gd name="connsiteY1" fmla="*/ 0 h 18288"/>
+              <a:gd name="connsiteX2" fmla="*/ 1355141 w 3474720"/>
+              <a:gd name="connsiteY2" fmla="*/ 0 h 18288"/>
+              <a:gd name="connsiteX3" fmla="*/ 2015338 w 3474720"/>
+              <a:gd name="connsiteY3" fmla="*/ 0 h 18288"/>
+              <a:gd name="connsiteX4" fmla="*/ 2779776 w 3474720"/>
+              <a:gd name="connsiteY4" fmla="*/ 0 h 18288"/>
+              <a:gd name="connsiteX5" fmla="*/ 3474720 w 3474720"/>
+              <a:gd name="connsiteY5" fmla="*/ 0 h 18288"/>
+              <a:gd name="connsiteX6" fmla="*/ 3474720 w 3474720"/>
+              <a:gd name="connsiteY6" fmla="*/ 18288 h 18288"/>
+              <a:gd name="connsiteX7" fmla="*/ 2779776 w 3474720"/>
+              <a:gd name="connsiteY7" fmla="*/ 18288 h 18288"/>
+              <a:gd name="connsiteX8" fmla="*/ 2189074 w 3474720"/>
+              <a:gd name="connsiteY8" fmla="*/ 18288 h 18288"/>
+              <a:gd name="connsiteX9" fmla="*/ 1528877 w 3474720"/>
+              <a:gd name="connsiteY9" fmla="*/ 18288 h 18288"/>
+              <a:gd name="connsiteX10" fmla="*/ 868680 w 3474720"/>
+              <a:gd name="connsiteY10" fmla="*/ 18288 h 18288"/>
+              <a:gd name="connsiteX11" fmla="*/ 0 w 3474720"/>
+              <a:gd name="connsiteY11" fmla="*/ 18288 h 18288"/>
+              <a:gd name="connsiteX12" fmla="*/ 0 w 3474720"/>
+              <a:gd name="connsiteY12" fmla="*/ 0 h 18288"/>
+            </a:gdLst>
+            <a:ahLst/>
+            <a:cxnLst>
+              <a:cxn ang="0">
+                <a:pos x="connsiteX0" y="connsiteY0"/>
+              </a:cxn>
+              <a:cxn ang="0">
+                <a:pos x="connsiteX1" y="connsiteY1"/>
+              </a:cxn>
+              <a:cxn ang="0">
+                <a:pos x="connsiteX2" y="connsiteY2"/>
+              </a:cxn>
+              <a:cxn ang="0">
+                <a:pos x="connsiteX3" y="connsiteY3"/>
+              </a:cxn>
+              <a:cxn ang="0">
+                <a:pos x="connsiteX4" y="connsiteY4"/>
+              </a:cxn>
+              <a:cxn ang="0">
+                <a:pos x="connsiteX5" y="connsiteY5"/>
+              </a:cxn>
+              <a:cxn ang="0">
+                <a:pos x="connsiteX6" y="connsiteY6"/>
+              </a:cxn>
+              <a:cxn ang="0">
+                <a:pos x="connsiteX7" y="connsiteY7"/>
+              </a:cxn>
+              <a:cxn ang="0">
+                <a:pos x="connsiteX8" y="connsiteY8"/>
+              </a:cxn>
+              <a:cxn ang="0">
+                <a:pos x="connsiteX9" y="connsiteY9"/>
+              </a:cxn>
+              <a:cxn ang="0">
+                <a:pos x="connsiteX10" y="connsiteY10"/>
+              </a:cxn>
+              <a:cxn ang="0">
+                <a:pos x="connsiteX11" y="connsiteY11"/>
+              </a:cxn>
+              <a:cxn ang="0">
+                <a:pos x="connsiteX12" y="connsiteY12"/>
+              </a:cxn>
+            </a:cxnLst>
+            <a:rect l="l" t="t" r="r" b="b"/>
+            <a:pathLst>
+              <a:path w="3474720" h="18288" fill="none" extrusionOk="0">
+                <a:moveTo>
+                  <a:pt x="0" y="0"/>
+                </a:moveTo>
+                <a:cubicBezTo>
+                  <a:pt x="224454" y="-14544"/>
+                  <a:pt x="495407" y="26540"/>
+                  <a:pt x="694944" y="0"/>
+                </a:cubicBezTo>
+                <a:cubicBezTo>
+                  <a:pt x="894481" y="-26540"/>
+                  <a:pt x="1130063" y="24713"/>
+                  <a:pt x="1355141" y="0"/>
+                </a:cubicBezTo>
+                <a:cubicBezTo>
+                  <a:pt x="1580219" y="-24713"/>
+                  <a:pt x="1820099" y="26695"/>
+                  <a:pt x="2015338" y="0"/>
+                </a:cubicBezTo>
+                <a:cubicBezTo>
+                  <a:pt x="2210577" y="-26695"/>
+                  <a:pt x="2402045" y="165"/>
+                  <a:pt x="2779776" y="0"/>
+                </a:cubicBezTo>
+                <a:cubicBezTo>
+                  <a:pt x="3157507" y="-165"/>
+                  <a:pt x="3286859" y="-15571"/>
+                  <a:pt x="3474720" y="0"/>
+                </a:cubicBezTo>
+                <a:cubicBezTo>
+                  <a:pt x="3474286" y="7551"/>
+                  <a:pt x="3474253" y="9822"/>
+                  <a:pt x="3474720" y="18288"/>
+                </a:cubicBezTo>
+                <a:cubicBezTo>
+                  <a:pt x="3233904" y="29845"/>
+                  <a:pt x="2945134" y="-5256"/>
+                  <a:pt x="2779776" y="18288"/>
+                </a:cubicBezTo>
+                <a:cubicBezTo>
+                  <a:pt x="2614418" y="41832"/>
+                  <a:pt x="2339768" y="22709"/>
+                  <a:pt x="2189074" y="18288"/>
+                </a:cubicBezTo>
+                <a:cubicBezTo>
+                  <a:pt x="2038380" y="13867"/>
+                  <a:pt x="1817434" y="-4947"/>
+                  <a:pt x="1528877" y="18288"/>
+                </a:cubicBezTo>
+                <a:cubicBezTo>
+                  <a:pt x="1240320" y="41523"/>
+                  <a:pt x="1042447" y="37198"/>
+                  <a:pt x="868680" y="18288"/>
+                </a:cubicBezTo>
+                <a:cubicBezTo>
+                  <a:pt x="694913" y="-622"/>
+                  <a:pt x="233232" y="44909"/>
+                  <a:pt x="0" y="18288"/>
+                </a:cubicBezTo>
+                <a:cubicBezTo>
+                  <a:pt x="60" y="11696"/>
+                  <a:pt x="66" y="3758"/>
+                  <a:pt x="0" y="0"/>
+                </a:cubicBezTo>
+                <a:close/>
+              </a:path>
+              <a:path w="3474720" h="18288" stroke="0" extrusionOk="0">
+                <a:moveTo>
+                  <a:pt x="0" y="0"/>
+                </a:moveTo>
+                <a:cubicBezTo>
+                  <a:pt x="202328" y="-14716"/>
+                  <a:pt x="332722" y="-11499"/>
+                  <a:pt x="625450" y="0"/>
+                </a:cubicBezTo>
+                <a:cubicBezTo>
+                  <a:pt x="918178" y="11499"/>
+                  <a:pt x="1096688" y="5123"/>
+                  <a:pt x="1389888" y="0"/>
+                </a:cubicBezTo>
+                <a:cubicBezTo>
+                  <a:pt x="1683088" y="-5123"/>
+                  <a:pt x="1835981" y="-14038"/>
+                  <a:pt x="1980590" y="0"/>
+                </a:cubicBezTo>
+                <a:cubicBezTo>
+                  <a:pt x="2125199" y="14038"/>
+                  <a:pt x="2396099" y="-7203"/>
+                  <a:pt x="2571293" y="0"/>
+                </a:cubicBezTo>
+                <a:cubicBezTo>
+                  <a:pt x="2746487" y="7203"/>
+                  <a:pt x="3041609" y="-12036"/>
+                  <a:pt x="3474720" y="0"/>
+                </a:cubicBezTo>
+                <a:cubicBezTo>
+                  <a:pt x="3474638" y="4406"/>
+                  <a:pt x="3474631" y="9982"/>
+                  <a:pt x="3474720" y="18288"/>
+                </a:cubicBezTo>
+                <a:cubicBezTo>
+                  <a:pt x="3324873" y="21876"/>
+                  <a:pt x="3136771" y="12587"/>
+                  <a:pt x="2814523" y="18288"/>
+                </a:cubicBezTo>
+                <a:cubicBezTo>
+                  <a:pt x="2492275" y="23989"/>
+                  <a:pt x="2294402" y="47111"/>
+                  <a:pt x="2154326" y="18288"/>
+                </a:cubicBezTo>
+                <a:cubicBezTo>
+                  <a:pt x="2014250" y="-10535"/>
+                  <a:pt x="1820317" y="33903"/>
+                  <a:pt x="1494130" y="18288"/>
+                </a:cubicBezTo>
+                <a:cubicBezTo>
+                  <a:pt x="1167943" y="2673"/>
+                  <a:pt x="948432" y="14868"/>
+                  <a:pt x="729691" y="18288"/>
+                </a:cubicBezTo>
+                <a:cubicBezTo>
+                  <a:pt x="510950" y="21708"/>
+                  <a:pt x="264032" y="24354"/>
+                  <a:pt x="0" y="18288"/>
+                </a:cubicBezTo>
+                <a:cubicBezTo>
+                  <a:pt x="189" y="14288"/>
+                  <a:pt x="-703" y="3747"/>
+                  <a:pt x="0" y="0"/>
+                </a:cubicBezTo>
+                <a:close/>
+              </a:path>
+            </a:pathLst>
+          </a:custGeom>
+          <a:solidFill>
+            <a:schemeClr val="accent2"/>
+          </a:solidFill>
+          <a:ln w="44450" cap="rnd">
+            <a:solidFill>
+              <a:schemeClr val="accent2"/>
+            </a:solidFill>
+            <a:round/>
+            <a:extLst>
+              <a:ext uri="{C807C97D-BFC1-408E-A445-0C87EB9F89A2}">
+                <ask:lineSketchStyleProps xmlns:ask="http://schemas.microsoft.com/office/drawing/2018/sketchyshapes" sd="2863741219">
+                  <a:prstGeom prst="rect">
+                    <a:avLst/>
+                  </a:prstGeom>
+                  <ask:type>
+                    <ask:lineSketchFreehand/>
+                  </ask:type>
+                </ask:lineSketchStyleProps>
+              </a:ext>
+            </a:extLst>
+          </a:ln>
+        </p:spPr>
+        <p:style>
+          <a:lnRef idx="2">
+            <a:schemeClr val="accent1">
+              <a:shade val="50000"/>
+            </a:schemeClr>
+          </a:lnRef>
+          <a:fillRef idx="1">
+            <a:schemeClr val="accent1"/>
+          </a:fillRef>
+          <a:effectRef idx="0">
+            <a:schemeClr val="accent1"/>
+          </a:effectRef>
+          <a:fontRef idx="minor">
+            <a:schemeClr val="lt1"/>
+          </a:fontRef>
+        </p:style>
+        <p:txBody>
+          <a:bodyPr rtlCol="0" anchor="ctr"/>
+          <a:lstStyle/>
+          <a:p>
+            <a:pPr algn="ctr"/>
+            <a:endParaRPr lang="en-US"/>
           </a:p>
         </p:txBody>
       </p:sp>
@@ -4034,45 +7635,52 @@
             <p:ph idx="1"/>
           </p:nvPr>
         </p:nvSpPr>
-        <p:spPr/>
+        <p:spPr>
+          <a:xfrm>
+            <a:off x="640080" y="2872899"/>
+            <a:ext cx="4243589" cy="3320668"/>
+          </a:xfrm>
+        </p:spPr>
         <p:txBody>
-          <a:bodyPr/>
+          <a:bodyPr>
+            <a:normAutofit/>
+          </a:bodyPr>
           <a:lstStyle/>
           <a:p>
             <a:pPr marL="0" indent="0">
               <a:buNone/>
             </a:pPr>
             <a:r>
-              <a:rPr lang="ko-KR" altLang="en-US" dirty="0">
+              <a:rPr lang="ko-KR" altLang="en-US" sz="2200">
                 <a:effectLst/>
               </a:rPr>
               <a:t>실명 거래 의무화</a:t>
             </a:r>
             <a:r>
-              <a:rPr lang="en-US" altLang="ko-KR" dirty="0">
+              <a:rPr lang="en-US" altLang="ko-KR" sz="2200">
                 <a:effectLst/>
               </a:rPr>
               <a:t>: </a:t>
             </a:r>
             <a:r>
-              <a:rPr lang="ko-KR" altLang="en-US" dirty="0">
+              <a:rPr lang="ko-KR" altLang="en-US" sz="2200">
                 <a:effectLst/>
               </a:rPr>
               <a:t>금융 거래 시 가명</a:t>
             </a:r>
             <a:r>
-              <a:rPr lang="en-US" altLang="ko-KR" dirty="0">
+              <a:rPr lang="en-US" altLang="ko-KR" sz="2200">
                 <a:effectLst/>
               </a:rPr>
               <a:t>, </a:t>
             </a:r>
             <a:r>
-              <a:rPr lang="ko-KR" altLang="en-US" dirty="0">
+              <a:rPr lang="ko-KR" altLang="en-US" sz="2200">
                 <a:effectLst/>
               </a:rPr>
               <a:t>차명 계좌 사용 금지 </a:t>
             </a:r>
-            <a:endParaRPr lang="vi-VN" altLang="ko-KR" dirty="0">
+            <a:endParaRPr lang="vi-VN" altLang="ko-KR" sz="2200">
               <a:effectLst/>
             </a:endParaRPr>
           </a:p>
@@ -4081,24 +7689,24 @@
               <a:buNone/>
             </a:pPr>
             <a:r>
-              <a:rPr lang="ko-KR" altLang="en-US" dirty="0">
+              <a:rPr lang="ko-KR" altLang="en-US" sz="2200">
                 <a:effectLst/>
               </a:rPr>
               <a:t>실명 등록</a:t>
             </a:r>
             <a:r>
-              <a:rPr lang="en-US" altLang="ko-KR" dirty="0">
+              <a:rPr lang="en-US" altLang="ko-KR" sz="2200">
                 <a:effectLst/>
               </a:rPr>
               <a:t>: </a:t>
             </a:r>
             <a:r>
-              <a:rPr lang="ko-KR" altLang="en-US" dirty="0">
+              <a:rPr lang="ko-KR" altLang="en-US" sz="2200">
                 <a:effectLst/>
               </a:rPr>
               <a:t>모든 금융 활동에 계좌 및 자산을 실제 소유자 명의로 등록</a:t>
             </a:r>
-            <a:endParaRPr lang="vi-VN" altLang="ko-KR" dirty="0">
+            <a:endParaRPr lang="vi-VN" altLang="ko-KR" sz="2200">
               <a:effectLst/>
             </a:endParaRPr>
           </a:p>
@@ -4107,39 +7715,196 @@
               <a:buNone/>
             </a:pPr>
             <a:r>
-              <a:rPr lang="ko-KR" altLang="en-US" dirty="0">
+              <a:rPr lang="ko-KR" altLang="en-US" sz="2200">
                 <a:effectLst/>
               </a:rPr>
               <a:t>부정 자금 차단</a:t>
             </a:r>
             <a:r>
-              <a:rPr lang="en-US" altLang="ko-KR" dirty="0">
+              <a:rPr lang="en-US" altLang="ko-KR" sz="2200">
                 <a:effectLst/>
               </a:rPr>
               <a:t>: </a:t>
             </a:r>
             <a:r>
-              <a:rPr lang="ko-KR" altLang="en-US" dirty="0">
+              <a:rPr lang="ko-KR" altLang="en-US" sz="2200">
                 <a:effectLst/>
               </a:rPr>
               <a:t>불법 자금의 유통 방지</a:t>
             </a:r>
             <a:r>
-              <a:rPr lang="en-US" altLang="ko-KR" dirty="0">
+              <a:rPr lang="en-US" altLang="ko-KR" sz="2200">
                 <a:effectLst/>
               </a:rPr>
               <a:t>, </a:t>
             </a:r>
             <a:r>
-              <a:rPr lang="ko-KR" altLang="en-US" dirty="0">
+              <a:rPr lang="ko-KR" altLang="en-US" sz="2200">
                 <a:effectLst/>
               </a:rPr>
               <a:t>세금 탈루 방지</a:t>
             </a:r>
-            <a:endParaRPr lang="en-US" dirty="0"/>
+            <a:endParaRPr lang="en-US" sz="2200"/>
           </a:p>
         </p:txBody>
       </p:sp>
+      <p:pic>
+        <p:nvPicPr>
+          <p:cNvPr id="1026" name="Picture 2" descr="금융실명제 강화 ⓒ YTN 방송화면 ">
+            <a:extLst>
+              <a:ext uri="{FF2B5EF4-FFF2-40B4-BE49-F238E27FC236}">
+                <a16:creationId xmlns:a16="http://schemas.microsoft.com/office/drawing/2014/main" id="{AE98C62D-685E-D167-1C9B-80D6ECC2E1FA}"/>
+              </a:ext>
+            </a:extLst>
+          </p:cNvPr>
+          <p:cNvPicPr>
+            <a:picLocks noChangeAspect="1" noChangeArrowheads="1"/>
+          </p:cNvPicPr>
+          <p:nvPr/>
+        </p:nvPicPr>
+        <p:blipFill>
+          <a:blip r:embed="rId2">
+            <a:extLst>
+              <a:ext uri="{28A0092B-C50C-407E-A947-70E740481C1C}">
+                <a14:useLocalDpi xmlns:a14="http://schemas.microsoft.com/office/drawing/2010/main" val="0"/>
+              </a:ext>
+            </a:extLst>
+          </a:blip>
+          <a:srcRect l="3416" r="40665" b="-1"/>
+          <a:stretch/>
+        </p:blipFill>
+        <p:spPr bwMode="auto">
+          <a:xfrm>
+            <a:off x="5313225" y="0"/>
+            <a:ext cx="6878775" cy="6857990"/>
+          </a:xfrm>
+          <a:custGeom>
+            <a:avLst/>
+            <a:gdLst/>
+            <a:ahLst/>
+            <a:cxnLst/>
+            <a:rect l="l" t="t" r="r" b="b"/>
+            <a:pathLst>
+              <a:path w="6878775" h="6858000">
+                <a:moveTo>
+                  <a:pt x="1102973" y="0"/>
+                </a:moveTo>
+                <a:lnTo>
+                  <a:pt x="1160688" y="0"/>
+                </a:lnTo>
+                <a:lnTo>
+                  <a:pt x="983189" y="331786"/>
+                </a:lnTo>
+                <a:cubicBezTo>
+                  <a:pt x="914866" y="469145"/>
+                  <a:pt x="850355" y="608712"/>
+                  <a:pt x="789261" y="750263"/>
+                </a:cubicBezTo>
+                <a:cubicBezTo>
+                  <a:pt x="774307" y="784928"/>
+                  <a:pt x="759992" y="819849"/>
+                  <a:pt x="745295" y="854514"/>
+                </a:cubicBezTo>
+                <a:cubicBezTo>
+                  <a:pt x="756682" y="845393"/>
+                  <a:pt x="765489" y="833492"/>
+                  <a:pt x="770857" y="819975"/>
+                </a:cubicBezTo>
+                <a:cubicBezTo>
+                  <a:pt x="879943" y="589569"/>
+                  <a:pt x="999605" y="365513"/>
+                  <a:pt x="1131329" y="148742"/>
+                </a:cubicBezTo>
+                <a:lnTo>
+                  <a:pt x="1227589" y="0"/>
+                </a:lnTo>
+                <a:lnTo>
+                  <a:pt x="6878775" y="0"/>
+                </a:lnTo>
+                <a:lnTo>
+                  <a:pt x="6878775" y="6858000"/>
+                </a:lnTo>
+                <a:lnTo>
+                  <a:pt x="713521" y="6858000"/>
+                </a:lnTo>
+                <a:lnTo>
+                  <a:pt x="625642" y="6670527"/>
+                </a:lnTo>
+                <a:cubicBezTo>
+                  <a:pt x="507232" y="6398531"/>
+                  <a:pt x="403083" y="6118381"/>
+                  <a:pt x="312785" y="5830359"/>
+                </a:cubicBezTo>
+                <a:cubicBezTo>
+                  <a:pt x="278149" y="5719759"/>
+                  <a:pt x="248879" y="5607635"/>
+                  <a:pt x="212198" y="5480401"/>
+                </a:cubicBezTo>
+                <a:cubicBezTo>
+                  <a:pt x="212208" y="5491601"/>
+                  <a:pt x="212803" y="5502788"/>
+                  <a:pt x="213988" y="5513923"/>
+                </a:cubicBezTo>
+                <a:cubicBezTo>
+                  <a:pt x="264089" y="5723695"/>
+                  <a:pt x="307290" y="5935370"/>
+                  <a:pt x="365826" y="6142729"/>
+                </a:cubicBezTo>
+                <a:cubicBezTo>
+                  <a:pt x="433152" y="6380817"/>
+                  <a:pt x="510068" y="6614016"/>
+                  <a:pt x="597975" y="6841549"/>
+                </a:cubicBezTo>
+                <a:lnTo>
+                  <a:pt x="604824" y="6858000"/>
+                </a:lnTo>
+                <a:lnTo>
+                  <a:pt x="552056" y="6858000"/>
+                </a:lnTo>
+                <a:lnTo>
+                  <a:pt x="539576" y="6828295"/>
+                </a:lnTo>
+                <a:cubicBezTo>
+                  <a:pt x="380597" y="6414594"/>
+                  <a:pt x="260223" y="5988893"/>
+                  <a:pt x="171555" y="5552906"/>
+                </a:cubicBezTo>
+                <a:cubicBezTo>
+                  <a:pt x="91163" y="5157998"/>
+                  <a:pt x="43746" y="4758899"/>
+                  <a:pt x="12305" y="4357388"/>
+                </a:cubicBezTo>
+                <a:cubicBezTo>
+                  <a:pt x="-14281" y="4013908"/>
+                  <a:pt x="4507" y="3672965"/>
+                  <a:pt x="46684" y="3331516"/>
+                </a:cubicBezTo>
+                <a:cubicBezTo>
+                  <a:pt x="127203" y="2664286"/>
+                  <a:pt x="277819" y="2007265"/>
+                  <a:pt x="496065" y="1371196"/>
+                </a:cubicBezTo>
+                <a:cubicBezTo>
+                  <a:pt x="636273" y="966066"/>
+                  <a:pt x="800445" y="573253"/>
+                  <a:pt x="995723" y="196614"/>
+                </a:cubicBezTo>
+                <a:close/>
+              </a:path>
+            </a:pathLst>
+          </a:custGeom>
+          <a:noFill/>
+          <a:extLst>
+            <a:ext uri="{909E8E84-426E-40DD-AFC4-6F175D3DCCD1}">
+              <a14:hiddenFill xmlns:a14="http://schemas.microsoft.com/office/drawing/2010/main">
+                <a:solidFill>
+                  <a:srgbClr val="FFFFFF"/>
+                </a:solidFill>
+              </a14:hiddenFill>
+            </a:ext>
+          </a:extLst>
+        </p:spPr>
+      </p:pic>
     </p:spTree>
     <p:extLst>
       <p:ext uri="{BB962C8B-B14F-4D97-AF65-F5344CB8AC3E}">
@@ -4156,6 +7921,14 @@
 <file path=ppt/slides/slide3.xml><?xml version="1.0" encoding="utf-8"?>
 <p:sld xmlns:a="http://schemas.openxmlformats.org/drawingml/2006/main" xmlns:r="http://schemas.openxmlformats.org/officeDocument/2006/relationships" xmlns:p="http://schemas.openxmlformats.org/presentationml/2006/main">
   <p:cSld>
+    <p:bg>
+      <p:bgPr>
+        <a:solidFill>
+          <a:schemeClr val="bg1"/>
+        </a:solidFill>
+        <a:effectLst/>
+      </p:bgPr>
+    </p:bg>
     <p:spTree>
       <p:nvGrpSpPr>
         <p:cNvPr id="1" name=""/>
@@ -4170,6 +7943,66 @@
           <a:chExt cx="0" cy="0"/>
         </a:xfrm>
       </p:grpSpPr>
+      <p:sp useBgFill="1">
+        <p:nvSpPr>
+          <p:cNvPr id="2055" name="Rectangle 2054">
+            <a:extLst>
+              <a:ext uri="{FF2B5EF4-FFF2-40B4-BE49-F238E27FC236}">
+                <a16:creationId xmlns:a16="http://schemas.microsoft.com/office/drawing/2014/main" id="{F13C74B1-5B17-4795-BED0-7140497B445A}"/>
+              </a:ext>
+              <a:ext uri="{C183D7F6-B498-43B3-948B-1728B52AA6E4}">
+                <adec:decorative xmlns:adec="http://schemas.microsoft.com/office/drawing/2017/decorative" val="1"/>
+              </a:ext>
+            </a:extLst>
+          </p:cNvPr>
+          <p:cNvSpPr>
+            <a:spLocks noGrp="1" noRot="1" noChangeAspect="1" noMove="1" noResize="1" noEditPoints="1" noAdjustHandles="1" noChangeArrowheads="1" noChangeShapeType="1" noTextEdit="1"/>
+          </p:cNvSpPr>
+          <p:nvPr>
+            <p:extLst>
+              <p:ext uri="{386F3935-93C4-4BCD-93E2-E3B085C9AB24}">
+                <p16:designElem xmlns:p16="http://schemas.microsoft.com/office/powerpoint/2015/main" val="1"/>
+              </p:ext>
+            </p:extLst>
+          </p:nvPr>
+        </p:nvSpPr>
+        <p:spPr>
+          <a:xfrm>
+            <a:off x="0" y="0"/>
+            <a:ext cx="12188952" cy="6858000"/>
+          </a:xfrm>
+          <a:prstGeom prst="rect">
+            <a:avLst/>
+          </a:prstGeom>
+          <a:ln>
+            <a:noFill/>
+          </a:ln>
+        </p:spPr>
+        <p:style>
+          <a:lnRef idx="2">
+            <a:schemeClr val="accent1">
+              <a:shade val="50000"/>
+            </a:schemeClr>
+          </a:lnRef>
+          <a:fillRef idx="1">
+            <a:schemeClr val="accent1"/>
+          </a:fillRef>
+          <a:effectRef idx="0">
+            <a:schemeClr val="accent1"/>
+          </a:effectRef>
+          <a:fontRef idx="minor">
+            <a:schemeClr val="lt1"/>
+          </a:fontRef>
+        </p:style>
+        <p:txBody>
+          <a:bodyPr rtlCol="0" anchor="ctr"/>
+          <a:lstStyle/>
+          <a:p>
+            <a:pPr algn="ctr"/>
+            <a:endParaRPr lang="en-US"/>
+          </a:p>
+        </p:txBody>
+      </p:sp>
       <p:sp>
         <p:nvSpPr>
           <p:cNvPr id="2" name="Title 1">
@@ -4186,24 +8019,314 @@
             <p:ph type="title"/>
           </p:nvPr>
         </p:nvSpPr>
-        <p:spPr/>
+        <p:spPr>
+          <a:xfrm>
+            <a:off x="640080" y="664433"/>
+            <a:ext cx="4368602" cy="1617777"/>
+          </a:xfrm>
+        </p:spPr>
         <p:txBody>
-          <a:bodyPr/>
+          <a:bodyPr anchor="b">
+            <a:normAutofit/>
+          </a:bodyPr>
           <a:lstStyle/>
           <a:p>
             <a:r>
-              <a:rPr lang="en-US" altLang="ko-KR" dirty="0">
+              <a:rPr lang="en-US" altLang="ko-KR" sz="4600" dirty="0">
                 <a:effectLst/>
               </a:rPr>
               <a:t>3. </a:t>
             </a:r>
             <a:r>
-              <a:rPr lang="ko-KR" altLang="en-US" dirty="0">
+              <a:rPr lang="ko-KR" altLang="en-US" sz="4600" dirty="0">
                 <a:effectLst/>
               </a:rPr>
               <a:t>금융실명제의 의의 </a:t>
             </a:r>
-            <a:endParaRPr lang="en-US" dirty="0"/>
+            <a:endParaRPr lang="en-US" sz="4600" dirty="0"/>
+          </a:p>
+        </p:txBody>
+      </p:sp>
+      <p:sp>
+        <p:nvSpPr>
+          <p:cNvPr id="2057" name="sketchy line">
+            <a:extLst>
+              <a:ext uri="{FF2B5EF4-FFF2-40B4-BE49-F238E27FC236}">
+                <a16:creationId xmlns:a16="http://schemas.microsoft.com/office/drawing/2014/main" id="{D4974D33-8DC5-464E-8C6D-BE58F0669C17}"/>
+              </a:ext>
+              <a:ext uri="{C183D7F6-B498-43B3-948B-1728B52AA6E4}">
+                <adec:decorative xmlns:adec="http://schemas.microsoft.com/office/drawing/2017/decorative" val="1"/>
+              </a:ext>
+            </a:extLst>
+          </p:cNvPr>
+          <p:cNvSpPr>
+            <a:spLocks noGrp="1" noRot="1" noChangeAspect="1" noMove="1" noResize="1" noEditPoints="1" noAdjustHandles="1" noChangeArrowheads="1" noChangeShapeType="1" noTextEdit="1"/>
+          </p:cNvSpPr>
+          <p:nvPr>
+            <p:extLst>
+              <p:ext uri="{386F3935-93C4-4BCD-93E2-E3B085C9AB24}">
+                <p16:designElem xmlns:p16="http://schemas.microsoft.com/office/powerpoint/2015/main" val="1"/>
+              </p:ext>
+            </p:extLst>
+          </p:nvPr>
+        </p:nvSpPr>
+        <p:spPr>
+          <a:xfrm>
+            <a:off x="640080" y="2586994"/>
+            <a:ext cx="3474720" cy="18288"/>
+          </a:xfrm>
+          <a:custGeom>
+            <a:avLst/>
+            <a:gdLst>
+              <a:gd name="connsiteX0" fmla="*/ 0 w 3474720"/>
+              <a:gd name="connsiteY0" fmla="*/ 0 h 18288"/>
+              <a:gd name="connsiteX1" fmla="*/ 694944 w 3474720"/>
+              <a:gd name="connsiteY1" fmla="*/ 0 h 18288"/>
+              <a:gd name="connsiteX2" fmla="*/ 1355141 w 3474720"/>
+              <a:gd name="connsiteY2" fmla="*/ 0 h 18288"/>
+              <a:gd name="connsiteX3" fmla="*/ 2015338 w 3474720"/>
+              <a:gd name="connsiteY3" fmla="*/ 0 h 18288"/>
+              <a:gd name="connsiteX4" fmla="*/ 2779776 w 3474720"/>
+              <a:gd name="connsiteY4" fmla="*/ 0 h 18288"/>
+              <a:gd name="connsiteX5" fmla="*/ 3474720 w 3474720"/>
+              <a:gd name="connsiteY5" fmla="*/ 0 h 18288"/>
+              <a:gd name="connsiteX6" fmla="*/ 3474720 w 3474720"/>
+              <a:gd name="connsiteY6" fmla="*/ 18288 h 18288"/>
+              <a:gd name="connsiteX7" fmla="*/ 2779776 w 3474720"/>
+              <a:gd name="connsiteY7" fmla="*/ 18288 h 18288"/>
+              <a:gd name="connsiteX8" fmla="*/ 2189074 w 3474720"/>
+              <a:gd name="connsiteY8" fmla="*/ 18288 h 18288"/>
+              <a:gd name="connsiteX9" fmla="*/ 1528877 w 3474720"/>
+              <a:gd name="connsiteY9" fmla="*/ 18288 h 18288"/>
+              <a:gd name="connsiteX10" fmla="*/ 868680 w 3474720"/>
+              <a:gd name="connsiteY10" fmla="*/ 18288 h 18288"/>
+              <a:gd name="connsiteX11" fmla="*/ 0 w 3474720"/>
+              <a:gd name="connsiteY11" fmla="*/ 18288 h 18288"/>
+              <a:gd name="connsiteX12" fmla="*/ 0 w 3474720"/>
+              <a:gd name="connsiteY12" fmla="*/ 0 h 18288"/>
+            </a:gdLst>
+            <a:ahLst/>
+            <a:cxnLst>
+              <a:cxn ang="0">
+                <a:pos x="connsiteX0" y="connsiteY0"/>
+              </a:cxn>
+              <a:cxn ang="0">
+                <a:pos x="connsiteX1" y="connsiteY1"/>
+              </a:cxn>
+              <a:cxn ang="0">
+                <a:pos x="connsiteX2" y="connsiteY2"/>
+              </a:cxn>
+              <a:cxn ang="0">
+                <a:pos x="connsiteX3" y="connsiteY3"/>
+              </a:cxn>
+              <a:cxn ang="0">
+                <a:pos x="connsiteX4" y="connsiteY4"/>
+              </a:cxn>
+              <a:cxn ang="0">
+                <a:pos x="connsiteX5" y="connsiteY5"/>
+              </a:cxn>
+              <a:cxn ang="0">
+                <a:pos x="connsiteX6" y="connsiteY6"/>
+              </a:cxn>
+              <a:cxn ang="0">
+                <a:pos x="connsiteX7" y="connsiteY7"/>
+              </a:cxn>
+              <a:cxn ang="0">
+                <a:pos x="connsiteX8" y="connsiteY8"/>
+              </a:cxn>
+              <a:cxn ang="0">
+                <a:pos x="connsiteX9" y="connsiteY9"/>
+              </a:cxn>
+              <a:cxn ang="0">
+                <a:pos x="connsiteX10" y="connsiteY10"/>
+              </a:cxn>
+              <a:cxn ang="0">
+                <a:pos x="connsiteX11" y="connsiteY11"/>
+              </a:cxn>
+              <a:cxn ang="0">
+                <a:pos x="connsiteX12" y="connsiteY12"/>
+              </a:cxn>
+            </a:cxnLst>
+            <a:rect l="l" t="t" r="r" b="b"/>
+            <a:pathLst>
+              <a:path w="3474720" h="18288" fill="none" extrusionOk="0">
+                <a:moveTo>
+                  <a:pt x="0" y="0"/>
+                </a:moveTo>
+                <a:cubicBezTo>
+                  <a:pt x="224454" y="-14544"/>
+                  <a:pt x="495407" y="26540"/>
+                  <a:pt x="694944" y="0"/>
+                </a:cubicBezTo>
+                <a:cubicBezTo>
+                  <a:pt x="894481" y="-26540"/>
+                  <a:pt x="1130063" y="24713"/>
+                  <a:pt x="1355141" y="0"/>
+                </a:cubicBezTo>
+                <a:cubicBezTo>
+                  <a:pt x="1580219" y="-24713"/>
+                  <a:pt x="1820099" y="26695"/>
+                  <a:pt x="2015338" y="0"/>
+                </a:cubicBezTo>
+                <a:cubicBezTo>
+                  <a:pt x="2210577" y="-26695"/>
+                  <a:pt x="2402045" y="165"/>
+                  <a:pt x="2779776" y="0"/>
+                </a:cubicBezTo>
+                <a:cubicBezTo>
+                  <a:pt x="3157507" y="-165"/>
+                  <a:pt x="3286859" y="-15571"/>
+                  <a:pt x="3474720" y="0"/>
+                </a:cubicBezTo>
+                <a:cubicBezTo>
+                  <a:pt x="3474286" y="7551"/>
+                  <a:pt x="3474253" y="9822"/>
+                  <a:pt x="3474720" y="18288"/>
+                </a:cubicBezTo>
+                <a:cubicBezTo>
+                  <a:pt x="3233904" y="29845"/>
+                  <a:pt x="2945134" y="-5256"/>
+                  <a:pt x="2779776" y="18288"/>
+                </a:cubicBezTo>
+                <a:cubicBezTo>
+                  <a:pt x="2614418" y="41832"/>
+                  <a:pt x="2339768" y="22709"/>
+                  <a:pt x="2189074" y="18288"/>
+                </a:cubicBezTo>
+                <a:cubicBezTo>
+                  <a:pt x="2038380" y="13867"/>
+                  <a:pt x="1817434" y="-4947"/>
+                  <a:pt x="1528877" y="18288"/>
+                </a:cubicBezTo>
+                <a:cubicBezTo>
+                  <a:pt x="1240320" y="41523"/>
+                  <a:pt x="1042447" y="37198"/>
+                  <a:pt x="868680" y="18288"/>
+                </a:cubicBezTo>
+                <a:cubicBezTo>
+                  <a:pt x="694913" y="-622"/>
+                  <a:pt x="233232" y="44909"/>
+                  <a:pt x="0" y="18288"/>
+                </a:cubicBezTo>
+                <a:cubicBezTo>
+                  <a:pt x="60" y="11696"/>
+                  <a:pt x="66" y="3758"/>
+                  <a:pt x="0" y="0"/>
+                </a:cubicBezTo>
+                <a:close/>
+              </a:path>
+              <a:path w="3474720" h="18288" stroke="0" extrusionOk="0">
+                <a:moveTo>
+                  <a:pt x="0" y="0"/>
+                </a:moveTo>
+                <a:cubicBezTo>
+                  <a:pt x="202328" y="-14716"/>
+                  <a:pt x="332722" y="-11499"/>
+                  <a:pt x="625450" y="0"/>
+                </a:cubicBezTo>
+                <a:cubicBezTo>
+                  <a:pt x="918178" y="11499"/>
+                  <a:pt x="1096688" y="5123"/>
+                  <a:pt x="1389888" y="0"/>
+                </a:cubicBezTo>
+                <a:cubicBezTo>
+                  <a:pt x="1683088" y="-5123"/>
+                  <a:pt x="1835981" y="-14038"/>
+                  <a:pt x="1980590" y="0"/>
+                </a:cubicBezTo>
+                <a:cubicBezTo>
+                  <a:pt x="2125199" y="14038"/>
+                  <a:pt x="2396099" y="-7203"/>
+                  <a:pt x="2571293" y="0"/>
+                </a:cubicBezTo>
+                <a:cubicBezTo>
+                  <a:pt x="2746487" y="7203"/>
+                  <a:pt x="3041609" y="-12036"/>
+                  <a:pt x="3474720" y="0"/>
+                </a:cubicBezTo>
+                <a:cubicBezTo>
+                  <a:pt x="3474638" y="4406"/>
+                  <a:pt x="3474631" y="9982"/>
+                  <a:pt x="3474720" y="18288"/>
+                </a:cubicBezTo>
+                <a:cubicBezTo>
+                  <a:pt x="3324873" y="21876"/>
+                  <a:pt x="3136771" y="12587"/>
+                  <a:pt x="2814523" y="18288"/>
+                </a:cubicBezTo>
+                <a:cubicBezTo>
+                  <a:pt x="2492275" y="23989"/>
+                  <a:pt x="2294402" y="47111"/>
+                  <a:pt x="2154326" y="18288"/>
+                </a:cubicBezTo>
+                <a:cubicBezTo>
+                  <a:pt x="2014250" y="-10535"/>
+                  <a:pt x="1820317" y="33903"/>
+                  <a:pt x="1494130" y="18288"/>
+                </a:cubicBezTo>
+                <a:cubicBezTo>
+                  <a:pt x="1167943" y="2673"/>
+                  <a:pt x="948432" y="14868"/>
+                  <a:pt x="729691" y="18288"/>
+                </a:cubicBezTo>
+                <a:cubicBezTo>
+                  <a:pt x="510950" y="21708"/>
+                  <a:pt x="264032" y="24354"/>
+                  <a:pt x="0" y="18288"/>
+                </a:cubicBezTo>
+                <a:cubicBezTo>
+                  <a:pt x="189" y="14288"/>
+                  <a:pt x="-703" y="3747"/>
+                  <a:pt x="0" y="0"/>
+                </a:cubicBezTo>
+                <a:close/>
+              </a:path>
+            </a:pathLst>
+          </a:custGeom>
+          <a:solidFill>
+            <a:schemeClr val="accent2"/>
+          </a:solidFill>
+          <a:ln w="44450" cap="rnd">
+            <a:solidFill>
+              <a:schemeClr val="accent2"/>
+            </a:solidFill>
+            <a:round/>
+            <a:extLst>
+              <a:ext uri="{C807C97D-BFC1-408E-A445-0C87EB9F89A2}">
+                <ask:lineSketchStyleProps xmlns:ask="http://schemas.microsoft.com/office/drawing/2018/sketchyshapes" sd="2863741219">
+                  <a:prstGeom prst="rect">
+                    <a:avLst/>
+                  </a:prstGeom>
+                  <ask:type>
+                    <ask:lineSketchFreehand/>
+                  </ask:type>
+                </ask:lineSketchStyleProps>
+              </a:ext>
+            </a:extLst>
+          </a:ln>
+        </p:spPr>
+        <p:style>
+          <a:lnRef idx="2">
+            <a:schemeClr val="accent1">
+              <a:shade val="50000"/>
+            </a:schemeClr>
+          </a:lnRef>
+          <a:fillRef idx="1">
+            <a:schemeClr val="accent1"/>
+          </a:fillRef>
+          <a:effectRef idx="0">
+            <a:schemeClr val="accent1"/>
+          </a:effectRef>
+          <a:fontRef idx="minor">
+            <a:schemeClr val="lt1"/>
+          </a:fontRef>
+        </p:style>
+        <p:txBody>
+          <a:bodyPr rtlCol="0" anchor="ctr"/>
+          <a:lstStyle/>
+          <a:p>
+            <a:pPr algn="ctr"/>
+            <a:endParaRPr lang="en-US"/>
           </a:p>
         </p:txBody>
       </p:sp>
@@ -4223,93 +8346,100 @@
             <p:ph idx="1"/>
           </p:nvPr>
         </p:nvSpPr>
-        <p:spPr/>
+        <p:spPr>
+          <a:xfrm>
+            <a:off x="640080" y="2872899"/>
+            <a:ext cx="4243589" cy="3320668"/>
+          </a:xfrm>
+        </p:spPr>
         <p:txBody>
-          <a:bodyPr/>
+          <a:bodyPr>
+            <a:normAutofit/>
+          </a:bodyPr>
           <a:lstStyle/>
           <a:p>
             <a:r>
-              <a:rPr lang="ko-KR" altLang="en-US" dirty="0">
+              <a:rPr lang="ko-KR" altLang="en-US" sz="1500" dirty="0">
                 <a:effectLst/>
               </a:rPr>
               <a:t>금융 거래의 실명화</a:t>
             </a:r>
             <a:r>
-              <a:rPr lang="vi-VN" altLang="ko-KR" dirty="0">
+              <a:rPr lang="vi-VN" altLang="ko-KR" sz="1500" dirty="0">
                 <a:effectLst/>
               </a:rPr>
               <a:t>: </a:t>
             </a:r>
             <a:r>
-              <a:rPr lang="ko-KR" altLang="en-US" dirty="0">
+              <a:rPr lang="ko-KR" altLang="en-US" sz="1500" dirty="0">
                 <a:effectLst/>
               </a:rPr>
               <a:t>투명성 강화</a:t>
             </a:r>
             <a:r>
-              <a:rPr lang="en-US" altLang="ko-KR" dirty="0">
+              <a:rPr lang="en-US" altLang="ko-KR" sz="1500" dirty="0">
                 <a:effectLst/>
               </a:rPr>
               <a:t>, </a:t>
             </a:r>
             <a:r>
-              <a:rPr lang="ko-KR" altLang="en-US" dirty="0">
+              <a:rPr lang="ko-KR" altLang="en-US" sz="1500" dirty="0">
                 <a:effectLst/>
               </a:rPr>
               <a:t>불법 자금 유통 차단 </a:t>
             </a:r>
-            <a:endParaRPr lang="vi-VN" altLang="ko-KR" dirty="0"/>
-          </a:p>
-          <a:p>
-            <a:r>
-              <a:rPr lang="en-US" altLang="ko-KR" dirty="0">
-                <a:effectLst/>
-              </a:rPr>
-              <a:t> </a:t>
-            </a:r>
-            <a:r>
-              <a:rPr lang="ko-KR" altLang="en-US" dirty="0">
+            <a:endParaRPr lang="vi-VN" altLang="ko-KR" sz="1500" dirty="0"/>
+          </a:p>
+          <a:p>
+            <a:r>
+              <a:rPr lang="en-US" altLang="ko-KR" sz="1500" dirty="0">
+                <a:effectLst/>
+              </a:rPr>
+              <a:t> </a:t>
+            </a:r>
+            <a:r>
+              <a:rPr lang="ko-KR" altLang="en-US" sz="1500" dirty="0">
                 <a:effectLst/>
               </a:rPr>
               <a:t>비밀 계좌 해소</a:t>
             </a:r>
             <a:r>
-              <a:rPr lang="vi-VN" altLang="ko-KR" dirty="0">
+              <a:rPr lang="vi-VN" altLang="ko-KR" sz="1500" dirty="0">
                 <a:effectLst/>
               </a:rPr>
               <a:t>:</a:t>
             </a:r>
             <a:r>
-              <a:rPr lang="ko-KR" altLang="en-US" dirty="0">
-                <a:effectLst/>
-              </a:rPr>
-              <a:t> </a:t>
-            </a:r>
-            <a:r>
-              <a:rPr lang="en-US" altLang="ko-KR" dirty="0">
+              <a:rPr lang="ko-KR" altLang="en-US" sz="1500" dirty="0">
+                <a:effectLst/>
+              </a:rPr>
+              <a:t> </a:t>
+            </a:r>
+            <a:r>
+              <a:rPr lang="en-US" altLang="ko-KR" sz="1500" dirty="0">
                 <a:effectLst/>
               </a:rPr>
               <a:t>- </a:t>
             </a:r>
             <a:r>
-              <a:rPr lang="ko-KR" altLang="en-US" dirty="0">
+              <a:rPr lang="ko-KR" altLang="en-US" sz="1500" dirty="0">
                 <a:effectLst/>
               </a:rPr>
               <a:t>가명</a:t>
             </a:r>
             <a:r>
-              <a:rPr lang="en-US" altLang="ko-KR" dirty="0">
+              <a:rPr lang="en-US" altLang="ko-KR" sz="1500" dirty="0">
                 <a:effectLst/>
               </a:rPr>
               <a:t>, </a:t>
             </a:r>
             <a:r>
-              <a:rPr lang="ko-KR" altLang="en-US" dirty="0">
+              <a:rPr lang="ko-KR" altLang="en-US" sz="1500" dirty="0">
                 <a:effectLst/>
               </a:rPr>
               <a:t>차명 계좌 사용 불가능</a:t>
             </a:r>
-            <a:endParaRPr lang="vi-VN" altLang="ko-KR" dirty="0">
+            <a:endParaRPr lang="vi-VN" altLang="ko-KR" sz="1500" dirty="0">
               <a:effectLst/>
             </a:endParaRPr>
           </a:p>
@@ -4318,73 +8448,73 @@
               <a:buNone/>
             </a:pPr>
             <a:r>
-              <a:rPr lang="vi-VN" altLang="ko-KR" dirty="0"/>
+              <a:rPr lang="vi-VN" altLang="ko-KR" sz="1500" dirty="0"/>
               <a:t>                             </a:t>
             </a:r>
             <a:r>
-              <a:rPr lang="ko-KR" altLang="en-US" dirty="0">
-                <a:effectLst/>
-              </a:rPr>
-              <a:t> </a:t>
-            </a:r>
-            <a:r>
-              <a:rPr lang="en-US" altLang="ko-KR" dirty="0">
+              <a:rPr lang="ko-KR" altLang="en-US" sz="1500" dirty="0">
+                <a:effectLst/>
+              </a:rPr>
+              <a:t> </a:t>
+            </a:r>
+            <a:r>
+              <a:rPr lang="en-US" altLang="ko-KR" sz="1500" dirty="0">
                 <a:effectLst/>
               </a:rPr>
               <a:t>- </a:t>
             </a:r>
             <a:r>
-              <a:rPr lang="ko-KR" altLang="en-US" dirty="0">
+              <a:rPr lang="ko-KR" altLang="en-US" sz="1500" dirty="0">
                 <a:effectLst/>
               </a:rPr>
               <a:t>부정 자금</a:t>
             </a:r>
             <a:r>
-              <a:rPr lang="en-US" altLang="ko-KR" dirty="0">
+              <a:rPr lang="en-US" altLang="ko-KR" sz="1500" dirty="0">
                 <a:effectLst/>
               </a:rPr>
               <a:t>, </a:t>
             </a:r>
             <a:r>
-              <a:rPr lang="ko-KR" altLang="en-US" dirty="0">
+              <a:rPr lang="ko-KR" altLang="en-US" sz="1500" dirty="0">
                 <a:effectLst/>
               </a:rPr>
               <a:t>비자금 유통 차단 </a:t>
             </a:r>
-            <a:endParaRPr lang="vi-VN" altLang="ko-KR" dirty="0"/>
-          </a:p>
-          <a:p>
-            <a:r>
-              <a:rPr lang="ko-KR" altLang="en-US" dirty="0">
+            <a:endParaRPr lang="vi-VN" altLang="ko-KR" sz="1500" dirty="0"/>
+          </a:p>
+          <a:p>
+            <a:r>
+              <a:rPr lang="ko-KR" altLang="en-US" sz="1500" dirty="0">
                 <a:effectLst/>
               </a:rPr>
               <a:t>경제 정의 실현</a:t>
             </a:r>
             <a:r>
-              <a:rPr lang="vi-VN" altLang="ko-KR" dirty="0">
+              <a:rPr lang="vi-VN" altLang="ko-KR" sz="1500" dirty="0">
                 <a:effectLst/>
               </a:rPr>
               <a:t>:</a:t>
             </a:r>
             <a:r>
-              <a:rPr lang="ko-KR" altLang="en-US" dirty="0">
-                <a:effectLst/>
-              </a:rPr>
-              <a:t> </a:t>
-            </a:r>
-            <a:r>
-              <a:rPr lang="en-US" altLang="ko-KR" dirty="0">
+              <a:rPr lang="ko-KR" altLang="en-US" sz="1500" dirty="0">
+                <a:effectLst/>
+              </a:rPr>
+              <a:t> </a:t>
+            </a:r>
+            <a:r>
+              <a:rPr lang="en-US" altLang="ko-KR" sz="1500" dirty="0">
                 <a:effectLst/>
               </a:rPr>
               <a:t>- </a:t>
             </a:r>
             <a:r>
-              <a:rPr lang="ko-KR" altLang="en-US" dirty="0">
+              <a:rPr lang="ko-KR" altLang="en-US" sz="1500" dirty="0">
                 <a:effectLst/>
               </a:rPr>
               <a:t>불공정한 경제 활동 억제 </a:t>
             </a:r>
-            <a:endParaRPr lang="vi-VN" altLang="ko-KR" dirty="0">
+            <a:endParaRPr lang="vi-VN" altLang="ko-KR" sz="1500" dirty="0">
               <a:effectLst/>
             </a:endParaRPr>
           </a:p>
@@ -4393,68 +8523,68 @@
               <a:buNone/>
             </a:pPr>
             <a:r>
-              <a:rPr lang="vi-VN" altLang="ko-KR" dirty="0"/>
+              <a:rPr lang="vi-VN" altLang="ko-KR" sz="1500" dirty="0"/>
               <a:t>                           </a:t>
             </a:r>
             <a:r>
-              <a:rPr lang="en-US" altLang="ko-KR" dirty="0">
+              <a:rPr lang="en-US" altLang="ko-KR" sz="1500" dirty="0">
                 <a:effectLst/>
               </a:rPr>
               <a:t>- </a:t>
             </a:r>
             <a:r>
-              <a:rPr lang="ko-KR" altLang="en-US" dirty="0">
+              <a:rPr lang="ko-KR" altLang="en-US" sz="1500" dirty="0">
                 <a:effectLst/>
               </a:rPr>
               <a:t>경제 활동의 공정성 강화 </a:t>
             </a:r>
-            <a:endParaRPr lang="vi-VN" altLang="ko-KR" dirty="0"/>
-          </a:p>
-          <a:p>
-            <a:r>
-              <a:rPr lang="ko-KR" altLang="en-US" dirty="0">
+            <a:endParaRPr lang="vi-VN" altLang="ko-KR" sz="1500" dirty="0"/>
+          </a:p>
+          <a:p>
+            <a:r>
+              <a:rPr lang="ko-KR" altLang="en-US" sz="1500" dirty="0">
                 <a:effectLst/>
               </a:rPr>
               <a:t>경제적 파급 효과</a:t>
             </a:r>
             <a:r>
-              <a:rPr lang="vi-VN" altLang="ko-KR" dirty="0">
+              <a:rPr lang="vi-VN" altLang="ko-KR" sz="1500" dirty="0">
                 <a:effectLst/>
               </a:rPr>
               <a:t>:</a:t>
             </a:r>
             <a:r>
-              <a:rPr lang="ko-KR" altLang="en-US" dirty="0">
-                <a:effectLst/>
-              </a:rPr>
-              <a:t> </a:t>
-            </a:r>
-            <a:r>
-              <a:rPr lang="en-US" altLang="ko-KR" dirty="0">
+              <a:rPr lang="ko-KR" altLang="en-US" sz="1500" dirty="0">
+                <a:effectLst/>
+              </a:rPr>
+              <a:t> </a:t>
+            </a:r>
+            <a:r>
+              <a:rPr lang="en-US" altLang="ko-KR" sz="1500" dirty="0">
                 <a:effectLst/>
               </a:rPr>
               <a:t>- </a:t>
             </a:r>
             <a:r>
-              <a:rPr lang="ko-KR" altLang="en-US" dirty="0">
+              <a:rPr lang="ko-KR" altLang="en-US" sz="1500" dirty="0">
                 <a:effectLst/>
               </a:rPr>
               <a:t>금융 시스템 안정화</a:t>
             </a:r>
             <a:r>
-              <a:rPr lang="en-US" altLang="ko-KR" dirty="0">
+              <a:rPr lang="en-US" altLang="ko-KR" sz="1500" dirty="0">
                 <a:effectLst/>
               </a:rPr>
               <a:t>, </a:t>
             </a:r>
             <a:r>
-              <a:rPr lang="ko-KR" altLang="en-US" dirty="0">
+              <a:rPr lang="ko-KR" altLang="en-US" sz="1500" dirty="0">
                 <a:effectLst/>
               </a:rPr>
               <a:t>신뢰성 강화</a:t>
             </a:r>
             <a:r>
-              <a:rPr lang="vi-VN" altLang="ko-KR" dirty="0">
+              <a:rPr lang="vi-VN" altLang="ko-KR" sz="1500" dirty="0">
                 <a:effectLst/>
               </a:rPr>
               <a:t> </a:t>
@@ -4465,31 +8595,188 @@
               <a:buNone/>
             </a:pPr>
             <a:r>
-              <a:rPr lang="vi-VN" altLang="ko-KR" dirty="0"/>
+              <a:rPr lang="vi-VN" altLang="ko-KR" sz="1500" dirty="0"/>
               <a:t>                     </a:t>
             </a:r>
             <a:r>
-              <a:rPr lang="ko-KR" altLang="en-US" dirty="0">
-                <a:effectLst/>
-              </a:rPr>
-              <a:t> </a:t>
-            </a:r>
-            <a:r>
-              <a:rPr lang="en-US" altLang="ko-KR" dirty="0">
+              <a:rPr lang="ko-KR" altLang="en-US" sz="1500" dirty="0">
+                <a:effectLst/>
+              </a:rPr>
+              <a:t> </a:t>
+            </a:r>
+            <a:r>
+              <a:rPr lang="en-US" altLang="ko-KR" sz="1500" dirty="0">
                 <a:effectLst/>
               </a:rPr>
               <a:t>- </a:t>
             </a:r>
             <a:r>
-              <a:rPr lang="ko-KR" altLang="en-US" dirty="0">
+              <a:rPr lang="ko-KR" altLang="en-US" sz="1500" dirty="0">
                 <a:effectLst/>
               </a:rPr>
               <a:t>세수 확보 및 국가 재정 신뢰 증대</a:t>
             </a:r>
-            <a:endParaRPr lang="en-US" dirty="0"/>
+            <a:endParaRPr lang="en-US" sz="1500" dirty="0"/>
           </a:p>
         </p:txBody>
       </p:sp>
+      <p:pic>
+        <p:nvPicPr>
+          <p:cNvPr id="2050" name="Picture 2" descr="금융실명제, 그 배경과 장단점을 알아보자! : 네이버 포스트">
+            <a:extLst>
+              <a:ext uri="{FF2B5EF4-FFF2-40B4-BE49-F238E27FC236}">
+                <a16:creationId xmlns:a16="http://schemas.microsoft.com/office/drawing/2014/main" id="{28A46976-CEA7-8A88-CA01-A486ADA689F6}"/>
+              </a:ext>
+            </a:extLst>
+          </p:cNvPr>
+          <p:cNvPicPr>
+            <a:picLocks noChangeAspect="1" noChangeArrowheads="1"/>
+          </p:cNvPicPr>
+          <p:nvPr/>
+        </p:nvPicPr>
+        <p:blipFill>
+          <a:blip r:embed="rId2">
+            <a:extLst>
+              <a:ext uri="{28A0092B-C50C-407E-A947-70E740481C1C}">
+                <a14:useLocalDpi xmlns:a14="http://schemas.microsoft.com/office/drawing/2010/main" val="0"/>
+              </a:ext>
+            </a:extLst>
+          </a:blip>
+          <a:srcRect t="302" r="-1" b="-1"/>
+          <a:stretch/>
+        </p:blipFill>
+        <p:spPr bwMode="auto">
+          <a:xfrm>
+            <a:off x="5311702" y="10"/>
+            <a:ext cx="6878775" cy="6857990"/>
+          </a:xfrm>
+          <a:custGeom>
+            <a:avLst/>
+            <a:gdLst/>
+            <a:ahLst/>
+            <a:cxnLst/>
+            <a:rect l="l" t="t" r="r" b="b"/>
+            <a:pathLst>
+              <a:path w="6878775" h="6858000">
+                <a:moveTo>
+                  <a:pt x="1102973" y="0"/>
+                </a:moveTo>
+                <a:lnTo>
+                  <a:pt x="1160688" y="0"/>
+                </a:lnTo>
+                <a:lnTo>
+                  <a:pt x="983189" y="331786"/>
+                </a:lnTo>
+                <a:cubicBezTo>
+                  <a:pt x="914866" y="469145"/>
+                  <a:pt x="850355" y="608712"/>
+                  <a:pt x="789261" y="750263"/>
+                </a:cubicBezTo>
+                <a:cubicBezTo>
+                  <a:pt x="774307" y="784928"/>
+                  <a:pt x="759992" y="819849"/>
+                  <a:pt x="745295" y="854514"/>
+                </a:cubicBezTo>
+                <a:cubicBezTo>
+                  <a:pt x="756682" y="845393"/>
+                  <a:pt x="765489" y="833492"/>
+                  <a:pt x="770857" y="819975"/>
+                </a:cubicBezTo>
+                <a:cubicBezTo>
+                  <a:pt x="879943" y="589569"/>
+                  <a:pt x="999605" y="365513"/>
+                  <a:pt x="1131329" y="148742"/>
+                </a:cubicBezTo>
+                <a:lnTo>
+                  <a:pt x="1227589" y="0"/>
+                </a:lnTo>
+                <a:lnTo>
+                  <a:pt x="6878775" y="0"/>
+                </a:lnTo>
+                <a:lnTo>
+                  <a:pt x="6878775" y="6858000"/>
+                </a:lnTo>
+                <a:lnTo>
+                  <a:pt x="713521" y="6858000"/>
+                </a:lnTo>
+                <a:lnTo>
+                  <a:pt x="625642" y="6670527"/>
+                </a:lnTo>
+                <a:cubicBezTo>
+                  <a:pt x="507232" y="6398531"/>
+                  <a:pt x="403083" y="6118381"/>
+                  <a:pt x="312785" y="5830359"/>
+                </a:cubicBezTo>
+                <a:cubicBezTo>
+                  <a:pt x="278149" y="5719759"/>
+                  <a:pt x="248879" y="5607635"/>
+                  <a:pt x="212198" y="5480401"/>
+                </a:cubicBezTo>
+                <a:cubicBezTo>
+                  <a:pt x="212208" y="5491601"/>
+                  <a:pt x="212803" y="5502788"/>
+                  <a:pt x="213988" y="5513923"/>
+                </a:cubicBezTo>
+                <a:cubicBezTo>
+                  <a:pt x="264089" y="5723695"/>
+                  <a:pt x="307290" y="5935370"/>
+                  <a:pt x="365826" y="6142729"/>
+                </a:cubicBezTo>
+                <a:cubicBezTo>
+                  <a:pt x="433152" y="6380817"/>
+                  <a:pt x="510068" y="6614016"/>
+                  <a:pt x="597975" y="6841549"/>
+                </a:cubicBezTo>
+                <a:lnTo>
+                  <a:pt x="604824" y="6858000"/>
+                </a:lnTo>
+                <a:lnTo>
+                  <a:pt x="552056" y="6858000"/>
+                </a:lnTo>
+                <a:lnTo>
+                  <a:pt x="539576" y="6828295"/>
+                </a:lnTo>
+                <a:cubicBezTo>
+                  <a:pt x="380597" y="6414594"/>
+                  <a:pt x="260223" y="5988893"/>
+                  <a:pt x="171555" y="5552906"/>
+                </a:cubicBezTo>
+                <a:cubicBezTo>
+                  <a:pt x="91163" y="5157998"/>
+                  <a:pt x="43746" y="4758899"/>
+                  <a:pt x="12305" y="4357388"/>
+                </a:cubicBezTo>
+                <a:cubicBezTo>
+                  <a:pt x="-14281" y="4013908"/>
+                  <a:pt x="4507" y="3672965"/>
+                  <a:pt x="46684" y="3331516"/>
+                </a:cubicBezTo>
+                <a:cubicBezTo>
+                  <a:pt x="127203" y="2664286"/>
+                  <a:pt x="277819" y="2007265"/>
+                  <a:pt x="496065" y="1371196"/>
+                </a:cubicBezTo>
+                <a:cubicBezTo>
+                  <a:pt x="636273" y="966066"/>
+                  <a:pt x="800445" y="573253"/>
+                  <a:pt x="995723" y="196614"/>
+                </a:cubicBezTo>
+                <a:close/>
+              </a:path>
+            </a:pathLst>
+          </a:custGeom>
+          <a:noFill/>
+          <a:extLst>
+            <a:ext uri="{909E8E84-426E-40DD-AFC4-6F175D3DCCD1}">
+              <a14:hiddenFill xmlns:a14="http://schemas.microsoft.com/office/drawing/2010/main">
+                <a:solidFill>
+                  <a:srgbClr val="FFFFFF"/>
+                </a:solidFill>
+              </a14:hiddenFill>
+            </a:ext>
+          </a:extLst>
+        </p:spPr>
+      </p:pic>
     </p:spTree>
     <p:extLst>
       <p:ext uri="{BB962C8B-B14F-4D97-AF65-F5344CB8AC3E}">
@@ -4506,6 +8793,14 @@
 <file path=ppt/slides/slide4.xml><?xml version="1.0" encoding="utf-8"?>
 <p:sld xmlns:a="http://schemas.openxmlformats.org/drawingml/2006/main" xmlns:r="http://schemas.openxmlformats.org/officeDocument/2006/relationships" xmlns:p="http://schemas.openxmlformats.org/presentationml/2006/main">
   <p:cSld>
+    <p:bg>
+      <p:bgPr>
+        <a:solidFill>
+          <a:schemeClr val="bg1"/>
+        </a:solidFill>
+        <a:effectLst/>
+      </p:bgPr>
+    </p:bg>
     <p:spTree>
       <p:nvGrpSpPr>
         <p:cNvPr id="1" name=""/>
@@ -4520,6 +8815,348 @@
           <a:chExt cx="0" cy="0"/>
         </a:xfrm>
       </p:grpSpPr>
+      <p:sp useBgFill="1">
+        <p:nvSpPr>
+          <p:cNvPr id="9" name="Rectangle 8">
+            <a:extLst>
+              <a:ext uri="{FF2B5EF4-FFF2-40B4-BE49-F238E27FC236}">
+                <a16:creationId xmlns:a16="http://schemas.microsoft.com/office/drawing/2014/main" id="{56E9B3E6-E277-4D68-BA48-9CB43FFBD6E2}"/>
+              </a:ext>
+              <a:ext uri="{C183D7F6-B498-43B3-948B-1728B52AA6E4}">
+                <adec:decorative xmlns:adec="http://schemas.microsoft.com/office/drawing/2017/decorative" val="1"/>
+              </a:ext>
+            </a:extLst>
+          </p:cNvPr>
+          <p:cNvSpPr>
+            <a:spLocks noGrp="1" noRot="1" noChangeAspect="1" noMove="1" noResize="1" noEditPoints="1" noAdjustHandles="1" noChangeArrowheads="1" noChangeShapeType="1" noTextEdit="1"/>
+          </p:cNvSpPr>
+          <p:nvPr>
+            <p:extLst>
+              <p:ext uri="{386F3935-93C4-4BCD-93E2-E3B085C9AB24}">
+                <p16:designElem xmlns:p16="http://schemas.microsoft.com/office/powerpoint/2015/main" val="1"/>
+              </p:ext>
+            </p:extLst>
+          </p:nvPr>
+        </p:nvSpPr>
+        <p:spPr>
+          <a:xfrm>
+            <a:off x="0" y="0"/>
+            <a:ext cx="12191999" cy="6857365"/>
+          </a:xfrm>
+          <a:prstGeom prst="rect">
+            <a:avLst/>
+          </a:prstGeom>
+          <a:ln>
+            <a:noFill/>
+          </a:ln>
+        </p:spPr>
+        <p:style>
+          <a:lnRef idx="2">
+            <a:schemeClr val="accent1">
+              <a:shade val="50000"/>
+            </a:schemeClr>
+          </a:lnRef>
+          <a:fillRef idx="1">
+            <a:schemeClr val="accent1"/>
+          </a:fillRef>
+          <a:effectRef idx="0">
+            <a:schemeClr val="accent1"/>
+          </a:effectRef>
+          <a:fontRef idx="minor">
+            <a:schemeClr val="lt1"/>
+          </a:fontRef>
+        </p:style>
+        <p:txBody>
+          <a:bodyPr rtlCol="0" anchor="ctr"/>
+          <a:lstStyle/>
+          <a:p>
+            <a:pPr algn="ctr"/>
+            <a:endParaRPr lang="en-US"/>
+          </a:p>
+        </p:txBody>
+      </p:sp>
+      <p:grpSp>
+        <p:nvGrpSpPr>
+          <p:cNvPr id="11" name="Group 10">
+            <a:extLst>
+              <a:ext uri="{FF2B5EF4-FFF2-40B4-BE49-F238E27FC236}">
+                <a16:creationId xmlns:a16="http://schemas.microsoft.com/office/drawing/2014/main" id="{AE1C45F0-260A-458C-96ED-C1F6D2151219}"/>
+              </a:ext>
+              <a:ext uri="{C183D7F6-B498-43B3-948B-1728B52AA6E4}">
+                <adec:decorative xmlns:adec="http://schemas.microsoft.com/office/drawing/2017/decorative" val="1"/>
+              </a:ext>
+            </a:extLst>
+          </p:cNvPr>
+          <p:cNvGrpSpPr>
+            <a:grpSpLocks noGrp="1" noUngrp="1" noRot="1" noChangeAspect="1" noMove="1" noResize="1"/>
+          </p:cNvGrpSpPr>
+          <p:nvPr>
+            <p:extLst>
+              <p:ext uri="{386F3935-93C4-4BCD-93E2-E3B085C9AB24}">
+                <p16:designElem xmlns:p16="http://schemas.microsoft.com/office/powerpoint/2015/main" val="1"/>
+              </p:ext>
+            </p:extLst>
+          </p:nvPr>
+        </p:nvGrpSpPr>
+        <p:grpSpPr>
+          <a:xfrm>
+            <a:off x="4" y="1216597"/>
+            <a:ext cx="731521" cy="673460"/>
+            <a:chOff x="3940602" y="308034"/>
+            <a:chExt cx="2116791" cy="3428999"/>
+          </a:xfrm>
+          <a:solidFill>
+            <a:schemeClr val="accent4"/>
+          </a:solidFill>
+        </p:grpSpPr>
+        <p:sp>
+          <p:nvSpPr>
+            <p:cNvPr id="12" name="Rectangle 11">
+              <a:extLst>
+                <a:ext uri="{FF2B5EF4-FFF2-40B4-BE49-F238E27FC236}">
+                  <a16:creationId xmlns:a16="http://schemas.microsoft.com/office/drawing/2014/main" id="{A6604B49-AD5C-4590-B051-06C8222ECD99}"/>
+                </a:ext>
+                <a:ext uri="{C183D7F6-B498-43B3-948B-1728B52AA6E4}">
+                  <adec:decorative xmlns:adec="http://schemas.microsoft.com/office/drawing/2017/decorative" val="1"/>
+                </a:ext>
+              </a:extLst>
+            </p:cNvPr>
+            <p:cNvSpPr/>
+            <p:nvPr>
+              <p:extLst>
+                <p:ext uri="{386F3935-93C4-4BCD-93E2-E3B085C9AB24}">
+                  <p16:designElem xmlns:p16="http://schemas.microsoft.com/office/powerpoint/2015/main" val="1"/>
+                </p:ext>
+              </p:extLst>
+            </p:nvPr>
+          </p:nvSpPr>
+          <p:spPr>
+            <a:xfrm>
+              <a:off x="3940602" y="308034"/>
+              <a:ext cx="566743" cy="3428999"/>
+            </a:xfrm>
+            <a:prstGeom prst="rect">
+              <a:avLst/>
+            </a:prstGeom>
+            <a:grpFill/>
+            <a:ln>
+              <a:noFill/>
+            </a:ln>
+          </p:spPr>
+          <p:style>
+            <a:lnRef idx="2">
+              <a:schemeClr val="accent1">
+                <a:shade val="50000"/>
+              </a:schemeClr>
+            </a:lnRef>
+            <a:fillRef idx="1">
+              <a:schemeClr val="accent1"/>
+            </a:fillRef>
+            <a:effectRef idx="0">
+              <a:schemeClr val="accent1"/>
+            </a:effectRef>
+            <a:fontRef idx="minor">
+              <a:schemeClr val="lt1"/>
+            </a:fontRef>
+          </p:style>
+          <p:txBody>
+            <a:bodyPr rtlCol="0" anchor="ctr"/>
+            <a:lstStyle/>
+            <a:p>
+              <a:pPr algn="ctr"/>
+              <a:endParaRPr lang="en-US"/>
+            </a:p>
+          </p:txBody>
+        </p:sp>
+        <p:sp>
+          <p:nvSpPr>
+            <p:cNvPr id="13" name="Rectangle 12">
+              <a:extLst>
+                <a:ext uri="{FF2B5EF4-FFF2-40B4-BE49-F238E27FC236}">
+                  <a16:creationId xmlns:a16="http://schemas.microsoft.com/office/drawing/2014/main" id="{743ECCAF-29C5-4537-947C-7EA1292463DB}"/>
+                </a:ext>
+                <a:ext uri="{C183D7F6-B498-43B3-948B-1728B52AA6E4}">
+                  <adec:decorative xmlns:adec="http://schemas.microsoft.com/office/drawing/2017/decorative" val="1"/>
+                </a:ext>
+              </a:extLst>
+            </p:cNvPr>
+            <p:cNvSpPr/>
+            <p:nvPr>
+              <p:extLst>
+                <p:ext uri="{386F3935-93C4-4BCD-93E2-E3B085C9AB24}">
+                  <p16:designElem xmlns:p16="http://schemas.microsoft.com/office/powerpoint/2015/main" val="1"/>
+                </p:ext>
+              </p:extLst>
+            </p:nvPr>
+          </p:nvSpPr>
+          <p:spPr>
+            <a:xfrm>
+              <a:off x="4715626" y="308034"/>
+              <a:ext cx="566743" cy="3428999"/>
+            </a:xfrm>
+            <a:prstGeom prst="rect">
+              <a:avLst/>
+            </a:prstGeom>
+            <a:grpFill/>
+            <a:ln>
+              <a:noFill/>
+            </a:ln>
+          </p:spPr>
+          <p:style>
+            <a:lnRef idx="2">
+              <a:schemeClr val="accent1">
+                <a:shade val="50000"/>
+              </a:schemeClr>
+            </a:lnRef>
+            <a:fillRef idx="1">
+              <a:schemeClr val="accent1"/>
+            </a:fillRef>
+            <a:effectRef idx="0">
+              <a:schemeClr val="accent1"/>
+            </a:effectRef>
+            <a:fontRef idx="minor">
+              <a:schemeClr val="lt1"/>
+            </a:fontRef>
+          </p:style>
+          <p:txBody>
+            <a:bodyPr rtlCol="0" anchor="ctr"/>
+            <a:lstStyle/>
+            <a:p>
+              <a:pPr algn="ctr"/>
+              <a:endParaRPr lang="en-US"/>
+            </a:p>
+          </p:txBody>
+        </p:sp>
+        <p:sp>
+          <p:nvSpPr>
+            <p:cNvPr id="14" name="Rectangle 13">
+              <a:extLst>
+                <a:ext uri="{FF2B5EF4-FFF2-40B4-BE49-F238E27FC236}">
+                  <a16:creationId xmlns:a16="http://schemas.microsoft.com/office/drawing/2014/main" id="{ED49787B-8DE6-4467-AD0A-8DECC6E0C2D6}"/>
+                </a:ext>
+                <a:ext uri="{C183D7F6-B498-43B3-948B-1728B52AA6E4}">
+                  <adec:decorative xmlns:adec="http://schemas.microsoft.com/office/drawing/2017/decorative" val="1"/>
+                </a:ext>
+              </a:extLst>
+            </p:cNvPr>
+            <p:cNvSpPr/>
+            <p:nvPr>
+              <p:extLst>
+                <p:ext uri="{386F3935-93C4-4BCD-93E2-E3B085C9AB24}">
+                  <p16:designElem xmlns:p16="http://schemas.microsoft.com/office/powerpoint/2015/main" val="1"/>
+                </p:ext>
+              </p:extLst>
+            </p:nvPr>
+          </p:nvSpPr>
+          <p:spPr>
+            <a:xfrm>
+              <a:off x="5490650" y="308034"/>
+              <a:ext cx="566743" cy="3428999"/>
+            </a:xfrm>
+            <a:prstGeom prst="rect">
+              <a:avLst/>
+            </a:prstGeom>
+            <a:grpFill/>
+            <a:ln>
+              <a:noFill/>
+            </a:ln>
+          </p:spPr>
+          <p:style>
+            <a:lnRef idx="2">
+              <a:schemeClr val="accent1">
+                <a:shade val="50000"/>
+              </a:schemeClr>
+            </a:lnRef>
+            <a:fillRef idx="1">
+              <a:schemeClr val="accent1"/>
+            </a:fillRef>
+            <a:effectRef idx="0">
+              <a:schemeClr val="accent1"/>
+            </a:effectRef>
+            <a:fontRef idx="minor">
+              <a:schemeClr val="lt1"/>
+            </a:fontRef>
+          </p:style>
+          <p:txBody>
+            <a:bodyPr rtlCol="0" anchor="ctr"/>
+            <a:lstStyle/>
+            <a:p>
+              <a:pPr algn="ctr"/>
+              <a:endParaRPr lang="en-US"/>
+            </a:p>
+          </p:txBody>
+        </p:sp>
+      </p:grpSp>
+      <p:sp>
+        <p:nvSpPr>
+          <p:cNvPr id="16" name="Rectangle 15">
+            <a:extLst>
+              <a:ext uri="{FF2B5EF4-FFF2-40B4-BE49-F238E27FC236}">
+                <a16:creationId xmlns:a16="http://schemas.microsoft.com/office/drawing/2014/main" id="{D5B0017B-2ECA-49AF-B397-DC140825DF8D}"/>
+              </a:ext>
+              <a:ext uri="{C183D7F6-B498-43B3-948B-1728B52AA6E4}">
+                <adec:decorative xmlns:adec="http://schemas.microsoft.com/office/drawing/2017/decorative" val="1"/>
+              </a:ext>
+            </a:extLst>
+          </p:cNvPr>
+          <p:cNvSpPr>
+            <a:spLocks noGrp="1" noRot="1" noChangeAspect="1" noMove="1" noResize="1" noEditPoints="1" noAdjustHandles="1" noChangeArrowheads="1" noChangeShapeType="1" noTextEdit="1"/>
+          </p:cNvSpPr>
+          <p:nvPr>
+            <p:extLst>
+              <p:ext uri="{386F3935-93C4-4BCD-93E2-E3B085C9AB24}">
+                <p16:designElem xmlns:p16="http://schemas.microsoft.com/office/powerpoint/2015/main" val="1"/>
+              </p:ext>
+            </p:extLst>
+          </p:nvPr>
+        </p:nvSpPr>
+        <p:spPr>
+          <a:xfrm>
+            <a:off x="640079" y="613954"/>
+            <a:ext cx="10907487" cy="1894116"/>
+          </a:xfrm>
+          <a:prstGeom prst="rect">
+            <a:avLst/>
+          </a:prstGeom>
+          <a:solidFill>
+            <a:schemeClr val="bg1"/>
+          </a:solidFill>
+          <a:ln>
+            <a:noFill/>
+          </a:ln>
+          <a:effectLst>
+            <a:outerShdw blurRad="139700" dist="127000" dir="5400000" algn="t" rotWithShape="0">
+              <a:prstClr val="black">
+                <a:alpha val="15000"/>
+              </a:prstClr>
+            </a:outerShdw>
+          </a:effectLst>
+        </p:spPr>
+        <p:style>
+          <a:lnRef idx="2">
+            <a:schemeClr val="accent1">
+              <a:shade val="50000"/>
+            </a:schemeClr>
+          </a:lnRef>
+          <a:fillRef idx="1">
+            <a:schemeClr val="accent1"/>
+          </a:fillRef>
+          <a:effectRef idx="0">
+            <a:schemeClr val="accent1"/>
+          </a:effectRef>
+          <a:fontRef idx="minor">
+            <a:schemeClr val="lt1"/>
+          </a:fontRef>
+        </p:style>
+        <p:txBody>
+          <a:bodyPr rtlCol="0" anchor="ctr"/>
+          <a:lstStyle/>
+          <a:p>
+            <a:pPr algn="ctr"/>
+            <a:endParaRPr lang="en-US"/>
+          </a:p>
+        </p:txBody>
+      </p:sp>
       <p:sp>
         <p:nvSpPr>
           <p:cNvPr id="2" name="Title 1">
@@ -4536,112 +9173,117 @@
             <p:ph type="title"/>
           </p:nvPr>
         </p:nvSpPr>
-        <p:spPr/>
+        <p:spPr>
+          <a:xfrm>
+            <a:off x="1043631" y="809898"/>
+            <a:ext cx="10173010" cy="1554480"/>
+          </a:xfrm>
+        </p:spPr>
         <p:txBody>
-          <a:bodyPr/>
+          <a:bodyPr anchor="ctr">
+            <a:normAutofit/>
+          </a:bodyPr>
           <a:lstStyle/>
           <a:p>
             <a:r>
-              <a:rPr lang="en-US" altLang="ko-KR" dirty="0">
+              <a:rPr lang="en-US" altLang="ko-KR" sz="4800">
                 <a:effectLst/>
               </a:rPr>
               <a:t>4. </a:t>
             </a:r>
             <a:r>
-              <a:rPr lang="ko-KR" altLang="en-US" dirty="0">
+              <a:rPr lang="ko-KR" altLang="en-US" sz="4800">
                 <a:effectLst/>
               </a:rPr>
               <a:t>금융실명제의 역사적 의의 </a:t>
             </a:r>
-            <a:endParaRPr lang="en-US" dirty="0"/>
+            <a:endParaRPr lang="en-US" sz="4800"/>
           </a:p>
         </p:txBody>
       </p:sp>
-      <p:sp>
-        <p:nvSpPr>
-          <p:cNvPr id="3" name="Content Placeholder 2">
+      <p:cxnSp>
+        <p:nvCxnSpPr>
+          <p:cNvPr id="18" name="Straight Connector 17">
             <a:extLst>
               <a:ext uri="{FF2B5EF4-FFF2-40B4-BE49-F238E27FC236}">
-                <a16:creationId xmlns:a16="http://schemas.microsoft.com/office/drawing/2014/main" id="{7F5EF278-E4D2-C349-06CE-D660D9679AD5}"/>
+                <a16:creationId xmlns:a16="http://schemas.microsoft.com/office/drawing/2014/main" id="{6CF1BAF6-AD41-4082-B212-8A1F9A2E8779}"/>
+              </a:ext>
+              <a:ext uri="{C183D7F6-B498-43B3-948B-1728B52AA6E4}">
+                <adec:decorative xmlns:adec="http://schemas.microsoft.com/office/drawing/2017/decorative" val="1"/>
               </a:ext>
             </a:extLst>
           </p:cNvPr>
-          <p:cNvSpPr>
-            <a:spLocks noGrp="1"/>
-          </p:cNvSpPr>
+          <p:cNvCxnSpPr>
+            <a:cxnSpLocks noGrp="1" noRot="1" noChangeAspect="1" noMove="1" noResize="1" noEditPoints="1" noAdjustHandles="1" noChangeArrowheads="1" noChangeShapeType="1"/>
+          </p:cNvCxnSpPr>
+          <p:nvPr>
+            <p:extLst>
+              <p:ext uri="{386F3935-93C4-4BCD-93E2-E3B085C9AB24}">
+                <p16:designElem xmlns:p16="http://schemas.microsoft.com/office/powerpoint/2015/main" val="1"/>
+              </p:ext>
+            </p:extLst>
+          </p:nvPr>
+        </p:nvCxnSpPr>
+        <p:spPr>
+          <a:xfrm flipH="1">
+            <a:off x="838200" y="6485313"/>
+            <a:ext cx="10515600" cy="0"/>
+          </a:xfrm>
+          <a:prstGeom prst="line">
+            <a:avLst/>
+          </a:prstGeom>
+          <a:ln w="57150">
+            <a:solidFill>
+              <a:schemeClr val="accent4"/>
+            </a:solidFill>
+          </a:ln>
+        </p:spPr>
+        <p:style>
+          <a:lnRef idx="1">
+            <a:schemeClr val="accent1"/>
+          </a:lnRef>
+          <a:fillRef idx="0">
+            <a:schemeClr val="accent1"/>
+          </a:fillRef>
+          <a:effectRef idx="0">
+            <a:schemeClr val="accent1"/>
+          </a:effectRef>
+          <a:fontRef idx="minor">
+            <a:schemeClr val="tx1"/>
+          </a:fontRef>
+        </p:style>
+      </p:cxnSp>
+      <p:graphicFrame>
+        <p:nvGraphicFramePr>
+          <p:cNvPr id="5" name="Content Placeholder 2">
+            <a:extLst>
+              <a:ext uri="{FF2B5EF4-FFF2-40B4-BE49-F238E27FC236}">
+                <a16:creationId xmlns:a16="http://schemas.microsoft.com/office/drawing/2014/main" id="{EEAE95C3-96CE-8966-F3A2-4C03F367A16E}"/>
+              </a:ext>
+            </a:extLst>
+          </p:cNvPr>
+          <p:cNvGraphicFramePr>
+            <a:graphicFrameLocks noGrp="1"/>
+          </p:cNvGraphicFramePr>
           <p:nvPr>
             <p:ph idx="1"/>
+            <p:extLst>
+              <p:ext uri="{D42A27DB-BD31-4B8C-83A1-F6EECF244321}">
+                <p14:modId xmlns:p14="http://schemas.microsoft.com/office/powerpoint/2010/main" val="1667305801"/>
+              </p:ext>
+            </p:extLst>
           </p:nvPr>
-        </p:nvSpPr>
-        <p:spPr/>
-        <p:txBody>
-          <a:bodyPr/>
-          <a:lstStyle/>
-          <a:p>
-            <a:r>
-              <a:rPr lang="ko-KR" altLang="en-US" dirty="0">
-                <a:effectLst/>
-              </a:rPr>
-              <a:t> 부패 해결</a:t>
-            </a:r>
-            <a:r>
-              <a:rPr lang="en-US" altLang="ko-KR" dirty="0">
-                <a:effectLst/>
-              </a:rPr>
-              <a:t>: </a:t>
-            </a:r>
-            <a:r>
-              <a:rPr lang="ko-KR" altLang="en-US" dirty="0">
-                <a:effectLst/>
-              </a:rPr>
-              <a:t>한국 사회의 부패와 비자금 문제 해결 </a:t>
-            </a:r>
-            <a:endParaRPr lang="vi-VN" altLang="ko-KR" dirty="0"/>
-          </a:p>
-          <a:p>
-            <a:r>
-              <a:rPr lang="ko-KR" altLang="en-US" dirty="0">
-                <a:effectLst/>
-              </a:rPr>
-              <a:t>경제 질서 투명화</a:t>
-            </a:r>
-            <a:r>
-              <a:rPr lang="en-US" altLang="ko-KR" dirty="0">
-                <a:effectLst/>
-              </a:rPr>
-              <a:t>: </a:t>
-            </a:r>
-            <a:r>
-              <a:rPr lang="ko-KR" altLang="en-US" dirty="0">
-                <a:effectLst/>
-              </a:rPr>
-              <a:t>금융 시스템의 신뢰성 증대 </a:t>
-            </a:r>
-            <a:endParaRPr lang="vi-VN" altLang="ko-KR" dirty="0"/>
-          </a:p>
-          <a:p>
-            <a:r>
-              <a:rPr lang="ko-KR" altLang="en-US" dirty="0">
-                <a:effectLst/>
-              </a:rPr>
-              <a:t>국제적 신뢰 구축</a:t>
-            </a:r>
-            <a:r>
-              <a:rPr lang="en-US" altLang="ko-KR" dirty="0">
-                <a:effectLst/>
-              </a:rPr>
-              <a:t>: </a:t>
-            </a:r>
-            <a:r>
-              <a:rPr lang="ko-KR" altLang="en-US" dirty="0">
-                <a:effectLst/>
-              </a:rPr>
-              <a:t>한국 경제의 글로벌 신뢰 확보 </a:t>
-            </a:r>
-            <a:endParaRPr lang="en-US" dirty="0"/>
-          </a:p>
-        </p:txBody>
-      </p:sp>
+        </p:nvGraphicFramePr>
+        <p:xfrm>
+          <a:off x="904602" y="3017519"/>
+          <a:ext cx="10378440" cy="3209902"/>
+        </p:xfrm>
+        <a:graphic>
+          <a:graphicData uri="http://schemas.openxmlformats.org/drawingml/2006/diagram">
+            <dgm:relIds xmlns:dgm="http://schemas.openxmlformats.org/drawingml/2006/diagram" xmlns:r="http://schemas.openxmlformats.org/officeDocument/2006/relationships" r:dm="rId2" r:lo="rId3" r:qs="rId4" r:cs="rId5"/>
+          </a:graphicData>
+        </a:graphic>
+      </p:graphicFrame>
     </p:spTree>
     <p:extLst>
       <p:ext uri="{BB962C8B-B14F-4D97-AF65-F5344CB8AC3E}">
@@ -4658,6 +9300,14 @@
 <file path=ppt/slides/slide5.xml><?xml version="1.0" encoding="utf-8"?>
 <p:sld xmlns:a="http://schemas.openxmlformats.org/drawingml/2006/main" xmlns:r="http://schemas.openxmlformats.org/officeDocument/2006/relationships" xmlns:p="http://schemas.openxmlformats.org/presentationml/2006/main">
   <p:cSld>
+    <p:bg>
+      <p:bgPr>
+        <a:solidFill>
+          <a:schemeClr val="bg1"/>
+        </a:solidFill>
+        <a:effectLst/>
+      </p:bgPr>
+    </p:bg>
     <p:spTree>
       <p:nvGrpSpPr>
         <p:cNvPr id="1" name=""/>
@@ -4672,6 +9322,66 @@
           <a:chExt cx="0" cy="0"/>
         </a:xfrm>
       </p:grpSpPr>
+      <p:sp useBgFill="1">
+        <p:nvSpPr>
+          <p:cNvPr id="34" name="Rectangle 33">
+            <a:extLst>
+              <a:ext uri="{FF2B5EF4-FFF2-40B4-BE49-F238E27FC236}">
+                <a16:creationId xmlns:a16="http://schemas.microsoft.com/office/drawing/2014/main" id="{777A147A-9ED8-46B4-8660-1B3C2AA880B5}"/>
+              </a:ext>
+              <a:ext uri="{C183D7F6-B498-43B3-948B-1728B52AA6E4}">
+                <adec:decorative xmlns:adec="http://schemas.microsoft.com/office/drawing/2017/decorative" val="1"/>
+              </a:ext>
+            </a:extLst>
+          </p:cNvPr>
+          <p:cNvSpPr>
+            <a:spLocks noGrp="1" noRot="1" noChangeAspect="1" noMove="1" noResize="1" noEditPoints="1" noAdjustHandles="1" noChangeArrowheads="1" noChangeShapeType="1" noTextEdit="1"/>
+          </p:cNvSpPr>
+          <p:nvPr>
+            <p:extLst>
+              <p:ext uri="{386F3935-93C4-4BCD-93E2-E3B085C9AB24}">
+                <p16:designElem xmlns:p16="http://schemas.microsoft.com/office/powerpoint/2015/main" val="1"/>
+              </p:ext>
+            </p:extLst>
+          </p:nvPr>
+        </p:nvSpPr>
+        <p:spPr>
+          <a:xfrm>
+            <a:off x="0" y="0"/>
+            <a:ext cx="12188952" cy="6858000"/>
+          </a:xfrm>
+          <a:prstGeom prst="rect">
+            <a:avLst/>
+          </a:prstGeom>
+          <a:ln>
+            <a:noFill/>
+          </a:ln>
+        </p:spPr>
+        <p:style>
+          <a:lnRef idx="2">
+            <a:schemeClr val="accent1">
+              <a:shade val="50000"/>
+            </a:schemeClr>
+          </a:lnRef>
+          <a:fillRef idx="1">
+            <a:schemeClr val="accent1"/>
+          </a:fillRef>
+          <a:effectRef idx="0">
+            <a:schemeClr val="accent1"/>
+          </a:effectRef>
+          <a:fontRef idx="minor">
+            <a:schemeClr val="lt1"/>
+          </a:fontRef>
+        </p:style>
+        <p:txBody>
+          <a:bodyPr rtlCol="0" anchor="ctr"/>
+          <a:lstStyle/>
+          <a:p>
+            <a:pPr algn="ctr"/>
+            <a:endParaRPr lang="en-US"/>
+          </a:p>
+        </p:txBody>
+      </p:sp>
       <p:sp>
         <p:nvSpPr>
           <p:cNvPr id="2" name="Title 1">
@@ -4688,29 +9398,379 @@
             <p:ph type="title"/>
           </p:nvPr>
         </p:nvSpPr>
-        <p:spPr/>
+        <p:spPr>
+          <a:xfrm>
+            <a:off x="841248" y="548640"/>
+            <a:ext cx="3600860" cy="5431536"/>
+          </a:xfrm>
+        </p:spPr>
         <p:txBody>
-          <a:bodyPr/>
+          <a:bodyPr>
+            <a:normAutofit/>
+          </a:bodyPr>
           <a:lstStyle/>
           <a:p>
             <a:r>
-              <a:rPr lang="vi-VN" dirty="0"/>
+              <a:rPr lang="vi-VN" sz="5400"/>
               <a:t>5. </a:t>
             </a:r>
             <a:r>
-              <a:rPr lang="ko-KR" altLang="en-US" dirty="0"/>
+              <a:rPr lang="ko-KR" altLang="en-US" sz="5400"/>
               <a:t>결론</a:t>
             </a:r>
-            <a:endParaRPr lang="en-US" dirty="0"/>
+            <a:endParaRPr lang="en-US" sz="5400"/>
           </a:p>
         </p:txBody>
       </p:sp>
       <p:sp>
         <p:nvSpPr>
-          <p:cNvPr id="3" name="Content Placeholder 2">
+          <p:cNvPr id="36" name="sketch line">
             <a:extLst>
               <a:ext uri="{FF2B5EF4-FFF2-40B4-BE49-F238E27FC236}">
-                <a16:creationId xmlns:a16="http://schemas.microsoft.com/office/drawing/2014/main" id="{A02A1FD8-55CD-022F-E02D-7EE720151094}"/>
+                <a16:creationId xmlns:a16="http://schemas.microsoft.com/office/drawing/2014/main" id="{5D6C15A0-C087-4593-8414-2B4EC1CDC3DE}"/>
+              </a:ext>
+              <a:ext uri="{C183D7F6-B498-43B3-948B-1728B52AA6E4}">
+                <adec:decorative xmlns:adec="http://schemas.microsoft.com/office/drawing/2017/decorative" val="1"/>
+              </a:ext>
+            </a:extLst>
+          </p:cNvPr>
+          <p:cNvSpPr>
+            <a:spLocks noGrp="1" noRot="1" noChangeAspect="1" noMove="1" noResize="1" noEditPoints="1" noAdjustHandles="1" noChangeArrowheads="1" noChangeShapeType="1" noTextEdit="1"/>
+          </p:cNvSpPr>
+          <p:nvPr>
+            <p:extLst>
+              <p:ext uri="{386F3935-93C4-4BCD-93E2-E3B085C9AB24}">
+                <p16:designElem xmlns:p16="http://schemas.microsoft.com/office/powerpoint/2015/main" val="1"/>
+              </p:ext>
+            </p:extLst>
+          </p:nvPr>
+        </p:nvSpPr>
+        <p:spPr>
+          <a:xfrm rot="5400000">
+            <a:off x="2543983" y="3258715"/>
+            <a:ext cx="4480560" cy="18288"/>
+          </a:xfrm>
+          <a:custGeom>
+            <a:avLst/>
+            <a:gdLst>
+              <a:gd name="connsiteX0" fmla="*/ 0 w 4480560"/>
+              <a:gd name="connsiteY0" fmla="*/ 0 h 18288"/>
+              <a:gd name="connsiteX1" fmla="*/ 595274 w 4480560"/>
+              <a:gd name="connsiteY1" fmla="*/ 0 h 18288"/>
+              <a:gd name="connsiteX2" fmla="*/ 1100938 w 4480560"/>
+              <a:gd name="connsiteY2" fmla="*/ 0 h 18288"/>
+              <a:gd name="connsiteX3" fmla="*/ 1651406 w 4480560"/>
+              <a:gd name="connsiteY3" fmla="*/ 0 h 18288"/>
+              <a:gd name="connsiteX4" fmla="*/ 2336292 w 4480560"/>
+              <a:gd name="connsiteY4" fmla="*/ 0 h 18288"/>
+              <a:gd name="connsiteX5" fmla="*/ 2931566 w 4480560"/>
+              <a:gd name="connsiteY5" fmla="*/ 0 h 18288"/>
+              <a:gd name="connsiteX6" fmla="*/ 3482035 w 4480560"/>
+              <a:gd name="connsiteY6" fmla="*/ 0 h 18288"/>
+              <a:gd name="connsiteX7" fmla="*/ 4480560 w 4480560"/>
+              <a:gd name="connsiteY7" fmla="*/ 0 h 18288"/>
+              <a:gd name="connsiteX8" fmla="*/ 4480560 w 4480560"/>
+              <a:gd name="connsiteY8" fmla="*/ 18288 h 18288"/>
+              <a:gd name="connsiteX9" fmla="*/ 3840480 w 4480560"/>
+              <a:gd name="connsiteY9" fmla="*/ 18288 h 18288"/>
+              <a:gd name="connsiteX10" fmla="*/ 3290011 w 4480560"/>
+              <a:gd name="connsiteY10" fmla="*/ 18288 h 18288"/>
+              <a:gd name="connsiteX11" fmla="*/ 2560320 w 4480560"/>
+              <a:gd name="connsiteY11" fmla="*/ 18288 h 18288"/>
+              <a:gd name="connsiteX12" fmla="*/ 1965046 w 4480560"/>
+              <a:gd name="connsiteY12" fmla="*/ 18288 h 18288"/>
+              <a:gd name="connsiteX13" fmla="*/ 1459382 w 4480560"/>
+              <a:gd name="connsiteY13" fmla="*/ 18288 h 18288"/>
+              <a:gd name="connsiteX14" fmla="*/ 774497 w 4480560"/>
+              <a:gd name="connsiteY14" fmla="*/ 18288 h 18288"/>
+              <a:gd name="connsiteX15" fmla="*/ 0 w 4480560"/>
+              <a:gd name="connsiteY15" fmla="*/ 18288 h 18288"/>
+              <a:gd name="connsiteX16" fmla="*/ 0 w 4480560"/>
+              <a:gd name="connsiteY16" fmla="*/ 0 h 18288"/>
+            </a:gdLst>
+            <a:ahLst/>
+            <a:cxnLst>
+              <a:cxn ang="0">
+                <a:pos x="connsiteX0" y="connsiteY0"/>
+              </a:cxn>
+              <a:cxn ang="0">
+                <a:pos x="connsiteX1" y="connsiteY1"/>
+              </a:cxn>
+              <a:cxn ang="0">
+                <a:pos x="connsiteX2" y="connsiteY2"/>
+              </a:cxn>
+              <a:cxn ang="0">
+                <a:pos x="connsiteX3" y="connsiteY3"/>
+              </a:cxn>
+              <a:cxn ang="0">
+                <a:pos x="connsiteX4" y="connsiteY4"/>
+              </a:cxn>
+              <a:cxn ang="0">
+                <a:pos x="connsiteX5" y="connsiteY5"/>
+              </a:cxn>
+              <a:cxn ang="0">
+                <a:pos x="connsiteX6" y="connsiteY6"/>
+              </a:cxn>
+              <a:cxn ang="0">
+                <a:pos x="connsiteX7" y="connsiteY7"/>
+              </a:cxn>
+              <a:cxn ang="0">
+                <a:pos x="connsiteX8" y="connsiteY8"/>
+              </a:cxn>
+              <a:cxn ang="0">
+                <a:pos x="connsiteX9" y="connsiteY9"/>
+              </a:cxn>
+              <a:cxn ang="0">
+                <a:pos x="connsiteX10" y="connsiteY10"/>
+              </a:cxn>
+              <a:cxn ang="0">
+                <a:pos x="connsiteX11" y="connsiteY11"/>
+              </a:cxn>
+              <a:cxn ang="0">
+                <a:pos x="connsiteX12" y="connsiteY12"/>
+              </a:cxn>
+              <a:cxn ang="0">
+                <a:pos x="connsiteX13" y="connsiteY13"/>
+              </a:cxn>
+              <a:cxn ang="0">
+                <a:pos x="connsiteX14" y="connsiteY14"/>
+              </a:cxn>
+              <a:cxn ang="0">
+                <a:pos x="connsiteX15" y="connsiteY15"/>
+              </a:cxn>
+              <a:cxn ang="0">
+                <a:pos x="connsiteX16" y="connsiteY16"/>
+              </a:cxn>
+            </a:cxnLst>
+            <a:rect l="l" t="t" r="r" b="b"/>
+            <a:pathLst>
+              <a:path w="4480560" h="18288" fill="none" extrusionOk="0">
+                <a:moveTo>
+                  <a:pt x="0" y="0"/>
+                </a:moveTo>
+                <a:cubicBezTo>
+                  <a:pt x="267821" y="8731"/>
+                  <a:pt x="334105" y="2629"/>
+                  <a:pt x="595274" y="0"/>
+                </a:cubicBezTo>
+                <a:cubicBezTo>
+                  <a:pt x="856443" y="-2629"/>
+                  <a:pt x="863808" y="-13353"/>
+                  <a:pt x="1100938" y="0"/>
+                </a:cubicBezTo>
+                <a:cubicBezTo>
+                  <a:pt x="1338068" y="13353"/>
+                  <a:pt x="1431663" y="-25862"/>
+                  <a:pt x="1651406" y="0"/>
+                </a:cubicBezTo>
+                <a:cubicBezTo>
+                  <a:pt x="1871149" y="25862"/>
+                  <a:pt x="2173163" y="23827"/>
+                  <a:pt x="2336292" y="0"/>
+                </a:cubicBezTo>
+                <a:cubicBezTo>
+                  <a:pt x="2499421" y="-23827"/>
+                  <a:pt x="2720589" y="28148"/>
+                  <a:pt x="2931566" y="0"/>
+                </a:cubicBezTo>
+                <a:cubicBezTo>
+                  <a:pt x="3142543" y="-28148"/>
+                  <a:pt x="3323630" y="27022"/>
+                  <a:pt x="3482035" y="0"/>
+                </a:cubicBezTo>
+                <a:cubicBezTo>
+                  <a:pt x="3640440" y="-27022"/>
+                  <a:pt x="4012110" y="-20118"/>
+                  <a:pt x="4480560" y="0"/>
+                </a:cubicBezTo>
+                <a:cubicBezTo>
+                  <a:pt x="4480958" y="7429"/>
+                  <a:pt x="4480540" y="10822"/>
+                  <a:pt x="4480560" y="18288"/>
+                </a:cubicBezTo>
+                <a:cubicBezTo>
+                  <a:pt x="4314132" y="14924"/>
+                  <a:pt x="4028383" y="36632"/>
+                  <a:pt x="3840480" y="18288"/>
+                </a:cubicBezTo>
+                <a:cubicBezTo>
+                  <a:pt x="3652577" y="-56"/>
+                  <a:pt x="3547615" y="2848"/>
+                  <a:pt x="3290011" y="18288"/>
+                </a:cubicBezTo>
+                <a:cubicBezTo>
+                  <a:pt x="3032407" y="33728"/>
+                  <a:pt x="2830268" y="8719"/>
+                  <a:pt x="2560320" y="18288"/>
+                </a:cubicBezTo>
+                <a:cubicBezTo>
+                  <a:pt x="2290372" y="27857"/>
+                  <a:pt x="2147422" y="6728"/>
+                  <a:pt x="1965046" y="18288"/>
+                </a:cubicBezTo>
+                <a:cubicBezTo>
+                  <a:pt x="1782670" y="29848"/>
+                  <a:pt x="1689791" y="40680"/>
+                  <a:pt x="1459382" y="18288"/>
+                </a:cubicBezTo>
+                <a:cubicBezTo>
+                  <a:pt x="1228973" y="-4104"/>
+                  <a:pt x="915486" y="36501"/>
+                  <a:pt x="774497" y="18288"/>
+                </a:cubicBezTo>
+                <a:cubicBezTo>
+                  <a:pt x="633508" y="75"/>
+                  <a:pt x="361442" y="-11107"/>
+                  <a:pt x="0" y="18288"/>
+                </a:cubicBezTo>
+                <a:cubicBezTo>
+                  <a:pt x="-591" y="13205"/>
+                  <a:pt x="-663" y="6329"/>
+                  <a:pt x="0" y="0"/>
+                </a:cubicBezTo>
+                <a:close/>
+              </a:path>
+              <a:path w="4480560" h="18288" stroke="0" extrusionOk="0">
+                <a:moveTo>
+                  <a:pt x="0" y="0"/>
+                </a:moveTo>
+                <a:cubicBezTo>
+                  <a:pt x="285465" y="225"/>
+                  <a:pt x="322691" y="16223"/>
+                  <a:pt x="595274" y="0"/>
+                </a:cubicBezTo>
+                <a:cubicBezTo>
+                  <a:pt x="867857" y="-16223"/>
+                  <a:pt x="989129" y="-11242"/>
+                  <a:pt x="1100938" y="0"/>
+                </a:cubicBezTo>
+                <a:cubicBezTo>
+                  <a:pt x="1212747" y="11242"/>
+                  <a:pt x="1574350" y="-36410"/>
+                  <a:pt x="1830629" y="0"/>
+                </a:cubicBezTo>
+                <a:cubicBezTo>
+                  <a:pt x="2086908" y="36410"/>
+                  <a:pt x="2180922" y="4645"/>
+                  <a:pt x="2425903" y="0"/>
+                </a:cubicBezTo>
+                <a:cubicBezTo>
+                  <a:pt x="2670884" y="-4645"/>
+                  <a:pt x="2782024" y="22929"/>
+                  <a:pt x="3021178" y="0"/>
+                </a:cubicBezTo>
+                <a:cubicBezTo>
+                  <a:pt x="3260332" y="-22929"/>
+                  <a:pt x="3456982" y="-1586"/>
+                  <a:pt x="3750869" y="0"/>
+                </a:cubicBezTo>
+                <a:cubicBezTo>
+                  <a:pt x="4044756" y="1586"/>
+                  <a:pt x="4302726" y="17043"/>
+                  <a:pt x="4480560" y="0"/>
+                </a:cubicBezTo>
+                <a:cubicBezTo>
+                  <a:pt x="4479674" y="5429"/>
+                  <a:pt x="4481381" y="14046"/>
+                  <a:pt x="4480560" y="18288"/>
+                </a:cubicBezTo>
+                <a:cubicBezTo>
+                  <a:pt x="4279652" y="-6850"/>
+                  <a:pt x="4200762" y="41566"/>
+                  <a:pt x="3930091" y="18288"/>
+                </a:cubicBezTo>
+                <a:cubicBezTo>
+                  <a:pt x="3659420" y="-4990"/>
+                  <a:pt x="3456052" y="22294"/>
+                  <a:pt x="3290011" y="18288"/>
+                </a:cubicBezTo>
+                <a:cubicBezTo>
+                  <a:pt x="3123970" y="14282"/>
+                  <a:pt x="2882392" y="32818"/>
+                  <a:pt x="2649931" y="18288"/>
+                </a:cubicBezTo>
+                <a:cubicBezTo>
+                  <a:pt x="2417470" y="3758"/>
+                  <a:pt x="2238426" y="7337"/>
+                  <a:pt x="2054657" y="18288"/>
+                </a:cubicBezTo>
+                <a:cubicBezTo>
+                  <a:pt x="1870888" y="29239"/>
+                  <a:pt x="1566368" y="45040"/>
+                  <a:pt x="1324966" y="18288"/>
+                </a:cubicBezTo>
+                <a:cubicBezTo>
+                  <a:pt x="1083564" y="-8464"/>
+                  <a:pt x="787410" y="10946"/>
+                  <a:pt x="595274" y="18288"/>
+                </a:cubicBezTo>
+                <a:cubicBezTo>
+                  <a:pt x="403138" y="25630"/>
+                  <a:pt x="169622" y="10499"/>
+                  <a:pt x="0" y="18288"/>
+                </a:cubicBezTo>
+                <a:cubicBezTo>
+                  <a:pt x="668" y="13665"/>
+                  <a:pt x="578" y="5675"/>
+                  <a:pt x="0" y="0"/>
+                </a:cubicBezTo>
+                <a:close/>
+              </a:path>
+            </a:pathLst>
+          </a:custGeom>
+          <a:solidFill>
+            <a:schemeClr val="accent2"/>
+          </a:solidFill>
+          <a:ln w="41275" cap="rnd">
+            <a:solidFill>
+              <a:schemeClr val="accent2"/>
+            </a:solidFill>
+            <a:round/>
+            <a:extLst>
+              <a:ext uri="{C807C97D-BFC1-408E-A445-0C87EB9F89A2}">
+                <ask:lineSketchStyleProps xmlns:ask="http://schemas.microsoft.com/office/drawing/2018/sketchyshapes" sd="1219033472">
+                  <a:prstGeom prst="rect">
+                    <a:avLst/>
+                  </a:prstGeom>
+                  <ask:type>
+                    <ask:lineSketchFreehand/>
+                  </ask:type>
+                </ask:lineSketchStyleProps>
+              </a:ext>
+            </a:extLst>
+          </a:ln>
+        </p:spPr>
+        <p:style>
+          <a:lnRef idx="2">
+            <a:schemeClr val="accent1">
+              <a:shade val="50000"/>
+            </a:schemeClr>
+          </a:lnRef>
+          <a:fillRef idx="1">
+            <a:schemeClr val="accent1"/>
+          </a:fillRef>
+          <a:effectRef idx="0">
+            <a:schemeClr val="accent1"/>
+          </a:effectRef>
+          <a:fontRef idx="minor">
+            <a:schemeClr val="lt1"/>
+          </a:fontRef>
+        </p:style>
+        <p:txBody>
+          <a:bodyPr rtlCol="0" anchor="ctr"/>
+          <a:lstStyle/>
+          <a:p>
+            <a:pPr algn="ctr"/>
+            <a:endParaRPr lang="en-US"/>
+          </a:p>
+        </p:txBody>
+      </p:sp>
+      <p:sp>
+        <p:nvSpPr>
+          <p:cNvPr id="33" name="Content Placeholder 5">
+            <a:extLst>
+              <a:ext uri="{FF2B5EF4-FFF2-40B4-BE49-F238E27FC236}">
+                <a16:creationId xmlns:a16="http://schemas.microsoft.com/office/drawing/2014/main" id="{E7EBAB86-0A83-0150-E392-E33484F8C44B}"/>
               </a:ext>
             </a:extLst>
           </p:cNvPr>
@@ -4721,65 +9781,2401 @@
             <p:ph idx="1"/>
           </p:nvPr>
         </p:nvSpPr>
-        <p:spPr/>
+        <p:spPr>
+          <a:xfrm>
+            <a:off x="5126418" y="552091"/>
+            <a:ext cx="6224335" cy="5431536"/>
+          </a:xfrm>
+        </p:spPr>
         <p:txBody>
-          <a:bodyPr/>
+          <a:bodyPr anchor="ctr">
+            <a:normAutofit/>
+          </a:bodyPr>
           <a:lstStyle/>
           <a:p>
             <a:r>
-              <a:rPr lang="ko-KR" altLang="en-US" dirty="0">
-                <a:effectLst/>
+              <a:rPr lang="ko-KR" altLang="en-US" sz="1700">
+                <a:effectLst/>
+                <a:latin typeface="Apple SD Gothic Neo" panose="02000300000000000000" pitchFamily="2" charset="-127"/>
+                <a:ea typeface="Apple SD Gothic Neo" panose="02000300000000000000" pitchFamily="2" charset="-127"/>
+              </a:rPr>
+              <a:t>김영삼</a:t>
+            </a:r>
+            <a:r>
+              <a:rPr lang="ko-KR" altLang="en-US" sz="1700">
+                <a:effectLst/>
+                <a:latin typeface="Helvetica Neue" panose="02000503000000020004" pitchFamily="2" charset="0"/>
+                <a:ea typeface="Apple SD Gothic Neo" panose="02000300000000000000" pitchFamily="2" charset="-127"/>
+              </a:rPr>
+              <a:t> </a:t>
+            </a:r>
+            <a:r>
+              <a:rPr lang="ko-KR" altLang="en-US" sz="1700">
+                <a:effectLst/>
+                <a:latin typeface="Apple SD Gothic Neo" panose="02000300000000000000" pitchFamily="2" charset="-127"/>
+                <a:ea typeface="Apple SD Gothic Neo" panose="02000300000000000000" pitchFamily="2" charset="-127"/>
+              </a:rPr>
+              <a:t>정부의</a:t>
+            </a:r>
+            <a:r>
+              <a:rPr lang="ko-KR" altLang="en-US" sz="1700">
+                <a:effectLst/>
+                <a:latin typeface="Helvetica Neue" panose="02000503000000020004" pitchFamily="2" charset="0"/>
+                <a:ea typeface="Apple SD Gothic Neo" panose="02000300000000000000" pitchFamily="2" charset="-127"/>
+              </a:rPr>
+              <a:t> </a:t>
+            </a:r>
+            <a:r>
+              <a:rPr lang="ko-KR" altLang="en-US" sz="1700">
+                <a:effectLst/>
+                <a:latin typeface="Apple SD Gothic Neo" panose="02000300000000000000" pitchFamily="2" charset="-127"/>
+                <a:ea typeface="Apple SD Gothic Neo" panose="02000300000000000000" pitchFamily="2" charset="-127"/>
+              </a:rPr>
+              <a:t>금융실명제는</a:t>
+            </a:r>
+            <a:r>
+              <a:rPr lang="ko-KR" altLang="en-US" sz="1700">
+                <a:effectLst/>
+                <a:latin typeface="Helvetica Neue" panose="02000503000000020004" pitchFamily="2" charset="0"/>
+                <a:ea typeface="Apple SD Gothic Neo" panose="02000300000000000000" pitchFamily="2" charset="-127"/>
+              </a:rPr>
+              <a:t> </a:t>
+            </a:r>
+            <a:r>
+              <a:rPr lang="ko-KR" altLang="en-US" sz="1700">
+                <a:effectLst/>
+                <a:latin typeface="Apple SD Gothic Neo" panose="02000300000000000000" pitchFamily="2" charset="-127"/>
+                <a:ea typeface="Apple SD Gothic Neo" panose="02000300000000000000" pitchFamily="2" charset="-127"/>
+              </a:rPr>
+              <a:t>부패와</a:t>
+            </a:r>
+            <a:r>
+              <a:rPr lang="ko-KR" altLang="en-US" sz="1700">
+                <a:effectLst/>
+                <a:latin typeface="Helvetica Neue" panose="02000503000000020004" pitchFamily="2" charset="0"/>
+                <a:ea typeface="Apple SD Gothic Neo" panose="02000300000000000000" pitchFamily="2" charset="-127"/>
+              </a:rPr>
+              <a:t> </a:t>
+            </a:r>
+            <a:r>
+              <a:rPr lang="ko-KR" altLang="en-US" sz="1700">
+                <a:effectLst/>
+                <a:latin typeface="Apple SD Gothic Neo" panose="02000300000000000000" pitchFamily="2" charset="-127"/>
+                <a:ea typeface="Apple SD Gothic Neo" panose="02000300000000000000" pitchFamily="2" charset="-127"/>
+              </a:rPr>
+              <a:t>비자금</a:t>
+            </a:r>
+            <a:r>
+              <a:rPr lang="ko-KR" altLang="en-US" sz="1700">
+                <a:effectLst/>
+                <a:latin typeface="Helvetica Neue" panose="02000503000000020004" pitchFamily="2" charset="0"/>
+                <a:ea typeface="Apple SD Gothic Neo" panose="02000300000000000000" pitchFamily="2" charset="-127"/>
+              </a:rPr>
+              <a:t> </a:t>
+            </a:r>
+            <a:r>
+              <a:rPr lang="ko-KR" altLang="en-US" sz="1700">
+                <a:effectLst/>
+                <a:latin typeface="Apple SD Gothic Neo" panose="02000300000000000000" pitchFamily="2" charset="-127"/>
+                <a:ea typeface="Apple SD Gothic Neo" panose="02000300000000000000" pitchFamily="2" charset="-127"/>
+              </a:rPr>
+              <a:t>문제를</a:t>
+            </a:r>
+            <a:r>
+              <a:rPr lang="ko-KR" altLang="en-US" sz="1700">
+                <a:effectLst/>
+                <a:latin typeface="Helvetica Neue" panose="02000503000000020004" pitchFamily="2" charset="0"/>
+                <a:ea typeface="Apple SD Gothic Neo" panose="02000300000000000000" pitchFamily="2" charset="-127"/>
+              </a:rPr>
+              <a:t> </a:t>
+            </a:r>
+            <a:r>
+              <a:rPr lang="ko-KR" altLang="en-US" sz="1700">
+                <a:effectLst/>
+                <a:latin typeface="Apple SD Gothic Neo" panose="02000300000000000000" pitchFamily="2" charset="-127"/>
+                <a:ea typeface="Apple SD Gothic Neo" panose="02000300000000000000" pitchFamily="2" charset="-127"/>
+              </a:rPr>
+              <a:t>해결하기</a:t>
+            </a:r>
+            <a:r>
+              <a:rPr lang="ko-KR" altLang="en-US" sz="1700">
+                <a:effectLst/>
+                <a:latin typeface="Helvetica Neue" panose="02000503000000020004" pitchFamily="2" charset="0"/>
+                <a:ea typeface="Apple SD Gothic Neo" panose="02000300000000000000" pitchFamily="2" charset="-127"/>
+              </a:rPr>
+              <a:t> </a:t>
+            </a:r>
+            <a:r>
+              <a:rPr lang="ko-KR" altLang="en-US" sz="1700">
+                <a:effectLst/>
+                <a:latin typeface="Apple SD Gothic Neo" panose="02000300000000000000" pitchFamily="2" charset="-127"/>
+                <a:ea typeface="Apple SD Gothic Neo" panose="02000300000000000000" pitchFamily="2" charset="-127"/>
+              </a:rPr>
+              <a:t>위한</a:t>
+            </a:r>
+            <a:r>
+              <a:rPr lang="ko-KR" altLang="en-US" sz="1700">
+                <a:effectLst/>
+                <a:latin typeface="Helvetica Neue" panose="02000503000000020004" pitchFamily="2" charset="0"/>
+                <a:ea typeface="Apple SD Gothic Neo" panose="02000300000000000000" pitchFamily="2" charset="-127"/>
+              </a:rPr>
+              <a:t> </a:t>
+            </a:r>
+            <a:r>
+              <a:rPr lang="ko-KR" altLang="en-US" sz="1700">
+                <a:effectLst/>
+                <a:latin typeface="Apple SD Gothic Neo" panose="02000300000000000000" pitchFamily="2" charset="-127"/>
+                <a:ea typeface="Apple SD Gothic Neo" panose="02000300000000000000" pitchFamily="2" charset="-127"/>
+              </a:rPr>
+              <a:t>강력한</a:t>
+            </a:r>
+            <a:r>
+              <a:rPr lang="ko-KR" altLang="en-US" sz="1700">
+                <a:effectLst/>
+                <a:latin typeface="Helvetica Neue" panose="02000503000000020004" pitchFamily="2" charset="0"/>
+                <a:ea typeface="Apple SD Gothic Neo" panose="02000300000000000000" pitchFamily="2" charset="-127"/>
+              </a:rPr>
+              <a:t> </a:t>
+            </a:r>
+            <a:r>
+              <a:rPr lang="ko-KR" altLang="en-US" sz="1700">
+                <a:effectLst/>
+                <a:latin typeface="Apple SD Gothic Neo" panose="02000300000000000000" pitchFamily="2" charset="-127"/>
+                <a:ea typeface="Apple SD Gothic Neo" panose="02000300000000000000" pitchFamily="2" charset="-127"/>
+              </a:rPr>
+              <a:t>개혁</a:t>
+            </a:r>
+            <a:r>
+              <a:rPr lang="ko-KR" altLang="en-US" sz="1700">
+                <a:effectLst/>
+                <a:latin typeface="Helvetica Neue" panose="02000503000000020004" pitchFamily="2" charset="0"/>
+                <a:ea typeface="Apple SD Gothic Neo" panose="02000300000000000000" pitchFamily="2" charset="-127"/>
+              </a:rPr>
+              <a:t> </a:t>
+            </a:r>
+            <a:r>
+              <a:rPr lang="ko-KR" altLang="en-US" sz="1700">
+                <a:effectLst/>
+                <a:latin typeface="Apple SD Gothic Neo" panose="02000300000000000000" pitchFamily="2" charset="-127"/>
+                <a:ea typeface="Apple SD Gothic Neo" panose="02000300000000000000" pitchFamily="2" charset="-127"/>
+              </a:rPr>
+              <a:t>정책으로</a:t>
+            </a:r>
+            <a:r>
+              <a:rPr lang="en-US" altLang="ko-KR" sz="1700">
+                <a:effectLst/>
+                <a:latin typeface="Helvetica Neue" panose="02000503000000020004" pitchFamily="2" charset="0"/>
+                <a:ea typeface="Apple SD Gothic Neo" panose="02000300000000000000" pitchFamily="2" charset="-127"/>
+              </a:rPr>
+              <a:t>, </a:t>
+            </a:r>
+            <a:r>
+              <a:rPr lang="ko-KR" altLang="en-US" sz="1700">
+                <a:effectLst/>
+                <a:latin typeface="Apple SD Gothic Neo" panose="02000300000000000000" pitchFamily="2" charset="-127"/>
+                <a:ea typeface="Apple SD Gothic Neo" panose="02000300000000000000" pitchFamily="2" charset="-127"/>
+              </a:rPr>
+              <a:t>금융</a:t>
+            </a:r>
+            <a:r>
+              <a:rPr lang="ko-KR" altLang="en-US" sz="1700">
+                <a:effectLst/>
+                <a:latin typeface="Helvetica Neue" panose="02000503000000020004" pitchFamily="2" charset="0"/>
+                <a:ea typeface="Apple SD Gothic Neo" panose="02000300000000000000" pitchFamily="2" charset="-127"/>
+              </a:rPr>
+              <a:t> </a:t>
+            </a:r>
+            <a:r>
+              <a:rPr lang="ko-KR" altLang="en-US" sz="1700">
+                <a:effectLst/>
+                <a:latin typeface="Apple SD Gothic Neo" panose="02000300000000000000" pitchFamily="2" charset="-127"/>
+                <a:ea typeface="Apple SD Gothic Neo" panose="02000300000000000000" pitchFamily="2" charset="-127"/>
+              </a:rPr>
+              <a:t>질서를</a:t>
+            </a:r>
+            <a:r>
+              <a:rPr lang="ko-KR" altLang="en-US" sz="1700">
+                <a:effectLst/>
+                <a:latin typeface="Helvetica Neue" panose="02000503000000020004" pitchFamily="2" charset="0"/>
+                <a:ea typeface="Apple SD Gothic Neo" panose="02000300000000000000" pitchFamily="2" charset="-127"/>
+              </a:rPr>
+              <a:t> </a:t>
+            </a:r>
+            <a:r>
+              <a:rPr lang="ko-KR" altLang="en-US" sz="1700">
+                <a:effectLst/>
+                <a:latin typeface="Apple SD Gothic Neo" panose="02000300000000000000" pitchFamily="2" charset="-127"/>
+                <a:ea typeface="Apple SD Gothic Neo" panose="02000300000000000000" pitchFamily="2" charset="-127"/>
+              </a:rPr>
+              <a:t>투명하게</a:t>
+            </a:r>
+            <a:r>
+              <a:rPr lang="ko-KR" altLang="en-US" sz="1700">
+                <a:effectLst/>
+                <a:latin typeface="Helvetica Neue" panose="02000503000000020004" pitchFamily="2" charset="0"/>
+                <a:ea typeface="Apple SD Gothic Neo" panose="02000300000000000000" pitchFamily="2" charset="-127"/>
+              </a:rPr>
+              <a:t> </a:t>
+            </a:r>
+            <a:r>
+              <a:rPr lang="ko-KR" altLang="en-US" sz="1700">
+                <a:effectLst/>
+                <a:latin typeface="Apple SD Gothic Neo" panose="02000300000000000000" pitchFamily="2" charset="-127"/>
+                <a:ea typeface="Apple SD Gothic Neo" panose="02000300000000000000" pitchFamily="2" charset="-127"/>
+              </a:rPr>
+              <a:t>하고</a:t>
+            </a:r>
+            <a:r>
+              <a:rPr lang="ko-KR" altLang="en-US" sz="1700">
+                <a:effectLst/>
+                <a:latin typeface="Helvetica Neue" panose="02000503000000020004" pitchFamily="2" charset="0"/>
+                <a:ea typeface="Apple SD Gothic Neo" panose="02000300000000000000" pitchFamily="2" charset="-127"/>
+              </a:rPr>
+              <a:t> </a:t>
+            </a:r>
+            <a:r>
+              <a:rPr lang="ko-KR" altLang="en-US" sz="1700">
+                <a:effectLst/>
+                <a:latin typeface="Apple SD Gothic Neo" panose="02000300000000000000" pitchFamily="2" charset="-127"/>
+                <a:ea typeface="Apple SD Gothic Neo" panose="02000300000000000000" pitchFamily="2" charset="-127"/>
+              </a:rPr>
+              <a:t>경제</a:t>
+            </a:r>
+            <a:r>
+              <a:rPr lang="ko-KR" altLang="en-US" sz="1700">
+                <a:effectLst/>
+                <a:latin typeface="Helvetica Neue" panose="02000503000000020004" pitchFamily="2" charset="0"/>
+                <a:ea typeface="Apple SD Gothic Neo" panose="02000300000000000000" pitchFamily="2" charset="-127"/>
+              </a:rPr>
+              <a:t> </a:t>
+            </a:r>
+            <a:r>
+              <a:rPr lang="ko-KR" altLang="en-US" sz="1700">
+                <a:effectLst/>
+                <a:latin typeface="Apple SD Gothic Neo" panose="02000300000000000000" pitchFamily="2" charset="-127"/>
+                <a:ea typeface="Apple SD Gothic Neo" panose="02000300000000000000" pitchFamily="2" charset="-127"/>
+              </a:rPr>
+              <a:t>정의를</a:t>
+            </a:r>
+            <a:r>
+              <a:rPr lang="ko-KR" altLang="en-US" sz="1700">
+                <a:effectLst/>
+                <a:latin typeface="Helvetica Neue" panose="02000503000000020004" pitchFamily="2" charset="0"/>
+                <a:ea typeface="Apple SD Gothic Neo" panose="02000300000000000000" pitchFamily="2" charset="-127"/>
+              </a:rPr>
+              <a:t> </a:t>
+            </a:r>
+            <a:r>
+              <a:rPr lang="ko-KR" altLang="en-US" sz="1700">
+                <a:effectLst/>
+                <a:latin typeface="Apple SD Gothic Neo" panose="02000300000000000000" pitchFamily="2" charset="-127"/>
+                <a:ea typeface="Apple SD Gothic Neo" panose="02000300000000000000" pitchFamily="2" charset="-127"/>
+              </a:rPr>
+              <a:t>실현하는</a:t>
+            </a:r>
+            <a:r>
+              <a:rPr lang="ko-KR" altLang="en-US" sz="1700">
+                <a:effectLst/>
+                <a:latin typeface="Helvetica Neue" panose="02000503000000020004" pitchFamily="2" charset="0"/>
+                <a:ea typeface="Apple SD Gothic Neo" panose="02000300000000000000" pitchFamily="2" charset="-127"/>
+              </a:rPr>
+              <a:t> </a:t>
+            </a:r>
+            <a:r>
+              <a:rPr lang="ko-KR" altLang="en-US" sz="1700">
+                <a:effectLst/>
+                <a:latin typeface="Apple SD Gothic Neo" panose="02000300000000000000" pitchFamily="2" charset="-127"/>
+                <a:ea typeface="Apple SD Gothic Neo" panose="02000300000000000000" pitchFamily="2" charset="-127"/>
+              </a:rPr>
+              <a:t>기반을</a:t>
+            </a:r>
+            <a:r>
+              <a:rPr lang="ko-KR" altLang="en-US" sz="1700">
+                <a:effectLst/>
+                <a:latin typeface="Helvetica Neue" panose="02000503000000020004" pitchFamily="2" charset="0"/>
+                <a:ea typeface="Apple SD Gothic Neo" panose="02000300000000000000" pitchFamily="2" charset="-127"/>
+              </a:rPr>
+              <a:t> </a:t>
+            </a:r>
+            <a:r>
+              <a:rPr lang="ko-KR" altLang="en-US" sz="1700">
+                <a:effectLst/>
+                <a:latin typeface="Apple SD Gothic Neo" panose="02000300000000000000" pitchFamily="2" charset="-127"/>
+                <a:ea typeface="Apple SD Gothic Neo" panose="02000300000000000000" pitchFamily="2" charset="-127"/>
+              </a:rPr>
+              <a:t>마련했습니다</a:t>
+            </a:r>
+            <a:r>
+              <a:rPr lang="en-US" altLang="ko-KR" sz="1700">
+                <a:effectLst/>
+                <a:latin typeface="Helvetica Neue" panose="02000503000000020004" pitchFamily="2" charset="0"/>
+                <a:ea typeface="Apple SD Gothic Neo" panose="02000300000000000000" pitchFamily="2" charset="-127"/>
+              </a:rPr>
+              <a:t>. </a:t>
+            </a:r>
+            <a:r>
+              <a:rPr lang="ko-KR" altLang="en-US" sz="1700">
+                <a:effectLst/>
+                <a:latin typeface="Apple SD Gothic Neo" panose="02000300000000000000" pitchFamily="2" charset="-127"/>
+                <a:ea typeface="Apple SD Gothic Neo" panose="02000300000000000000" pitchFamily="2" charset="-127"/>
+              </a:rPr>
+              <a:t>이</a:t>
+            </a:r>
+            <a:r>
+              <a:rPr lang="ko-KR" altLang="en-US" sz="1700">
+                <a:effectLst/>
+                <a:latin typeface="Helvetica Neue" panose="02000503000000020004" pitchFamily="2" charset="0"/>
+                <a:ea typeface="Apple SD Gothic Neo" panose="02000300000000000000" pitchFamily="2" charset="-127"/>
+              </a:rPr>
+              <a:t> </a:t>
+            </a:r>
+            <a:r>
+              <a:rPr lang="ko-KR" altLang="en-US" sz="1700">
+                <a:effectLst/>
+                <a:latin typeface="Apple SD Gothic Neo" panose="02000300000000000000" pitchFamily="2" charset="-127"/>
+                <a:ea typeface="Apple SD Gothic Neo" panose="02000300000000000000" pitchFamily="2" charset="-127"/>
+              </a:rPr>
+              <a:t>정책은</a:t>
+            </a:r>
+            <a:r>
+              <a:rPr lang="ko-KR" altLang="en-US" sz="1700">
+                <a:effectLst/>
+                <a:latin typeface="Helvetica Neue" panose="02000503000000020004" pitchFamily="2" charset="0"/>
+                <a:ea typeface="Apple SD Gothic Neo" panose="02000300000000000000" pitchFamily="2" charset="-127"/>
+              </a:rPr>
+              <a:t> </a:t>
+            </a:r>
+            <a:r>
+              <a:rPr lang="ko-KR" altLang="en-US" sz="1700">
+                <a:effectLst/>
+                <a:latin typeface="Apple SD Gothic Neo" panose="02000300000000000000" pitchFamily="2" charset="-127"/>
+                <a:ea typeface="Apple SD Gothic Neo" panose="02000300000000000000" pitchFamily="2" charset="-127"/>
+              </a:rPr>
+              <a:t>경제</a:t>
+            </a:r>
+            <a:r>
+              <a:rPr lang="ko-KR" altLang="en-US" sz="1700">
+                <a:effectLst/>
+                <a:latin typeface="Helvetica Neue" panose="02000503000000020004" pitchFamily="2" charset="0"/>
+                <a:ea typeface="Apple SD Gothic Neo" panose="02000300000000000000" pitchFamily="2" charset="-127"/>
+              </a:rPr>
+              <a:t> </a:t>
+            </a:r>
+            <a:r>
+              <a:rPr lang="ko-KR" altLang="en-US" sz="1700">
+                <a:effectLst/>
+                <a:latin typeface="Apple SD Gothic Neo" panose="02000300000000000000" pitchFamily="2" charset="-127"/>
+                <a:ea typeface="Apple SD Gothic Neo" panose="02000300000000000000" pitchFamily="2" charset="-127"/>
+              </a:rPr>
+              <a:t>전반의</a:t>
+            </a:r>
+            <a:r>
+              <a:rPr lang="ko-KR" altLang="en-US" sz="1700">
+                <a:effectLst/>
+                <a:latin typeface="Helvetica Neue" panose="02000503000000020004" pitchFamily="2" charset="0"/>
+                <a:ea typeface="Apple SD Gothic Neo" panose="02000300000000000000" pitchFamily="2" charset="-127"/>
+              </a:rPr>
+              <a:t> </a:t>
+            </a:r>
+            <a:r>
+              <a:rPr lang="ko-KR" altLang="en-US" sz="1700">
+                <a:effectLst/>
+                <a:latin typeface="Apple SD Gothic Neo" panose="02000300000000000000" pitchFamily="2" charset="-127"/>
+                <a:ea typeface="Apple SD Gothic Neo" panose="02000300000000000000" pitchFamily="2" charset="-127"/>
+              </a:rPr>
+              <a:t>공정성과</a:t>
+            </a:r>
+            <a:r>
+              <a:rPr lang="ko-KR" altLang="en-US" sz="1700">
+                <a:effectLst/>
+                <a:latin typeface="Helvetica Neue" panose="02000503000000020004" pitchFamily="2" charset="0"/>
+                <a:ea typeface="Apple SD Gothic Neo" panose="02000300000000000000" pitchFamily="2" charset="-127"/>
+              </a:rPr>
+              <a:t> </a:t>
+            </a:r>
+            <a:r>
+              <a:rPr lang="ko-KR" altLang="en-US" sz="1700">
+                <a:effectLst/>
+                <a:latin typeface="Apple SD Gothic Neo" panose="02000300000000000000" pitchFamily="2" charset="-127"/>
+                <a:ea typeface="Apple SD Gothic Neo" panose="02000300000000000000" pitchFamily="2" charset="-127"/>
+              </a:rPr>
+              <a:t>투명성을</a:t>
+            </a:r>
+            <a:r>
+              <a:rPr lang="ko-KR" altLang="en-US" sz="1700">
+                <a:effectLst/>
+                <a:latin typeface="Helvetica Neue" panose="02000503000000020004" pitchFamily="2" charset="0"/>
+                <a:ea typeface="Apple SD Gothic Neo" panose="02000300000000000000" pitchFamily="2" charset="-127"/>
+              </a:rPr>
+              <a:t> </a:t>
+            </a:r>
+            <a:r>
+              <a:rPr lang="ko-KR" altLang="en-US" sz="1700">
+                <a:effectLst/>
+                <a:latin typeface="Apple SD Gothic Neo" panose="02000300000000000000" pitchFamily="2" charset="-127"/>
+                <a:ea typeface="Apple SD Gothic Neo" panose="02000300000000000000" pitchFamily="2" charset="-127"/>
+              </a:rPr>
+              <a:t>높이며</a:t>
+            </a:r>
+            <a:r>
+              <a:rPr lang="en-US" altLang="ko-KR" sz="1700">
+                <a:effectLst/>
+                <a:latin typeface="Helvetica Neue" panose="02000503000000020004" pitchFamily="2" charset="0"/>
+                <a:ea typeface="Apple SD Gothic Neo" panose="02000300000000000000" pitchFamily="2" charset="-127"/>
+              </a:rPr>
+              <a:t>, </a:t>
+            </a:r>
+            <a:r>
+              <a:rPr lang="ko-KR" altLang="en-US" sz="1700">
+                <a:effectLst/>
+                <a:latin typeface="Apple SD Gothic Neo" panose="02000300000000000000" pitchFamily="2" charset="-127"/>
+                <a:ea typeface="Apple SD Gothic Neo" panose="02000300000000000000" pitchFamily="2" charset="-127"/>
+              </a:rPr>
+              <a:t>한국</a:t>
+            </a:r>
+            <a:r>
+              <a:rPr lang="ko-KR" altLang="en-US" sz="1700">
+                <a:effectLst/>
+                <a:latin typeface="Helvetica Neue" panose="02000503000000020004" pitchFamily="2" charset="0"/>
+                <a:ea typeface="Apple SD Gothic Neo" panose="02000300000000000000" pitchFamily="2" charset="-127"/>
+              </a:rPr>
+              <a:t> </a:t>
+            </a:r>
+            <a:r>
+              <a:rPr lang="ko-KR" altLang="en-US" sz="1700">
+                <a:effectLst/>
+                <a:latin typeface="Apple SD Gothic Neo" panose="02000300000000000000" pitchFamily="2" charset="-127"/>
+                <a:ea typeface="Apple SD Gothic Neo" panose="02000300000000000000" pitchFamily="2" charset="-127"/>
+              </a:rPr>
+              <a:t>경제가</a:t>
+            </a:r>
+            <a:r>
+              <a:rPr lang="ko-KR" altLang="en-US" sz="1700">
+                <a:effectLst/>
+                <a:latin typeface="Helvetica Neue" panose="02000503000000020004" pitchFamily="2" charset="0"/>
+                <a:ea typeface="Apple SD Gothic Neo" panose="02000300000000000000" pitchFamily="2" charset="-127"/>
+              </a:rPr>
+              <a:t> </a:t>
+            </a:r>
+            <a:r>
+              <a:rPr lang="ko-KR" altLang="en-US" sz="1700">
+                <a:effectLst/>
+                <a:latin typeface="Apple SD Gothic Neo" panose="02000300000000000000" pitchFamily="2" charset="-127"/>
+                <a:ea typeface="Apple SD Gothic Neo" panose="02000300000000000000" pitchFamily="2" charset="-127"/>
+              </a:rPr>
+              <a:t>신뢰를</a:t>
+            </a:r>
+            <a:r>
+              <a:rPr lang="ko-KR" altLang="en-US" sz="1700">
+                <a:effectLst/>
+                <a:latin typeface="Helvetica Neue" panose="02000503000000020004" pitchFamily="2" charset="0"/>
+                <a:ea typeface="Apple SD Gothic Neo" panose="02000300000000000000" pitchFamily="2" charset="-127"/>
+              </a:rPr>
+              <a:t> </a:t>
+            </a:r>
+            <a:r>
+              <a:rPr lang="ko-KR" altLang="en-US" sz="1700">
+                <a:effectLst/>
+                <a:latin typeface="Apple SD Gothic Neo" panose="02000300000000000000" pitchFamily="2" charset="-127"/>
+                <a:ea typeface="Apple SD Gothic Neo" panose="02000300000000000000" pitchFamily="2" charset="-127"/>
+              </a:rPr>
+              <a:t>바탕으로</a:t>
+            </a:r>
+            <a:r>
+              <a:rPr lang="ko-KR" altLang="en-US" sz="1700">
+                <a:effectLst/>
+                <a:latin typeface="Helvetica Neue" panose="02000503000000020004" pitchFamily="2" charset="0"/>
+                <a:ea typeface="Apple SD Gothic Neo" panose="02000300000000000000" pitchFamily="2" charset="-127"/>
+              </a:rPr>
+              <a:t> </a:t>
+            </a:r>
+            <a:r>
+              <a:rPr lang="ko-KR" altLang="en-US" sz="1700">
+                <a:effectLst/>
+                <a:latin typeface="Apple SD Gothic Neo" panose="02000300000000000000" pitchFamily="2" charset="-127"/>
+                <a:ea typeface="Apple SD Gothic Neo" panose="02000300000000000000" pitchFamily="2" charset="-127"/>
+              </a:rPr>
+              <a:t>장기적</a:t>
+            </a:r>
+            <a:r>
+              <a:rPr lang="ko-KR" altLang="en-US" sz="1700">
+                <a:effectLst/>
+                <a:latin typeface="Helvetica Neue" panose="02000503000000020004" pitchFamily="2" charset="0"/>
+                <a:ea typeface="Apple SD Gothic Neo" panose="02000300000000000000" pitchFamily="2" charset="-127"/>
+              </a:rPr>
+              <a:t> </a:t>
+            </a:r>
+            <a:r>
+              <a:rPr lang="ko-KR" altLang="en-US" sz="1700">
+                <a:effectLst/>
+                <a:latin typeface="Apple SD Gothic Neo" panose="02000300000000000000" pitchFamily="2" charset="-127"/>
+                <a:ea typeface="Apple SD Gothic Neo" panose="02000300000000000000" pitchFamily="2" charset="-127"/>
+              </a:rPr>
+              <a:t>발전을</a:t>
+            </a:r>
+            <a:r>
+              <a:rPr lang="ko-KR" altLang="en-US" sz="1700">
+                <a:effectLst/>
+                <a:latin typeface="Helvetica Neue" panose="02000503000000020004" pitchFamily="2" charset="0"/>
+                <a:ea typeface="Apple SD Gothic Neo" panose="02000300000000000000" pitchFamily="2" charset="-127"/>
+              </a:rPr>
+              <a:t> </a:t>
+            </a:r>
+            <a:r>
+              <a:rPr lang="ko-KR" altLang="en-US" sz="1700">
+                <a:effectLst/>
+                <a:latin typeface="Apple SD Gothic Neo" panose="02000300000000000000" pitchFamily="2" charset="-127"/>
+                <a:ea typeface="Apple SD Gothic Neo" panose="02000300000000000000" pitchFamily="2" charset="-127"/>
+              </a:rPr>
+              <a:t>이루는</a:t>
+            </a:r>
+            <a:r>
+              <a:rPr lang="ko-KR" altLang="en-US" sz="1700">
+                <a:effectLst/>
+                <a:latin typeface="Helvetica Neue" panose="02000503000000020004" pitchFamily="2" charset="0"/>
+                <a:ea typeface="Apple SD Gothic Neo" panose="02000300000000000000" pitchFamily="2" charset="-127"/>
+              </a:rPr>
+              <a:t> </a:t>
+            </a:r>
+            <a:r>
+              <a:rPr lang="ko-KR" altLang="en-US" sz="1700">
+                <a:effectLst/>
+                <a:latin typeface="Apple SD Gothic Neo" panose="02000300000000000000" pitchFamily="2" charset="-127"/>
+                <a:ea typeface="Apple SD Gothic Neo" panose="02000300000000000000" pitchFamily="2" charset="-127"/>
+              </a:rPr>
+              <a:t>데</a:t>
+            </a:r>
+            <a:r>
+              <a:rPr lang="ko-KR" altLang="en-US" sz="1700">
+                <a:effectLst/>
+                <a:latin typeface="Helvetica Neue" panose="02000503000000020004" pitchFamily="2" charset="0"/>
+                <a:ea typeface="Apple SD Gothic Neo" panose="02000300000000000000" pitchFamily="2" charset="-127"/>
+              </a:rPr>
+              <a:t> </a:t>
+            </a:r>
+            <a:r>
+              <a:rPr lang="ko-KR" altLang="en-US" sz="1700">
+                <a:effectLst/>
+                <a:latin typeface="Apple SD Gothic Neo" panose="02000300000000000000" pitchFamily="2" charset="-127"/>
+                <a:ea typeface="Apple SD Gothic Neo" panose="02000300000000000000" pitchFamily="2" charset="-127"/>
+              </a:rPr>
+              <a:t>기여했습니다</a:t>
+            </a:r>
+            <a:r>
+              <a:rPr lang="en-US" altLang="ko-KR" sz="1700">
+                <a:effectLst/>
+                <a:latin typeface="Helvetica Neue" panose="02000503000000020004" pitchFamily="2" charset="0"/>
+                <a:ea typeface="Apple SD Gothic Neo" panose="02000300000000000000" pitchFamily="2" charset="-127"/>
+              </a:rPr>
+              <a:t>. </a:t>
+            </a:r>
+            <a:r>
+              <a:rPr lang="ko-KR" altLang="en-US" sz="1700">
+                <a:effectLst/>
+                <a:latin typeface="Apple SD Gothic Neo" panose="02000300000000000000" pitchFamily="2" charset="-127"/>
+                <a:ea typeface="Apple SD Gothic Neo" panose="02000300000000000000" pitchFamily="2" charset="-127"/>
+              </a:rPr>
+              <a:t>또한</a:t>
+            </a:r>
+            <a:r>
+              <a:rPr lang="en-US" altLang="ko-KR" sz="1700">
+                <a:effectLst/>
+                <a:latin typeface="Helvetica Neue" panose="02000503000000020004" pitchFamily="2" charset="0"/>
+                <a:ea typeface="Apple SD Gothic Neo" panose="02000300000000000000" pitchFamily="2" charset="-127"/>
+              </a:rPr>
+              <a:t>, </a:t>
+            </a:r>
+            <a:r>
+              <a:rPr lang="ko-KR" altLang="en-US" sz="1700">
+                <a:effectLst/>
+                <a:latin typeface="Apple SD Gothic Neo" panose="02000300000000000000" pitchFamily="2" charset="-127"/>
+                <a:ea typeface="Apple SD Gothic Neo" panose="02000300000000000000" pitchFamily="2" charset="-127"/>
+              </a:rPr>
+              <a:t>금융실명제는</a:t>
+            </a:r>
+            <a:r>
+              <a:rPr lang="ko-KR" altLang="en-US" sz="1700">
+                <a:effectLst/>
+                <a:latin typeface="Helvetica Neue" panose="02000503000000020004" pitchFamily="2" charset="0"/>
+                <a:ea typeface="Apple SD Gothic Neo" panose="02000300000000000000" pitchFamily="2" charset="-127"/>
+              </a:rPr>
+              <a:t> </a:t>
+            </a:r>
+            <a:r>
+              <a:rPr lang="ko-KR" altLang="en-US" sz="1700">
+                <a:effectLst/>
+                <a:latin typeface="Apple SD Gothic Neo" panose="02000300000000000000" pitchFamily="2" charset="-127"/>
+                <a:ea typeface="Apple SD Gothic Neo" panose="02000300000000000000" pitchFamily="2" charset="-127"/>
+              </a:rPr>
+              <a:t>한국</a:t>
+            </a:r>
+            <a:r>
+              <a:rPr lang="ko-KR" altLang="en-US" sz="1700">
+                <a:effectLst/>
+                <a:latin typeface="Helvetica Neue" panose="02000503000000020004" pitchFamily="2" charset="0"/>
+                <a:ea typeface="Apple SD Gothic Neo" panose="02000300000000000000" pitchFamily="2" charset="-127"/>
+              </a:rPr>
+              <a:t> </a:t>
+            </a:r>
+            <a:r>
+              <a:rPr lang="ko-KR" altLang="en-US" sz="1700">
+                <a:effectLst/>
+                <a:latin typeface="Apple SD Gothic Neo" panose="02000300000000000000" pitchFamily="2" charset="-127"/>
+                <a:ea typeface="Apple SD Gothic Neo" panose="02000300000000000000" pitchFamily="2" charset="-127"/>
+              </a:rPr>
+              <a:t>사회의</a:t>
+            </a:r>
+            <a:r>
+              <a:rPr lang="ko-KR" altLang="en-US" sz="1700">
+                <a:effectLst/>
+                <a:latin typeface="Helvetica Neue" panose="02000503000000020004" pitchFamily="2" charset="0"/>
+                <a:ea typeface="Apple SD Gothic Neo" panose="02000300000000000000" pitchFamily="2" charset="-127"/>
+              </a:rPr>
+              <a:t> </a:t>
+            </a:r>
+            <a:r>
+              <a:rPr lang="ko-KR" altLang="en-US" sz="1700">
+                <a:effectLst/>
+                <a:latin typeface="Apple SD Gothic Neo" panose="02000300000000000000" pitchFamily="2" charset="-127"/>
+                <a:ea typeface="Apple SD Gothic Neo" panose="02000300000000000000" pitchFamily="2" charset="-127"/>
+              </a:rPr>
+              <a:t>금융</a:t>
+            </a:r>
+            <a:r>
+              <a:rPr lang="en-US" altLang="ko-KR" sz="1700">
+                <a:effectLst/>
+                <a:latin typeface="Helvetica Neue" panose="02000503000000020004" pitchFamily="2" charset="0"/>
+                <a:ea typeface="Apple SD Gothic Neo" panose="02000300000000000000" pitchFamily="2" charset="-127"/>
+              </a:rPr>
+              <a:t>·</a:t>
+            </a:r>
+            <a:r>
+              <a:rPr lang="ko-KR" altLang="en-US" sz="1700">
+                <a:effectLst/>
+                <a:latin typeface="Apple SD Gothic Neo" panose="02000300000000000000" pitchFamily="2" charset="-127"/>
+                <a:ea typeface="Apple SD Gothic Neo" panose="02000300000000000000" pitchFamily="2" charset="-127"/>
+              </a:rPr>
+              <a:t>경제</a:t>
+            </a:r>
+            <a:r>
+              <a:rPr lang="ko-KR" altLang="en-US" sz="1700">
+                <a:effectLst/>
+                <a:latin typeface="Helvetica Neue" panose="02000503000000020004" pitchFamily="2" charset="0"/>
+                <a:ea typeface="Apple SD Gothic Neo" panose="02000300000000000000" pitchFamily="2" charset="-127"/>
+              </a:rPr>
+              <a:t> </a:t>
+            </a:r>
+            <a:r>
+              <a:rPr lang="ko-KR" altLang="en-US" sz="1700">
+                <a:effectLst/>
+                <a:latin typeface="Apple SD Gothic Neo" panose="02000300000000000000" pitchFamily="2" charset="-127"/>
+                <a:ea typeface="Apple SD Gothic Neo" panose="02000300000000000000" pitchFamily="2" charset="-127"/>
+              </a:rPr>
+              <a:t>정책의</a:t>
+            </a:r>
+            <a:r>
+              <a:rPr lang="ko-KR" altLang="en-US" sz="1700">
+                <a:effectLst/>
+                <a:latin typeface="Helvetica Neue" panose="02000503000000020004" pitchFamily="2" charset="0"/>
+                <a:ea typeface="Apple SD Gothic Neo" panose="02000300000000000000" pitchFamily="2" charset="-127"/>
+              </a:rPr>
+              <a:t> </a:t>
+            </a:r>
+            <a:r>
+              <a:rPr lang="ko-KR" altLang="en-US" sz="1700">
+                <a:effectLst/>
+                <a:latin typeface="Apple SD Gothic Neo" panose="02000300000000000000" pitchFamily="2" charset="-127"/>
+                <a:ea typeface="Apple SD Gothic Neo" panose="02000300000000000000" pitchFamily="2" charset="-127"/>
+              </a:rPr>
+              <a:t>중요한</a:t>
+            </a:r>
+            <a:r>
+              <a:rPr lang="ko-KR" altLang="en-US" sz="1700">
+                <a:effectLst/>
+                <a:latin typeface="Helvetica Neue" panose="02000503000000020004" pitchFamily="2" charset="0"/>
+                <a:ea typeface="Apple SD Gothic Neo" panose="02000300000000000000" pitchFamily="2" charset="-127"/>
+              </a:rPr>
+              <a:t> </a:t>
+            </a:r>
+            <a:r>
+              <a:rPr lang="ko-KR" altLang="en-US" sz="1700">
+                <a:effectLst/>
+                <a:latin typeface="Apple SD Gothic Neo" panose="02000300000000000000" pitchFamily="2" charset="-127"/>
+                <a:ea typeface="Apple SD Gothic Neo" panose="02000300000000000000" pitchFamily="2" charset="-127"/>
+              </a:rPr>
+              <a:t>모델이자</a:t>
+            </a:r>
+            <a:r>
+              <a:rPr lang="ko-KR" altLang="en-US" sz="1700">
+                <a:effectLst/>
+                <a:latin typeface="Helvetica Neue" panose="02000503000000020004" pitchFamily="2" charset="0"/>
+                <a:ea typeface="Apple SD Gothic Neo" panose="02000300000000000000" pitchFamily="2" charset="-127"/>
+              </a:rPr>
+              <a:t> </a:t>
+            </a:r>
+            <a:r>
+              <a:rPr lang="ko-KR" altLang="en-US" sz="1700">
+                <a:effectLst/>
+                <a:latin typeface="Apple SD Gothic Neo" panose="02000300000000000000" pitchFamily="2" charset="-127"/>
+                <a:ea typeface="Apple SD Gothic Neo" panose="02000300000000000000" pitchFamily="2" charset="-127"/>
+              </a:rPr>
+              <a:t>글로벌</a:t>
+            </a:r>
+            <a:r>
+              <a:rPr lang="ko-KR" altLang="en-US" sz="1700">
+                <a:effectLst/>
+                <a:latin typeface="Helvetica Neue" panose="02000503000000020004" pitchFamily="2" charset="0"/>
+                <a:ea typeface="Apple SD Gothic Neo" panose="02000300000000000000" pitchFamily="2" charset="-127"/>
+              </a:rPr>
+              <a:t> </a:t>
+            </a:r>
+            <a:r>
+              <a:rPr lang="ko-KR" altLang="en-US" sz="1700">
+                <a:effectLst/>
+                <a:latin typeface="Apple SD Gothic Neo" panose="02000300000000000000" pitchFamily="2" charset="-127"/>
+                <a:ea typeface="Apple SD Gothic Neo" panose="02000300000000000000" pitchFamily="2" charset="-127"/>
+              </a:rPr>
+              <a:t>경제</a:t>
+            </a:r>
+            <a:r>
+              <a:rPr lang="ko-KR" altLang="en-US" sz="1700">
+                <a:effectLst/>
+                <a:latin typeface="Helvetica Neue" panose="02000503000000020004" pitchFamily="2" charset="0"/>
+                <a:ea typeface="Apple SD Gothic Neo" panose="02000300000000000000" pitchFamily="2" charset="-127"/>
+              </a:rPr>
+              <a:t> </a:t>
+            </a:r>
+            <a:r>
+              <a:rPr lang="ko-KR" altLang="en-US" sz="1700">
+                <a:effectLst/>
+                <a:latin typeface="Apple SD Gothic Neo" panose="02000300000000000000" pitchFamily="2" charset="-127"/>
+                <a:ea typeface="Apple SD Gothic Neo" panose="02000300000000000000" pitchFamily="2" charset="-127"/>
+              </a:rPr>
+              <a:t>체계에서</a:t>
+            </a:r>
+            <a:r>
+              <a:rPr lang="ko-KR" altLang="en-US" sz="1700">
+                <a:effectLst/>
+                <a:latin typeface="Helvetica Neue" panose="02000503000000020004" pitchFamily="2" charset="0"/>
+                <a:ea typeface="Apple SD Gothic Neo" panose="02000300000000000000" pitchFamily="2" charset="-127"/>
+              </a:rPr>
+              <a:t> </a:t>
+            </a:r>
+            <a:r>
+              <a:rPr lang="ko-KR" altLang="en-US" sz="1700">
+                <a:effectLst/>
+                <a:latin typeface="Apple SD Gothic Neo" panose="02000300000000000000" pitchFamily="2" charset="-127"/>
+                <a:ea typeface="Apple SD Gothic Neo" panose="02000300000000000000" pitchFamily="2" charset="-127"/>
+              </a:rPr>
+              <a:t>신뢰받는</a:t>
+            </a:r>
+            <a:r>
+              <a:rPr lang="ko-KR" altLang="en-US" sz="1700">
+                <a:effectLst/>
+                <a:latin typeface="Helvetica Neue" panose="02000503000000020004" pitchFamily="2" charset="0"/>
+                <a:ea typeface="Apple SD Gothic Neo" panose="02000300000000000000" pitchFamily="2" charset="-127"/>
+              </a:rPr>
+              <a:t> </a:t>
+            </a:r>
+            <a:r>
+              <a:rPr lang="ko-KR" altLang="en-US" sz="1700">
+                <a:effectLst/>
+                <a:latin typeface="Apple SD Gothic Neo" panose="02000300000000000000" pitchFamily="2" charset="-127"/>
+                <a:ea typeface="Apple SD Gothic Neo" panose="02000300000000000000" pitchFamily="2" charset="-127"/>
+              </a:rPr>
+              <a:t>경제</a:t>
+            </a:r>
+            <a:r>
+              <a:rPr lang="ko-KR" altLang="en-US" sz="1700">
+                <a:effectLst/>
+                <a:latin typeface="Helvetica Neue" panose="02000503000000020004" pitchFamily="2" charset="0"/>
+                <a:ea typeface="Apple SD Gothic Neo" panose="02000300000000000000" pitchFamily="2" charset="-127"/>
+              </a:rPr>
+              <a:t> </a:t>
+            </a:r>
+            <a:r>
+              <a:rPr lang="ko-KR" altLang="en-US" sz="1700">
+                <a:effectLst/>
+                <a:latin typeface="Apple SD Gothic Neo" panose="02000300000000000000" pitchFamily="2" charset="-127"/>
+                <a:ea typeface="Apple SD Gothic Neo" panose="02000300000000000000" pitchFamily="2" charset="-127"/>
+              </a:rPr>
+              <a:t>질서를</a:t>
+            </a:r>
+            <a:r>
+              <a:rPr lang="ko-KR" altLang="en-US" sz="1700">
+                <a:effectLst/>
+                <a:latin typeface="Helvetica Neue" panose="02000503000000020004" pitchFamily="2" charset="0"/>
+                <a:ea typeface="Apple SD Gothic Neo" panose="02000300000000000000" pitchFamily="2" charset="-127"/>
+              </a:rPr>
+              <a:t> </a:t>
+            </a:r>
+            <a:r>
+              <a:rPr lang="ko-KR" altLang="en-US" sz="1700">
+                <a:effectLst/>
+                <a:latin typeface="Apple SD Gothic Neo" panose="02000300000000000000" pitchFamily="2" charset="-127"/>
+                <a:ea typeface="Apple SD Gothic Neo" panose="02000300000000000000" pitchFamily="2" charset="-127"/>
+              </a:rPr>
+              <a:t>확립하는</a:t>
+            </a:r>
+            <a:r>
+              <a:rPr lang="ko-KR" altLang="en-US" sz="1700">
+                <a:effectLst/>
+                <a:latin typeface="Helvetica Neue" panose="02000503000000020004" pitchFamily="2" charset="0"/>
+                <a:ea typeface="Apple SD Gothic Neo" panose="02000300000000000000" pitchFamily="2" charset="-127"/>
+              </a:rPr>
+              <a:t> </a:t>
+            </a:r>
+            <a:r>
+              <a:rPr lang="ko-KR" altLang="en-US" sz="1700">
+                <a:effectLst/>
+                <a:latin typeface="Apple SD Gothic Neo" panose="02000300000000000000" pitchFamily="2" charset="-127"/>
+                <a:ea typeface="Apple SD Gothic Neo" panose="02000300000000000000" pitchFamily="2" charset="-127"/>
+              </a:rPr>
+              <a:t>기틀이</a:t>
+            </a:r>
+            <a:r>
+              <a:rPr lang="ko-KR" altLang="en-US" sz="1700">
+                <a:effectLst/>
+                <a:latin typeface="Helvetica Neue" panose="02000503000000020004" pitchFamily="2" charset="0"/>
+                <a:ea typeface="Apple SD Gothic Neo" panose="02000300000000000000" pitchFamily="2" charset="-127"/>
+              </a:rPr>
+              <a:t> </a:t>
+            </a:r>
+            <a:r>
+              <a:rPr lang="ko-KR" altLang="en-US" sz="1700">
+                <a:effectLst/>
+                <a:latin typeface="Apple SD Gothic Neo" panose="02000300000000000000" pitchFamily="2" charset="-127"/>
+                <a:ea typeface="Apple SD Gothic Neo" panose="02000300000000000000" pitchFamily="2" charset="-127"/>
+              </a:rPr>
+              <a:t>되었습니다</a:t>
+            </a:r>
+            <a:r>
+              <a:rPr lang="en-US" altLang="ko-KR" sz="1700">
+                <a:effectLst/>
+                <a:latin typeface="Helvetica Neue" panose="02000503000000020004" pitchFamily="2" charset="0"/>
+                <a:ea typeface="Apple SD Gothic Neo" panose="02000300000000000000" pitchFamily="2" charset="-127"/>
+              </a:rPr>
+              <a:t>. </a:t>
+            </a:r>
+            <a:r>
+              <a:rPr lang="ko-KR" altLang="en-US" sz="1700">
+                <a:effectLst/>
+                <a:latin typeface="Apple SD Gothic Neo" panose="02000300000000000000" pitchFamily="2" charset="-127"/>
+                <a:ea typeface="Apple SD Gothic Neo" panose="02000300000000000000" pitchFamily="2" charset="-127"/>
+              </a:rPr>
+              <a:t>이를</a:t>
+            </a:r>
+            <a:r>
+              <a:rPr lang="ko-KR" altLang="en-US" sz="1700">
+                <a:effectLst/>
+                <a:latin typeface="Helvetica Neue" panose="02000503000000020004" pitchFamily="2" charset="0"/>
+                <a:ea typeface="Apple SD Gothic Neo" panose="02000300000000000000" pitchFamily="2" charset="-127"/>
+              </a:rPr>
+              <a:t> </a:t>
+            </a:r>
+            <a:r>
+              <a:rPr lang="ko-KR" altLang="en-US" sz="1700">
+                <a:effectLst/>
+                <a:latin typeface="Apple SD Gothic Neo" panose="02000300000000000000" pitchFamily="2" charset="-127"/>
+                <a:ea typeface="Apple SD Gothic Neo" panose="02000300000000000000" pitchFamily="2" charset="-127"/>
+              </a:rPr>
+              <a:t>통해</a:t>
+            </a:r>
+            <a:r>
+              <a:rPr lang="ko-KR" altLang="en-US" sz="1700">
+                <a:effectLst/>
+                <a:latin typeface="Helvetica Neue" panose="02000503000000020004" pitchFamily="2" charset="0"/>
+                <a:ea typeface="Apple SD Gothic Neo" panose="02000300000000000000" pitchFamily="2" charset="-127"/>
+              </a:rPr>
+              <a:t> </a:t>
+            </a:r>
+            <a:r>
+              <a:rPr lang="ko-KR" altLang="en-US" sz="1700">
+                <a:effectLst/>
+                <a:latin typeface="Apple SD Gothic Neo" panose="02000300000000000000" pitchFamily="2" charset="-127"/>
+                <a:ea typeface="Apple SD Gothic Neo" panose="02000300000000000000" pitchFamily="2" charset="-127"/>
+              </a:rPr>
+              <a:t>부패</a:t>
+            </a:r>
+            <a:r>
+              <a:rPr lang="ko-KR" altLang="en-US" sz="1700">
+                <a:effectLst/>
+                <a:latin typeface="Helvetica Neue" panose="02000503000000020004" pitchFamily="2" charset="0"/>
+                <a:ea typeface="Apple SD Gothic Neo" panose="02000300000000000000" pitchFamily="2" charset="-127"/>
+              </a:rPr>
+              <a:t> </a:t>
+            </a:r>
+            <a:r>
+              <a:rPr lang="ko-KR" altLang="en-US" sz="1700">
+                <a:effectLst/>
+                <a:latin typeface="Apple SD Gothic Neo" panose="02000300000000000000" pitchFamily="2" charset="-127"/>
+                <a:ea typeface="Apple SD Gothic Neo" panose="02000300000000000000" pitchFamily="2" charset="-127"/>
+              </a:rPr>
+              <a:t>없는</a:t>
+            </a:r>
+            <a:r>
+              <a:rPr lang="ko-KR" altLang="en-US" sz="1700">
+                <a:effectLst/>
+                <a:latin typeface="Helvetica Neue" panose="02000503000000020004" pitchFamily="2" charset="0"/>
+                <a:ea typeface="Apple SD Gothic Neo" panose="02000300000000000000" pitchFamily="2" charset="-127"/>
+              </a:rPr>
+              <a:t> </a:t>
+            </a:r>
+            <a:r>
+              <a:rPr lang="ko-KR" altLang="en-US" sz="1700">
+                <a:effectLst/>
+                <a:latin typeface="Apple SD Gothic Neo" panose="02000300000000000000" pitchFamily="2" charset="-127"/>
+                <a:ea typeface="Apple SD Gothic Neo" panose="02000300000000000000" pitchFamily="2" charset="-127"/>
+              </a:rPr>
+              <a:t>투명한</a:t>
+            </a:r>
+            <a:r>
+              <a:rPr lang="ko-KR" altLang="en-US" sz="1700">
+                <a:effectLst/>
+                <a:latin typeface="Helvetica Neue" panose="02000503000000020004" pitchFamily="2" charset="0"/>
+                <a:ea typeface="Apple SD Gothic Neo" panose="02000300000000000000" pitchFamily="2" charset="-127"/>
+              </a:rPr>
+              <a:t> </a:t>
+            </a:r>
+            <a:r>
+              <a:rPr lang="ko-KR" altLang="en-US" sz="1700">
+                <a:effectLst/>
+                <a:latin typeface="Apple SD Gothic Neo" panose="02000300000000000000" pitchFamily="2" charset="-127"/>
+                <a:ea typeface="Apple SD Gothic Neo" panose="02000300000000000000" pitchFamily="2" charset="-127"/>
+              </a:rPr>
+              <a:t>경제</a:t>
+            </a:r>
+            <a:r>
+              <a:rPr lang="ko-KR" altLang="en-US" sz="1700">
+                <a:effectLst/>
+                <a:latin typeface="Helvetica Neue" panose="02000503000000020004" pitchFamily="2" charset="0"/>
+                <a:ea typeface="Apple SD Gothic Neo" panose="02000300000000000000" pitchFamily="2" charset="-127"/>
+              </a:rPr>
+              <a:t> </a:t>
+            </a:r>
+            <a:r>
+              <a:rPr lang="ko-KR" altLang="en-US" sz="1700">
+                <a:effectLst/>
+                <a:latin typeface="Apple SD Gothic Neo" panose="02000300000000000000" pitchFamily="2" charset="-127"/>
+                <a:ea typeface="Apple SD Gothic Neo" panose="02000300000000000000" pitchFamily="2" charset="-127"/>
+              </a:rPr>
+              <a:t>시스템</a:t>
+            </a:r>
+            <a:r>
+              <a:rPr lang="ko-KR" altLang="en-US" sz="1700">
+                <a:effectLst/>
+                <a:latin typeface="Helvetica Neue" panose="02000503000000020004" pitchFamily="2" charset="0"/>
+                <a:ea typeface="Apple SD Gothic Neo" panose="02000300000000000000" pitchFamily="2" charset="-127"/>
+              </a:rPr>
+              <a:t> </a:t>
+            </a:r>
+            <a:r>
+              <a:rPr lang="ko-KR" altLang="en-US" sz="1700">
+                <a:effectLst/>
+                <a:latin typeface="Apple SD Gothic Neo" panose="02000300000000000000" pitchFamily="2" charset="-127"/>
+                <a:ea typeface="Apple SD Gothic Neo" panose="02000300000000000000" pitchFamily="2" charset="-127"/>
+              </a:rPr>
+              <a:t>구축과</a:t>
+            </a:r>
+            <a:r>
+              <a:rPr lang="ko-KR" altLang="en-US" sz="1700">
+                <a:effectLst/>
+                <a:latin typeface="Helvetica Neue" panose="02000503000000020004" pitchFamily="2" charset="0"/>
+                <a:ea typeface="Apple SD Gothic Neo" panose="02000300000000000000" pitchFamily="2" charset="-127"/>
+              </a:rPr>
+              <a:t> </a:t>
+            </a:r>
+            <a:r>
+              <a:rPr lang="ko-KR" altLang="en-US" sz="1700">
+                <a:effectLst/>
+                <a:latin typeface="Apple SD Gothic Neo" panose="02000300000000000000" pitchFamily="2" charset="-127"/>
+                <a:ea typeface="Apple SD Gothic Neo" panose="02000300000000000000" pitchFamily="2" charset="-127"/>
               </a:rPr>
               <a:t>사회적</a:t>
             </a:r>
             <a:r>
-              <a:rPr lang="en-US" altLang="ko-KR" dirty="0">
-                <a:effectLst/>
+              <a:rPr lang="en-US" altLang="ko-KR" sz="1700">
+                <a:effectLst/>
+                <a:latin typeface="Helvetica Neue" panose="02000503000000020004" pitchFamily="2" charset="0"/>
+                <a:ea typeface="Apple SD Gothic Neo" panose="02000300000000000000" pitchFamily="2" charset="-127"/>
               </a:rPr>
               <a:t>·</a:t>
             </a:r>
             <a:r>
-              <a:rPr lang="ko-KR" altLang="en-US" dirty="0">
-                <a:effectLst/>
-              </a:rPr>
-              <a:t>경제적 공정성 실현</a:t>
-            </a:r>
-            <a:r>
-              <a:rPr lang="en-US" altLang="ko-KR" dirty="0">
-                <a:effectLst/>
-              </a:rPr>
-              <a:t>: </a:t>
-            </a:r>
-            <a:r>
-              <a:rPr lang="ko-KR" altLang="en-US" dirty="0">
-                <a:effectLst/>
-              </a:rPr>
-              <a:t>부패 없는 투명한 시스템 구축</a:t>
-            </a:r>
-            <a:endParaRPr lang="en-US" altLang="ko-KR" dirty="0">
+              <a:rPr lang="ko-KR" altLang="en-US" sz="1700">
+                <a:effectLst/>
+                <a:latin typeface="Apple SD Gothic Neo" panose="02000300000000000000" pitchFamily="2" charset="-127"/>
+                <a:ea typeface="Apple SD Gothic Neo" panose="02000300000000000000" pitchFamily="2" charset="-127"/>
+              </a:rPr>
+              <a:t>경제적</a:t>
+            </a:r>
+            <a:r>
+              <a:rPr lang="ko-KR" altLang="en-US" sz="1700">
+                <a:effectLst/>
+                <a:latin typeface="Helvetica Neue" panose="02000503000000020004" pitchFamily="2" charset="0"/>
+                <a:ea typeface="Apple SD Gothic Neo" panose="02000300000000000000" pitchFamily="2" charset="-127"/>
+              </a:rPr>
+              <a:t> </a:t>
+            </a:r>
+            <a:r>
+              <a:rPr lang="ko-KR" altLang="en-US" sz="1700">
+                <a:effectLst/>
+                <a:latin typeface="Apple SD Gothic Neo" panose="02000300000000000000" pitchFamily="2" charset="-127"/>
+                <a:ea typeface="Apple SD Gothic Neo" panose="02000300000000000000" pitchFamily="2" charset="-127"/>
+              </a:rPr>
+              <a:t>공정성을</a:t>
+            </a:r>
+            <a:r>
+              <a:rPr lang="ko-KR" altLang="en-US" sz="1700">
+                <a:effectLst/>
+                <a:latin typeface="Helvetica Neue" panose="02000503000000020004" pitchFamily="2" charset="0"/>
+                <a:ea typeface="Apple SD Gothic Neo" panose="02000300000000000000" pitchFamily="2" charset="-127"/>
+              </a:rPr>
+              <a:t> </a:t>
+            </a:r>
+            <a:r>
+              <a:rPr lang="ko-KR" altLang="en-US" sz="1700">
+                <a:effectLst/>
+                <a:latin typeface="Apple SD Gothic Neo" panose="02000300000000000000" pitchFamily="2" charset="-127"/>
+                <a:ea typeface="Apple SD Gothic Neo" panose="02000300000000000000" pitchFamily="2" charset="-127"/>
+              </a:rPr>
+              <a:t>실현하며</a:t>
+            </a:r>
+            <a:r>
+              <a:rPr lang="ko-KR" altLang="en-US" sz="1700">
+                <a:effectLst/>
+                <a:latin typeface="Helvetica Neue" panose="02000503000000020004" pitchFamily="2" charset="0"/>
+                <a:ea typeface="Apple SD Gothic Neo" panose="02000300000000000000" pitchFamily="2" charset="-127"/>
+              </a:rPr>
+              <a:t> </a:t>
+            </a:r>
+            <a:r>
+              <a:rPr lang="ko-KR" altLang="en-US" sz="1700">
+                <a:effectLst/>
+                <a:latin typeface="Apple SD Gothic Neo" panose="02000300000000000000" pitchFamily="2" charset="-127"/>
+                <a:ea typeface="Apple SD Gothic Neo" panose="02000300000000000000" pitchFamily="2" charset="-127"/>
+              </a:rPr>
+              <a:t>대한민국</a:t>
+            </a:r>
+            <a:r>
+              <a:rPr lang="ko-KR" altLang="en-US" sz="1700">
+                <a:effectLst/>
+                <a:latin typeface="Helvetica Neue" panose="02000503000000020004" pitchFamily="2" charset="0"/>
+                <a:ea typeface="Apple SD Gothic Neo" panose="02000300000000000000" pitchFamily="2" charset="-127"/>
+              </a:rPr>
+              <a:t> </a:t>
+            </a:r>
+            <a:r>
+              <a:rPr lang="ko-KR" altLang="en-US" sz="1700">
+                <a:effectLst/>
+                <a:latin typeface="Apple SD Gothic Neo" panose="02000300000000000000" pitchFamily="2" charset="-127"/>
+                <a:ea typeface="Apple SD Gothic Neo" panose="02000300000000000000" pitchFamily="2" charset="-127"/>
+              </a:rPr>
+              <a:t>경제사에</a:t>
+            </a:r>
+            <a:r>
+              <a:rPr lang="ko-KR" altLang="en-US" sz="1700">
+                <a:effectLst/>
+                <a:latin typeface="Helvetica Neue" panose="02000503000000020004" pitchFamily="2" charset="0"/>
+                <a:ea typeface="Apple SD Gothic Neo" panose="02000300000000000000" pitchFamily="2" charset="-127"/>
+              </a:rPr>
+              <a:t> </a:t>
+            </a:r>
+            <a:r>
+              <a:rPr lang="ko-KR" altLang="en-US" sz="1700">
+                <a:effectLst/>
+                <a:latin typeface="Apple SD Gothic Neo" panose="02000300000000000000" pitchFamily="2" charset="-127"/>
+                <a:ea typeface="Apple SD Gothic Neo" panose="02000300000000000000" pitchFamily="2" charset="-127"/>
+              </a:rPr>
+              <a:t>의미</a:t>
+            </a:r>
+            <a:r>
+              <a:rPr lang="ko-KR" altLang="en-US" sz="1700">
+                <a:effectLst/>
+                <a:latin typeface="Helvetica Neue" panose="02000503000000020004" pitchFamily="2" charset="0"/>
+                <a:ea typeface="Apple SD Gothic Neo" panose="02000300000000000000" pitchFamily="2" charset="-127"/>
+              </a:rPr>
+              <a:t> </a:t>
+            </a:r>
+            <a:r>
+              <a:rPr lang="ko-KR" altLang="en-US" sz="1700">
+                <a:effectLst/>
+                <a:latin typeface="Apple SD Gothic Neo" panose="02000300000000000000" pitchFamily="2" charset="-127"/>
+                <a:ea typeface="Apple SD Gothic Neo" panose="02000300000000000000" pitchFamily="2" charset="-127"/>
+              </a:rPr>
+              <a:t>깊은</a:t>
+            </a:r>
+            <a:r>
+              <a:rPr lang="ko-KR" altLang="en-US" sz="1700">
+                <a:effectLst/>
+                <a:latin typeface="Helvetica Neue" panose="02000503000000020004" pitchFamily="2" charset="0"/>
+                <a:ea typeface="Apple SD Gothic Neo" panose="02000300000000000000" pitchFamily="2" charset="-127"/>
+              </a:rPr>
+              <a:t> </a:t>
+            </a:r>
+            <a:r>
+              <a:rPr lang="ko-KR" altLang="en-US" sz="1700">
+                <a:effectLst/>
+                <a:latin typeface="Apple SD Gothic Neo" panose="02000300000000000000" pitchFamily="2" charset="-127"/>
+                <a:ea typeface="Apple SD Gothic Neo" panose="02000300000000000000" pitchFamily="2" charset="-127"/>
+              </a:rPr>
+              <a:t>개혁</a:t>
+            </a:r>
+            <a:r>
+              <a:rPr lang="ko-KR" altLang="en-US" sz="1700">
+                <a:effectLst/>
+                <a:latin typeface="Helvetica Neue" panose="02000503000000020004" pitchFamily="2" charset="0"/>
+                <a:ea typeface="Apple SD Gothic Neo" panose="02000300000000000000" pitchFamily="2" charset="-127"/>
+              </a:rPr>
+              <a:t> </a:t>
+            </a:r>
+            <a:r>
+              <a:rPr lang="ko-KR" altLang="en-US" sz="1700">
+                <a:effectLst/>
+                <a:latin typeface="Apple SD Gothic Neo" panose="02000300000000000000" pitchFamily="2" charset="-127"/>
+                <a:ea typeface="Apple SD Gothic Neo" panose="02000300000000000000" pitchFamily="2" charset="-127"/>
+              </a:rPr>
+              <a:t>정책으로</a:t>
+            </a:r>
+            <a:r>
+              <a:rPr lang="ko-KR" altLang="en-US" sz="1700">
+                <a:effectLst/>
+                <a:latin typeface="Helvetica Neue" panose="02000503000000020004" pitchFamily="2" charset="0"/>
+                <a:ea typeface="Apple SD Gothic Neo" panose="02000300000000000000" pitchFamily="2" charset="-127"/>
+              </a:rPr>
+              <a:t> </a:t>
+            </a:r>
+            <a:r>
+              <a:rPr lang="ko-KR" altLang="en-US" sz="1700">
+                <a:effectLst/>
+                <a:latin typeface="Apple SD Gothic Neo" panose="02000300000000000000" pitchFamily="2" charset="-127"/>
+                <a:ea typeface="Apple SD Gothic Neo" panose="02000300000000000000" pitchFamily="2" charset="-127"/>
+              </a:rPr>
+              <a:t>평가받고</a:t>
+            </a:r>
+            <a:r>
+              <a:rPr lang="ko-KR" altLang="en-US" sz="1700">
+                <a:effectLst/>
+                <a:latin typeface="Helvetica Neue" panose="02000503000000020004" pitchFamily="2" charset="0"/>
+                <a:ea typeface="Apple SD Gothic Neo" panose="02000300000000000000" pitchFamily="2" charset="-127"/>
+              </a:rPr>
+              <a:t> </a:t>
+            </a:r>
+            <a:r>
+              <a:rPr lang="ko-KR" altLang="en-US" sz="1700">
+                <a:effectLst/>
+                <a:latin typeface="Apple SD Gothic Neo" panose="02000300000000000000" pitchFamily="2" charset="-127"/>
+                <a:ea typeface="Apple SD Gothic Neo" panose="02000300000000000000" pitchFamily="2" charset="-127"/>
+              </a:rPr>
+              <a:t>있습니다</a:t>
+            </a:r>
+            <a:r>
+              <a:rPr lang="en-US" altLang="ko-KR" sz="1700">
+                <a:effectLst/>
+                <a:latin typeface="Helvetica Neue" panose="02000503000000020004" pitchFamily="2" charset="0"/>
+                <a:ea typeface="Apple SD Gothic Neo" panose="02000300000000000000" pitchFamily="2" charset="-127"/>
+              </a:rPr>
+              <a:t>.</a:t>
+            </a:r>
+            <a:endParaRPr lang="ko-KR" altLang="en-US" sz="1700">
               <a:effectLst/>
+              <a:latin typeface="Apple SD Gothic Neo" panose="02000300000000000000" pitchFamily="2" charset="-127"/>
+              <a:ea typeface="Apple SD Gothic Neo" panose="02000300000000000000" pitchFamily="2" charset="-127"/>
             </a:endParaRPr>
           </a:p>
           <a:p>
             <a:r>
-              <a:rPr lang="ko-KR" altLang="en-US" dirty="0">
-                <a:effectLst/>
-              </a:rPr>
-              <a:t>대한민국 경제사에서 중요한 전환점</a:t>
-            </a:r>
-            <a:r>
-              <a:rPr lang="en-US" altLang="ko-KR" dirty="0">
-                <a:effectLst/>
-              </a:rPr>
-              <a:t>: </a:t>
-            </a:r>
-            <a:r>
-              <a:rPr lang="ko-KR" altLang="en-US" dirty="0">
-                <a:effectLst/>
-              </a:rPr>
-              <a:t>금융실명제는 한국 경제의 발전과 신뢰를 위한 중요한 개혁 정책으로 평가됨 </a:t>
-            </a:r>
-            <a:endParaRPr lang="en-US" dirty="0"/>
+              <a:rPr lang="ko-KR" altLang="en-US" sz="1700">
+                <a:effectLst/>
+                <a:latin typeface="Apple SD Gothic Neo" panose="02000300000000000000" pitchFamily="2" charset="-127"/>
+                <a:ea typeface="Apple SD Gothic Neo" panose="02000300000000000000" pitchFamily="2" charset="-127"/>
+              </a:rPr>
+              <a:t>김영삼</a:t>
+            </a:r>
+            <a:r>
+              <a:rPr lang="ko-KR" altLang="en-US" sz="1700">
+                <a:effectLst/>
+                <a:latin typeface="Helvetica Neue" panose="02000503000000020004" pitchFamily="2" charset="0"/>
+                <a:ea typeface="Apple SD Gothic Neo" panose="02000300000000000000" pitchFamily="2" charset="-127"/>
+              </a:rPr>
+              <a:t> </a:t>
+            </a:r>
+            <a:r>
+              <a:rPr lang="ko-KR" altLang="en-US" sz="1700">
+                <a:effectLst/>
+                <a:latin typeface="Apple SD Gothic Neo" panose="02000300000000000000" pitchFamily="2" charset="-127"/>
+                <a:ea typeface="Apple SD Gothic Neo" panose="02000300000000000000" pitchFamily="2" charset="-127"/>
+              </a:rPr>
+              <a:t>정부의</a:t>
+            </a:r>
+            <a:r>
+              <a:rPr lang="ko-KR" altLang="en-US" sz="1700">
+                <a:effectLst/>
+                <a:latin typeface="Helvetica Neue" panose="02000503000000020004" pitchFamily="2" charset="0"/>
+                <a:ea typeface="Apple SD Gothic Neo" panose="02000300000000000000" pitchFamily="2" charset="-127"/>
+              </a:rPr>
+              <a:t> </a:t>
+            </a:r>
+            <a:r>
+              <a:rPr lang="ko-KR" altLang="en-US" sz="1700">
+                <a:effectLst/>
+                <a:latin typeface="Apple SD Gothic Neo" panose="02000300000000000000" pitchFamily="2" charset="-127"/>
+                <a:ea typeface="Apple SD Gothic Neo" panose="02000300000000000000" pitchFamily="2" charset="-127"/>
+              </a:rPr>
+              <a:t>금융실명제는</a:t>
+            </a:r>
+            <a:r>
+              <a:rPr lang="ko-KR" altLang="en-US" sz="1700">
+                <a:effectLst/>
+                <a:latin typeface="Helvetica Neue" panose="02000503000000020004" pitchFamily="2" charset="0"/>
+                <a:ea typeface="Apple SD Gothic Neo" panose="02000300000000000000" pitchFamily="2" charset="-127"/>
+              </a:rPr>
+              <a:t> </a:t>
+            </a:r>
+            <a:r>
+              <a:rPr lang="ko-KR" altLang="en-US" sz="1700">
+                <a:effectLst/>
+                <a:latin typeface="Apple SD Gothic Neo" panose="02000300000000000000" pitchFamily="2" charset="-127"/>
+                <a:ea typeface="Apple SD Gothic Neo" panose="02000300000000000000" pitchFamily="2" charset="-127"/>
+              </a:rPr>
+              <a:t>부패와</a:t>
+            </a:r>
+            <a:r>
+              <a:rPr lang="ko-KR" altLang="en-US" sz="1700">
+                <a:effectLst/>
+                <a:latin typeface="Helvetica Neue" panose="02000503000000020004" pitchFamily="2" charset="0"/>
+                <a:ea typeface="Apple SD Gothic Neo" panose="02000300000000000000" pitchFamily="2" charset="-127"/>
+              </a:rPr>
+              <a:t> </a:t>
+            </a:r>
+            <a:r>
+              <a:rPr lang="ko-KR" altLang="en-US" sz="1700">
+                <a:effectLst/>
+                <a:latin typeface="Apple SD Gothic Neo" panose="02000300000000000000" pitchFamily="2" charset="-127"/>
+                <a:ea typeface="Apple SD Gothic Neo" panose="02000300000000000000" pitchFamily="2" charset="-127"/>
+              </a:rPr>
+              <a:t>비자금</a:t>
+            </a:r>
+            <a:r>
+              <a:rPr lang="ko-KR" altLang="en-US" sz="1700">
+                <a:effectLst/>
+                <a:latin typeface="Helvetica Neue" panose="02000503000000020004" pitchFamily="2" charset="0"/>
+                <a:ea typeface="Apple SD Gothic Neo" panose="02000300000000000000" pitchFamily="2" charset="-127"/>
+              </a:rPr>
+              <a:t> </a:t>
+            </a:r>
+            <a:r>
+              <a:rPr lang="ko-KR" altLang="en-US" sz="1700">
+                <a:effectLst/>
+                <a:latin typeface="Apple SD Gothic Neo" panose="02000300000000000000" pitchFamily="2" charset="-127"/>
+                <a:ea typeface="Apple SD Gothic Neo" panose="02000300000000000000" pitchFamily="2" charset="-127"/>
+              </a:rPr>
+              <a:t>문제를</a:t>
+            </a:r>
+            <a:r>
+              <a:rPr lang="ko-KR" altLang="en-US" sz="1700">
+                <a:effectLst/>
+                <a:latin typeface="Helvetica Neue" panose="02000503000000020004" pitchFamily="2" charset="0"/>
+                <a:ea typeface="Apple SD Gothic Neo" panose="02000300000000000000" pitchFamily="2" charset="-127"/>
+              </a:rPr>
+              <a:t> </a:t>
+            </a:r>
+            <a:r>
+              <a:rPr lang="ko-KR" altLang="en-US" sz="1700">
+                <a:effectLst/>
+                <a:latin typeface="Apple SD Gothic Neo" panose="02000300000000000000" pitchFamily="2" charset="-127"/>
+                <a:ea typeface="Apple SD Gothic Neo" panose="02000300000000000000" pitchFamily="2" charset="-127"/>
+              </a:rPr>
+              <a:t>해결하기</a:t>
+            </a:r>
+            <a:r>
+              <a:rPr lang="ko-KR" altLang="en-US" sz="1700">
+                <a:effectLst/>
+                <a:latin typeface="Helvetica Neue" panose="02000503000000020004" pitchFamily="2" charset="0"/>
+                <a:ea typeface="Apple SD Gothic Neo" panose="02000300000000000000" pitchFamily="2" charset="-127"/>
+              </a:rPr>
+              <a:t> </a:t>
+            </a:r>
+            <a:r>
+              <a:rPr lang="ko-KR" altLang="en-US" sz="1700">
+                <a:effectLst/>
+                <a:latin typeface="Apple SD Gothic Neo" panose="02000300000000000000" pitchFamily="2" charset="-127"/>
+                <a:ea typeface="Apple SD Gothic Neo" panose="02000300000000000000" pitchFamily="2" charset="-127"/>
+              </a:rPr>
+              <a:t>위한</a:t>
+            </a:r>
+            <a:r>
+              <a:rPr lang="ko-KR" altLang="en-US" sz="1700">
+                <a:effectLst/>
+                <a:latin typeface="Helvetica Neue" panose="02000503000000020004" pitchFamily="2" charset="0"/>
+                <a:ea typeface="Apple SD Gothic Neo" panose="02000300000000000000" pitchFamily="2" charset="-127"/>
+              </a:rPr>
+              <a:t> </a:t>
+            </a:r>
+            <a:r>
+              <a:rPr lang="ko-KR" altLang="en-US" sz="1700">
+                <a:effectLst/>
+                <a:latin typeface="Apple SD Gothic Neo" panose="02000300000000000000" pitchFamily="2" charset="-127"/>
+                <a:ea typeface="Apple SD Gothic Neo" panose="02000300000000000000" pitchFamily="2" charset="-127"/>
+              </a:rPr>
+              <a:t>강력한</a:t>
+            </a:r>
+            <a:r>
+              <a:rPr lang="ko-KR" altLang="en-US" sz="1700">
+                <a:effectLst/>
+                <a:latin typeface="Helvetica Neue" panose="02000503000000020004" pitchFamily="2" charset="0"/>
+                <a:ea typeface="Apple SD Gothic Neo" panose="02000300000000000000" pitchFamily="2" charset="-127"/>
+              </a:rPr>
+              <a:t> </a:t>
+            </a:r>
+            <a:r>
+              <a:rPr lang="ko-KR" altLang="en-US" sz="1700">
+                <a:effectLst/>
+                <a:latin typeface="Apple SD Gothic Neo" panose="02000300000000000000" pitchFamily="2" charset="-127"/>
+                <a:ea typeface="Apple SD Gothic Neo" panose="02000300000000000000" pitchFamily="2" charset="-127"/>
+              </a:rPr>
+              <a:t>개혁</a:t>
+            </a:r>
+            <a:r>
+              <a:rPr lang="ko-KR" altLang="en-US" sz="1700">
+                <a:effectLst/>
+                <a:latin typeface="Helvetica Neue" panose="02000503000000020004" pitchFamily="2" charset="0"/>
+                <a:ea typeface="Apple SD Gothic Neo" panose="02000300000000000000" pitchFamily="2" charset="-127"/>
+              </a:rPr>
+              <a:t> </a:t>
+            </a:r>
+            <a:r>
+              <a:rPr lang="ko-KR" altLang="en-US" sz="1700">
+                <a:effectLst/>
+                <a:latin typeface="Apple SD Gothic Neo" panose="02000300000000000000" pitchFamily="2" charset="-127"/>
+                <a:ea typeface="Apple SD Gothic Neo" panose="02000300000000000000" pitchFamily="2" charset="-127"/>
+              </a:rPr>
+              <a:t>정책으로</a:t>
+            </a:r>
+            <a:r>
+              <a:rPr lang="en-US" altLang="ko-KR" sz="1700">
+                <a:effectLst/>
+                <a:latin typeface="Helvetica Neue" panose="02000503000000020004" pitchFamily="2" charset="0"/>
+                <a:ea typeface="Apple SD Gothic Neo" panose="02000300000000000000" pitchFamily="2" charset="-127"/>
+              </a:rPr>
+              <a:t>, </a:t>
+            </a:r>
+            <a:r>
+              <a:rPr lang="ko-KR" altLang="en-US" sz="1700">
+                <a:effectLst/>
+                <a:latin typeface="Apple SD Gothic Neo" panose="02000300000000000000" pitchFamily="2" charset="-127"/>
+                <a:ea typeface="Apple SD Gothic Neo" panose="02000300000000000000" pitchFamily="2" charset="-127"/>
+              </a:rPr>
+              <a:t>금융</a:t>
+            </a:r>
+            <a:r>
+              <a:rPr lang="ko-KR" altLang="en-US" sz="1700">
+                <a:effectLst/>
+                <a:latin typeface="Helvetica Neue" panose="02000503000000020004" pitchFamily="2" charset="0"/>
+                <a:ea typeface="Apple SD Gothic Neo" panose="02000300000000000000" pitchFamily="2" charset="-127"/>
+              </a:rPr>
+              <a:t> </a:t>
+            </a:r>
+            <a:r>
+              <a:rPr lang="ko-KR" altLang="en-US" sz="1700">
+                <a:effectLst/>
+                <a:latin typeface="Apple SD Gothic Neo" panose="02000300000000000000" pitchFamily="2" charset="-127"/>
+                <a:ea typeface="Apple SD Gothic Neo" panose="02000300000000000000" pitchFamily="2" charset="-127"/>
+              </a:rPr>
+              <a:t>질서를</a:t>
+            </a:r>
+            <a:r>
+              <a:rPr lang="ko-KR" altLang="en-US" sz="1700">
+                <a:effectLst/>
+                <a:latin typeface="Helvetica Neue" panose="02000503000000020004" pitchFamily="2" charset="0"/>
+                <a:ea typeface="Apple SD Gothic Neo" panose="02000300000000000000" pitchFamily="2" charset="-127"/>
+              </a:rPr>
+              <a:t> </a:t>
+            </a:r>
+            <a:r>
+              <a:rPr lang="ko-KR" altLang="en-US" sz="1700">
+                <a:effectLst/>
+                <a:latin typeface="Apple SD Gothic Neo" panose="02000300000000000000" pitchFamily="2" charset="-127"/>
+                <a:ea typeface="Apple SD Gothic Neo" panose="02000300000000000000" pitchFamily="2" charset="-127"/>
+              </a:rPr>
+              <a:t>투명하게</a:t>
+            </a:r>
+            <a:r>
+              <a:rPr lang="ko-KR" altLang="en-US" sz="1700">
+                <a:effectLst/>
+                <a:latin typeface="Helvetica Neue" panose="02000503000000020004" pitchFamily="2" charset="0"/>
+                <a:ea typeface="Apple SD Gothic Neo" panose="02000300000000000000" pitchFamily="2" charset="-127"/>
+              </a:rPr>
+              <a:t> </a:t>
+            </a:r>
+            <a:r>
+              <a:rPr lang="ko-KR" altLang="en-US" sz="1700">
+                <a:effectLst/>
+                <a:latin typeface="Apple SD Gothic Neo" panose="02000300000000000000" pitchFamily="2" charset="-127"/>
+                <a:ea typeface="Apple SD Gothic Neo" panose="02000300000000000000" pitchFamily="2" charset="-127"/>
+              </a:rPr>
+              <a:t>하고</a:t>
+            </a:r>
+            <a:r>
+              <a:rPr lang="ko-KR" altLang="en-US" sz="1700">
+                <a:effectLst/>
+                <a:latin typeface="Helvetica Neue" panose="02000503000000020004" pitchFamily="2" charset="0"/>
+                <a:ea typeface="Apple SD Gothic Neo" panose="02000300000000000000" pitchFamily="2" charset="-127"/>
+              </a:rPr>
+              <a:t> </a:t>
+            </a:r>
+            <a:r>
+              <a:rPr lang="ko-KR" altLang="en-US" sz="1700">
+                <a:effectLst/>
+                <a:latin typeface="Apple SD Gothic Neo" panose="02000300000000000000" pitchFamily="2" charset="-127"/>
+                <a:ea typeface="Apple SD Gothic Neo" panose="02000300000000000000" pitchFamily="2" charset="-127"/>
+              </a:rPr>
+              <a:t>경제</a:t>
+            </a:r>
+            <a:r>
+              <a:rPr lang="ko-KR" altLang="en-US" sz="1700">
+                <a:effectLst/>
+                <a:latin typeface="Helvetica Neue" panose="02000503000000020004" pitchFamily="2" charset="0"/>
+                <a:ea typeface="Apple SD Gothic Neo" panose="02000300000000000000" pitchFamily="2" charset="-127"/>
+              </a:rPr>
+              <a:t> </a:t>
+            </a:r>
+            <a:r>
+              <a:rPr lang="ko-KR" altLang="en-US" sz="1700">
+                <a:effectLst/>
+                <a:latin typeface="Apple SD Gothic Neo" panose="02000300000000000000" pitchFamily="2" charset="-127"/>
+                <a:ea typeface="Apple SD Gothic Neo" panose="02000300000000000000" pitchFamily="2" charset="-127"/>
+              </a:rPr>
+              <a:t>정의를</a:t>
+            </a:r>
+            <a:r>
+              <a:rPr lang="ko-KR" altLang="en-US" sz="1700">
+                <a:effectLst/>
+                <a:latin typeface="Helvetica Neue" panose="02000503000000020004" pitchFamily="2" charset="0"/>
+                <a:ea typeface="Apple SD Gothic Neo" panose="02000300000000000000" pitchFamily="2" charset="-127"/>
+              </a:rPr>
+              <a:t> </a:t>
+            </a:r>
+            <a:r>
+              <a:rPr lang="ko-KR" altLang="en-US" sz="1700">
+                <a:effectLst/>
+                <a:latin typeface="Apple SD Gothic Neo" panose="02000300000000000000" pitchFamily="2" charset="-127"/>
+                <a:ea typeface="Apple SD Gothic Neo" panose="02000300000000000000" pitchFamily="2" charset="-127"/>
+              </a:rPr>
+              <a:t>실현하는</a:t>
+            </a:r>
+            <a:r>
+              <a:rPr lang="ko-KR" altLang="en-US" sz="1700">
+                <a:effectLst/>
+                <a:latin typeface="Helvetica Neue" panose="02000503000000020004" pitchFamily="2" charset="0"/>
+                <a:ea typeface="Apple SD Gothic Neo" panose="02000300000000000000" pitchFamily="2" charset="-127"/>
+              </a:rPr>
+              <a:t> </a:t>
+            </a:r>
+            <a:r>
+              <a:rPr lang="ko-KR" altLang="en-US" sz="1700">
+                <a:effectLst/>
+                <a:latin typeface="Apple SD Gothic Neo" panose="02000300000000000000" pitchFamily="2" charset="-127"/>
+                <a:ea typeface="Apple SD Gothic Neo" panose="02000300000000000000" pitchFamily="2" charset="-127"/>
+              </a:rPr>
+              <a:t>기반을</a:t>
+            </a:r>
+            <a:r>
+              <a:rPr lang="ko-KR" altLang="en-US" sz="1700">
+                <a:effectLst/>
+                <a:latin typeface="Helvetica Neue" panose="02000503000000020004" pitchFamily="2" charset="0"/>
+                <a:ea typeface="Apple SD Gothic Neo" panose="02000300000000000000" pitchFamily="2" charset="-127"/>
+              </a:rPr>
+              <a:t> </a:t>
+            </a:r>
+            <a:r>
+              <a:rPr lang="ko-KR" altLang="en-US" sz="1700">
+                <a:effectLst/>
+                <a:latin typeface="Apple SD Gothic Neo" panose="02000300000000000000" pitchFamily="2" charset="-127"/>
+                <a:ea typeface="Apple SD Gothic Neo" panose="02000300000000000000" pitchFamily="2" charset="-127"/>
+              </a:rPr>
+              <a:t>마련했습니다</a:t>
+            </a:r>
+            <a:r>
+              <a:rPr lang="en-US" altLang="ko-KR" sz="1700">
+                <a:effectLst/>
+                <a:latin typeface="Helvetica Neue" panose="02000503000000020004" pitchFamily="2" charset="0"/>
+                <a:ea typeface="Apple SD Gothic Neo" panose="02000300000000000000" pitchFamily="2" charset="-127"/>
+              </a:rPr>
+              <a:t>. </a:t>
+            </a:r>
+            <a:r>
+              <a:rPr lang="ko-KR" altLang="en-US" sz="1700">
+                <a:effectLst/>
+                <a:latin typeface="Apple SD Gothic Neo" panose="02000300000000000000" pitchFamily="2" charset="-127"/>
+                <a:ea typeface="Apple SD Gothic Neo" panose="02000300000000000000" pitchFamily="2" charset="-127"/>
+              </a:rPr>
+              <a:t>이</a:t>
+            </a:r>
+            <a:r>
+              <a:rPr lang="ko-KR" altLang="en-US" sz="1700">
+                <a:effectLst/>
+                <a:latin typeface="Helvetica Neue" panose="02000503000000020004" pitchFamily="2" charset="0"/>
+                <a:ea typeface="Apple SD Gothic Neo" panose="02000300000000000000" pitchFamily="2" charset="-127"/>
+              </a:rPr>
+              <a:t> </a:t>
+            </a:r>
+            <a:r>
+              <a:rPr lang="ko-KR" altLang="en-US" sz="1700">
+                <a:effectLst/>
+                <a:latin typeface="Apple SD Gothic Neo" panose="02000300000000000000" pitchFamily="2" charset="-127"/>
+                <a:ea typeface="Apple SD Gothic Neo" panose="02000300000000000000" pitchFamily="2" charset="-127"/>
+              </a:rPr>
+              <a:t>정책은</a:t>
+            </a:r>
+            <a:r>
+              <a:rPr lang="ko-KR" altLang="en-US" sz="1700">
+                <a:effectLst/>
+                <a:latin typeface="Helvetica Neue" panose="02000503000000020004" pitchFamily="2" charset="0"/>
+                <a:ea typeface="Apple SD Gothic Neo" panose="02000300000000000000" pitchFamily="2" charset="-127"/>
+              </a:rPr>
+              <a:t> </a:t>
+            </a:r>
+            <a:r>
+              <a:rPr lang="ko-KR" altLang="en-US" sz="1700">
+                <a:effectLst/>
+                <a:latin typeface="Apple SD Gothic Neo" panose="02000300000000000000" pitchFamily="2" charset="-127"/>
+                <a:ea typeface="Apple SD Gothic Neo" panose="02000300000000000000" pitchFamily="2" charset="-127"/>
+              </a:rPr>
+              <a:t>경제</a:t>
+            </a:r>
+            <a:r>
+              <a:rPr lang="ko-KR" altLang="en-US" sz="1700">
+                <a:effectLst/>
+                <a:latin typeface="Helvetica Neue" panose="02000503000000020004" pitchFamily="2" charset="0"/>
+                <a:ea typeface="Apple SD Gothic Neo" panose="02000300000000000000" pitchFamily="2" charset="-127"/>
+              </a:rPr>
+              <a:t> </a:t>
+            </a:r>
+            <a:r>
+              <a:rPr lang="ko-KR" altLang="en-US" sz="1700">
+                <a:effectLst/>
+                <a:latin typeface="Apple SD Gothic Neo" panose="02000300000000000000" pitchFamily="2" charset="-127"/>
+                <a:ea typeface="Apple SD Gothic Neo" panose="02000300000000000000" pitchFamily="2" charset="-127"/>
+              </a:rPr>
+              <a:t>전반의</a:t>
+            </a:r>
+            <a:r>
+              <a:rPr lang="ko-KR" altLang="en-US" sz="1700">
+                <a:effectLst/>
+                <a:latin typeface="Helvetica Neue" panose="02000503000000020004" pitchFamily="2" charset="0"/>
+                <a:ea typeface="Apple SD Gothic Neo" panose="02000300000000000000" pitchFamily="2" charset="-127"/>
+              </a:rPr>
+              <a:t> </a:t>
+            </a:r>
+            <a:r>
+              <a:rPr lang="ko-KR" altLang="en-US" sz="1700">
+                <a:effectLst/>
+                <a:latin typeface="Apple SD Gothic Neo" panose="02000300000000000000" pitchFamily="2" charset="-127"/>
+                <a:ea typeface="Apple SD Gothic Neo" panose="02000300000000000000" pitchFamily="2" charset="-127"/>
+              </a:rPr>
+              <a:t>공정성과</a:t>
+            </a:r>
+            <a:r>
+              <a:rPr lang="ko-KR" altLang="en-US" sz="1700">
+                <a:effectLst/>
+                <a:latin typeface="Helvetica Neue" panose="02000503000000020004" pitchFamily="2" charset="0"/>
+                <a:ea typeface="Apple SD Gothic Neo" panose="02000300000000000000" pitchFamily="2" charset="-127"/>
+              </a:rPr>
+              <a:t> </a:t>
+            </a:r>
+            <a:r>
+              <a:rPr lang="ko-KR" altLang="en-US" sz="1700">
+                <a:effectLst/>
+                <a:latin typeface="Apple SD Gothic Neo" panose="02000300000000000000" pitchFamily="2" charset="-127"/>
+                <a:ea typeface="Apple SD Gothic Neo" panose="02000300000000000000" pitchFamily="2" charset="-127"/>
+              </a:rPr>
+              <a:t>투명성을</a:t>
+            </a:r>
+            <a:r>
+              <a:rPr lang="ko-KR" altLang="en-US" sz="1700">
+                <a:effectLst/>
+                <a:latin typeface="Helvetica Neue" panose="02000503000000020004" pitchFamily="2" charset="0"/>
+                <a:ea typeface="Apple SD Gothic Neo" panose="02000300000000000000" pitchFamily="2" charset="-127"/>
+              </a:rPr>
+              <a:t> </a:t>
+            </a:r>
+            <a:r>
+              <a:rPr lang="ko-KR" altLang="en-US" sz="1700">
+                <a:effectLst/>
+                <a:latin typeface="Apple SD Gothic Neo" panose="02000300000000000000" pitchFamily="2" charset="-127"/>
+                <a:ea typeface="Apple SD Gothic Neo" panose="02000300000000000000" pitchFamily="2" charset="-127"/>
+              </a:rPr>
+              <a:t>높이며</a:t>
+            </a:r>
+            <a:r>
+              <a:rPr lang="en-US" altLang="ko-KR" sz="1700">
+                <a:effectLst/>
+                <a:latin typeface="Helvetica Neue" panose="02000503000000020004" pitchFamily="2" charset="0"/>
+                <a:ea typeface="Apple SD Gothic Neo" panose="02000300000000000000" pitchFamily="2" charset="-127"/>
+              </a:rPr>
+              <a:t>, </a:t>
+            </a:r>
+            <a:r>
+              <a:rPr lang="ko-KR" altLang="en-US" sz="1700">
+                <a:effectLst/>
+                <a:latin typeface="Apple SD Gothic Neo" panose="02000300000000000000" pitchFamily="2" charset="-127"/>
+                <a:ea typeface="Apple SD Gothic Neo" panose="02000300000000000000" pitchFamily="2" charset="-127"/>
+              </a:rPr>
+              <a:t>한국</a:t>
+            </a:r>
+            <a:r>
+              <a:rPr lang="ko-KR" altLang="en-US" sz="1700">
+                <a:effectLst/>
+                <a:latin typeface="Helvetica Neue" panose="02000503000000020004" pitchFamily="2" charset="0"/>
+                <a:ea typeface="Apple SD Gothic Neo" panose="02000300000000000000" pitchFamily="2" charset="-127"/>
+              </a:rPr>
+              <a:t> </a:t>
+            </a:r>
+            <a:r>
+              <a:rPr lang="ko-KR" altLang="en-US" sz="1700">
+                <a:effectLst/>
+                <a:latin typeface="Apple SD Gothic Neo" panose="02000300000000000000" pitchFamily="2" charset="-127"/>
+                <a:ea typeface="Apple SD Gothic Neo" panose="02000300000000000000" pitchFamily="2" charset="-127"/>
+              </a:rPr>
+              <a:t>경제가</a:t>
+            </a:r>
+            <a:r>
+              <a:rPr lang="ko-KR" altLang="en-US" sz="1700">
+                <a:effectLst/>
+                <a:latin typeface="Helvetica Neue" panose="02000503000000020004" pitchFamily="2" charset="0"/>
+                <a:ea typeface="Apple SD Gothic Neo" panose="02000300000000000000" pitchFamily="2" charset="-127"/>
+              </a:rPr>
+              <a:t> </a:t>
+            </a:r>
+            <a:r>
+              <a:rPr lang="ko-KR" altLang="en-US" sz="1700">
+                <a:effectLst/>
+                <a:latin typeface="Apple SD Gothic Neo" panose="02000300000000000000" pitchFamily="2" charset="-127"/>
+                <a:ea typeface="Apple SD Gothic Neo" panose="02000300000000000000" pitchFamily="2" charset="-127"/>
+              </a:rPr>
+              <a:t>신뢰를</a:t>
+            </a:r>
+            <a:r>
+              <a:rPr lang="ko-KR" altLang="en-US" sz="1700">
+                <a:effectLst/>
+                <a:latin typeface="Helvetica Neue" panose="02000503000000020004" pitchFamily="2" charset="0"/>
+                <a:ea typeface="Apple SD Gothic Neo" panose="02000300000000000000" pitchFamily="2" charset="-127"/>
+              </a:rPr>
+              <a:t> </a:t>
+            </a:r>
+            <a:r>
+              <a:rPr lang="ko-KR" altLang="en-US" sz="1700">
+                <a:effectLst/>
+                <a:latin typeface="Apple SD Gothic Neo" panose="02000300000000000000" pitchFamily="2" charset="-127"/>
+                <a:ea typeface="Apple SD Gothic Neo" panose="02000300000000000000" pitchFamily="2" charset="-127"/>
+              </a:rPr>
+              <a:t>바탕으로</a:t>
+            </a:r>
+            <a:r>
+              <a:rPr lang="ko-KR" altLang="en-US" sz="1700">
+                <a:effectLst/>
+                <a:latin typeface="Helvetica Neue" panose="02000503000000020004" pitchFamily="2" charset="0"/>
+                <a:ea typeface="Apple SD Gothic Neo" panose="02000300000000000000" pitchFamily="2" charset="-127"/>
+              </a:rPr>
+              <a:t> </a:t>
+            </a:r>
+            <a:r>
+              <a:rPr lang="ko-KR" altLang="en-US" sz="1700">
+                <a:effectLst/>
+                <a:latin typeface="Apple SD Gothic Neo" panose="02000300000000000000" pitchFamily="2" charset="-127"/>
+                <a:ea typeface="Apple SD Gothic Neo" panose="02000300000000000000" pitchFamily="2" charset="-127"/>
+              </a:rPr>
+              <a:t>장기적</a:t>
+            </a:r>
+            <a:r>
+              <a:rPr lang="ko-KR" altLang="en-US" sz="1700">
+                <a:effectLst/>
+                <a:latin typeface="Helvetica Neue" panose="02000503000000020004" pitchFamily="2" charset="0"/>
+                <a:ea typeface="Apple SD Gothic Neo" panose="02000300000000000000" pitchFamily="2" charset="-127"/>
+              </a:rPr>
+              <a:t> </a:t>
+            </a:r>
+            <a:r>
+              <a:rPr lang="ko-KR" altLang="en-US" sz="1700">
+                <a:effectLst/>
+                <a:latin typeface="Apple SD Gothic Neo" panose="02000300000000000000" pitchFamily="2" charset="-127"/>
+                <a:ea typeface="Apple SD Gothic Neo" panose="02000300000000000000" pitchFamily="2" charset="-127"/>
+              </a:rPr>
+              <a:t>발전을</a:t>
+            </a:r>
+            <a:r>
+              <a:rPr lang="ko-KR" altLang="en-US" sz="1700">
+                <a:effectLst/>
+                <a:latin typeface="Helvetica Neue" panose="02000503000000020004" pitchFamily="2" charset="0"/>
+                <a:ea typeface="Apple SD Gothic Neo" panose="02000300000000000000" pitchFamily="2" charset="-127"/>
+              </a:rPr>
+              <a:t> </a:t>
+            </a:r>
+            <a:r>
+              <a:rPr lang="ko-KR" altLang="en-US" sz="1700">
+                <a:effectLst/>
+                <a:latin typeface="Apple SD Gothic Neo" panose="02000300000000000000" pitchFamily="2" charset="-127"/>
+                <a:ea typeface="Apple SD Gothic Neo" panose="02000300000000000000" pitchFamily="2" charset="-127"/>
+              </a:rPr>
+              <a:t>이루는</a:t>
+            </a:r>
+            <a:r>
+              <a:rPr lang="ko-KR" altLang="en-US" sz="1700">
+                <a:effectLst/>
+                <a:latin typeface="Helvetica Neue" panose="02000503000000020004" pitchFamily="2" charset="0"/>
+                <a:ea typeface="Apple SD Gothic Neo" panose="02000300000000000000" pitchFamily="2" charset="-127"/>
+              </a:rPr>
+              <a:t> </a:t>
+            </a:r>
+            <a:r>
+              <a:rPr lang="ko-KR" altLang="en-US" sz="1700">
+                <a:effectLst/>
+                <a:latin typeface="Apple SD Gothic Neo" panose="02000300000000000000" pitchFamily="2" charset="-127"/>
+                <a:ea typeface="Apple SD Gothic Neo" panose="02000300000000000000" pitchFamily="2" charset="-127"/>
+              </a:rPr>
+              <a:t>데</a:t>
+            </a:r>
+            <a:r>
+              <a:rPr lang="ko-KR" altLang="en-US" sz="1700">
+                <a:effectLst/>
+                <a:latin typeface="Helvetica Neue" panose="02000503000000020004" pitchFamily="2" charset="0"/>
+                <a:ea typeface="Apple SD Gothic Neo" panose="02000300000000000000" pitchFamily="2" charset="-127"/>
+              </a:rPr>
+              <a:t> </a:t>
+            </a:r>
+            <a:r>
+              <a:rPr lang="ko-KR" altLang="en-US" sz="1700">
+                <a:effectLst/>
+                <a:latin typeface="Apple SD Gothic Neo" panose="02000300000000000000" pitchFamily="2" charset="-127"/>
+                <a:ea typeface="Apple SD Gothic Neo" panose="02000300000000000000" pitchFamily="2" charset="-127"/>
+              </a:rPr>
+              <a:t>기여했습니다</a:t>
+            </a:r>
+            <a:r>
+              <a:rPr lang="en-US" altLang="ko-KR" sz="1700">
+                <a:effectLst/>
+                <a:latin typeface="Helvetica Neue" panose="02000503000000020004" pitchFamily="2" charset="0"/>
+                <a:ea typeface="Apple SD Gothic Neo" panose="02000300000000000000" pitchFamily="2" charset="-127"/>
+              </a:rPr>
+              <a:t>. </a:t>
+            </a:r>
+            <a:r>
+              <a:rPr lang="ko-KR" altLang="en-US" sz="1700">
+                <a:effectLst/>
+                <a:latin typeface="Apple SD Gothic Neo" panose="02000300000000000000" pitchFamily="2" charset="-127"/>
+                <a:ea typeface="Apple SD Gothic Neo" panose="02000300000000000000" pitchFamily="2" charset="-127"/>
+              </a:rPr>
+              <a:t>또한</a:t>
+            </a:r>
+            <a:r>
+              <a:rPr lang="en-US" altLang="ko-KR" sz="1700">
+                <a:effectLst/>
+                <a:latin typeface="Helvetica Neue" panose="02000503000000020004" pitchFamily="2" charset="0"/>
+                <a:ea typeface="Apple SD Gothic Neo" panose="02000300000000000000" pitchFamily="2" charset="-127"/>
+              </a:rPr>
+              <a:t>, </a:t>
+            </a:r>
+            <a:r>
+              <a:rPr lang="ko-KR" altLang="en-US" sz="1700">
+                <a:effectLst/>
+                <a:latin typeface="Apple SD Gothic Neo" panose="02000300000000000000" pitchFamily="2" charset="-127"/>
+                <a:ea typeface="Apple SD Gothic Neo" panose="02000300000000000000" pitchFamily="2" charset="-127"/>
+              </a:rPr>
+              <a:t>금융실명제는</a:t>
+            </a:r>
+            <a:r>
+              <a:rPr lang="ko-KR" altLang="en-US" sz="1700">
+                <a:effectLst/>
+                <a:latin typeface="Helvetica Neue" panose="02000503000000020004" pitchFamily="2" charset="0"/>
+                <a:ea typeface="Apple SD Gothic Neo" panose="02000300000000000000" pitchFamily="2" charset="-127"/>
+              </a:rPr>
+              <a:t> </a:t>
+            </a:r>
+            <a:r>
+              <a:rPr lang="ko-KR" altLang="en-US" sz="1700">
+                <a:effectLst/>
+                <a:latin typeface="Apple SD Gothic Neo" panose="02000300000000000000" pitchFamily="2" charset="-127"/>
+                <a:ea typeface="Apple SD Gothic Neo" panose="02000300000000000000" pitchFamily="2" charset="-127"/>
+              </a:rPr>
+              <a:t>한국</a:t>
+            </a:r>
+            <a:r>
+              <a:rPr lang="ko-KR" altLang="en-US" sz="1700">
+                <a:effectLst/>
+                <a:latin typeface="Helvetica Neue" panose="02000503000000020004" pitchFamily="2" charset="0"/>
+                <a:ea typeface="Apple SD Gothic Neo" panose="02000300000000000000" pitchFamily="2" charset="-127"/>
+              </a:rPr>
+              <a:t> </a:t>
+            </a:r>
+            <a:r>
+              <a:rPr lang="ko-KR" altLang="en-US" sz="1700">
+                <a:effectLst/>
+                <a:latin typeface="Apple SD Gothic Neo" panose="02000300000000000000" pitchFamily="2" charset="-127"/>
+                <a:ea typeface="Apple SD Gothic Neo" panose="02000300000000000000" pitchFamily="2" charset="-127"/>
+              </a:rPr>
+              <a:t>사회의</a:t>
+            </a:r>
+            <a:r>
+              <a:rPr lang="ko-KR" altLang="en-US" sz="1700">
+                <a:effectLst/>
+                <a:latin typeface="Helvetica Neue" panose="02000503000000020004" pitchFamily="2" charset="0"/>
+                <a:ea typeface="Apple SD Gothic Neo" panose="02000300000000000000" pitchFamily="2" charset="-127"/>
+              </a:rPr>
+              <a:t> </a:t>
+            </a:r>
+            <a:r>
+              <a:rPr lang="ko-KR" altLang="en-US" sz="1700">
+                <a:effectLst/>
+                <a:latin typeface="Apple SD Gothic Neo" panose="02000300000000000000" pitchFamily="2" charset="-127"/>
+                <a:ea typeface="Apple SD Gothic Neo" panose="02000300000000000000" pitchFamily="2" charset="-127"/>
+              </a:rPr>
+              <a:t>금융</a:t>
+            </a:r>
+            <a:r>
+              <a:rPr lang="en-US" altLang="ko-KR" sz="1700">
+                <a:effectLst/>
+                <a:latin typeface="Helvetica Neue" panose="02000503000000020004" pitchFamily="2" charset="0"/>
+                <a:ea typeface="Apple SD Gothic Neo" panose="02000300000000000000" pitchFamily="2" charset="-127"/>
+              </a:rPr>
+              <a:t>·</a:t>
+            </a:r>
+            <a:r>
+              <a:rPr lang="ko-KR" altLang="en-US" sz="1700">
+                <a:effectLst/>
+                <a:latin typeface="Apple SD Gothic Neo" panose="02000300000000000000" pitchFamily="2" charset="-127"/>
+                <a:ea typeface="Apple SD Gothic Neo" panose="02000300000000000000" pitchFamily="2" charset="-127"/>
+              </a:rPr>
+              <a:t>경제</a:t>
+            </a:r>
+            <a:r>
+              <a:rPr lang="ko-KR" altLang="en-US" sz="1700">
+                <a:effectLst/>
+                <a:latin typeface="Helvetica Neue" panose="02000503000000020004" pitchFamily="2" charset="0"/>
+                <a:ea typeface="Apple SD Gothic Neo" panose="02000300000000000000" pitchFamily="2" charset="-127"/>
+              </a:rPr>
+              <a:t> </a:t>
+            </a:r>
+            <a:r>
+              <a:rPr lang="ko-KR" altLang="en-US" sz="1700">
+                <a:effectLst/>
+                <a:latin typeface="Apple SD Gothic Neo" panose="02000300000000000000" pitchFamily="2" charset="-127"/>
+                <a:ea typeface="Apple SD Gothic Neo" panose="02000300000000000000" pitchFamily="2" charset="-127"/>
+              </a:rPr>
+              <a:t>정책의</a:t>
+            </a:r>
+            <a:r>
+              <a:rPr lang="ko-KR" altLang="en-US" sz="1700">
+                <a:effectLst/>
+                <a:latin typeface="Helvetica Neue" panose="02000503000000020004" pitchFamily="2" charset="0"/>
+                <a:ea typeface="Apple SD Gothic Neo" panose="02000300000000000000" pitchFamily="2" charset="-127"/>
+              </a:rPr>
+              <a:t> </a:t>
+            </a:r>
+            <a:r>
+              <a:rPr lang="ko-KR" altLang="en-US" sz="1700">
+                <a:effectLst/>
+                <a:latin typeface="Apple SD Gothic Neo" panose="02000300000000000000" pitchFamily="2" charset="-127"/>
+                <a:ea typeface="Apple SD Gothic Neo" panose="02000300000000000000" pitchFamily="2" charset="-127"/>
+              </a:rPr>
+              <a:t>중요한</a:t>
+            </a:r>
+            <a:r>
+              <a:rPr lang="ko-KR" altLang="en-US" sz="1700">
+                <a:effectLst/>
+                <a:latin typeface="Helvetica Neue" panose="02000503000000020004" pitchFamily="2" charset="0"/>
+                <a:ea typeface="Apple SD Gothic Neo" panose="02000300000000000000" pitchFamily="2" charset="-127"/>
+              </a:rPr>
+              <a:t> </a:t>
+            </a:r>
+            <a:r>
+              <a:rPr lang="ko-KR" altLang="en-US" sz="1700">
+                <a:effectLst/>
+                <a:latin typeface="Apple SD Gothic Neo" panose="02000300000000000000" pitchFamily="2" charset="-127"/>
+                <a:ea typeface="Apple SD Gothic Neo" panose="02000300000000000000" pitchFamily="2" charset="-127"/>
+              </a:rPr>
+              <a:t>모델이자</a:t>
+            </a:r>
+            <a:r>
+              <a:rPr lang="ko-KR" altLang="en-US" sz="1700">
+                <a:effectLst/>
+                <a:latin typeface="Helvetica Neue" panose="02000503000000020004" pitchFamily="2" charset="0"/>
+                <a:ea typeface="Apple SD Gothic Neo" panose="02000300000000000000" pitchFamily="2" charset="-127"/>
+              </a:rPr>
+              <a:t> </a:t>
+            </a:r>
+            <a:r>
+              <a:rPr lang="ko-KR" altLang="en-US" sz="1700">
+                <a:effectLst/>
+                <a:latin typeface="Apple SD Gothic Neo" panose="02000300000000000000" pitchFamily="2" charset="-127"/>
+                <a:ea typeface="Apple SD Gothic Neo" panose="02000300000000000000" pitchFamily="2" charset="-127"/>
+              </a:rPr>
+              <a:t>글로벌</a:t>
+            </a:r>
+            <a:r>
+              <a:rPr lang="ko-KR" altLang="en-US" sz="1700">
+                <a:effectLst/>
+                <a:latin typeface="Helvetica Neue" panose="02000503000000020004" pitchFamily="2" charset="0"/>
+                <a:ea typeface="Apple SD Gothic Neo" panose="02000300000000000000" pitchFamily="2" charset="-127"/>
+              </a:rPr>
+              <a:t> </a:t>
+            </a:r>
+            <a:r>
+              <a:rPr lang="ko-KR" altLang="en-US" sz="1700">
+                <a:effectLst/>
+                <a:latin typeface="Apple SD Gothic Neo" panose="02000300000000000000" pitchFamily="2" charset="-127"/>
+                <a:ea typeface="Apple SD Gothic Neo" panose="02000300000000000000" pitchFamily="2" charset="-127"/>
+              </a:rPr>
+              <a:t>경제</a:t>
+            </a:r>
+            <a:r>
+              <a:rPr lang="ko-KR" altLang="en-US" sz="1700">
+                <a:effectLst/>
+                <a:latin typeface="Helvetica Neue" panose="02000503000000020004" pitchFamily="2" charset="0"/>
+                <a:ea typeface="Apple SD Gothic Neo" panose="02000300000000000000" pitchFamily="2" charset="-127"/>
+              </a:rPr>
+              <a:t> </a:t>
+            </a:r>
+            <a:r>
+              <a:rPr lang="ko-KR" altLang="en-US" sz="1700">
+                <a:effectLst/>
+                <a:latin typeface="Apple SD Gothic Neo" panose="02000300000000000000" pitchFamily="2" charset="-127"/>
+                <a:ea typeface="Apple SD Gothic Neo" panose="02000300000000000000" pitchFamily="2" charset="-127"/>
+              </a:rPr>
+              <a:t>체계에서</a:t>
+            </a:r>
+            <a:r>
+              <a:rPr lang="ko-KR" altLang="en-US" sz="1700">
+                <a:effectLst/>
+                <a:latin typeface="Helvetica Neue" panose="02000503000000020004" pitchFamily="2" charset="0"/>
+                <a:ea typeface="Apple SD Gothic Neo" panose="02000300000000000000" pitchFamily="2" charset="-127"/>
+              </a:rPr>
+              <a:t> </a:t>
+            </a:r>
+            <a:r>
+              <a:rPr lang="ko-KR" altLang="en-US" sz="1700">
+                <a:effectLst/>
+                <a:latin typeface="Apple SD Gothic Neo" panose="02000300000000000000" pitchFamily="2" charset="-127"/>
+                <a:ea typeface="Apple SD Gothic Neo" panose="02000300000000000000" pitchFamily="2" charset="-127"/>
+              </a:rPr>
+              <a:t>신뢰받는</a:t>
+            </a:r>
+            <a:r>
+              <a:rPr lang="ko-KR" altLang="en-US" sz="1700">
+                <a:effectLst/>
+                <a:latin typeface="Helvetica Neue" panose="02000503000000020004" pitchFamily="2" charset="0"/>
+                <a:ea typeface="Apple SD Gothic Neo" panose="02000300000000000000" pitchFamily="2" charset="-127"/>
+              </a:rPr>
+              <a:t> </a:t>
+            </a:r>
+            <a:r>
+              <a:rPr lang="ko-KR" altLang="en-US" sz="1700">
+                <a:effectLst/>
+                <a:latin typeface="Apple SD Gothic Neo" panose="02000300000000000000" pitchFamily="2" charset="-127"/>
+                <a:ea typeface="Apple SD Gothic Neo" panose="02000300000000000000" pitchFamily="2" charset="-127"/>
+              </a:rPr>
+              <a:t>경제</a:t>
+            </a:r>
+            <a:r>
+              <a:rPr lang="ko-KR" altLang="en-US" sz="1700">
+                <a:effectLst/>
+                <a:latin typeface="Helvetica Neue" panose="02000503000000020004" pitchFamily="2" charset="0"/>
+                <a:ea typeface="Apple SD Gothic Neo" panose="02000300000000000000" pitchFamily="2" charset="-127"/>
+              </a:rPr>
+              <a:t> </a:t>
+            </a:r>
+            <a:r>
+              <a:rPr lang="ko-KR" altLang="en-US" sz="1700">
+                <a:effectLst/>
+                <a:latin typeface="Apple SD Gothic Neo" panose="02000300000000000000" pitchFamily="2" charset="-127"/>
+                <a:ea typeface="Apple SD Gothic Neo" panose="02000300000000000000" pitchFamily="2" charset="-127"/>
+              </a:rPr>
+              <a:t>질서를</a:t>
+            </a:r>
+            <a:r>
+              <a:rPr lang="ko-KR" altLang="en-US" sz="1700">
+                <a:effectLst/>
+                <a:latin typeface="Helvetica Neue" panose="02000503000000020004" pitchFamily="2" charset="0"/>
+                <a:ea typeface="Apple SD Gothic Neo" panose="02000300000000000000" pitchFamily="2" charset="-127"/>
+              </a:rPr>
+              <a:t> </a:t>
+            </a:r>
+            <a:r>
+              <a:rPr lang="ko-KR" altLang="en-US" sz="1700">
+                <a:effectLst/>
+                <a:latin typeface="Apple SD Gothic Neo" panose="02000300000000000000" pitchFamily="2" charset="-127"/>
+                <a:ea typeface="Apple SD Gothic Neo" panose="02000300000000000000" pitchFamily="2" charset="-127"/>
+              </a:rPr>
+              <a:t>확립하는</a:t>
+            </a:r>
+            <a:r>
+              <a:rPr lang="ko-KR" altLang="en-US" sz="1700">
+                <a:effectLst/>
+                <a:latin typeface="Helvetica Neue" panose="02000503000000020004" pitchFamily="2" charset="0"/>
+                <a:ea typeface="Apple SD Gothic Neo" panose="02000300000000000000" pitchFamily="2" charset="-127"/>
+              </a:rPr>
+              <a:t> </a:t>
+            </a:r>
+            <a:r>
+              <a:rPr lang="ko-KR" altLang="en-US" sz="1700">
+                <a:effectLst/>
+                <a:latin typeface="Apple SD Gothic Neo" panose="02000300000000000000" pitchFamily="2" charset="-127"/>
+                <a:ea typeface="Apple SD Gothic Neo" panose="02000300000000000000" pitchFamily="2" charset="-127"/>
+              </a:rPr>
+              <a:t>기틀이</a:t>
+            </a:r>
+            <a:r>
+              <a:rPr lang="ko-KR" altLang="en-US" sz="1700">
+                <a:effectLst/>
+                <a:latin typeface="Helvetica Neue" panose="02000503000000020004" pitchFamily="2" charset="0"/>
+                <a:ea typeface="Apple SD Gothic Neo" panose="02000300000000000000" pitchFamily="2" charset="-127"/>
+              </a:rPr>
+              <a:t> </a:t>
+            </a:r>
+            <a:r>
+              <a:rPr lang="ko-KR" altLang="en-US" sz="1700">
+                <a:effectLst/>
+                <a:latin typeface="Apple SD Gothic Neo" panose="02000300000000000000" pitchFamily="2" charset="-127"/>
+                <a:ea typeface="Apple SD Gothic Neo" panose="02000300000000000000" pitchFamily="2" charset="-127"/>
+              </a:rPr>
+              <a:t>되었습니다</a:t>
+            </a:r>
+            <a:r>
+              <a:rPr lang="en-US" altLang="ko-KR" sz="1700">
+                <a:effectLst/>
+                <a:latin typeface="Helvetica Neue" panose="02000503000000020004" pitchFamily="2" charset="0"/>
+                <a:ea typeface="Apple SD Gothic Neo" panose="02000300000000000000" pitchFamily="2" charset="-127"/>
+              </a:rPr>
+              <a:t>. </a:t>
+            </a:r>
+            <a:r>
+              <a:rPr lang="ko-KR" altLang="en-US" sz="1700">
+                <a:effectLst/>
+                <a:latin typeface="Apple SD Gothic Neo" panose="02000300000000000000" pitchFamily="2" charset="-127"/>
+                <a:ea typeface="Apple SD Gothic Neo" panose="02000300000000000000" pitchFamily="2" charset="-127"/>
+              </a:rPr>
+              <a:t>이를</a:t>
+            </a:r>
+            <a:r>
+              <a:rPr lang="ko-KR" altLang="en-US" sz="1700">
+                <a:effectLst/>
+                <a:latin typeface="Helvetica Neue" panose="02000503000000020004" pitchFamily="2" charset="0"/>
+                <a:ea typeface="Apple SD Gothic Neo" panose="02000300000000000000" pitchFamily="2" charset="-127"/>
+              </a:rPr>
+              <a:t> </a:t>
+            </a:r>
+            <a:r>
+              <a:rPr lang="ko-KR" altLang="en-US" sz="1700">
+                <a:effectLst/>
+                <a:latin typeface="Apple SD Gothic Neo" panose="02000300000000000000" pitchFamily="2" charset="-127"/>
+                <a:ea typeface="Apple SD Gothic Neo" panose="02000300000000000000" pitchFamily="2" charset="-127"/>
+              </a:rPr>
+              <a:t>통해</a:t>
+            </a:r>
+            <a:r>
+              <a:rPr lang="ko-KR" altLang="en-US" sz="1700">
+                <a:effectLst/>
+                <a:latin typeface="Helvetica Neue" panose="02000503000000020004" pitchFamily="2" charset="0"/>
+                <a:ea typeface="Apple SD Gothic Neo" panose="02000300000000000000" pitchFamily="2" charset="-127"/>
+              </a:rPr>
+              <a:t> </a:t>
+            </a:r>
+            <a:r>
+              <a:rPr lang="ko-KR" altLang="en-US" sz="1700">
+                <a:effectLst/>
+                <a:latin typeface="Apple SD Gothic Neo" panose="02000300000000000000" pitchFamily="2" charset="-127"/>
+                <a:ea typeface="Apple SD Gothic Neo" panose="02000300000000000000" pitchFamily="2" charset="-127"/>
+              </a:rPr>
+              <a:t>부패</a:t>
+            </a:r>
+            <a:r>
+              <a:rPr lang="ko-KR" altLang="en-US" sz="1700">
+                <a:effectLst/>
+                <a:latin typeface="Helvetica Neue" panose="02000503000000020004" pitchFamily="2" charset="0"/>
+                <a:ea typeface="Apple SD Gothic Neo" panose="02000300000000000000" pitchFamily="2" charset="-127"/>
+              </a:rPr>
+              <a:t> </a:t>
+            </a:r>
+            <a:r>
+              <a:rPr lang="ko-KR" altLang="en-US" sz="1700">
+                <a:effectLst/>
+                <a:latin typeface="Apple SD Gothic Neo" panose="02000300000000000000" pitchFamily="2" charset="-127"/>
+                <a:ea typeface="Apple SD Gothic Neo" panose="02000300000000000000" pitchFamily="2" charset="-127"/>
+              </a:rPr>
+              <a:t>없는</a:t>
+            </a:r>
+            <a:r>
+              <a:rPr lang="ko-KR" altLang="en-US" sz="1700">
+                <a:effectLst/>
+                <a:latin typeface="Helvetica Neue" panose="02000503000000020004" pitchFamily="2" charset="0"/>
+                <a:ea typeface="Apple SD Gothic Neo" panose="02000300000000000000" pitchFamily="2" charset="-127"/>
+              </a:rPr>
+              <a:t> </a:t>
+            </a:r>
+            <a:r>
+              <a:rPr lang="ko-KR" altLang="en-US" sz="1700">
+                <a:effectLst/>
+                <a:latin typeface="Apple SD Gothic Neo" panose="02000300000000000000" pitchFamily="2" charset="-127"/>
+                <a:ea typeface="Apple SD Gothic Neo" panose="02000300000000000000" pitchFamily="2" charset="-127"/>
+              </a:rPr>
+              <a:t>투명한</a:t>
+            </a:r>
+            <a:r>
+              <a:rPr lang="ko-KR" altLang="en-US" sz="1700">
+                <a:effectLst/>
+                <a:latin typeface="Helvetica Neue" panose="02000503000000020004" pitchFamily="2" charset="0"/>
+                <a:ea typeface="Apple SD Gothic Neo" panose="02000300000000000000" pitchFamily="2" charset="-127"/>
+              </a:rPr>
+              <a:t> </a:t>
+            </a:r>
+            <a:r>
+              <a:rPr lang="ko-KR" altLang="en-US" sz="1700">
+                <a:effectLst/>
+                <a:latin typeface="Apple SD Gothic Neo" panose="02000300000000000000" pitchFamily="2" charset="-127"/>
+                <a:ea typeface="Apple SD Gothic Neo" panose="02000300000000000000" pitchFamily="2" charset="-127"/>
+              </a:rPr>
+              <a:t>경제</a:t>
+            </a:r>
+            <a:r>
+              <a:rPr lang="ko-KR" altLang="en-US" sz="1700">
+                <a:effectLst/>
+                <a:latin typeface="Helvetica Neue" panose="02000503000000020004" pitchFamily="2" charset="0"/>
+                <a:ea typeface="Apple SD Gothic Neo" panose="02000300000000000000" pitchFamily="2" charset="-127"/>
+              </a:rPr>
+              <a:t> </a:t>
+            </a:r>
+            <a:r>
+              <a:rPr lang="ko-KR" altLang="en-US" sz="1700">
+                <a:effectLst/>
+                <a:latin typeface="Apple SD Gothic Neo" panose="02000300000000000000" pitchFamily="2" charset="-127"/>
+                <a:ea typeface="Apple SD Gothic Neo" panose="02000300000000000000" pitchFamily="2" charset="-127"/>
+              </a:rPr>
+              <a:t>시스템</a:t>
+            </a:r>
+            <a:r>
+              <a:rPr lang="ko-KR" altLang="en-US" sz="1700">
+                <a:effectLst/>
+                <a:latin typeface="Helvetica Neue" panose="02000503000000020004" pitchFamily="2" charset="0"/>
+                <a:ea typeface="Apple SD Gothic Neo" panose="02000300000000000000" pitchFamily="2" charset="-127"/>
+              </a:rPr>
+              <a:t> </a:t>
+            </a:r>
+            <a:r>
+              <a:rPr lang="ko-KR" altLang="en-US" sz="1700">
+                <a:effectLst/>
+                <a:latin typeface="Apple SD Gothic Neo" panose="02000300000000000000" pitchFamily="2" charset="-127"/>
+                <a:ea typeface="Apple SD Gothic Neo" panose="02000300000000000000" pitchFamily="2" charset="-127"/>
+              </a:rPr>
+              <a:t>구축과</a:t>
+            </a:r>
+            <a:r>
+              <a:rPr lang="ko-KR" altLang="en-US" sz="1700">
+                <a:effectLst/>
+                <a:latin typeface="Helvetica Neue" panose="02000503000000020004" pitchFamily="2" charset="0"/>
+                <a:ea typeface="Apple SD Gothic Neo" panose="02000300000000000000" pitchFamily="2" charset="-127"/>
+              </a:rPr>
+              <a:t> </a:t>
+            </a:r>
+            <a:r>
+              <a:rPr lang="ko-KR" altLang="en-US" sz="1700">
+                <a:effectLst/>
+                <a:latin typeface="Apple SD Gothic Neo" panose="02000300000000000000" pitchFamily="2" charset="-127"/>
+                <a:ea typeface="Apple SD Gothic Neo" panose="02000300000000000000" pitchFamily="2" charset="-127"/>
+              </a:rPr>
+              <a:t>사회적</a:t>
+            </a:r>
+            <a:r>
+              <a:rPr lang="en-US" altLang="ko-KR" sz="1700">
+                <a:effectLst/>
+                <a:latin typeface="Helvetica Neue" panose="02000503000000020004" pitchFamily="2" charset="0"/>
+                <a:ea typeface="Apple SD Gothic Neo" panose="02000300000000000000" pitchFamily="2" charset="-127"/>
+              </a:rPr>
+              <a:t>·</a:t>
+            </a:r>
+            <a:r>
+              <a:rPr lang="ko-KR" altLang="en-US" sz="1700">
+                <a:effectLst/>
+                <a:latin typeface="Apple SD Gothic Neo" panose="02000300000000000000" pitchFamily="2" charset="-127"/>
+                <a:ea typeface="Apple SD Gothic Neo" panose="02000300000000000000" pitchFamily="2" charset="-127"/>
+              </a:rPr>
+              <a:t>경제적</a:t>
+            </a:r>
+            <a:r>
+              <a:rPr lang="ko-KR" altLang="en-US" sz="1700">
+                <a:effectLst/>
+                <a:latin typeface="Helvetica Neue" panose="02000503000000020004" pitchFamily="2" charset="0"/>
+                <a:ea typeface="Apple SD Gothic Neo" panose="02000300000000000000" pitchFamily="2" charset="-127"/>
+              </a:rPr>
+              <a:t> </a:t>
+            </a:r>
+            <a:r>
+              <a:rPr lang="ko-KR" altLang="en-US" sz="1700">
+                <a:effectLst/>
+                <a:latin typeface="Apple SD Gothic Neo" panose="02000300000000000000" pitchFamily="2" charset="-127"/>
+                <a:ea typeface="Apple SD Gothic Neo" panose="02000300000000000000" pitchFamily="2" charset="-127"/>
+              </a:rPr>
+              <a:t>공정성을</a:t>
+            </a:r>
+            <a:r>
+              <a:rPr lang="ko-KR" altLang="en-US" sz="1700">
+                <a:effectLst/>
+                <a:latin typeface="Helvetica Neue" panose="02000503000000020004" pitchFamily="2" charset="0"/>
+                <a:ea typeface="Apple SD Gothic Neo" panose="02000300000000000000" pitchFamily="2" charset="-127"/>
+              </a:rPr>
+              <a:t> </a:t>
+            </a:r>
+            <a:r>
+              <a:rPr lang="ko-KR" altLang="en-US" sz="1700">
+                <a:effectLst/>
+                <a:latin typeface="Apple SD Gothic Neo" panose="02000300000000000000" pitchFamily="2" charset="-127"/>
+                <a:ea typeface="Apple SD Gothic Neo" panose="02000300000000000000" pitchFamily="2" charset="-127"/>
+              </a:rPr>
+              <a:t>실현하며</a:t>
+            </a:r>
+            <a:r>
+              <a:rPr lang="ko-KR" altLang="en-US" sz="1700">
+                <a:effectLst/>
+                <a:latin typeface="Helvetica Neue" panose="02000503000000020004" pitchFamily="2" charset="0"/>
+                <a:ea typeface="Apple SD Gothic Neo" panose="02000300000000000000" pitchFamily="2" charset="-127"/>
+              </a:rPr>
+              <a:t> </a:t>
+            </a:r>
+            <a:r>
+              <a:rPr lang="ko-KR" altLang="en-US" sz="1700">
+                <a:effectLst/>
+                <a:latin typeface="Apple SD Gothic Neo" panose="02000300000000000000" pitchFamily="2" charset="-127"/>
+                <a:ea typeface="Apple SD Gothic Neo" panose="02000300000000000000" pitchFamily="2" charset="-127"/>
+              </a:rPr>
+              <a:t>대한민국</a:t>
+            </a:r>
+            <a:r>
+              <a:rPr lang="ko-KR" altLang="en-US" sz="1700">
+                <a:effectLst/>
+                <a:latin typeface="Helvetica Neue" panose="02000503000000020004" pitchFamily="2" charset="0"/>
+                <a:ea typeface="Apple SD Gothic Neo" panose="02000300000000000000" pitchFamily="2" charset="-127"/>
+              </a:rPr>
+              <a:t> </a:t>
+            </a:r>
+            <a:r>
+              <a:rPr lang="ko-KR" altLang="en-US" sz="1700">
+                <a:effectLst/>
+                <a:latin typeface="Apple SD Gothic Neo" panose="02000300000000000000" pitchFamily="2" charset="-127"/>
+                <a:ea typeface="Apple SD Gothic Neo" panose="02000300000000000000" pitchFamily="2" charset="-127"/>
+              </a:rPr>
+              <a:t>경제사에</a:t>
+            </a:r>
+            <a:r>
+              <a:rPr lang="ko-KR" altLang="en-US" sz="1700">
+                <a:effectLst/>
+                <a:latin typeface="Helvetica Neue" panose="02000503000000020004" pitchFamily="2" charset="0"/>
+                <a:ea typeface="Apple SD Gothic Neo" panose="02000300000000000000" pitchFamily="2" charset="-127"/>
+              </a:rPr>
+              <a:t> </a:t>
+            </a:r>
+            <a:r>
+              <a:rPr lang="ko-KR" altLang="en-US" sz="1700">
+                <a:effectLst/>
+                <a:latin typeface="Apple SD Gothic Neo" panose="02000300000000000000" pitchFamily="2" charset="-127"/>
+                <a:ea typeface="Apple SD Gothic Neo" panose="02000300000000000000" pitchFamily="2" charset="-127"/>
+              </a:rPr>
+              <a:t>의미</a:t>
+            </a:r>
+            <a:r>
+              <a:rPr lang="ko-KR" altLang="en-US" sz="1700">
+                <a:effectLst/>
+                <a:latin typeface="Helvetica Neue" panose="02000503000000020004" pitchFamily="2" charset="0"/>
+                <a:ea typeface="Apple SD Gothic Neo" panose="02000300000000000000" pitchFamily="2" charset="-127"/>
+              </a:rPr>
+              <a:t> </a:t>
+            </a:r>
+            <a:r>
+              <a:rPr lang="ko-KR" altLang="en-US" sz="1700">
+                <a:effectLst/>
+                <a:latin typeface="Apple SD Gothic Neo" panose="02000300000000000000" pitchFamily="2" charset="-127"/>
+                <a:ea typeface="Apple SD Gothic Neo" panose="02000300000000000000" pitchFamily="2" charset="-127"/>
+              </a:rPr>
+              <a:t>깊은</a:t>
+            </a:r>
+            <a:r>
+              <a:rPr lang="ko-KR" altLang="en-US" sz="1700">
+                <a:effectLst/>
+                <a:latin typeface="Helvetica Neue" panose="02000503000000020004" pitchFamily="2" charset="0"/>
+                <a:ea typeface="Apple SD Gothic Neo" panose="02000300000000000000" pitchFamily="2" charset="-127"/>
+              </a:rPr>
+              <a:t> </a:t>
+            </a:r>
+            <a:r>
+              <a:rPr lang="ko-KR" altLang="en-US" sz="1700">
+                <a:effectLst/>
+                <a:latin typeface="Apple SD Gothic Neo" panose="02000300000000000000" pitchFamily="2" charset="-127"/>
+                <a:ea typeface="Apple SD Gothic Neo" panose="02000300000000000000" pitchFamily="2" charset="-127"/>
+              </a:rPr>
+              <a:t>개혁</a:t>
+            </a:r>
+            <a:r>
+              <a:rPr lang="ko-KR" altLang="en-US" sz="1700">
+                <a:effectLst/>
+                <a:latin typeface="Helvetica Neue" panose="02000503000000020004" pitchFamily="2" charset="0"/>
+                <a:ea typeface="Apple SD Gothic Neo" panose="02000300000000000000" pitchFamily="2" charset="-127"/>
+              </a:rPr>
+              <a:t> </a:t>
+            </a:r>
+            <a:r>
+              <a:rPr lang="ko-KR" altLang="en-US" sz="1700">
+                <a:effectLst/>
+                <a:latin typeface="Apple SD Gothic Neo" panose="02000300000000000000" pitchFamily="2" charset="-127"/>
+                <a:ea typeface="Apple SD Gothic Neo" panose="02000300000000000000" pitchFamily="2" charset="-127"/>
+              </a:rPr>
+              <a:t>정책으로</a:t>
+            </a:r>
+            <a:r>
+              <a:rPr lang="ko-KR" altLang="en-US" sz="1700">
+                <a:effectLst/>
+                <a:latin typeface="Helvetica Neue" panose="02000503000000020004" pitchFamily="2" charset="0"/>
+                <a:ea typeface="Apple SD Gothic Neo" panose="02000300000000000000" pitchFamily="2" charset="-127"/>
+              </a:rPr>
+              <a:t> </a:t>
+            </a:r>
+            <a:r>
+              <a:rPr lang="ko-KR" altLang="en-US" sz="1700">
+                <a:effectLst/>
+                <a:latin typeface="Apple SD Gothic Neo" panose="02000300000000000000" pitchFamily="2" charset="-127"/>
+                <a:ea typeface="Apple SD Gothic Neo" panose="02000300000000000000" pitchFamily="2" charset="-127"/>
+              </a:rPr>
+              <a:t>평가받고</a:t>
+            </a:r>
+            <a:r>
+              <a:rPr lang="ko-KR" altLang="en-US" sz="1700">
+                <a:effectLst/>
+                <a:latin typeface="Helvetica Neue" panose="02000503000000020004" pitchFamily="2" charset="0"/>
+                <a:ea typeface="Apple SD Gothic Neo" panose="02000300000000000000" pitchFamily="2" charset="-127"/>
+              </a:rPr>
+              <a:t> </a:t>
+            </a:r>
+            <a:r>
+              <a:rPr lang="ko-KR" altLang="en-US" sz="1700">
+                <a:effectLst/>
+                <a:latin typeface="Apple SD Gothic Neo" panose="02000300000000000000" pitchFamily="2" charset="-127"/>
+                <a:ea typeface="Apple SD Gothic Neo" panose="02000300000000000000" pitchFamily="2" charset="-127"/>
+              </a:rPr>
+              <a:t>있습니다</a:t>
+            </a:r>
+            <a:r>
+              <a:rPr lang="en-US" altLang="ko-KR" sz="1700">
+                <a:effectLst/>
+                <a:latin typeface="Helvetica Neue" panose="02000503000000020004" pitchFamily="2" charset="0"/>
+                <a:ea typeface="Apple SD Gothic Neo" panose="02000300000000000000" pitchFamily="2" charset="-127"/>
+              </a:rPr>
+              <a:t>.</a:t>
+            </a:r>
+            <a:endParaRPr lang="ko-KR" altLang="en-US" sz="1700">
+              <a:effectLst/>
+              <a:latin typeface="Apple SD Gothic Neo" panose="02000300000000000000" pitchFamily="2" charset="-127"/>
+              <a:ea typeface="Apple SD Gothic Neo" panose="02000300000000000000" pitchFamily="2" charset="-127"/>
+            </a:endParaRPr>
+          </a:p>
+          <a:p>
+            <a:endParaRPr lang="en-KR" sz="1700"/>
           </a:p>
         </p:txBody>
       </p:sp>
@@ -4797,104 +12193,6 @@
 </file>
 
 <file path=ppt/slides/slide6.xml><?xml version="1.0" encoding="utf-8"?>
-<p:sld xmlns:a="http://schemas.openxmlformats.org/drawingml/2006/main" xmlns:r="http://schemas.openxmlformats.org/officeDocument/2006/relationships" xmlns:p="http://schemas.openxmlformats.org/presentationml/2006/main">
-  <p:cSld>
-    <p:spTree>
-      <p:nvGrpSpPr>
-        <p:cNvPr id="1" name=""/>
-        <p:cNvGrpSpPr/>
-        <p:nvPr/>
-      </p:nvGrpSpPr>
-      <p:grpSpPr>
-        <a:xfrm>
-          <a:off x="0" y="0"/>
-          <a:ext cx="0" cy="0"/>
-          <a:chOff x="0" y="0"/>
-          <a:chExt cx="0" cy="0"/>
-        </a:xfrm>
-      </p:grpSpPr>
-      <p:sp>
-        <p:nvSpPr>
-          <p:cNvPr id="2" name="Title 1">
-            <a:extLst>
-              <a:ext uri="{FF2B5EF4-FFF2-40B4-BE49-F238E27FC236}">
-                <a16:creationId xmlns:a16="http://schemas.microsoft.com/office/drawing/2014/main" id="{4FCABFDE-42CA-6A68-FB91-7E14DDC88444}"/>
-              </a:ext>
-            </a:extLst>
-          </p:cNvPr>
-          <p:cNvSpPr>
-            <a:spLocks noGrp="1"/>
-          </p:cNvSpPr>
-          <p:nvPr>
-            <p:ph type="title"/>
-          </p:nvPr>
-        </p:nvSpPr>
-        <p:spPr/>
-        <p:txBody>
-          <a:bodyPr/>
-          <a:lstStyle/>
-          <a:p>
-            <a:endParaRPr lang="en-US"/>
-          </a:p>
-        </p:txBody>
-      </p:sp>
-      <p:sp>
-        <p:nvSpPr>
-          <p:cNvPr id="3" name="Content Placeholder 2">
-            <a:extLst>
-              <a:ext uri="{FF2B5EF4-FFF2-40B4-BE49-F238E27FC236}">
-                <a16:creationId xmlns:a16="http://schemas.microsoft.com/office/drawing/2014/main" id="{4B5276BE-CFFE-7000-56D5-5295199DE0D0}"/>
-              </a:ext>
-            </a:extLst>
-          </p:cNvPr>
-          <p:cNvSpPr>
-            <a:spLocks noGrp="1"/>
-          </p:cNvSpPr>
-          <p:nvPr>
-            <p:ph idx="1"/>
-          </p:nvPr>
-        </p:nvSpPr>
-        <p:spPr/>
-        <p:txBody>
-          <a:bodyPr/>
-          <a:lstStyle/>
-          <a:p>
-            <a:r>
-              <a:rPr lang="ko-KR" altLang="en-US" dirty="0">
-                <a:effectLst/>
-              </a:rPr>
-              <a:t>이 요약을 바탕으로 </a:t>
-            </a:r>
-            <a:r>
-              <a:rPr lang="en-US" altLang="ko-KR" dirty="0">
-                <a:effectLst/>
-              </a:rPr>
-              <a:t>PPT</a:t>
-            </a:r>
-            <a:r>
-              <a:rPr lang="ko-KR" altLang="en-US" dirty="0">
-                <a:effectLst/>
-              </a:rPr>
-              <a:t>를 구성하면 금융실명제의 핵심 내용과 의의를 효과적으로 전달할 수 있습니다</a:t>
-            </a:r>
-            <a:endParaRPr lang="en-US" dirty="0"/>
-          </a:p>
-        </p:txBody>
-      </p:sp>
-    </p:spTree>
-    <p:extLst>
-      <p:ext uri="{BB962C8B-B14F-4D97-AF65-F5344CB8AC3E}">
-        <p14:creationId xmlns:p14="http://schemas.microsoft.com/office/powerpoint/2010/main" val="2211708238"/>
-      </p:ext>
-    </p:extLst>
-  </p:cSld>
-  <p:clrMapOvr>
-    <a:masterClrMapping/>
-  </p:clrMapOvr>
-</p:sld>
-</file>
-
-<file path=ppt/slides/slide7.xml><?xml version="1.0" encoding="utf-8"?>
 <p:sld xmlns:a="http://schemas.openxmlformats.org/drawingml/2006/main" xmlns:r="http://schemas.openxmlformats.org/officeDocument/2006/relationships" xmlns:p="http://schemas.openxmlformats.org/presentationml/2006/main">
   <p:cSld>
     <p:spTree>
